--- a/The Store App.pptx
+++ b/The Store App.pptx
@@ -110,6 +110,11 @@
       </a:defRPr>
     </a:lvl9pPr>
   </p:defaultTextStyle>
+  <p:extLst>
+    <p:ext uri="{EFAFB233-063F-42B5-8137-9DF3F51BA10A}">
+      <p15:sldGuideLst xmlns:p15="http://schemas.microsoft.com/office/powerpoint/2012/main"/>
+    </p:ext>
+  </p:extLst>
 </p:presentation>
 </file>
 
@@ -260,7 +265,7 @@
           <a:p>
             <a:fld id="{DBC4E9ED-2D54-46D5-9889-C2C1FBF05BFC}" type="datetimeFigureOut">
               <a:rPr lang="en-US" smtClean="0"/>
-              <a:t>4/17/2023</a:t>
+              <a:t>4/17/23</a:t>
             </a:fld>
             <a:endParaRPr lang="en-US"/>
           </a:p>
@@ -458,7 +463,7 @@
           <a:p>
             <a:fld id="{DBC4E9ED-2D54-46D5-9889-C2C1FBF05BFC}" type="datetimeFigureOut">
               <a:rPr lang="en-US" smtClean="0"/>
-              <a:t>4/17/2023</a:t>
+              <a:t>4/17/23</a:t>
             </a:fld>
             <a:endParaRPr lang="en-US"/>
           </a:p>
@@ -666,7 +671,7 @@
           <a:p>
             <a:fld id="{DBC4E9ED-2D54-46D5-9889-C2C1FBF05BFC}" type="datetimeFigureOut">
               <a:rPr lang="en-US" smtClean="0"/>
-              <a:t>4/17/2023</a:t>
+              <a:t>4/17/23</a:t>
             </a:fld>
             <a:endParaRPr lang="en-US"/>
           </a:p>
@@ -864,7 +869,7 @@
           <a:p>
             <a:fld id="{DBC4E9ED-2D54-46D5-9889-C2C1FBF05BFC}" type="datetimeFigureOut">
               <a:rPr lang="en-US" smtClean="0"/>
-              <a:t>4/17/2023</a:t>
+              <a:t>4/17/23</a:t>
             </a:fld>
             <a:endParaRPr lang="en-US"/>
           </a:p>
@@ -1139,7 +1144,7 @@
           <a:p>
             <a:fld id="{DBC4E9ED-2D54-46D5-9889-C2C1FBF05BFC}" type="datetimeFigureOut">
               <a:rPr lang="en-US" smtClean="0"/>
-              <a:t>4/17/2023</a:t>
+              <a:t>4/17/23</a:t>
             </a:fld>
             <a:endParaRPr lang="en-US"/>
           </a:p>
@@ -1404,7 +1409,7 @@
           <a:p>
             <a:fld id="{DBC4E9ED-2D54-46D5-9889-C2C1FBF05BFC}" type="datetimeFigureOut">
               <a:rPr lang="en-US" smtClean="0"/>
-              <a:t>4/17/2023</a:t>
+              <a:t>4/17/23</a:t>
             </a:fld>
             <a:endParaRPr lang="en-US"/>
           </a:p>
@@ -1816,7 +1821,7 @@
           <a:p>
             <a:fld id="{DBC4E9ED-2D54-46D5-9889-C2C1FBF05BFC}" type="datetimeFigureOut">
               <a:rPr lang="en-US" smtClean="0"/>
-              <a:t>4/17/2023</a:t>
+              <a:t>4/17/23</a:t>
             </a:fld>
             <a:endParaRPr lang="en-US"/>
           </a:p>
@@ -1957,7 +1962,7 @@
           <a:p>
             <a:fld id="{DBC4E9ED-2D54-46D5-9889-C2C1FBF05BFC}" type="datetimeFigureOut">
               <a:rPr lang="en-US" smtClean="0"/>
-              <a:t>4/17/2023</a:t>
+              <a:t>4/17/23</a:t>
             </a:fld>
             <a:endParaRPr lang="en-US"/>
           </a:p>
@@ -2070,7 +2075,7 @@
           <a:p>
             <a:fld id="{DBC4E9ED-2D54-46D5-9889-C2C1FBF05BFC}" type="datetimeFigureOut">
               <a:rPr lang="en-US" smtClean="0"/>
-              <a:t>4/17/2023</a:t>
+              <a:t>4/17/23</a:t>
             </a:fld>
             <a:endParaRPr lang="en-US"/>
           </a:p>
@@ -2381,7 +2386,7 @@
           <a:p>
             <a:fld id="{DBC4E9ED-2D54-46D5-9889-C2C1FBF05BFC}" type="datetimeFigureOut">
               <a:rPr lang="en-US" smtClean="0"/>
-              <a:t>4/17/2023</a:t>
+              <a:t>4/17/23</a:t>
             </a:fld>
             <a:endParaRPr lang="en-US"/>
           </a:p>
@@ -2669,7 +2674,7 @@
           <a:p>
             <a:fld id="{DBC4E9ED-2D54-46D5-9889-C2C1FBF05BFC}" type="datetimeFigureOut">
               <a:rPr lang="en-US" smtClean="0"/>
-              <a:t>4/17/2023</a:t>
+              <a:t>4/17/23</a:t>
             </a:fld>
             <a:endParaRPr lang="en-US"/>
           </a:p>
@@ -2910,7 +2915,7 @@
           <a:p>
             <a:fld id="{DBC4E9ED-2D54-46D5-9889-C2C1FBF05BFC}" type="datetimeFigureOut">
               <a:rPr lang="en-US" smtClean="0"/>
-              <a:t>4/17/2023</a:t>
+              <a:t>4/17/23</a:t>
             </a:fld>
             <a:endParaRPr lang="en-US"/>
           </a:p>
@@ -4928,7 +4933,15 @@
             </a:pPr>
             <a:r>
               <a:rPr lang="en-US" sz="2200" dirty="0"/>
-              <a:t>Zach Devore, (degree), (front/backend?), *Team Leader</a:t>
+              <a:t>Zach Devore, Computer </a:t>
+            </a:r>
+            <a:r>
+              <a:rPr lang="en-US" sz="2200"/>
+              <a:t>Programming, Team </a:t>
+            </a:r>
+            <a:r>
+              <a:rPr lang="en-US" sz="2200" dirty="0"/>
+              <a:t>Leader</a:t>
             </a:r>
           </a:p>
           <a:p>
@@ -4997,10 +5010,9 @@
               <a:buNone/>
             </a:pPr>
             <a:r>
-              <a:rPr lang="en-US" sz="2200"/>
-              <a:t>Subbu Devarajan</a:t>
-            </a:r>
-            <a:endParaRPr lang="en-US" sz="2200" dirty="0"/>
+              <a:rPr lang="en-US" sz="2200" dirty="0"/>
+              <a:t>Subbu Devarajan, Product Manager at Credit Suisse</a:t>
+            </a:r>
           </a:p>
         </p:txBody>
       </p:sp>

--- a/The Store App.pptx
+++ b/The Store App.pptx
@@ -1,26 +1,121 @@
 
 <file path=ppt/presentation.xml><?xml version="1.0" encoding="utf-8"?>
-<p:presentation xmlns:a="http://schemas.openxmlformats.org/drawingml/2006/main" xmlns:p="http://schemas.openxmlformats.org/presentationml/2006/main" xmlns:r="http://schemas.openxmlformats.org/officeDocument/2006/relationships" xmlns:p14="http://schemas.microsoft.com/office/powerpoint/2010/main" xmlns:p15="http://schemas.microsoft.com/office/powerpoint/2012/main" xmlns:mc="http://schemas.openxmlformats.org/markup-compatibility/2006">
+<p:presentation xmlns:a="http://schemas.openxmlformats.org/drawingml/2006/main" xmlns:r="http://schemas.openxmlformats.org/officeDocument/2006/relationships" xmlns:p="http://schemas.openxmlformats.org/presentationml/2006/main">
   <p:sldMasterIdLst>
-    <p:sldMasterId id="2147483648" r:id="rId2"/>
-    <p:sldMasterId id="2147483661" r:id="rId3"/>
+    <p:sldMasterId id="2147483648" r:id="rId1"/>
+    <p:sldMasterId id="2147483661" r:id="rId2"/>
   </p:sldMasterIdLst>
   <p:sldIdLst>
-    <p:sldId id="256" r:id="rId4"/>
-    <p:sldId id="257" r:id="rId5"/>
-    <p:sldId id="258" r:id="rId6"/>
-    <p:sldId id="259" r:id="rId7"/>
-    <p:sldId id="260" r:id="rId8"/>
-    <p:sldId id="261" r:id="rId9"/>
-    <p:sldId id="262" r:id="rId10"/>
+    <p:sldId id="256" r:id="rId3"/>
+    <p:sldId id="257" r:id="rId4"/>
+    <p:sldId id="258" r:id="rId5"/>
+    <p:sldId id="259" r:id="rId6"/>
+    <p:sldId id="260" r:id="rId7"/>
+    <p:sldId id="261" r:id="rId8"/>
+    <p:sldId id="262" r:id="rId9"/>
   </p:sldIdLst>
   <p:sldSz cx="12192000" cy="6858000"/>
   <p:notesSz cx="7772400" cy="10058400"/>
+  <p:defaultTextStyle>
+    <a:defPPr>
+      <a:defRPr lang="en-US"/>
+    </a:defPPr>
+    <a:lvl1pPr marL="0" algn="l" defTabSz="914400" rtl="0" eaLnBrk="1" latinLnBrk="0" hangingPunct="1">
+      <a:defRPr sz="1800" kern="1200">
+        <a:solidFill>
+          <a:schemeClr val="tx1"/>
+        </a:solidFill>
+        <a:latin typeface="+mn-lt"/>
+        <a:ea typeface="+mn-ea"/>
+        <a:cs typeface="+mn-cs"/>
+      </a:defRPr>
+    </a:lvl1pPr>
+    <a:lvl2pPr marL="457200" algn="l" defTabSz="914400" rtl="0" eaLnBrk="1" latinLnBrk="0" hangingPunct="1">
+      <a:defRPr sz="1800" kern="1200">
+        <a:solidFill>
+          <a:schemeClr val="tx1"/>
+        </a:solidFill>
+        <a:latin typeface="+mn-lt"/>
+        <a:ea typeface="+mn-ea"/>
+        <a:cs typeface="+mn-cs"/>
+      </a:defRPr>
+    </a:lvl2pPr>
+    <a:lvl3pPr marL="914400" algn="l" defTabSz="914400" rtl="0" eaLnBrk="1" latinLnBrk="0" hangingPunct="1">
+      <a:defRPr sz="1800" kern="1200">
+        <a:solidFill>
+          <a:schemeClr val="tx1"/>
+        </a:solidFill>
+        <a:latin typeface="+mn-lt"/>
+        <a:ea typeface="+mn-ea"/>
+        <a:cs typeface="+mn-cs"/>
+      </a:defRPr>
+    </a:lvl3pPr>
+    <a:lvl4pPr marL="1371600" algn="l" defTabSz="914400" rtl="0" eaLnBrk="1" latinLnBrk="0" hangingPunct="1">
+      <a:defRPr sz="1800" kern="1200">
+        <a:solidFill>
+          <a:schemeClr val="tx1"/>
+        </a:solidFill>
+        <a:latin typeface="+mn-lt"/>
+        <a:ea typeface="+mn-ea"/>
+        <a:cs typeface="+mn-cs"/>
+      </a:defRPr>
+    </a:lvl4pPr>
+    <a:lvl5pPr marL="1828800" algn="l" defTabSz="914400" rtl="0" eaLnBrk="1" latinLnBrk="0" hangingPunct="1">
+      <a:defRPr sz="1800" kern="1200">
+        <a:solidFill>
+          <a:schemeClr val="tx1"/>
+        </a:solidFill>
+        <a:latin typeface="+mn-lt"/>
+        <a:ea typeface="+mn-ea"/>
+        <a:cs typeface="+mn-cs"/>
+      </a:defRPr>
+    </a:lvl5pPr>
+    <a:lvl6pPr marL="2286000" algn="l" defTabSz="914400" rtl="0" eaLnBrk="1" latinLnBrk="0" hangingPunct="1">
+      <a:defRPr sz="1800" kern="1200">
+        <a:solidFill>
+          <a:schemeClr val="tx1"/>
+        </a:solidFill>
+        <a:latin typeface="+mn-lt"/>
+        <a:ea typeface="+mn-ea"/>
+        <a:cs typeface="+mn-cs"/>
+      </a:defRPr>
+    </a:lvl6pPr>
+    <a:lvl7pPr marL="2743200" algn="l" defTabSz="914400" rtl="0" eaLnBrk="1" latinLnBrk="0" hangingPunct="1">
+      <a:defRPr sz="1800" kern="1200">
+        <a:solidFill>
+          <a:schemeClr val="tx1"/>
+        </a:solidFill>
+        <a:latin typeface="+mn-lt"/>
+        <a:ea typeface="+mn-ea"/>
+        <a:cs typeface="+mn-cs"/>
+      </a:defRPr>
+    </a:lvl7pPr>
+    <a:lvl8pPr marL="3200400" algn="l" defTabSz="914400" rtl="0" eaLnBrk="1" latinLnBrk="0" hangingPunct="1">
+      <a:defRPr sz="1800" kern="1200">
+        <a:solidFill>
+          <a:schemeClr val="tx1"/>
+        </a:solidFill>
+        <a:latin typeface="+mn-lt"/>
+        <a:ea typeface="+mn-ea"/>
+        <a:cs typeface="+mn-cs"/>
+      </a:defRPr>
+    </a:lvl8pPr>
+    <a:lvl9pPr marL="3657600" algn="l" defTabSz="914400" rtl="0" eaLnBrk="1" latinLnBrk="0" hangingPunct="1">
+      <a:defRPr sz="1800" kern="1200">
+        <a:solidFill>
+          <a:schemeClr val="tx1"/>
+        </a:solidFill>
+        <a:latin typeface="+mn-lt"/>
+        <a:ea typeface="+mn-ea"/>
+        <a:cs typeface="+mn-cs"/>
+      </a:defRPr>
+    </a:lvl9pPr>
+  </p:defaultTextStyle>
 </p:presentation>
 </file>
 
 <file path=ppt/slideLayouts/slideLayout1.xml><?xml version="1.0" encoding="utf-8"?>
-<p:sldLayout xmlns:a="http://schemas.openxmlformats.org/drawingml/2006/main" xmlns:p="http://schemas.openxmlformats.org/presentationml/2006/main" xmlns:r="http://schemas.openxmlformats.org/officeDocument/2006/relationships" xmlns:p14="http://schemas.microsoft.com/office/powerpoint/2010/main" xmlns:p15="http://schemas.microsoft.com/office/powerpoint/2012/main" xmlns:mc="http://schemas.openxmlformats.org/markup-compatibility/2006" type="blank" preserve="1">
+<p:sldLayout xmlns:a="http://schemas.openxmlformats.org/drawingml/2006/main" xmlns:r="http://schemas.openxmlformats.org/officeDocument/2006/relationships" xmlns:p="http://schemas.openxmlformats.org/presentationml/2006/main" type="blank" preserve="1">
   <p:cSld name="Blank Slide">
     <p:spTree>
       <p:nvGrpSpPr>
@@ -49,6 +144,7 @@
         <p:spPr/>
         <p:txBody>
           <a:bodyPr/>
+          <a:lstStyle/>
           <a:p>
             <a:r>
               <a:t>Footer</a:t>
@@ -69,10 +165,12 @@
         <p:spPr/>
         <p:txBody>
           <a:bodyPr/>
+          <a:lstStyle/>
           <a:p>
             <a:fld id="{49F0D9F9-757D-46C9-A1AB-27265B85805F}" type="slidenum">
-              <a:t>&lt;#&gt;</a:t>
+              <a:t>‹#›</a:t>
             </a:fld>
+            <a:endParaRPr/>
           </a:p>
         </p:txBody>
       </p:sp>
@@ -89,21 +187,22 @@
         <p:spPr/>
         <p:txBody>
           <a:bodyPr/>
-          <a:p>
-            <a:r>
-              <a:rPr lang="en-US"/>
-              <a:t/>
-            </a:r>
+          <a:lstStyle/>
+          <a:p>
+            <a:endParaRPr/>
           </a:p>
         </p:txBody>
       </p:sp>
     </p:spTree>
   </p:cSld>
+  <p:clrMapOvr>
+    <a:masterClrMapping/>
+  </p:clrMapOvr>
 </p:sldLayout>
 </file>
 
 <file path=ppt/slideLayouts/slideLayout10.xml><?xml version="1.0" encoding="utf-8"?>
-<p:sldLayout xmlns:a="http://schemas.openxmlformats.org/drawingml/2006/main" xmlns:p="http://schemas.openxmlformats.org/presentationml/2006/main" xmlns:r="http://schemas.openxmlformats.org/officeDocument/2006/relationships" xmlns:p14="http://schemas.microsoft.com/office/powerpoint/2010/main" xmlns:p15="http://schemas.microsoft.com/office/powerpoint/2012/main" xmlns:mc="http://schemas.openxmlformats.org/markup-compatibility/2006" type="objOverTx" preserve="1">
+<p:sldLayout xmlns:a="http://schemas.openxmlformats.org/drawingml/2006/main" xmlns:r="http://schemas.openxmlformats.org/officeDocument/2006/relationships" xmlns:p="http://schemas.openxmlformats.org/presentationml/2006/main" type="objOverTx" preserve="1">
   <p:cSld name="Title, Content over Content">
     <p:spTree>
       <p:nvGrpSpPr>
@@ -143,14 +242,15 @@
           </a:ln>
         </p:spPr>
         <p:txBody>
-          <a:bodyPr lIns="0" rIns="0" tIns="0" bIns="0" anchor="ctr">
+          <a:bodyPr lIns="0" tIns="0" rIns="0" bIns="0" anchor="ctr">
             <a:noAutofit/>
           </a:bodyPr>
+          <a:lstStyle/>
           <a:p>
             <a:pPr indent="0">
               <a:buNone/>
             </a:pPr>
-            <a:endParaRPr b="0" lang="en-US" sz="1800" spc="-1" strike="noStrike">
+            <a:endParaRPr lang="en-US" sz="1800" b="0" strike="noStrike" spc="-1">
               <a:solidFill>
                 <a:srgbClr val="000000"/>
               </a:solidFill>
@@ -183,9 +283,10 @@
           </a:ln>
         </p:spPr>
         <p:txBody>
-          <a:bodyPr lIns="0" rIns="0" tIns="0" bIns="0" anchor="t">
+          <a:bodyPr lIns="0" tIns="0" rIns="0" bIns="0" anchor="t">
             <a:normAutofit/>
           </a:bodyPr>
+          <a:lstStyle/>
           <a:p>
             <a:pPr indent="0">
               <a:lnSpc>
@@ -196,7 +297,7 @@
               </a:spcBef>
               <a:buNone/>
             </a:pPr>
-            <a:endParaRPr b="0" lang="en-US" sz="2800" spc="-1" strike="noStrike">
+            <a:endParaRPr lang="en-US" sz="2800" b="0" strike="noStrike" spc="-1">
               <a:solidFill>
                 <a:srgbClr val="000000"/>
               </a:solidFill>
@@ -229,9 +330,10 @@
           </a:ln>
         </p:spPr>
         <p:txBody>
-          <a:bodyPr lIns="0" rIns="0" tIns="0" bIns="0" anchor="t">
+          <a:bodyPr lIns="0" tIns="0" rIns="0" bIns="0" anchor="t">
             <a:normAutofit/>
           </a:bodyPr>
+          <a:lstStyle/>
           <a:p>
             <a:pPr indent="0">
               <a:lnSpc>
@@ -242,7 +344,7 @@
               </a:spcBef>
               <a:buNone/>
             </a:pPr>
-            <a:endParaRPr b="0" lang="en-US" sz="2800" spc="-1" strike="noStrike">
+            <a:endParaRPr lang="en-US" sz="2800" b="0" strike="noStrike" spc="-1">
               <a:solidFill>
                 <a:srgbClr val="000000"/>
               </a:solidFill>
@@ -264,6 +366,7 @@
         <p:spPr/>
         <p:txBody>
           <a:bodyPr/>
+          <a:lstStyle/>
           <a:p>
             <a:r>
               <a:t>Footer</a:t>
@@ -284,10 +387,12 @@
         <p:spPr/>
         <p:txBody>
           <a:bodyPr/>
+          <a:lstStyle/>
           <a:p>
             <a:fld id="{69BDC8A2-57BE-4E71-8BE1-D0FD783387FC}" type="slidenum">
-              <a:t>&lt;#&gt;</a:t>
+              <a:t>‹#›</a:t>
             </a:fld>
+            <a:endParaRPr/>
           </a:p>
         </p:txBody>
       </p:sp>
@@ -304,21 +409,22 @@
         <p:spPr/>
         <p:txBody>
           <a:bodyPr/>
-          <a:p>
-            <a:r>
-              <a:rPr lang="en-US"/>
-              <a:t/>
-            </a:r>
+          <a:lstStyle/>
+          <a:p>
+            <a:endParaRPr/>
           </a:p>
         </p:txBody>
       </p:sp>
     </p:spTree>
   </p:cSld>
+  <p:clrMapOvr>
+    <a:masterClrMapping/>
+  </p:clrMapOvr>
 </p:sldLayout>
 </file>
 
 <file path=ppt/slideLayouts/slideLayout11.xml><?xml version="1.0" encoding="utf-8"?>
-<p:sldLayout xmlns:a="http://schemas.openxmlformats.org/drawingml/2006/main" xmlns:p="http://schemas.openxmlformats.org/presentationml/2006/main" xmlns:r="http://schemas.openxmlformats.org/officeDocument/2006/relationships" xmlns:p14="http://schemas.microsoft.com/office/powerpoint/2010/main" xmlns:p15="http://schemas.microsoft.com/office/powerpoint/2012/main" xmlns:mc="http://schemas.openxmlformats.org/markup-compatibility/2006" type="fourObj" preserve="1">
+<p:sldLayout xmlns:a="http://schemas.openxmlformats.org/drawingml/2006/main" xmlns:r="http://schemas.openxmlformats.org/officeDocument/2006/relationships" xmlns:p="http://schemas.openxmlformats.org/presentationml/2006/main" type="fourObj" preserve="1">
   <p:cSld name="Title, 4 Content">
     <p:spTree>
       <p:nvGrpSpPr>
@@ -358,14 +464,15 @@
           </a:ln>
         </p:spPr>
         <p:txBody>
-          <a:bodyPr lIns="0" rIns="0" tIns="0" bIns="0" anchor="ctr">
+          <a:bodyPr lIns="0" tIns="0" rIns="0" bIns="0" anchor="ctr">
             <a:noAutofit/>
           </a:bodyPr>
+          <a:lstStyle/>
           <a:p>
             <a:pPr indent="0">
               <a:buNone/>
             </a:pPr>
-            <a:endParaRPr b="0" lang="en-US" sz="1800" spc="-1" strike="noStrike">
+            <a:endParaRPr lang="en-US" sz="1800" b="0" strike="noStrike" spc="-1">
               <a:solidFill>
                 <a:srgbClr val="000000"/>
               </a:solidFill>
@@ -398,9 +505,10 @@
           </a:ln>
         </p:spPr>
         <p:txBody>
-          <a:bodyPr lIns="0" rIns="0" tIns="0" bIns="0" anchor="t">
+          <a:bodyPr lIns="0" tIns="0" rIns="0" bIns="0" anchor="t">
             <a:normAutofit/>
           </a:bodyPr>
+          <a:lstStyle/>
           <a:p>
             <a:pPr indent="0">
               <a:lnSpc>
@@ -411,7 +519,7 @@
               </a:spcBef>
               <a:buNone/>
             </a:pPr>
-            <a:endParaRPr b="0" lang="en-US" sz="2800" spc="-1" strike="noStrike">
+            <a:endParaRPr lang="en-US" sz="2800" b="0" strike="noStrike" spc="-1">
               <a:solidFill>
                 <a:srgbClr val="000000"/>
               </a:solidFill>
@@ -444,9 +552,10 @@
           </a:ln>
         </p:spPr>
         <p:txBody>
-          <a:bodyPr lIns="0" rIns="0" tIns="0" bIns="0" anchor="t">
+          <a:bodyPr lIns="0" tIns="0" rIns="0" bIns="0" anchor="t">
             <a:normAutofit/>
           </a:bodyPr>
+          <a:lstStyle/>
           <a:p>
             <a:pPr indent="0">
               <a:lnSpc>
@@ -457,7 +566,7 @@
               </a:spcBef>
               <a:buNone/>
             </a:pPr>
-            <a:endParaRPr b="0" lang="en-US" sz="2800" spc="-1" strike="noStrike">
+            <a:endParaRPr lang="en-US" sz="2800" b="0" strike="noStrike" spc="-1">
               <a:solidFill>
                 <a:srgbClr val="000000"/>
               </a:solidFill>
@@ -490,9 +599,10 @@
           </a:ln>
         </p:spPr>
         <p:txBody>
-          <a:bodyPr lIns="0" rIns="0" tIns="0" bIns="0" anchor="t">
+          <a:bodyPr lIns="0" tIns="0" rIns="0" bIns="0" anchor="t">
             <a:normAutofit/>
           </a:bodyPr>
+          <a:lstStyle/>
           <a:p>
             <a:pPr indent="0">
               <a:lnSpc>
@@ -503,7 +613,7 @@
               </a:spcBef>
               <a:buNone/>
             </a:pPr>
-            <a:endParaRPr b="0" lang="en-US" sz="2800" spc="-1" strike="noStrike">
+            <a:endParaRPr lang="en-US" sz="2800" b="0" strike="noStrike" spc="-1">
               <a:solidFill>
                 <a:srgbClr val="000000"/>
               </a:solidFill>
@@ -536,9 +646,10 @@
           </a:ln>
         </p:spPr>
         <p:txBody>
-          <a:bodyPr lIns="0" rIns="0" tIns="0" bIns="0" anchor="t">
+          <a:bodyPr lIns="0" tIns="0" rIns="0" bIns="0" anchor="t">
             <a:normAutofit/>
           </a:bodyPr>
+          <a:lstStyle/>
           <a:p>
             <a:pPr indent="0">
               <a:lnSpc>
@@ -549,7 +660,7 @@
               </a:spcBef>
               <a:buNone/>
             </a:pPr>
-            <a:endParaRPr b="0" lang="en-US" sz="2800" spc="-1" strike="noStrike">
+            <a:endParaRPr lang="en-US" sz="2800" b="0" strike="noStrike" spc="-1">
               <a:solidFill>
                 <a:srgbClr val="000000"/>
               </a:solidFill>
@@ -571,6 +682,7 @@
         <p:spPr/>
         <p:txBody>
           <a:bodyPr/>
+          <a:lstStyle/>
           <a:p>
             <a:r>
               <a:t>Footer</a:t>
@@ -591,10 +703,12 @@
         <p:spPr/>
         <p:txBody>
           <a:bodyPr/>
+          <a:lstStyle/>
           <a:p>
             <a:fld id="{57AE4E1B-A3EE-4C20-963F-B1E57BE10415}" type="slidenum">
-              <a:t>&lt;#&gt;</a:t>
+              <a:t>‹#›</a:t>
             </a:fld>
+            <a:endParaRPr/>
           </a:p>
         </p:txBody>
       </p:sp>
@@ -611,21 +725,22 @@
         <p:spPr/>
         <p:txBody>
           <a:bodyPr/>
-          <a:p>
-            <a:r>
-              <a:rPr lang="en-US"/>
-              <a:t/>
-            </a:r>
+          <a:lstStyle/>
+          <a:p>
+            <a:endParaRPr/>
           </a:p>
         </p:txBody>
       </p:sp>
     </p:spTree>
   </p:cSld>
+  <p:clrMapOvr>
+    <a:masterClrMapping/>
+  </p:clrMapOvr>
 </p:sldLayout>
 </file>
 
 <file path=ppt/slideLayouts/slideLayout12.xml><?xml version="1.0" encoding="utf-8"?>
-<p:sldLayout xmlns:a="http://schemas.openxmlformats.org/drawingml/2006/main" xmlns:p="http://schemas.openxmlformats.org/presentationml/2006/main" xmlns:r="http://schemas.openxmlformats.org/officeDocument/2006/relationships" xmlns:p14="http://schemas.microsoft.com/office/powerpoint/2010/main" xmlns:p15="http://schemas.microsoft.com/office/powerpoint/2012/main" xmlns:mc="http://schemas.openxmlformats.org/markup-compatibility/2006" type="blank" preserve="1">
+<p:sldLayout xmlns:a="http://schemas.openxmlformats.org/drawingml/2006/main" xmlns:r="http://schemas.openxmlformats.org/officeDocument/2006/relationships" xmlns:p="http://schemas.openxmlformats.org/presentationml/2006/main" type="blank" preserve="1">
   <p:cSld name="Title, 6 Content">
     <p:spTree>
       <p:nvGrpSpPr>
@@ -665,14 +780,15 @@
           </a:ln>
         </p:spPr>
         <p:txBody>
-          <a:bodyPr lIns="0" rIns="0" tIns="0" bIns="0" anchor="ctr">
+          <a:bodyPr lIns="0" tIns="0" rIns="0" bIns="0" anchor="ctr">
             <a:noAutofit/>
           </a:bodyPr>
+          <a:lstStyle/>
           <a:p>
             <a:pPr indent="0">
               <a:buNone/>
             </a:pPr>
-            <a:endParaRPr b="0" lang="en-US" sz="1800" spc="-1" strike="noStrike">
+            <a:endParaRPr lang="en-US" sz="1800" b="0" strike="noStrike" spc="-1">
               <a:solidFill>
                 <a:srgbClr val="000000"/>
               </a:solidFill>
@@ -705,9 +821,10 @@
           </a:ln>
         </p:spPr>
         <p:txBody>
-          <a:bodyPr lIns="0" rIns="0" tIns="0" bIns="0" anchor="t">
+          <a:bodyPr lIns="0" tIns="0" rIns="0" bIns="0" anchor="t">
             <a:normAutofit/>
           </a:bodyPr>
+          <a:lstStyle/>
           <a:p>
             <a:pPr indent="0">
               <a:lnSpc>
@@ -718,7 +835,7 @@
               </a:spcBef>
               <a:buNone/>
             </a:pPr>
-            <a:endParaRPr b="0" lang="en-US" sz="2800" spc="-1" strike="noStrike">
+            <a:endParaRPr lang="en-US" sz="2800" b="0" strike="noStrike" spc="-1">
               <a:solidFill>
                 <a:srgbClr val="000000"/>
               </a:solidFill>
@@ -751,9 +868,10 @@
           </a:ln>
         </p:spPr>
         <p:txBody>
-          <a:bodyPr lIns="0" rIns="0" tIns="0" bIns="0" anchor="t">
+          <a:bodyPr lIns="0" tIns="0" rIns="0" bIns="0" anchor="t">
             <a:normAutofit/>
           </a:bodyPr>
+          <a:lstStyle/>
           <a:p>
             <a:pPr indent="0">
               <a:lnSpc>
@@ -764,7 +882,7 @@
               </a:spcBef>
               <a:buNone/>
             </a:pPr>
-            <a:endParaRPr b="0" lang="en-US" sz="2800" spc="-1" strike="noStrike">
+            <a:endParaRPr lang="en-US" sz="2800" b="0" strike="noStrike" spc="-1">
               <a:solidFill>
                 <a:srgbClr val="000000"/>
               </a:solidFill>
@@ -797,9 +915,10 @@
           </a:ln>
         </p:spPr>
         <p:txBody>
-          <a:bodyPr lIns="0" rIns="0" tIns="0" bIns="0" anchor="t">
+          <a:bodyPr lIns="0" tIns="0" rIns="0" bIns="0" anchor="t">
             <a:normAutofit/>
           </a:bodyPr>
+          <a:lstStyle/>
           <a:p>
             <a:pPr indent="0">
               <a:lnSpc>
@@ -810,7 +929,7 @@
               </a:spcBef>
               <a:buNone/>
             </a:pPr>
-            <a:endParaRPr b="0" lang="en-US" sz="2800" spc="-1" strike="noStrike">
+            <a:endParaRPr lang="en-US" sz="2800" b="0" strike="noStrike" spc="-1">
               <a:solidFill>
                 <a:srgbClr val="000000"/>
               </a:solidFill>
@@ -843,9 +962,10 @@
           </a:ln>
         </p:spPr>
         <p:txBody>
-          <a:bodyPr lIns="0" rIns="0" tIns="0" bIns="0" anchor="t">
+          <a:bodyPr lIns="0" tIns="0" rIns="0" bIns="0" anchor="t">
             <a:normAutofit/>
           </a:bodyPr>
+          <a:lstStyle/>
           <a:p>
             <a:pPr indent="0">
               <a:lnSpc>
@@ -856,7 +976,7 @@
               </a:spcBef>
               <a:buNone/>
             </a:pPr>
-            <a:endParaRPr b="0" lang="en-US" sz="2800" spc="-1" strike="noStrike">
+            <a:endParaRPr lang="en-US" sz="2800" b="0" strike="noStrike" spc="-1">
               <a:solidFill>
                 <a:srgbClr val="000000"/>
               </a:solidFill>
@@ -889,9 +1009,10 @@
           </a:ln>
         </p:spPr>
         <p:txBody>
-          <a:bodyPr lIns="0" rIns="0" tIns="0" bIns="0" anchor="t">
+          <a:bodyPr lIns="0" tIns="0" rIns="0" bIns="0" anchor="t">
             <a:normAutofit/>
           </a:bodyPr>
+          <a:lstStyle/>
           <a:p>
             <a:pPr indent="0">
               <a:lnSpc>
@@ -902,7 +1023,7 @@
               </a:spcBef>
               <a:buNone/>
             </a:pPr>
-            <a:endParaRPr b="0" lang="en-US" sz="2800" spc="-1" strike="noStrike">
+            <a:endParaRPr lang="en-US" sz="2800" b="0" strike="noStrike" spc="-1">
               <a:solidFill>
                 <a:srgbClr val="000000"/>
               </a:solidFill>
@@ -935,9 +1056,10 @@
           </a:ln>
         </p:spPr>
         <p:txBody>
-          <a:bodyPr lIns="0" rIns="0" tIns="0" bIns="0" anchor="t">
+          <a:bodyPr lIns="0" tIns="0" rIns="0" bIns="0" anchor="t">
             <a:normAutofit/>
           </a:bodyPr>
+          <a:lstStyle/>
           <a:p>
             <a:pPr indent="0">
               <a:lnSpc>
@@ -948,7 +1070,7 @@
               </a:spcBef>
               <a:buNone/>
             </a:pPr>
-            <a:endParaRPr b="0" lang="en-US" sz="2800" spc="-1" strike="noStrike">
+            <a:endParaRPr lang="en-US" sz="2800" b="0" strike="noStrike" spc="-1">
               <a:solidFill>
                 <a:srgbClr val="000000"/>
               </a:solidFill>
@@ -970,6 +1092,7 @@
         <p:spPr/>
         <p:txBody>
           <a:bodyPr/>
+          <a:lstStyle/>
           <a:p>
             <a:r>
               <a:t>Footer</a:t>
@@ -990,10 +1113,12 @@
         <p:spPr/>
         <p:txBody>
           <a:bodyPr/>
+          <a:lstStyle/>
           <a:p>
             <a:fld id="{5615A1DD-0F0D-4CFC-90E7-3332A0808857}" type="slidenum">
-              <a:t>&lt;#&gt;</a:t>
+              <a:t>‹#›</a:t>
             </a:fld>
+            <a:endParaRPr/>
           </a:p>
         </p:txBody>
       </p:sp>
@@ -1010,21 +1135,22 @@
         <p:spPr/>
         <p:txBody>
           <a:bodyPr/>
-          <a:p>
-            <a:r>
-              <a:rPr lang="en-US"/>
-              <a:t/>
-            </a:r>
+          <a:lstStyle/>
+          <a:p>
+            <a:endParaRPr/>
           </a:p>
         </p:txBody>
       </p:sp>
     </p:spTree>
   </p:cSld>
+  <p:clrMapOvr>
+    <a:masterClrMapping/>
+  </p:clrMapOvr>
 </p:sldLayout>
 </file>
 
 <file path=ppt/slideLayouts/slideLayout13.xml><?xml version="1.0" encoding="utf-8"?>
-<p:sldLayout xmlns:a="http://schemas.openxmlformats.org/drawingml/2006/main" xmlns:p="http://schemas.openxmlformats.org/presentationml/2006/main" xmlns:r="http://schemas.openxmlformats.org/officeDocument/2006/relationships" xmlns:p14="http://schemas.microsoft.com/office/powerpoint/2010/main" xmlns:p15="http://schemas.microsoft.com/office/powerpoint/2012/main" xmlns:mc="http://schemas.openxmlformats.org/markup-compatibility/2006" type="blank" preserve="1">
+<p:sldLayout xmlns:a="http://schemas.openxmlformats.org/drawingml/2006/main" xmlns:r="http://schemas.openxmlformats.org/officeDocument/2006/relationships" xmlns:p="http://schemas.openxmlformats.org/presentationml/2006/main" type="blank" preserve="1">
   <p:cSld name="Blank Slide">
     <p:spTree>
       <p:nvGrpSpPr>
@@ -1053,6 +1179,7 @@
         <p:spPr/>
         <p:txBody>
           <a:bodyPr/>
+          <a:lstStyle/>
           <a:p>
             <a:r>
               <a:t>Footer</a:t>
@@ -1073,10 +1200,12 @@
         <p:spPr/>
         <p:txBody>
           <a:bodyPr/>
+          <a:lstStyle/>
           <a:p>
             <a:fld id="{37858255-7642-48D3-8FED-F852DCD345E2}" type="slidenum">
-              <a:t>&lt;#&gt;</a:t>
+              <a:t>‹#›</a:t>
             </a:fld>
+            <a:endParaRPr/>
           </a:p>
         </p:txBody>
       </p:sp>
@@ -1093,21 +1222,22 @@
         <p:spPr/>
         <p:txBody>
           <a:bodyPr/>
-          <a:p>
-            <a:r>
-              <a:rPr lang="en-US"/>
-              <a:t/>
-            </a:r>
+          <a:lstStyle/>
+          <a:p>
+            <a:endParaRPr/>
           </a:p>
         </p:txBody>
       </p:sp>
     </p:spTree>
   </p:cSld>
+  <p:clrMapOvr>
+    <a:masterClrMapping/>
+  </p:clrMapOvr>
 </p:sldLayout>
 </file>
 
 <file path=ppt/slideLayouts/slideLayout14.xml><?xml version="1.0" encoding="utf-8"?>
-<p:sldLayout xmlns:a="http://schemas.openxmlformats.org/drawingml/2006/main" xmlns:p="http://schemas.openxmlformats.org/presentationml/2006/main" xmlns:r="http://schemas.openxmlformats.org/officeDocument/2006/relationships" xmlns:p14="http://schemas.microsoft.com/office/powerpoint/2010/main" xmlns:p15="http://schemas.microsoft.com/office/powerpoint/2012/main" xmlns:mc="http://schemas.openxmlformats.org/markup-compatibility/2006" type="tx" preserve="1">
+<p:sldLayout xmlns:a="http://schemas.openxmlformats.org/drawingml/2006/main" xmlns:r="http://schemas.openxmlformats.org/officeDocument/2006/relationships" xmlns:p="http://schemas.openxmlformats.org/presentationml/2006/main" type="tx" preserve="1">
   <p:cSld name="Title Slide">
     <p:spTree>
       <p:nvGrpSpPr>
@@ -1147,14 +1277,15 @@
           </a:ln>
         </p:spPr>
         <p:txBody>
-          <a:bodyPr lIns="0" rIns="0" tIns="0" bIns="0" anchor="ctr">
+          <a:bodyPr lIns="0" tIns="0" rIns="0" bIns="0" anchor="ctr">
             <a:noAutofit/>
           </a:bodyPr>
+          <a:lstStyle/>
           <a:p>
             <a:pPr indent="0">
               <a:buNone/>
             </a:pPr>
-            <a:endParaRPr b="0" lang="en-US" sz="1800" spc="-1" strike="noStrike">
+            <a:endParaRPr lang="en-US" sz="1800" b="0" strike="noStrike" spc="-1">
               <a:solidFill>
                 <a:srgbClr val="000000"/>
               </a:solidFill>
@@ -1187,14 +1318,15 @@
           </a:ln>
         </p:spPr>
         <p:txBody>
-          <a:bodyPr lIns="0" rIns="0" tIns="0" bIns="0" anchor="ctr">
+          <a:bodyPr lIns="0" tIns="0" rIns="0" bIns="0" anchor="ctr">
             <a:noAutofit/>
           </a:bodyPr>
+          <a:lstStyle/>
           <a:p>
             <a:pPr indent="0" algn="ctr">
               <a:buNone/>
             </a:pPr>
-            <a:endParaRPr b="0" lang="en-US" sz="3200" spc="-1" strike="noStrike">
+            <a:endParaRPr lang="en-US" sz="3200" b="0" strike="noStrike" spc="-1">
               <a:solidFill>
                 <a:srgbClr val="000000"/>
               </a:solidFill>
@@ -1216,6 +1348,7 @@
         <p:spPr/>
         <p:txBody>
           <a:bodyPr/>
+          <a:lstStyle/>
           <a:p>
             <a:r>
               <a:t>Footer</a:t>
@@ -1236,10 +1369,12 @@
         <p:spPr/>
         <p:txBody>
           <a:bodyPr/>
+          <a:lstStyle/>
           <a:p>
             <a:fld id="{D4F6D6D1-58D6-4AA7-8AB4-CFF3B2910177}" type="slidenum">
-              <a:t>&lt;#&gt;</a:t>
+              <a:t>‹#›</a:t>
             </a:fld>
+            <a:endParaRPr/>
           </a:p>
         </p:txBody>
       </p:sp>
@@ -1256,21 +1391,22 @@
         <p:spPr/>
         <p:txBody>
           <a:bodyPr/>
-          <a:p>
-            <a:r>
-              <a:rPr lang="en-US"/>
-              <a:t/>
-            </a:r>
+          <a:lstStyle/>
+          <a:p>
+            <a:endParaRPr/>
           </a:p>
         </p:txBody>
       </p:sp>
     </p:spTree>
   </p:cSld>
+  <p:clrMapOvr>
+    <a:masterClrMapping/>
+  </p:clrMapOvr>
 </p:sldLayout>
 </file>
 
 <file path=ppt/slideLayouts/slideLayout15.xml><?xml version="1.0" encoding="utf-8"?>
-<p:sldLayout xmlns:a="http://schemas.openxmlformats.org/drawingml/2006/main" xmlns:p="http://schemas.openxmlformats.org/presentationml/2006/main" xmlns:r="http://schemas.openxmlformats.org/officeDocument/2006/relationships" xmlns:p14="http://schemas.microsoft.com/office/powerpoint/2010/main" xmlns:p15="http://schemas.microsoft.com/office/powerpoint/2012/main" xmlns:mc="http://schemas.openxmlformats.org/markup-compatibility/2006" type="obj" preserve="1">
+<p:sldLayout xmlns:a="http://schemas.openxmlformats.org/drawingml/2006/main" xmlns:r="http://schemas.openxmlformats.org/officeDocument/2006/relationships" xmlns:p="http://schemas.openxmlformats.org/presentationml/2006/main" type="obj" preserve="1">
   <p:cSld name="Title, Content">
     <p:spTree>
       <p:nvGrpSpPr>
@@ -1310,14 +1446,15 @@
           </a:ln>
         </p:spPr>
         <p:txBody>
-          <a:bodyPr lIns="0" rIns="0" tIns="0" bIns="0" anchor="ctr">
+          <a:bodyPr lIns="0" tIns="0" rIns="0" bIns="0" anchor="ctr">
             <a:noAutofit/>
           </a:bodyPr>
+          <a:lstStyle/>
           <a:p>
             <a:pPr indent="0">
               <a:buNone/>
             </a:pPr>
-            <a:endParaRPr b="0" lang="en-US" sz="1800" spc="-1" strike="noStrike">
+            <a:endParaRPr lang="en-US" sz="1800" b="0" strike="noStrike" spc="-1">
               <a:solidFill>
                 <a:srgbClr val="000000"/>
               </a:solidFill>
@@ -1350,9 +1487,10 @@
           </a:ln>
         </p:spPr>
         <p:txBody>
-          <a:bodyPr lIns="0" rIns="0" tIns="0" bIns="0" anchor="t">
+          <a:bodyPr lIns="0" tIns="0" rIns="0" bIns="0" anchor="t">
             <a:normAutofit/>
           </a:bodyPr>
+          <a:lstStyle/>
           <a:p>
             <a:pPr indent="0">
               <a:lnSpc>
@@ -1363,7 +1501,7 @@
               </a:spcBef>
               <a:buNone/>
             </a:pPr>
-            <a:endParaRPr b="0" lang="en-US" sz="2800" spc="-1" strike="noStrike">
+            <a:endParaRPr lang="en-US" sz="2800" b="0" strike="noStrike" spc="-1">
               <a:solidFill>
                 <a:srgbClr val="000000"/>
               </a:solidFill>
@@ -1385,6 +1523,7 @@
         <p:spPr/>
         <p:txBody>
           <a:bodyPr/>
+          <a:lstStyle/>
           <a:p>
             <a:r>
               <a:t>Footer</a:t>
@@ -1405,10 +1544,12 @@
         <p:spPr/>
         <p:txBody>
           <a:bodyPr/>
+          <a:lstStyle/>
           <a:p>
             <a:fld id="{35D47B8C-3C34-4EBD-BB51-56556D4D2C51}" type="slidenum">
-              <a:t>&lt;#&gt;</a:t>
+              <a:t>‹#›</a:t>
             </a:fld>
+            <a:endParaRPr/>
           </a:p>
         </p:txBody>
       </p:sp>
@@ -1425,21 +1566,22 @@
         <p:spPr/>
         <p:txBody>
           <a:bodyPr/>
-          <a:p>
-            <a:r>
-              <a:rPr lang="en-US"/>
-              <a:t/>
-            </a:r>
+          <a:lstStyle/>
+          <a:p>
+            <a:endParaRPr/>
           </a:p>
         </p:txBody>
       </p:sp>
     </p:spTree>
   </p:cSld>
+  <p:clrMapOvr>
+    <a:masterClrMapping/>
+  </p:clrMapOvr>
 </p:sldLayout>
 </file>
 
 <file path=ppt/slideLayouts/slideLayout16.xml><?xml version="1.0" encoding="utf-8"?>
-<p:sldLayout xmlns:a="http://schemas.openxmlformats.org/drawingml/2006/main" xmlns:p="http://schemas.openxmlformats.org/presentationml/2006/main" xmlns:r="http://schemas.openxmlformats.org/officeDocument/2006/relationships" xmlns:p14="http://schemas.microsoft.com/office/powerpoint/2010/main" xmlns:p15="http://schemas.microsoft.com/office/powerpoint/2012/main" xmlns:mc="http://schemas.openxmlformats.org/markup-compatibility/2006" type="twoObj" preserve="1">
+<p:sldLayout xmlns:a="http://schemas.openxmlformats.org/drawingml/2006/main" xmlns:r="http://schemas.openxmlformats.org/officeDocument/2006/relationships" xmlns:p="http://schemas.openxmlformats.org/presentationml/2006/main" type="twoObj" preserve="1">
   <p:cSld name="Title, 2 Content">
     <p:spTree>
       <p:nvGrpSpPr>
@@ -1479,14 +1621,15 @@
           </a:ln>
         </p:spPr>
         <p:txBody>
-          <a:bodyPr lIns="0" rIns="0" tIns="0" bIns="0" anchor="ctr">
+          <a:bodyPr lIns="0" tIns="0" rIns="0" bIns="0" anchor="ctr">
             <a:noAutofit/>
           </a:bodyPr>
+          <a:lstStyle/>
           <a:p>
             <a:pPr indent="0">
               <a:buNone/>
             </a:pPr>
-            <a:endParaRPr b="0" lang="en-US" sz="1800" spc="-1" strike="noStrike">
+            <a:endParaRPr lang="en-US" sz="1800" b="0" strike="noStrike" spc="-1">
               <a:solidFill>
                 <a:srgbClr val="000000"/>
               </a:solidFill>
@@ -1519,9 +1662,10 @@
           </a:ln>
         </p:spPr>
         <p:txBody>
-          <a:bodyPr lIns="0" rIns="0" tIns="0" bIns="0" anchor="t">
+          <a:bodyPr lIns="0" tIns="0" rIns="0" bIns="0" anchor="t">
             <a:normAutofit/>
           </a:bodyPr>
+          <a:lstStyle/>
           <a:p>
             <a:pPr indent="0">
               <a:lnSpc>
@@ -1532,7 +1676,7 @@
               </a:spcBef>
               <a:buNone/>
             </a:pPr>
-            <a:endParaRPr b="0" lang="en-US" sz="2800" spc="-1" strike="noStrike">
+            <a:endParaRPr lang="en-US" sz="2800" b="0" strike="noStrike" spc="-1">
               <a:solidFill>
                 <a:srgbClr val="000000"/>
               </a:solidFill>
@@ -1565,9 +1709,10 @@
           </a:ln>
         </p:spPr>
         <p:txBody>
-          <a:bodyPr lIns="0" rIns="0" tIns="0" bIns="0" anchor="t">
+          <a:bodyPr lIns="0" tIns="0" rIns="0" bIns="0" anchor="t">
             <a:normAutofit/>
           </a:bodyPr>
+          <a:lstStyle/>
           <a:p>
             <a:pPr indent="0">
               <a:lnSpc>
@@ -1578,7 +1723,7 @@
               </a:spcBef>
               <a:buNone/>
             </a:pPr>
-            <a:endParaRPr b="0" lang="en-US" sz="2800" spc="-1" strike="noStrike">
+            <a:endParaRPr lang="en-US" sz="2800" b="0" strike="noStrike" spc="-1">
               <a:solidFill>
                 <a:srgbClr val="000000"/>
               </a:solidFill>
@@ -1600,6 +1745,7 @@
         <p:spPr/>
         <p:txBody>
           <a:bodyPr/>
+          <a:lstStyle/>
           <a:p>
             <a:r>
               <a:t>Footer</a:t>
@@ -1620,10 +1766,12 @@
         <p:spPr/>
         <p:txBody>
           <a:bodyPr/>
+          <a:lstStyle/>
           <a:p>
             <a:fld id="{9861BDEC-3090-44FA-827E-A6B40ADE8540}" type="slidenum">
-              <a:t>&lt;#&gt;</a:t>
+              <a:t>‹#›</a:t>
             </a:fld>
+            <a:endParaRPr/>
           </a:p>
         </p:txBody>
       </p:sp>
@@ -1640,21 +1788,22 @@
         <p:spPr/>
         <p:txBody>
           <a:bodyPr/>
-          <a:p>
-            <a:r>
-              <a:rPr lang="en-US"/>
-              <a:t/>
-            </a:r>
+          <a:lstStyle/>
+          <a:p>
+            <a:endParaRPr/>
           </a:p>
         </p:txBody>
       </p:sp>
     </p:spTree>
   </p:cSld>
+  <p:clrMapOvr>
+    <a:masterClrMapping/>
+  </p:clrMapOvr>
 </p:sldLayout>
 </file>
 
 <file path=ppt/slideLayouts/slideLayout17.xml><?xml version="1.0" encoding="utf-8"?>
-<p:sldLayout xmlns:a="http://schemas.openxmlformats.org/drawingml/2006/main" xmlns:p="http://schemas.openxmlformats.org/presentationml/2006/main" xmlns:r="http://schemas.openxmlformats.org/officeDocument/2006/relationships" xmlns:p14="http://schemas.microsoft.com/office/powerpoint/2010/main" xmlns:p15="http://schemas.microsoft.com/office/powerpoint/2012/main" xmlns:mc="http://schemas.openxmlformats.org/markup-compatibility/2006" type="titleOnly" preserve="1">
+<p:sldLayout xmlns:a="http://schemas.openxmlformats.org/drawingml/2006/main" xmlns:r="http://schemas.openxmlformats.org/officeDocument/2006/relationships" xmlns:p="http://schemas.openxmlformats.org/presentationml/2006/main" type="titleOnly" preserve="1">
   <p:cSld name="Title Only">
     <p:spTree>
       <p:nvGrpSpPr>
@@ -1694,14 +1843,15 @@
           </a:ln>
         </p:spPr>
         <p:txBody>
-          <a:bodyPr lIns="0" rIns="0" tIns="0" bIns="0" anchor="ctr">
+          <a:bodyPr lIns="0" tIns="0" rIns="0" bIns="0" anchor="ctr">
             <a:noAutofit/>
           </a:bodyPr>
+          <a:lstStyle/>
           <a:p>
             <a:pPr indent="0">
               <a:buNone/>
             </a:pPr>
-            <a:endParaRPr b="0" lang="en-US" sz="1800" spc="-1" strike="noStrike">
+            <a:endParaRPr lang="en-US" sz="1800" b="0" strike="noStrike" spc="-1">
               <a:solidFill>
                 <a:srgbClr val="000000"/>
               </a:solidFill>
@@ -1723,6 +1873,7 @@
         <p:spPr/>
         <p:txBody>
           <a:bodyPr/>
+          <a:lstStyle/>
           <a:p>
             <a:r>
               <a:t>Footer</a:t>
@@ -1743,10 +1894,12 @@
         <p:spPr/>
         <p:txBody>
           <a:bodyPr/>
+          <a:lstStyle/>
           <a:p>
             <a:fld id="{56C1384B-DF39-4ED8-9EA2-B686D2CFAEC0}" type="slidenum">
-              <a:t>&lt;#&gt;</a:t>
+              <a:t>‹#›</a:t>
             </a:fld>
+            <a:endParaRPr/>
           </a:p>
         </p:txBody>
       </p:sp>
@@ -1763,21 +1916,22 @@
         <p:spPr/>
         <p:txBody>
           <a:bodyPr/>
-          <a:p>
-            <a:r>
-              <a:rPr lang="en-US"/>
-              <a:t/>
-            </a:r>
+          <a:lstStyle/>
+          <a:p>
+            <a:endParaRPr/>
           </a:p>
         </p:txBody>
       </p:sp>
     </p:spTree>
   </p:cSld>
+  <p:clrMapOvr>
+    <a:masterClrMapping/>
+  </p:clrMapOvr>
 </p:sldLayout>
 </file>
 
 <file path=ppt/slideLayouts/slideLayout18.xml><?xml version="1.0" encoding="utf-8"?>
-<p:sldLayout xmlns:a="http://schemas.openxmlformats.org/drawingml/2006/main" xmlns:p="http://schemas.openxmlformats.org/presentationml/2006/main" xmlns:r="http://schemas.openxmlformats.org/officeDocument/2006/relationships" xmlns:p14="http://schemas.microsoft.com/office/powerpoint/2010/main" xmlns:p15="http://schemas.microsoft.com/office/powerpoint/2012/main" xmlns:mc="http://schemas.openxmlformats.org/markup-compatibility/2006" type="objOnly" preserve="1">
+<p:sldLayout xmlns:a="http://schemas.openxmlformats.org/drawingml/2006/main" xmlns:r="http://schemas.openxmlformats.org/officeDocument/2006/relationships" xmlns:p="http://schemas.openxmlformats.org/presentationml/2006/main" type="objOnly" preserve="1">
   <p:cSld name="Centered Text">
     <p:spTree>
       <p:nvGrpSpPr>
@@ -1817,12 +1971,13 @@
           </a:ln>
         </p:spPr>
         <p:txBody>
-          <a:bodyPr lIns="0" rIns="0" tIns="0" bIns="0" anchor="ctr">
+          <a:bodyPr lIns="0" tIns="0" rIns="0" bIns="0" anchor="ctr">
             <a:noAutofit/>
           </a:bodyPr>
+          <a:lstStyle/>
           <a:p>
             <a:pPr algn="ctr"/>
-            <a:endParaRPr b="0" lang="en-US" sz="3200" spc="-1" strike="noStrike">
+            <a:endParaRPr lang="en-US" sz="3200" b="0" strike="noStrike" spc="-1">
               <a:solidFill>
                 <a:srgbClr val="000000"/>
               </a:solidFill>
@@ -1844,6 +1999,7 @@
         <p:spPr/>
         <p:txBody>
           <a:bodyPr/>
+          <a:lstStyle/>
           <a:p>
             <a:r>
               <a:t>Footer</a:t>
@@ -1864,10 +2020,12 @@
         <p:spPr/>
         <p:txBody>
           <a:bodyPr/>
+          <a:lstStyle/>
           <a:p>
             <a:fld id="{A7CEC03E-C982-42C7-A611-6A7770FD9007}" type="slidenum">
-              <a:t>&lt;#&gt;</a:t>
+              <a:t>‹#›</a:t>
             </a:fld>
+            <a:endParaRPr/>
           </a:p>
         </p:txBody>
       </p:sp>
@@ -1884,21 +2042,22 @@
         <p:spPr/>
         <p:txBody>
           <a:bodyPr/>
-          <a:p>
-            <a:r>
-              <a:rPr lang="en-US"/>
-              <a:t/>
-            </a:r>
+          <a:lstStyle/>
+          <a:p>
+            <a:endParaRPr/>
           </a:p>
         </p:txBody>
       </p:sp>
     </p:spTree>
   </p:cSld>
+  <p:clrMapOvr>
+    <a:masterClrMapping/>
+  </p:clrMapOvr>
 </p:sldLayout>
 </file>
 
 <file path=ppt/slideLayouts/slideLayout19.xml><?xml version="1.0" encoding="utf-8"?>
-<p:sldLayout xmlns:a="http://schemas.openxmlformats.org/drawingml/2006/main" xmlns:p="http://schemas.openxmlformats.org/presentationml/2006/main" xmlns:r="http://schemas.openxmlformats.org/officeDocument/2006/relationships" xmlns:p14="http://schemas.microsoft.com/office/powerpoint/2010/main" xmlns:p15="http://schemas.microsoft.com/office/powerpoint/2012/main" xmlns:mc="http://schemas.openxmlformats.org/markup-compatibility/2006" type="twoObjAndObj" preserve="1">
+<p:sldLayout xmlns:a="http://schemas.openxmlformats.org/drawingml/2006/main" xmlns:r="http://schemas.openxmlformats.org/officeDocument/2006/relationships" xmlns:p="http://schemas.openxmlformats.org/presentationml/2006/main" type="twoObjAndObj" preserve="1">
   <p:cSld name="Title, 2 Content and Content">
     <p:spTree>
       <p:nvGrpSpPr>
@@ -1938,14 +2097,15 @@
           </a:ln>
         </p:spPr>
         <p:txBody>
-          <a:bodyPr lIns="0" rIns="0" tIns="0" bIns="0" anchor="ctr">
+          <a:bodyPr lIns="0" tIns="0" rIns="0" bIns="0" anchor="ctr">
             <a:noAutofit/>
           </a:bodyPr>
+          <a:lstStyle/>
           <a:p>
             <a:pPr indent="0">
               <a:buNone/>
             </a:pPr>
-            <a:endParaRPr b="0" lang="en-US" sz="1800" spc="-1" strike="noStrike">
+            <a:endParaRPr lang="en-US" sz="1800" b="0" strike="noStrike" spc="-1">
               <a:solidFill>
                 <a:srgbClr val="000000"/>
               </a:solidFill>
@@ -1978,9 +2138,10 @@
           </a:ln>
         </p:spPr>
         <p:txBody>
-          <a:bodyPr lIns="0" rIns="0" tIns="0" bIns="0" anchor="t">
+          <a:bodyPr lIns="0" tIns="0" rIns="0" bIns="0" anchor="t">
             <a:normAutofit/>
           </a:bodyPr>
+          <a:lstStyle/>
           <a:p>
             <a:pPr indent="0">
               <a:lnSpc>
@@ -1991,7 +2152,7 @@
               </a:spcBef>
               <a:buNone/>
             </a:pPr>
-            <a:endParaRPr b="0" lang="en-US" sz="2800" spc="-1" strike="noStrike">
+            <a:endParaRPr lang="en-US" sz="2800" b="0" strike="noStrike" spc="-1">
               <a:solidFill>
                 <a:srgbClr val="000000"/>
               </a:solidFill>
@@ -2024,9 +2185,10 @@
           </a:ln>
         </p:spPr>
         <p:txBody>
-          <a:bodyPr lIns="0" rIns="0" tIns="0" bIns="0" anchor="t">
+          <a:bodyPr lIns="0" tIns="0" rIns="0" bIns="0" anchor="t">
             <a:normAutofit/>
           </a:bodyPr>
+          <a:lstStyle/>
           <a:p>
             <a:pPr indent="0">
               <a:lnSpc>
@@ -2037,7 +2199,7 @@
               </a:spcBef>
               <a:buNone/>
             </a:pPr>
-            <a:endParaRPr b="0" lang="en-US" sz="2800" spc="-1" strike="noStrike">
+            <a:endParaRPr lang="en-US" sz="2800" b="0" strike="noStrike" spc="-1">
               <a:solidFill>
                 <a:srgbClr val="000000"/>
               </a:solidFill>
@@ -2070,9 +2232,10 @@
           </a:ln>
         </p:spPr>
         <p:txBody>
-          <a:bodyPr lIns="0" rIns="0" tIns="0" bIns="0" anchor="t">
+          <a:bodyPr lIns="0" tIns="0" rIns="0" bIns="0" anchor="t">
             <a:normAutofit/>
           </a:bodyPr>
+          <a:lstStyle/>
           <a:p>
             <a:pPr indent="0">
               <a:lnSpc>
@@ -2083,7 +2246,7 @@
               </a:spcBef>
               <a:buNone/>
             </a:pPr>
-            <a:endParaRPr b="0" lang="en-US" sz="2800" spc="-1" strike="noStrike">
+            <a:endParaRPr lang="en-US" sz="2800" b="0" strike="noStrike" spc="-1">
               <a:solidFill>
                 <a:srgbClr val="000000"/>
               </a:solidFill>
@@ -2105,6 +2268,7 @@
         <p:spPr/>
         <p:txBody>
           <a:bodyPr/>
+          <a:lstStyle/>
           <a:p>
             <a:r>
               <a:t>Footer</a:t>
@@ -2125,10 +2289,12 @@
         <p:spPr/>
         <p:txBody>
           <a:bodyPr/>
+          <a:lstStyle/>
           <a:p>
             <a:fld id="{D834A11F-E54E-4BD3-BC3B-1585FA7B02FE}" type="slidenum">
-              <a:t>&lt;#&gt;</a:t>
+              <a:t>‹#›</a:t>
             </a:fld>
+            <a:endParaRPr/>
           </a:p>
         </p:txBody>
       </p:sp>
@@ -2145,21 +2311,22 @@
         <p:spPr/>
         <p:txBody>
           <a:bodyPr/>
-          <a:p>
-            <a:r>
-              <a:rPr lang="en-US"/>
-              <a:t/>
-            </a:r>
+          <a:lstStyle/>
+          <a:p>
+            <a:endParaRPr/>
           </a:p>
         </p:txBody>
       </p:sp>
     </p:spTree>
   </p:cSld>
+  <p:clrMapOvr>
+    <a:masterClrMapping/>
+  </p:clrMapOvr>
 </p:sldLayout>
 </file>
 
 <file path=ppt/slideLayouts/slideLayout2.xml><?xml version="1.0" encoding="utf-8"?>
-<p:sldLayout xmlns:a="http://schemas.openxmlformats.org/drawingml/2006/main" xmlns:p="http://schemas.openxmlformats.org/presentationml/2006/main" xmlns:r="http://schemas.openxmlformats.org/officeDocument/2006/relationships" xmlns:p14="http://schemas.microsoft.com/office/powerpoint/2010/main" xmlns:p15="http://schemas.microsoft.com/office/powerpoint/2012/main" xmlns:mc="http://schemas.openxmlformats.org/markup-compatibility/2006" type="tx" preserve="1">
+<p:sldLayout xmlns:a="http://schemas.openxmlformats.org/drawingml/2006/main" xmlns:r="http://schemas.openxmlformats.org/officeDocument/2006/relationships" xmlns:p="http://schemas.openxmlformats.org/presentationml/2006/main" type="tx" preserve="1">
   <p:cSld name="Title Slide">
     <p:spTree>
       <p:nvGrpSpPr>
@@ -2199,14 +2366,15 @@
           </a:ln>
         </p:spPr>
         <p:txBody>
-          <a:bodyPr lIns="0" rIns="0" tIns="0" bIns="0" anchor="ctr">
+          <a:bodyPr lIns="0" tIns="0" rIns="0" bIns="0" anchor="ctr">
             <a:noAutofit/>
           </a:bodyPr>
+          <a:lstStyle/>
           <a:p>
             <a:pPr indent="0">
               <a:buNone/>
             </a:pPr>
-            <a:endParaRPr b="0" lang="en-US" sz="1800" spc="-1" strike="noStrike">
+            <a:endParaRPr lang="en-US" sz="1800" b="0" strike="noStrike" spc="-1">
               <a:solidFill>
                 <a:srgbClr val="000000"/>
               </a:solidFill>
@@ -2239,14 +2407,15 @@
           </a:ln>
         </p:spPr>
         <p:txBody>
-          <a:bodyPr lIns="0" rIns="0" tIns="0" bIns="0" anchor="ctr">
+          <a:bodyPr lIns="0" tIns="0" rIns="0" bIns="0" anchor="ctr">
             <a:noAutofit/>
           </a:bodyPr>
+          <a:lstStyle/>
           <a:p>
             <a:pPr indent="0" algn="ctr">
               <a:buNone/>
             </a:pPr>
-            <a:endParaRPr b="0" lang="en-US" sz="3200" spc="-1" strike="noStrike">
+            <a:endParaRPr lang="en-US" sz="3200" b="0" strike="noStrike" spc="-1">
               <a:solidFill>
                 <a:srgbClr val="000000"/>
               </a:solidFill>
@@ -2268,6 +2437,7 @@
         <p:spPr/>
         <p:txBody>
           <a:bodyPr/>
+          <a:lstStyle/>
           <a:p>
             <a:r>
               <a:t>Footer</a:t>
@@ -2277,7 +2447,7 @@
       </p:sp>
       <p:sp>
         <p:nvSpPr>
-          <p:cNvPr id="5" name="PlaceHolder 4"/>
+          <p:cNvPr id="2" name="PlaceHolder 4"/>
           <p:cNvSpPr>
             <a:spLocks noGrp="1"/>
           </p:cNvSpPr>
@@ -2288,16 +2458,18 @@
         <p:spPr/>
         <p:txBody>
           <a:bodyPr/>
+          <a:lstStyle/>
           <a:p>
             <a:fld id="{DC5C044D-7965-424A-A9F3-1FCA16A6DA25}" type="slidenum">
-              <a:t>&lt;#&gt;</a:t>
+              <a:t>‹#›</a:t>
             </a:fld>
-          </a:p>
-        </p:txBody>
-      </p:sp>
-      <p:sp>
-        <p:nvSpPr>
-          <p:cNvPr id="6" name="PlaceHolder 5"/>
+            <a:endParaRPr/>
+          </a:p>
+        </p:txBody>
+      </p:sp>
+      <p:sp>
+        <p:nvSpPr>
+          <p:cNvPr id="3" name="PlaceHolder 5"/>
           <p:cNvSpPr>
             <a:spLocks noGrp="1"/>
           </p:cNvSpPr>
@@ -2308,21 +2480,22 @@
         <p:spPr/>
         <p:txBody>
           <a:bodyPr/>
-          <a:p>
-            <a:r>
-              <a:rPr lang="en-US"/>
-              <a:t/>
-            </a:r>
+          <a:lstStyle/>
+          <a:p>
+            <a:endParaRPr/>
           </a:p>
         </p:txBody>
       </p:sp>
     </p:spTree>
   </p:cSld>
+  <p:clrMapOvr>
+    <a:masterClrMapping/>
+  </p:clrMapOvr>
 </p:sldLayout>
 </file>
 
 <file path=ppt/slideLayouts/slideLayout20.xml><?xml version="1.0" encoding="utf-8"?>
-<p:sldLayout xmlns:a="http://schemas.openxmlformats.org/drawingml/2006/main" xmlns:p="http://schemas.openxmlformats.org/presentationml/2006/main" xmlns:r="http://schemas.openxmlformats.org/officeDocument/2006/relationships" xmlns:p14="http://schemas.microsoft.com/office/powerpoint/2010/main" xmlns:p15="http://schemas.microsoft.com/office/powerpoint/2012/main" xmlns:mc="http://schemas.openxmlformats.org/markup-compatibility/2006" type="objAndTwoObj" preserve="1">
+<p:sldLayout xmlns:a="http://schemas.openxmlformats.org/drawingml/2006/main" xmlns:r="http://schemas.openxmlformats.org/officeDocument/2006/relationships" xmlns:p="http://schemas.openxmlformats.org/presentationml/2006/main" type="objAndTwoObj" preserve="1">
   <p:cSld name="Title Content and 2 Content">
     <p:spTree>
       <p:nvGrpSpPr>
@@ -2362,14 +2535,15 @@
           </a:ln>
         </p:spPr>
         <p:txBody>
-          <a:bodyPr lIns="0" rIns="0" tIns="0" bIns="0" anchor="ctr">
+          <a:bodyPr lIns="0" tIns="0" rIns="0" bIns="0" anchor="ctr">
             <a:noAutofit/>
           </a:bodyPr>
+          <a:lstStyle/>
           <a:p>
             <a:pPr indent="0">
               <a:buNone/>
             </a:pPr>
-            <a:endParaRPr b="0" lang="en-US" sz="1800" spc="-1" strike="noStrike">
+            <a:endParaRPr lang="en-US" sz="1800" b="0" strike="noStrike" spc="-1">
               <a:solidFill>
                 <a:srgbClr val="000000"/>
               </a:solidFill>
@@ -2402,9 +2576,10 @@
           </a:ln>
         </p:spPr>
         <p:txBody>
-          <a:bodyPr lIns="0" rIns="0" tIns="0" bIns="0" anchor="t">
+          <a:bodyPr lIns="0" tIns="0" rIns="0" bIns="0" anchor="t">
             <a:normAutofit/>
           </a:bodyPr>
+          <a:lstStyle/>
           <a:p>
             <a:pPr indent="0">
               <a:lnSpc>
@@ -2415,7 +2590,7 @@
               </a:spcBef>
               <a:buNone/>
             </a:pPr>
-            <a:endParaRPr b="0" lang="en-US" sz="2800" spc="-1" strike="noStrike">
+            <a:endParaRPr lang="en-US" sz="2800" b="0" strike="noStrike" spc="-1">
               <a:solidFill>
                 <a:srgbClr val="000000"/>
               </a:solidFill>
@@ -2448,9 +2623,10 @@
           </a:ln>
         </p:spPr>
         <p:txBody>
-          <a:bodyPr lIns="0" rIns="0" tIns="0" bIns="0" anchor="t">
+          <a:bodyPr lIns="0" tIns="0" rIns="0" bIns="0" anchor="t">
             <a:normAutofit/>
           </a:bodyPr>
+          <a:lstStyle/>
           <a:p>
             <a:pPr indent="0">
               <a:lnSpc>
@@ -2461,7 +2637,7 @@
               </a:spcBef>
               <a:buNone/>
             </a:pPr>
-            <a:endParaRPr b="0" lang="en-US" sz="2800" spc="-1" strike="noStrike">
+            <a:endParaRPr lang="en-US" sz="2800" b="0" strike="noStrike" spc="-1">
               <a:solidFill>
                 <a:srgbClr val="000000"/>
               </a:solidFill>
@@ -2494,9 +2670,10 @@
           </a:ln>
         </p:spPr>
         <p:txBody>
-          <a:bodyPr lIns="0" rIns="0" tIns="0" bIns="0" anchor="t">
+          <a:bodyPr lIns="0" tIns="0" rIns="0" bIns="0" anchor="t">
             <a:normAutofit/>
           </a:bodyPr>
+          <a:lstStyle/>
           <a:p>
             <a:pPr indent="0">
               <a:lnSpc>
@@ -2507,7 +2684,7 @@
               </a:spcBef>
               <a:buNone/>
             </a:pPr>
-            <a:endParaRPr b="0" lang="en-US" sz="2800" spc="-1" strike="noStrike">
+            <a:endParaRPr lang="en-US" sz="2800" b="0" strike="noStrike" spc="-1">
               <a:solidFill>
                 <a:srgbClr val="000000"/>
               </a:solidFill>
@@ -2529,6 +2706,7 @@
         <p:spPr/>
         <p:txBody>
           <a:bodyPr/>
+          <a:lstStyle/>
           <a:p>
             <a:r>
               <a:t>Footer</a:t>
@@ -2549,10 +2727,12 @@
         <p:spPr/>
         <p:txBody>
           <a:bodyPr/>
+          <a:lstStyle/>
           <a:p>
             <a:fld id="{B817C89E-A71D-494B-94F7-2A458EBA065B}" type="slidenum">
-              <a:t>&lt;#&gt;</a:t>
+              <a:t>‹#›</a:t>
             </a:fld>
+            <a:endParaRPr/>
           </a:p>
         </p:txBody>
       </p:sp>
@@ -2569,21 +2749,22 @@
         <p:spPr/>
         <p:txBody>
           <a:bodyPr/>
-          <a:p>
-            <a:r>
-              <a:rPr lang="en-US"/>
-              <a:t/>
-            </a:r>
+          <a:lstStyle/>
+          <a:p>
+            <a:endParaRPr/>
           </a:p>
         </p:txBody>
       </p:sp>
     </p:spTree>
   </p:cSld>
+  <p:clrMapOvr>
+    <a:masterClrMapping/>
+  </p:clrMapOvr>
 </p:sldLayout>
 </file>
 
 <file path=ppt/slideLayouts/slideLayout21.xml><?xml version="1.0" encoding="utf-8"?>
-<p:sldLayout xmlns:a="http://schemas.openxmlformats.org/drawingml/2006/main" xmlns:p="http://schemas.openxmlformats.org/presentationml/2006/main" xmlns:r="http://schemas.openxmlformats.org/officeDocument/2006/relationships" xmlns:p14="http://schemas.microsoft.com/office/powerpoint/2010/main" xmlns:p15="http://schemas.microsoft.com/office/powerpoint/2012/main" xmlns:mc="http://schemas.openxmlformats.org/markup-compatibility/2006" type="twoObjOverTx" preserve="1">
+<p:sldLayout xmlns:a="http://schemas.openxmlformats.org/drawingml/2006/main" xmlns:r="http://schemas.openxmlformats.org/officeDocument/2006/relationships" xmlns:p="http://schemas.openxmlformats.org/presentationml/2006/main" type="twoObjOverTx" preserve="1">
   <p:cSld name="Title, 2 Content over Content">
     <p:spTree>
       <p:nvGrpSpPr>
@@ -2623,14 +2804,15 @@
           </a:ln>
         </p:spPr>
         <p:txBody>
-          <a:bodyPr lIns="0" rIns="0" tIns="0" bIns="0" anchor="ctr">
+          <a:bodyPr lIns="0" tIns="0" rIns="0" bIns="0" anchor="ctr">
             <a:noAutofit/>
           </a:bodyPr>
+          <a:lstStyle/>
           <a:p>
             <a:pPr indent="0">
               <a:buNone/>
             </a:pPr>
-            <a:endParaRPr b="0" lang="en-US" sz="1800" spc="-1" strike="noStrike">
+            <a:endParaRPr lang="en-US" sz="1800" b="0" strike="noStrike" spc="-1">
               <a:solidFill>
                 <a:srgbClr val="000000"/>
               </a:solidFill>
@@ -2663,9 +2845,10 @@
           </a:ln>
         </p:spPr>
         <p:txBody>
-          <a:bodyPr lIns="0" rIns="0" tIns="0" bIns="0" anchor="t">
+          <a:bodyPr lIns="0" tIns="0" rIns="0" bIns="0" anchor="t">
             <a:normAutofit/>
           </a:bodyPr>
+          <a:lstStyle/>
           <a:p>
             <a:pPr indent="0">
               <a:lnSpc>
@@ -2676,7 +2859,7 @@
               </a:spcBef>
               <a:buNone/>
             </a:pPr>
-            <a:endParaRPr b="0" lang="en-US" sz="2800" spc="-1" strike="noStrike">
+            <a:endParaRPr lang="en-US" sz="2800" b="0" strike="noStrike" spc="-1">
               <a:solidFill>
                 <a:srgbClr val="000000"/>
               </a:solidFill>
@@ -2709,9 +2892,10 @@
           </a:ln>
         </p:spPr>
         <p:txBody>
-          <a:bodyPr lIns="0" rIns="0" tIns="0" bIns="0" anchor="t">
+          <a:bodyPr lIns="0" tIns="0" rIns="0" bIns="0" anchor="t">
             <a:normAutofit/>
           </a:bodyPr>
+          <a:lstStyle/>
           <a:p>
             <a:pPr indent="0">
               <a:lnSpc>
@@ -2722,7 +2906,7 @@
               </a:spcBef>
               <a:buNone/>
             </a:pPr>
-            <a:endParaRPr b="0" lang="en-US" sz="2800" spc="-1" strike="noStrike">
+            <a:endParaRPr lang="en-US" sz="2800" b="0" strike="noStrike" spc="-1">
               <a:solidFill>
                 <a:srgbClr val="000000"/>
               </a:solidFill>
@@ -2755,9 +2939,10 @@
           </a:ln>
         </p:spPr>
         <p:txBody>
-          <a:bodyPr lIns="0" rIns="0" tIns="0" bIns="0" anchor="t">
+          <a:bodyPr lIns="0" tIns="0" rIns="0" bIns="0" anchor="t">
             <a:normAutofit/>
           </a:bodyPr>
+          <a:lstStyle/>
           <a:p>
             <a:pPr indent="0">
               <a:lnSpc>
@@ -2768,7 +2953,7 @@
               </a:spcBef>
               <a:buNone/>
             </a:pPr>
-            <a:endParaRPr b="0" lang="en-US" sz="2800" spc="-1" strike="noStrike">
+            <a:endParaRPr lang="en-US" sz="2800" b="0" strike="noStrike" spc="-1">
               <a:solidFill>
                 <a:srgbClr val="000000"/>
               </a:solidFill>
@@ -2790,6 +2975,7 @@
         <p:spPr/>
         <p:txBody>
           <a:bodyPr/>
+          <a:lstStyle/>
           <a:p>
             <a:r>
               <a:t>Footer</a:t>
@@ -2810,10 +2996,12 @@
         <p:spPr/>
         <p:txBody>
           <a:bodyPr/>
+          <a:lstStyle/>
           <a:p>
             <a:fld id="{083D272A-36C2-4B47-A7AB-7F40E1832A9D}" type="slidenum">
-              <a:t>&lt;#&gt;</a:t>
+              <a:t>‹#›</a:t>
             </a:fld>
+            <a:endParaRPr/>
           </a:p>
         </p:txBody>
       </p:sp>
@@ -2830,21 +3018,22 @@
         <p:spPr/>
         <p:txBody>
           <a:bodyPr/>
-          <a:p>
-            <a:r>
-              <a:rPr lang="en-US"/>
-              <a:t/>
-            </a:r>
+          <a:lstStyle/>
+          <a:p>
+            <a:endParaRPr/>
           </a:p>
         </p:txBody>
       </p:sp>
     </p:spTree>
   </p:cSld>
+  <p:clrMapOvr>
+    <a:masterClrMapping/>
+  </p:clrMapOvr>
 </p:sldLayout>
 </file>
 
 <file path=ppt/slideLayouts/slideLayout22.xml><?xml version="1.0" encoding="utf-8"?>
-<p:sldLayout xmlns:a="http://schemas.openxmlformats.org/drawingml/2006/main" xmlns:p="http://schemas.openxmlformats.org/presentationml/2006/main" xmlns:r="http://schemas.openxmlformats.org/officeDocument/2006/relationships" xmlns:p14="http://schemas.microsoft.com/office/powerpoint/2010/main" xmlns:p15="http://schemas.microsoft.com/office/powerpoint/2012/main" xmlns:mc="http://schemas.openxmlformats.org/markup-compatibility/2006" type="objOverTx" preserve="1">
+<p:sldLayout xmlns:a="http://schemas.openxmlformats.org/drawingml/2006/main" xmlns:r="http://schemas.openxmlformats.org/officeDocument/2006/relationships" xmlns:p="http://schemas.openxmlformats.org/presentationml/2006/main" type="objOverTx" preserve="1">
   <p:cSld name="Title, Content over Content">
     <p:spTree>
       <p:nvGrpSpPr>
@@ -2884,14 +3073,15 @@
           </a:ln>
         </p:spPr>
         <p:txBody>
-          <a:bodyPr lIns="0" rIns="0" tIns="0" bIns="0" anchor="ctr">
+          <a:bodyPr lIns="0" tIns="0" rIns="0" bIns="0" anchor="ctr">
             <a:noAutofit/>
           </a:bodyPr>
+          <a:lstStyle/>
           <a:p>
             <a:pPr indent="0">
               <a:buNone/>
             </a:pPr>
-            <a:endParaRPr b="0" lang="en-US" sz="1800" spc="-1" strike="noStrike">
+            <a:endParaRPr lang="en-US" sz="1800" b="0" strike="noStrike" spc="-1">
               <a:solidFill>
                 <a:srgbClr val="000000"/>
               </a:solidFill>
@@ -2924,9 +3114,10 @@
           </a:ln>
         </p:spPr>
         <p:txBody>
-          <a:bodyPr lIns="0" rIns="0" tIns="0" bIns="0" anchor="t">
+          <a:bodyPr lIns="0" tIns="0" rIns="0" bIns="0" anchor="t">
             <a:normAutofit/>
           </a:bodyPr>
+          <a:lstStyle/>
           <a:p>
             <a:pPr indent="0">
               <a:lnSpc>
@@ -2937,7 +3128,7 @@
               </a:spcBef>
               <a:buNone/>
             </a:pPr>
-            <a:endParaRPr b="0" lang="en-US" sz="2800" spc="-1" strike="noStrike">
+            <a:endParaRPr lang="en-US" sz="2800" b="0" strike="noStrike" spc="-1">
               <a:solidFill>
                 <a:srgbClr val="000000"/>
               </a:solidFill>
@@ -2970,9 +3161,10 @@
           </a:ln>
         </p:spPr>
         <p:txBody>
-          <a:bodyPr lIns="0" rIns="0" tIns="0" bIns="0" anchor="t">
+          <a:bodyPr lIns="0" tIns="0" rIns="0" bIns="0" anchor="t">
             <a:normAutofit/>
           </a:bodyPr>
+          <a:lstStyle/>
           <a:p>
             <a:pPr indent="0">
               <a:lnSpc>
@@ -2983,7 +3175,7 @@
               </a:spcBef>
               <a:buNone/>
             </a:pPr>
-            <a:endParaRPr b="0" lang="en-US" sz="2800" spc="-1" strike="noStrike">
+            <a:endParaRPr lang="en-US" sz="2800" b="0" strike="noStrike" spc="-1">
               <a:solidFill>
                 <a:srgbClr val="000000"/>
               </a:solidFill>
@@ -3005,6 +3197,7 @@
         <p:spPr/>
         <p:txBody>
           <a:bodyPr/>
+          <a:lstStyle/>
           <a:p>
             <a:r>
               <a:t>Footer</a:t>
@@ -3025,10 +3218,12 @@
         <p:spPr/>
         <p:txBody>
           <a:bodyPr/>
+          <a:lstStyle/>
           <a:p>
             <a:fld id="{83BAE0A0-2B10-499C-8063-05D8BE2E9677}" type="slidenum">
-              <a:t>&lt;#&gt;</a:t>
+              <a:t>‹#›</a:t>
             </a:fld>
+            <a:endParaRPr/>
           </a:p>
         </p:txBody>
       </p:sp>
@@ -3045,21 +3240,22 @@
         <p:spPr/>
         <p:txBody>
           <a:bodyPr/>
-          <a:p>
-            <a:r>
-              <a:rPr lang="en-US"/>
-              <a:t/>
-            </a:r>
+          <a:lstStyle/>
+          <a:p>
+            <a:endParaRPr/>
           </a:p>
         </p:txBody>
       </p:sp>
     </p:spTree>
   </p:cSld>
+  <p:clrMapOvr>
+    <a:masterClrMapping/>
+  </p:clrMapOvr>
 </p:sldLayout>
 </file>
 
 <file path=ppt/slideLayouts/slideLayout23.xml><?xml version="1.0" encoding="utf-8"?>
-<p:sldLayout xmlns:a="http://schemas.openxmlformats.org/drawingml/2006/main" xmlns:p="http://schemas.openxmlformats.org/presentationml/2006/main" xmlns:r="http://schemas.openxmlformats.org/officeDocument/2006/relationships" xmlns:p14="http://schemas.microsoft.com/office/powerpoint/2010/main" xmlns:p15="http://schemas.microsoft.com/office/powerpoint/2012/main" xmlns:mc="http://schemas.openxmlformats.org/markup-compatibility/2006" type="fourObj" preserve="1">
+<p:sldLayout xmlns:a="http://schemas.openxmlformats.org/drawingml/2006/main" xmlns:r="http://schemas.openxmlformats.org/officeDocument/2006/relationships" xmlns:p="http://schemas.openxmlformats.org/presentationml/2006/main" type="fourObj" preserve="1">
   <p:cSld name="Title, 4 Content">
     <p:spTree>
       <p:nvGrpSpPr>
@@ -3099,14 +3295,15 @@
           </a:ln>
         </p:spPr>
         <p:txBody>
-          <a:bodyPr lIns="0" rIns="0" tIns="0" bIns="0" anchor="ctr">
+          <a:bodyPr lIns="0" tIns="0" rIns="0" bIns="0" anchor="ctr">
             <a:noAutofit/>
           </a:bodyPr>
+          <a:lstStyle/>
           <a:p>
             <a:pPr indent="0">
               <a:buNone/>
             </a:pPr>
-            <a:endParaRPr b="0" lang="en-US" sz="1800" spc="-1" strike="noStrike">
+            <a:endParaRPr lang="en-US" sz="1800" b="0" strike="noStrike" spc="-1">
               <a:solidFill>
                 <a:srgbClr val="000000"/>
               </a:solidFill>
@@ -3139,9 +3336,10 @@
           </a:ln>
         </p:spPr>
         <p:txBody>
-          <a:bodyPr lIns="0" rIns="0" tIns="0" bIns="0" anchor="t">
+          <a:bodyPr lIns="0" tIns="0" rIns="0" bIns="0" anchor="t">
             <a:normAutofit/>
           </a:bodyPr>
+          <a:lstStyle/>
           <a:p>
             <a:pPr indent="0">
               <a:lnSpc>
@@ -3152,7 +3350,7 @@
               </a:spcBef>
               <a:buNone/>
             </a:pPr>
-            <a:endParaRPr b="0" lang="en-US" sz="2800" spc="-1" strike="noStrike">
+            <a:endParaRPr lang="en-US" sz="2800" b="0" strike="noStrike" spc="-1">
               <a:solidFill>
                 <a:srgbClr val="000000"/>
               </a:solidFill>
@@ -3185,9 +3383,10 @@
           </a:ln>
         </p:spPr>
         <p:txBody>
-          <a:bodyPr lIns="0" rIns="0" tIns="0" bIns="0" anchor="t">
+          <a:bodyPr lIns="0" tIns="0" rIns="0" bIns="0" anchor="t">
             <a:normAutofit/>
           </a:bodyPr>
+          <a:lstStyle/>
           <a:p>
             <a:pPr indent="0">
               <a:lnSpc>
@@ -3198,7 +3397,7 @@
               </a:spcBef>
               <a:buNone/>
             </a:pPr>
-            <a:endParaRPr b="0" lang="en-US" sz="2800" spc="-1" strike="noStrike">
+            <a:endParaRPr lang="en-US" sz="2800" b="0" strike="noStrike" spc="-1">
               <a:solidFill>
                 <a:srgbClr val="000000"/>
               </a:solidFill>
@@ -3231,9 +3430,10 @@
           </a:ln>
         </p:spPr>
         <p:txBody>
-          <a:bodyPr lIns="0" rIns="0" tIns="0" bIns="0" anchor="t">
+          <a:bodyPr lIns="0" tIns="0" rIns="0" bIns="0" anchor="t">
             <a:normAutofit/>
           </a:bodyPr>
+          <a:lstStyle/>
           <a:p>
             <a:pPr indent="0">
               <a:lnSpc>
@@ -3244,7 +3444,7 @@
               </a:spcBef>
               <a:buNone/>
             </a:pPr>
-            <a:endParaRPr b="0" lang="en-US" sz="2800" spc="-1" strike="noStrike">
+            <a:endParaRPr lang="en-US" sz="2800" b="0" strike="noStrike" spc="-1">
               <a:solidFill>
                 <a:srgbClr val="000000"/>
               </a:solidFill>
@@ -3277,9 +3477,10 @@
           </a:ln>
         </p:spPr>
         <p:txBody>
-          <a:bodyPr lIns="0" rIns="0" tIns="0" bIns="0" anchor="t">
+          <a:bodyPr lIns="0" tIns="0" rIns="0" bIns="0" anchor="t">
             <a:normAutofit/>
           </a:bodyPr>
+          <a:lstStyle/>
           <a:p>
             <a:pPr indent="0">
               <a:lnSpc>
@@ -3290,7 +3491,7 @@
               </a:spcBef>
               <a:buNone/>
             </a:pPr>
-            <a:endParaRPr b="0" lang="en-US" sz="2800" spc="-1" strike="noStrike">
+            <a:endParaRPr lang="en-US" sz="2800" b="0" strike="noStrike" spc="-1">
               <a:solidFill>
                 <a:srgbClr val="000000"/>
               </a:solidFill>
@@ -3312,6 +3513,7 @@
         <p:spPr/>
         <p:txBody>
           <a:bodyPr/>
+          <a:lstStyle/>
           <a:p>
             <a:r>
               <a:t>Footer</a:t>
@@ -3332,10 +3534,12 @@
         <p:spPr/>
         <p:txBody>
           <a:bodyPr/>
+          <a:lstStyle/>
           <a:p>
             <a:fld id="{831FF4C2-931F-447D-B9A1-97E3344044EC}" type="slidenum">
-              <a:t>&lt;#&gt;</a:t>
+              <a:t>‹#›</a:t>
             </a:fld>
+            <a:endParaRPr/>
           </a:p>
         </p:txBody>
       </p:sp>
@@ -3352,21 +3556,22 @@
         <p:spPr/>
         <p:txBody>
           <a:bodyPr/>
-          <a:p>
-            <a:r>
-              <a:rPr lang="en-US"/>
-              <a:t/>
-            </a:r>
+          <a:lstStyle/>
+          <a:p>
+            <a:endParaRPr/>
           </a:p>
         </p:txBody>
       </p:sp>
     </p:spTree>
   </p:cSld>
+  <p:clrMapOvr>
+    <a:masterClrMapping/>
+  </p:clrMapOvr>
 </p:sldLayout>
 </file>
 
 <file path=ppt/slideLayouts/slideLayout24.xml><?xml version="1.0" encoding="utf-8"?>
-<p:sldLayout xmlns:a="http://schemas.openxmlformats.org/drawingml/2006/main" xmlns:p="http://schemas.openxmlformats.org/presentationml/2006/main" xmlns:r="http://schemas.openxmlformats.org/officeDocument/2006/relationships" xmlns:p14="http://schemas.microsoft.com/office/powerpoint/2010/main" xmlns:p15="http://schemas.microsoft.com/office/powerpoint/2012/main" xmlns:mc="http://schemas.openxmlformats.org/markup-compatibility/2006" type="blank" preserve="1">
+<p:sldLayout xmlns:a="http://schemas.openxmlformats.org/drawingml/2006/main" xmlns:r="http://schemas.openxmlformats.org/officeDocument/2006/relationships" xmlns:p="http://schemas.openxmlformats.org/presentationml/2006/main" type="blank" preserve="1">
   <p:cSld name="Title, 6 Content">
     <p:spTree>
       <p:nvGrpSpPr>
@@ -3406,14 +3611,15 @@
           </a:ln>
         </p:spPr>
         <p:txBody>
-          <a:bodyPr lIns="0" rIns="0" tIns="0" bIns="0" anchor="ctr">
+          <a:bodyPr lIns="0" tIns="0" rIns="0" bIns="0" anchor="ctr">
             <a:noAutofit/>
           </a:bodyPr>
+          <a:lstStyle/>
           <a:p>
             <a:pPr indent="0">
               <a:buNone/>
             </a:pPr>
-            <a:endParaRPr b="0" lang="en-US" sz="1800" spc="-1" strike="noStrike">
+            <a:endParaRPr lang="en-US" sz="1800" b="0" strike="noStrike" spc="-1">
               <a:solidFill>
                 <a:srgbClr val="000000"/>
               </a:solidFill>
@@ -3446,9 +3652,10 @@
           </a:ln>
         </p:spPr>
         <p:txBody>
-          <a:bodyPr lIns="0" rIns="0" tIns="0" bIns="0" anchor="t">
+          <a:bodyPr lIns="0" tIns="0" rIns="0" bIns="0" anchor="t">
             <a:normAutofit/>
           </a:bodyPr>
+          <a:lstStyle/>
           <a:p>
             <a:pPr indent="0">
               <a:lnSpc>
@@ -3459,7 +3666,7 @@
               </a:spcBef>
               <a:buNone/>
             </a:pPr>
-            <a:endParaRPr b="0" lang="en-US" sz="2800" spc="-1" strike="noStrike">
+            <a:endParaRPr lang="en-US" sz="2800" b="0" strike="noStrike" spc="-1">
               <a:solidFill>
                 <a:srgbClr val="000000"/>
               </a:solidFill>
@@ -3492,9 +3699,10 @@
           </a:ln>
         </p:spPr>
         <p:txBody>
-          <a:bodyPr lIns="0" rIns="0" tIns="0" bIns="0" anchor="t">
+          <a:bodyPr lIns="0" tIns="0" rIns="0" bIns="0" anchor="t">
             <a:normAutofit/>
           </a:bodyPr>
+          <a:lstStyle/>
           <a:p>
             <a:pPr indent="0">
               <a:lnSpc>
@@ -3505,7 +3713,7 @@
               </a:spcBef>
               <a:buNone/>
             </a:pPr>
-            <a:endParaRPr b="0" lang="en-US" sz="2800" spc="-1" strike="noStrike">
+            <a:endParaRPr lang="en-US" sz="2800" b="0" strike="noStrike" spc="-1">
               <a:solidFill>
                 <a:srgbClr val="000000"/>
               </a:solidFill>
@@ -3538,9 +3746,10 @@
           </a:ln>
         </p:spPr>
         <p:txBody>
-          <a:bodyPr lIns="0" rIns="0" tIns="0" bIns="0" anchor="t">
+          <a:bodyPr lIns="0" tIns="0" rIns="0" bIns="0" anchor="t">
             <a:normAutofit/>
           </a:bodyPr>
+          <a:lstStyle/>
           <a:p>
             <a:pPr indent="0">
               <a:lnSpc>
@@ -3551,7 +3760,7 @@
               </a:spcBef>
               <a:buNone/>
             </a:pPr>
-            <a:endParaRPr b="0" lang="en-US" sz="2800" spc="-1" strike="noStrike">
+            <a:endParaRPr lang="en-US" sz="2800" b="0" strike="noStrike" spc="-1">
               <a:solidFill>
                 <a:srgbClr val="000000"/>
               </a:solidFill>
@@ -3584,9 +3793,10 @@
           </a:ln>
         </p:spPr>
         <p:txBody>
-          <a:bodyPr lIns="0" rIns="0" tIns="0" bIns="0" anchor="t">
+          <a:bodyPr lIns="0" tIns="0" rIns="0" bIns="0" anchor="t">
             <a:normAutofit/>
           </a:bodyPr>
+          <a:lstStyle/>
           <a:p>
             <a:pPr indent="0">
               <a:lnSpc>
@@ -3597,7 +3807,7 @@
               </a:spcBef>
               <a:buNone/>
             </a:pPr>
-            <a:endParaRPr b="0" lang="en-US" sz="2800" spc="-1" strike="noStrike">
+            <a:endParaRPr lang="en-US" sz="2800" b="0" strike="noStrike" spc="-1">
               <a:solidFill>
                 <a:srgbClr val="000000"/>
               </a:solidFill>
@@ -3630,9 +3840,10 @@
           </a:ln>
         </p:spPr>
         <p:txBody>
-          <a:bodyPr lIns="0" rIns="0" tIns="0" bIns="0" anchor="t">
+          <a:bodyPr lIns="0" tIns="0" rIns="0" bIns="0" anchor="t">
             <a:normAutofit/>
           </a:bodyPr>
+          <a:lstStyle/>
           <a:p>
             <a:pPr indent="0">
               <a:lnSpc>
@@ -3643,7 +3854,7 @@
               </a:spcBef>
               <a:buNone/>
             </a:pPr>
-            <a:endParaRPr b="0" lang="en-US" sz="2800" spc="-1" strike="noStrike">
+            <a:endParaRPr lang="en-US" sz="2800" b="0" strike="noStrike" spc="-1">
               <a:solidFill>
                 <a:srgbClr val="000000"/>
               </a:solidFill>
@@ -3676,9 +3887,10 @@
           </a:ln>
         </p:spPr>
         <p:txBody>
-          <a:bodyPr lIns="0" rIns="0" tIns="0" bIns="0" anchor="t">
+          <a:bodyPr lIns="0" tIns="0" rIns="0" bIns="0" anchor="t">
             <a:normAutofit/>
           </a:bodyPr>
+          <a:lstStyle/>
           <a:p>
             <a:pPr indent="0">
               <a:lnSpc>
@@ -3689,7 +3901,7 @@
               </a:spcBef>
               <a:buNone/>
             </a:pPr>
-            <a:endParaRPr b="0" lang="en-US" sz="2800" spc="-1" strike="noStrike">
+            <a:endParaRPr lang="en-US" sz="2800" b="0" strike="noStrike" spc="-1">
               <a:solidFill>
                 <a:srgbClr val="000000"/>
               </a:solidFill>
@@ -3711,6 +3923,7 @@
         <p:spPr/>
         <p:txBody>
           <a:bodyPr/>
+          <a:lstStyle/>
           <a:p>
             <a:r>
               <a:t>Footer</a:t>
@@ -3731,10 +3944,12 @@
         <p:spPr/>
         <p:txBody>
           <a:bodyPr/>
+          <a:lstStyle/>
           <a:p>
             <a:fld id="{B9F804EC-9829-4D82-9694-D07CC6E4FBEE}" type="slidenum">
-              <a:t>&lt;#&gt;</a:t>
+              <a:t>‹#›</a:t>
             </a:fld>
+            <a:endParaRPr/>
           </a:p>
         </p:txBody>
       </p:sp>
@@ -3751,21 +3966,22 @@
         <p:spPr/>
         <p:txBody>
           <a:bodyPr/>
-          <a:p>
-            <a:r>
-              <a:rPr lang="en-US"/>
-              <a:t/>
-            </a:r>
+          <a:lstStyle/>
+          <a:p>
+            <a:endParaRPr/>
           </a:p>
         </p:txBody>
       </p:sp>
     </p:spTree>
   </p:cSld>
+  <p:clrMapOvr>
+    <a:masterClrMapping/>
+  </p:clrMapOvr>
 </p:sldLayout>
 </file>
 
 <file path=ppt/slideLayouts/slideLayout3.xml><?xml version="1.0" encoding="utf-8"?>
-<p:sldLayout xmlns:a="http://schemas.openxmlformats.org/drawingml/2006/main" xmlns:p="http://schemas.openxmlformats.org/presentationml/2006/main" xmlns:r="http://schemas.openxmlformats.org/officeDocument/2006/relationships" xmlns:p14="http://schemas.microsoft.com/office/powerpoint/2010/main" xmlns:p15="http://schemas.microsoft.com/office/powerpoint/2012/main" xmlns:mc="http://schemas.openxmlformats.org/markup-compatibility/2006" type="obj" preserve="1">
+<p:sldLayout xmlns:a="http://schemas.openxmlformats.org/drawingml/2006/main" xmlns:r="http://schemas.openxmlformats.org/officeDocument/2006/relationships" xmlns:p="http://schemas.openxmlformats.org/presentationml/2006/main" type="obj" preserve="1">
   <p:cSld name="Title, Content">
     <p:spTree>
       <p:nvGrpSpPr>
@@ -3805,14 +4021,15 @@
           </a:ln>
         </p:spPr>
         <p:txBody>
-          <a:bodyPr lIns="0" rIns="0" tIns="0" bIns="0" anchor="ctr">
+          <a:bodyPr lIns="0" tIns="0" rIns="0" bIns="0" anchor="ctr">
             <a:noAutofit/>
           </a:bodyPr>
+          <a:lstStyle/>
           <a:p>
             <a:pPr indent="0">
               <a:buNone/>
             </a:pPr>
-            <a:endParaRPr b="0" lang="en-US" sz="1800" spc="-1" strike="noStrike">
+            <a:endParaRPr lang="en-US" sz="1800" b="0" strike="noStrike" spc="-1">
               <a:solidFill>
                 <a:srgbClr val="000000"/>
               </a:solidFill>
@@ -3845,9 +4062,10 @@
           </a:ln>
         </p:spPr>
         <p:txBody>
-          <a:bodyPr lIns="0" rIns="0" tIns="0" bIns="0" anchor="t">
+          <a:bodyPr lIns="0" tIns="0" rIns="0" bIns="0" anchor="t">
             <a:normAutofit/>
           </a:bodyPr>
+          <a:lstStyle/>
           <a:p>
             <a:pPr indent="0">
               <a:lnSpc>
@@ -3858,7 +4076,7 @@
               </a:spcBef>
               <a:buNone/>
             </a:pPr>
-            <a:endParaRPr b="0" lang="en-US" sz="2800" spc="-1" strike="noStrike">
+            <a:endParaRPr lang="en-US" sz="2800" b="0" strike="noStrike" spc="-1">
               <a:solidFill>
                 <a:srgbClr val="000000"/>
               </a:solidFill>
@@ -3880,6 +4098,7 @@
         <p:spPr/>
         <p:txBody>
           <a:bodyPr/>
+          <a:lstStyle/>
           <a:p>
             <a:r>
               <a:t>Footer</a:t>
@@ -3900,10 +4119,12 @@
         <p:spPr/>
         <p:txBody>
           <a:bodyPr/>
+          <a:lstStyle/>
           <a:p>
             <a:fld id="{18CB70D7-DFB6-4FB6-9142-AF3D8E793B40}" type="slidenum">
-              <a:t>&lt;#&gt;</a:t>
+              <a:t>‹#›</a:t>
             </a:fld>
+            <a:endParaRPr/>
           </a:p>
         </p:txBody>
       </p:sp>
@@ -3920,21 +4141,22 @@
         <p:spPr/>
         <p:txBody>
           <a:bodyPr/>
-          <a:p>
-            <a:r>
-              <a:rPr lang="en-US"/>
-              <a:t/>
-            </a:r>
+          <a:lstStyle/>
+          <a:p>
+            <a:endParaRPr/>
           </a:p>
         </p:txBody>
       </p:sp>
     </p:spTree>
   </p:cSld>
+  <p:clrMapOvr>
+    <a:masterClrMapping/>
+  </p:clrMapOvr>
 </p:sldLayout>
 </file>
 
 <file path=ppt/slideLayouts/slideLayout4.xml><?xml version="1.0" encoding="utf-8"?>
-<p:sldLayout xmlns:a="http://schemas.openxmlformats.org/drawingml/2006/main" xmlns:p="http://schemas.openxmlformats.org/presentationml/2006/main" xmlns:r="http://schemas.openxmlformats.org/officeDocument/2006/relationships" xmlns:p14="http://schemas.microsoft.com/office/powerpoint/2010/main" xmlns:p15="http://schemas.microsoft.com/office/powerpoint/2012/main" xmlns:mc="http://schemas.openxmlformats.org/markup-compatibility/2006" type="twoObj" preserve="1">
+<p:sldLayout xmlns:a="http://schemas.openxmlformats.org/drawingml/2006/main" xmlns:r="http://schemas.openxmlformats.org/officeDocument/2006/relationships" xmlns:p="http://schemas.openxmlformats.org/presentationml/2006/main" type="twoObj" preserve="1">
   <p:cSld name="Title, 2 Content">
     <p:spTree>
       <p:nvGrpSpPr>
@@ -3974,14 +4196,15 @@
           </a:ln>
         </p:spPr>
         <p:txBody>
-          <a:bodyPr lIns="0" rIns="0" tIns="0" bIns="0" anchor="ctr">
+          <a:bodyPr lIns="0" tIns="0" rIns="0" bIns="0" anchor="ctr">
             <a:noAutofit/>
           </a:bodyPr>
+          <a:lstStyle/>
           <a:p>
             <a:pPr indent="0">
               <a:buNone/>
             </a:pPr>
-            <a:endParaRPr b="0" lang="en-US" sz="1800" spc="-1" strike="noStrike">
+            <a:endParaRPr lang="en-US" sz="1800" b="0" strike="noStrike" spc="-1">
               <a:solidFill>
                 <a:srgbClr val="000000"/>
               </a:solidFill>
@@ -4014,9 +4237,10 @@
           </a:ln>
         </p:spPr>
         <p:txBody>
-          <a:bodyPr lIns="0" rIns="0" tIns="0" bIns="0" anchor="t">
+          <a:bodyPr lIns="0" tIns="0" rIns="0" bIns="0" anchor="t">
             <a:normAutofit/>
           </a:bodyPr>
+          <a:lstStyle/>
           <a:p>
             <a:pPr indent="0">
               <a:lnSpc>
@@ -4027,7 +4251,7 @@
               </a:spcBef>
               <a:buNone/>
             </a:pPr>
-            <a:endParaRPr b="0" lang="en-US" sz="2800" spc="-1" strike="noStrike">
+            <a:endParaRPr lang="en-US" sz="2800" b="0" strike="noStrike" spc="-1">
               <a:solidFill>
                 <a:srgbClr val="000000"/>
               </a:solidFill>
@@ -4060,9 +4284,10 @@
           </a:ln>
         </p:spPr>
         <p:txBody>
-          <a:bodyPr lIns="0" rIns="0" tIns="0" bIns="0" anchor="t">
+          <a:bodyPr lIns="0" tIns="0" rIns="0" bIns="0" anchor="t">
             <a:normAutofit/>
           </a:bodyPr>
+          <a:lstStyle/>
           <a:p>
             <a:pPr indent="0">
               <a:lnSpc>
@@ -4073,7 +4298,7 @@
               </a:spcBef>
               <a:buNone/>
             </a:pPr>
-            <a:endParaRPr b="0" lang="en-US" sz="2800" spc="-1" strike="noStrike">
+            <a:endParaRPr lang="en-US" sz="2800" b="0" strike="noStrike" spc="-1">
               <a:solidFill>
                 <a:srgbClr val="000000"/>
               </a:solidFill>
@@ -4095,6 +4320,7 @@
         <p:spPr/>
         <p:txBody>
           <a:bodyPr/>
+          <a:lstStyle/>
           <a:p>
             <a:r>
               <a:t>Footer</a:t>
@@ -4115,10 +4341,12 @@
         <p:spPr/>
         <p:txBody>
           <a:bodyPr/>
+          <a:lstStyle/>
           <a:p>
             <a:fld id="{A77216DB-5FC7-433F-83BC-714BF09BF829}" type="slidenum">
-              <a:t>&lt;#&gt;</a:t>
+              <a:t>‹#›</a:t>
             </a:fld>
+            <a:endParaRPr/>
           </a:p>
         </p:txBody>
       </p:sp>
@@ -4135,21 +4363,22 @@
         <p:spPr/>
         <p:txBody>
           <a:bodyPr/>
-          <a:p>
-            <a:r>
-              <a:rPr lang="en-US"/>
-              <a:t/>
-            </a:r>
+          <a:lstStyle/>
+          <a:p>
+            <a:endParaRPr/>
           </a:p>
         </p:txBody>
       </p:sp>
     </p:spTree>
   </p:cSld>
+  <p:clrMapOvr>
+    <a:masterClrMapping/>
+  </p:clrMapOvr>
 </p:sldLayout>
 </file>
 
 <file path=ppt/slideLayouts/slideLayout5.xml><?xml version="1.0" encoding="utf-8"?>
-<p:sldLayout xmlns:a="http://schemas.openxmlformats.org/drawingml/2006/main" xmlns:p="http://schemas.openxmlformats.org/presentationml/2006/main" xmlns:r="http://schemas.openxmlformats.org/officeDocument/2006/relationships" xmlns:p14="http://schemas.microsoft.com/office/powerpoint/2010/main" xmlns:p15="http://schemas.microsoft.com/office/powerpoint/2012/main" xmlns:mc="http://schemas.openxmlformats.org/markup-compatibility/2006" type="titleOnly" preserve="1">
+<p:sldLayout xmlns:a="http://schemas.openxmlformats.org/drawingml/2006/main" xmlns:r="http://schemas.openxmlformats.org/officeDocument/2006/relationships" xmlns:p="http://schemas.openxmlformats.org/presentationml/2006/main" type="titleOnly" preserve="1">
   <p:cSld name="Title Only">
     <p:spTree>
       <p:nvGrpSpPr>
@@ -4189,14 +4418,15 @@
           </a:ln>
         </p:spPr>
         <p:txBody>
-          <a:bodyPr lIns="0" rIns="0" tIns="0" bIns="0" anchor="ctr">
+          <a:bodyPr lIns="0" tIns="0" rIns="0" bIns="0" anchor="ctr">
             <a:noAutofit/>
           </a:bodyPr>
+          <a:lstStyle/>
           <a:p>
             <a:pPr indent="0">
               <a:buNone/>
             </a:pPr>
-            <a:endParaRPr b="0" lang="en-US" sz="1800" spc="-1" strike="noStrike">
+            <a:endParaRPr lang="en-US" sz="1800" b="0" strike="noStrike" spc="-1">
               <a:solidFill>
                 <a:srgbClr val="000000"/>
               </a:solidFill>
@@ -4218,6 +4448,7 @@
         <p:spPr/>
         <p:txBody>
           <a:bodyPr/>
+          <a:lstStyle/>
           <a:p>
             <a:r>
               <a:t>Footer</a:t>
@@ -4238,10 +4469,12 @@
         <p:spPr/>
         <p:txBody>
           <a:bodyPr/>
+          <a:lstStyle/>
           <a:p>
             <a:fld id="{7F274131-703F-417E-9C1F-4EE1CFCC6460}" type="slidenum">
-              <a:t>&lt;#&gt;</a:t>
+              <a:t>‹#›</a:t>
             </a:fld>
+            <a:endParaRPr/>
           </a:p>
         </p:txBody>
       </p:sp>
@@ -4258,21 +4491,22 @@
         <p:spPr/>
         <p:txBody>
           <a:bodyPr/>
-          <a:p>
-            <a:r>
-              <a:rPr lang="en-US"/>
-              <a:t/>
-            </a:r>
+          <a:lstStyle/>
+          <a:p>
+            <a:endParaRPr/>
           </a:p>
         </p:txBody>
       </p:sp>
     </p:spTree>
   </p:cSld>
+  <p:clrMapOvr>
+    <a:masterClrMapping/>
+  </p:clrMapOvr>
 </p:sldLayout>
 </file>
 
 <file path=ppt/slideLayouts/slideLayout6.xml><?xml version="1.0" encoding="utf-8"?>
-<p:sldLayout xmlns:a="http://schemas.openxmlformats.org/drawingml/2006/main" xmlns:p="http://schemas.openxmlformats.org/presentationml/2006/main" xmlns:r="http://schemas.openxmlformats.org/officeDocument/2006/relationships" xmlns:p14="http://schemas.microsoft.com/office/powerpoint/2010/main" xmlns:p15="http://schemas.microsoft.com/office/powerpoint/2012/main" xmlns:mc="http://schemas.openxmlformats.org/markup-compatibility/2006" type="objOnly" preserve="1">
+<p:sldLayout xmlns:a="http://schemas.openxmlformats.org/drawingml/2006/main" xmlns:r="http://schemas.openxmlformats.org/officeDocument/2006/relationships" xmlns:p="http://schemas.openxmlformats.org/presentationml/2006/main" type="objOnly" preserve="1">
   <p:cSld name="Centered Text">
     <p:spTree>
       <p:nvGrpSpPr>
@@ -4312,12 +4546,13 @@
           </a:ln>
         </p:spPr>
         <p:txBody>
-          <a:bodyPr lIns="0" rIns="0" tIns="0" bIns="0" anchor="ctr">
+          <a:bodyPr lIns="0" tIns="0" rIns="0" bIns="0" anchor="ctr">
             <a:noAutofit/>
           </a:bodyPr>
+          <a:lstStyle/>
           <a:p>
             <a:pPr algn="ctr"/>
-            <a:endParaRPr b="0" lang="en-US" sz="3200" spc="-1" strike="noStrike">
+            <a:endParaRPr lang="en-US" sz="3200" b="0" strike="noStrike" spc="-1">
               <a:solidFill>
                 <a:srgbClr val="000000"/>
               </a:solidFill>
@@ -4339,6 +4574,7 @@
         <p:spPr/>
         <p:txBody>
           <a:bodyPr/>
+          <a:lstStyle/>
           <a:p>
             <a:r>
               <a:t>Footer</a:t>
@@ -4359,10 +4595,12 @@
         <p:spPr/>
         <p:txBody>
           <a:bodyPr/>
+          <a:lstStyle/>
           <a:p>
             <a:fld id="{19369A0B-5BF3-42A7-82A8-AAED78CD4297}" type="slidenum">
-              <a:t>&lt;#&gt;</a:t>
+              <a:t>‹#›</a:t>
             </a:fld>
+            <a:endParaRPr/>
           </a:p>
         </p:txBody>
       </p:sp>
@@ -4379,21 +4617,22 @@
         <p:spPr/>
         <p:txBody>
           <a:bodyPr/>
-          <a:p>
-            <a:r>
-              <a:rPr lang="en-US"/>
-              <a:t/>
-            </a:r>
+          <a:lstStyle/>
+          <a:p>
+            <a:endParaRPr/>
           </a:p>
         </p:txBody>
       </p:sp>
     </p:spTree>
   </p:cSld>
+  <p:clrMapOvr>
+    <a:masterClrMapping/>
+  </p:clrMapOvr>
 </p:sldLayout>
 </file>
 
 <file path=ppt/slideLayouts/slideLayout7.xml><?xml version="1.0" encoding="utf-8"?>
-<p:sldLayout xmlns:a="http://schemas.openxmlformats.org/drawingml/2006/main" xmlns:p="http://schemas.openxmlformats.org/presentationml/2006/main" xmlns:r="http://schemas.openxmlformats.org/officeDocument/2006/relationships" xmlns:p14="http://schemas.microsoft.com/office/powerpoint/2010/main" xmlns:p15="http://schemas.microsoft.com/office/powerpoint/2012/main" xmlns:mc="http://schemas.openxmlformats.org/markup-compatibility/2006" type="twoObjAndObj" preserve="1">
+<p:sldLayout xmlns:a="http://schemas.openxmlformats.org/drawingml/2006/main" xmlns:r="http://schemas.openxmlformats.org/officeDocument/2006/relationships" xmlns:p="http://schemas.openxmlformats.org/presentationml/2006/main" type="twoObjAndObj" preserve="1">
   <p:cSld name="Title, 2 Content and Content">
     <p:spTree>
       <p:nvGrpSpPr>
@@ -4433,14 +4672,15 @@
           </a:ln>
         </p:spPr>
         <p:txBody>
-          <a:bodyPr lIns="0" rIns="0" tIns="0" bIns="0" anchor="ctr">
+          <a:bodyPr lIns="0" tIns="0" rIns="0" bIns="0" anchor="ctr">
             <a:noAutofit/>
           </a:bodyPr>
+          <a:lstStyle/>
           <a:p>
             <a:pPr indent="0">
               <a:buNone/>
             </a:pPr>
-            <a:endParaRPr b="0" lang="en-US" sz="1800" spc="-1" strike="noStrike">
+            <a:endParaRPr lang="en-US" sz="1800" b="0" strike="noStrike" spc="-1">
               <a:solidFill>
                 <a:srgbClr val="000000"/>
               </a:solidFill>
@@ -4473,9 +4713,10 @@
           </a:ln>
         </p:spPr>
         <p:txBody>
-          <a:bodyPr lIns="0" rIns="0" tIns="0" bIns="0" anchor="t">
+          <a:bodyPr lIns="0" tIns="0" rIns="0" bIns="0" anchor="t">
             <a:normAutofit/>
           </a:bodyPr>
+          <a:lstStyle/>
           <a:p>
             <a:pPr indent="0">
               <a:lnSpc>
@@ -4486,7 +4727,7 @@
               </a:spcBef>
               <a:buNone/>
             </a:pPr>
-            <a:endParaRPr b="0" lang="en-US" sz="2800" spc="-1" strike="noStrike">
+            <a:endParaRPr lang="en-US" sz="2800" b="0" strike="noStrike" spc="-1">
               <a:solidFill>
                 <a:srgbClr val="000000"/>
               </a:solidFill>
@@ -4519,9 +4760,10 @@
           </a:ln>
         </p:spPr>
         <p:txBody>
-          <a:bodyPr lIns="0" rIns="0" tIns="0" bIns="0" anchor="t">
+          <a:bodyPr lIns="0" tIns="0" rIns="0" bIns="0" anchor="t">
             <a:normAutofit/>
           </a:bodyPr>
+          <a:lstStyle/>
           <a:p>
             <a:pPr indent="0">
               <a:lnSpc>
@@ -4532,7 +4774,7 @@
               </a:spcBef>
               <a:buNone/>
             </a:pPr>
-            <a:endParaRPr b="0" lang="en-US" sz="2800" spc="-1" strike="noStrike">
+            <a:endParaRPr lang="en-US" sz="2800" b="0" strike="noStrike" spc="-1">
               <a:solidFill>
                 <a:srgbClr val="000000"/>
               </a:solidFill>
@@ -4565,9 +4807,10 @@
           </a:ln>
         </p:spPr>
         <p:txBody>
-          <a:bodyPr lIns="0" rIns="0" tIns="0" bIns="0" anchor="t">
+          <a:bodyPr lIns="0" tIns="0" rIns="0" bIns="0" anchor="t">
             <a:normAutofit/>
           </a:bodyPr>
+          <a:lstStyle/>
           <a:p>
             <a:pPr indent="0">
               <a:lnSpc>
@@ -4578,7 +4821,7 @@
               </a:spcBef>
               <a:buNone/>
             </a:pPr>
-            <a:endParaRPr b="0" lang="en-US" sz="2800" spc="-1" strike="noStrike">
+            <a:endParaRPr lang="en-US" sz="2800" b="0" strike="noStrike" spc="-1">
               <a:solidFill>
                 <a:srgbClr val="000000"/>
               </a:solidFill>
@@ -4600,6 +4843,7 @@
         <p:spPr/>
         <p:txBody>
           <a:bodyPr/>
+          <a:lstStyle/>
           <a:p>
             <a:r>
               <a:t>Footer</a:t>
@@ -4620,10 +4864,12 @@
         <p:spPr/>
         <p:txBody>
           <a:bodyPr/>
+          <a:lstStyle/>
           <a:p>
             <a:fld id="{837D850A-9F4C-442E-81F7-04355D4E578A}" type="slidenum">
-              <a:t>&lt;#&gt;</a:t>
+              <a:t>‹#›</a:t>
             </a:fld>
+            <a:endParaRPr/>
           </a:p>
         </p:txBody>
       </p:sp>
@@ -4640,21 +4886,22 @@
         <p:spPr/>
         <p:txBody>
           <a:bodyPr/>
-          <a:p>
-            <a:r>
-              <a:rPr lang="en-US"/>
-              <a:t/>
-            </a:r>
+          <a:lstStyle/>
+          <a:p>
+            <a:endParaRPr/>
           </a:p>
         </p:txBody>
       </p:sp>
     </p:spTree>
   </p:cSld>
+  <p:clrMapOvr>
+    <a:masterClrMapping/>
+  </p:clrMapOvr>
 </p:sldLayout>
 </file>
 
 <file path=ppt/slideLayouts/slideLayout8.xml><?xml version="1.0" encoding="utf-8"?>
-<p:sldLayout xmlns:a="http://schemas.openxmlformats.org/drawingml/2006/main" xmlns:p="http://schemas.openxmlformats.org/presentationml/2006/main" xmlns:r="http://schemas.openxmlformats.org/officeDocument/2006/relationships" xmlns:p14="http://schemas.microsoft.com/office/powerpoint/2010/main" xmlns:p15="http://schemas.microsoft.com/office/powerpoint/2012/main" xmlns:mc="http://schemas.openxmlformats.org/markup-compatibility/2006" type="objAndTwoObj" preserve="1">
+<p:sldLayout xmlns:a="http://schemas.openxmlformats.org/drawingml/2006/main" xmlns:r="http://schemas.openxmlformats.org/officeDocument/2006/relationships" xmlns:p="http://schemas.openxmlformats.org/presentationml/2006/main" type="objAndTwoObj" preserve="1">
   <p:cSld name="Title Content and 2 Content">
     <p:spTree>
       <p:nvGrpSpPr>
@@ -4694,14 +4941,15 @@
           </a:ln>
         </p:spPr>
         <p:txBody>
-          <a:bodyPr lIns="0" rIns="0" tIns="0" bIns="0" anchor="ctr">
+          <a:bodyPr lIns="0" tIns="0" rIns="0" bIns="0" anchor="ctr">
             <a:noAutofit/>
           </a:bodyPr>
+          <a:lstStyle/>
           <a:p>
             <a:pPr indent="0">
               <a:buNone/>
             </a:pPr>
-            <a:endParaRPr b="0" lang="en-US" sz="1800" spc="-1" strike="noStrike">
+            <a:endParaRPr lang="en-US" sz="1800" b="0" strike="noStrike" spc="-1">
               <a:solidFill>
                 <a:srgbClr val="000000"/>
               </a:solidFill>
@@ -4734,9 +4982,10 @@
           </a:ln>
         </p:spPr>
         <p:txBody>
-          <a:bodyPr lIns="0" rIns="0" tIns="0" bIns="0" anchor="t">
+          <a:bodyPr lIns="0" tIns="0" rIns="0" bIns="0" anchor="t">
             <a:normAutofit/>
           </a:bodyPr>
+          <a:lstStyle/>
           <a:p>
             <a:pPr indent="0">
               <a:lnSpc>
@@ -4747,7 +4996,7 @@
               </a:spcBef>
               <a:buNone/>
             </a:pPr>
-            <a:endParaRPr b="0" lang="en-US" sz="2800" spc="-1" strike="noStrike">
+            <a:endParaRPr lang="en-US" sz="2800" b="0" strike="noStrike" spc="-1">
               <a:solidFill>
                 <a:srgbClr val="000000"/>
               </a:solidFill>
@@ -4780,9 +5029,10 @@
           </a:ln>
         </p:spPr>
         <p:txBody>
-          <a:bodyPr lIns="0" rIns="0" tIns="0" bIns="0" anchor="t">
+          <a:bodyPr lIns="0" tIns="0" rIns="0" bIns="0" anchor="t">
             <a:normAutofit/>
           </a:bodyPr>
+          <a:lstStyle/>
           <a:p>
             <a:pPr indent="0">
               <a:lnSpc>
@@ -4793,7 +5043,7 @@
               </a:spcBef>
               <a:buNone/>
             </a:pPr>
-            <a:endParaRPr b="0" lang="en-US" sz="2800" spc="-1" strike="noStrike">
+            <a:endParaRPr lang="en-US" sz="2800" b="0" strike="noStrike" spc="-1">
               <a:solidFill>
                 <a:srgbClr val="000000"/>
               </a:solidFill>
@@ -4826,9 +5076,10 @@
           </a:ln>
         </p:spPr>
         <p:txBody>
-          <a:bodyPr lIns="0" rIns="0" tIns="0" bIns="0" anchor="t">
+          <a:bodyPr lIns="0" tIns="0" rIns="0" bIns="0" anchor="t">
             <a:normAutofit/>
           </a:bodyPr>
+          <a:lstStyle/>
           <a:p>
             <a:pPr indent="0">
               <a:lnSpc>
@@ -4839,7 +5090,7 @@
               </a:spcBef>
               <a:buNone/>
             </a:pPr>
-            <a:endParaRPr b="0" lang="en-US" sz="2800" spc="-1" strike="noStrike">
+            <a:endParaRPr lang="en-US" sz="2800" b="0" strike="noStrike" spc="-1">
               <a:solidFill>
                 <a:srgbClr val="000000"/>
               </a:solidFill>
@@ -4861,6 +5112,7 @@
         <p:spPr/>
         <p:txBody>
           <a:bodyPr/>
+          <a:lstStyle/>
           <a:p>
             <a:r>
               <a:t>Footer</a:t>
@@ -4881,10 +5133,12 @@
         <p:spPr/>
         <p:txBody>
           <a:bodyPr/>
+          <a:lstStyle/>
           <a:p>
             <a:fld id="{367D3BB7-3FA4-4C3E-9B2E-8A78219AB110}" type="slidenum">
-              <a:t>&lt;#&gt;</a:t>
+              <a:t>‹#›</a:t>
             </a:fld>
+            <a:endParaRPr/>
           </a:p>
         </p:txBody>
       </p:sp>
@@ -4901,21 +5155,22 @@
         <p:spPr/>
         <p:txBody>
           <a:bodyPr/>
-          <a:p>
-            <a:r>
-              <a:rPr lang="en-US"/>
-              <a:t/>
-            </a:r>
+          <a:lstStyle/>
+          <a:p>
+            <a:endParaRPr/>
           </a:p>
         </p:txBody>
       </p:sp>
     </p:spTree>
   </p:cSld>
+  <p:clrMapOvr>
+    <a:masterClrMapping/>
+  </p:clrMapOvr>
 </p:sldLayout>
 </file>
 
 <file path=ppt/slideLayouts/slideLayout9.xml><?xml version="1.0" encoding="utf-8"?>
-<p:sldLayout xmlns:a="http://schemas.openxmlformats.org/drawingml/2006/main" xmlns:p="http://schemas.openxmlformats.org/presentationml/2006/main" xmlns:r="http://schemas.openxmlformats.org/officeDocument/2006/relationships" xmlns:p14="http://schemas.microsoft.com/office/powerpoint/2010/main" xmlns:p15="http://schemas.microsoft.com/office/powerpoint/2012/main" xmlns:mc="http://schemas.openxmlformats.org/markup-compatibility/2006" type="twoObjOverTx" preserve="1">
+<p:sldLayout xmlns:a="http://schemas.openxmlformats.org/drawingml/2006/main" xmlns:r="http://schemas.openxmlformats.org/officeDocument/2006/relationships" xmlns:p="http://schemas.openxmlformats.org/presentationml/2006/main" type="twoObjOverTx" preserve="1">
   <p:cSld name="Title, 2 Content over Content">
     <p:spTree>
       <p:nvGrpSpPr>
@@ -4955,14 +5210,15 @@
           </a:ln>
         </p:spPr>
         <p:txBody>
-          <a:bodyPr lIns="0" rIns="0" tIns="0" bIns="0" anchor="ctr">
+          <a:bodyPr lIns="0" tIns="0" rIns="0" bIns="0" anchor="ctr">
             <a:noAutofit/>
           </a:bodyPr>
+          <a:lstStyle/>
           <a:p>
             <a:pPr indent="0">
               <a:buNone/>
             </a:pPr>
-            <a:endParaRPr b="0" lang="en-US" sz="1800" spc="-1" strike="noStrike">
+            <a:endParaRPr lang="en-US" sz="1800" b="0" strike="noStrike" spc="-1">
               <a:solidFill>
                 <a:srgbClr val="000000"/>
               </a:solidFill>
@@ -4995,9 +5251,10 @@
           </a:ln>
         </p:spPr>
         <p:txBody>
-          <a:bodyPr lIns="0" rIns="0" tIns="0" bIns="0" anchor="t">
+          <a:bodyPr lIns="0" tIns="0" rIns="0" bIns="0" anchor="t">
             <a:normAutofit/>
           </a:bodyPr>
+          <a:lstStyle/>
           <a:p>
             <a:pPr indent="0">
               <a:lnSpc>
@@ -5008,7 +5265,7 @@
               </a:spcBef>
               <a:buNone/>
             </a:pPr>
-            <a:endParaRPr b="0" lang="en-US" sz="2800" spc="-1" strike="noStrike">
+            <a:endParaRPr lang="en-US" sz="2800" b="0" strike="noStrike" spc="-1">
               <a:solidFill>
                 <a:srgbClr val="000000"/>
               </a:solidFill>
@@ -5041,9 +5298,10 @@
           </a:ln>
         </p:spPr>
         <p:txBody>
-          <a:bodyPr lIns="0" rIns="0" tIns="0" bIns="0" anchor="t">
+          <a:bodyPr lIns="0" tIns="0" rIns="0" bIns="0" anchor="t">
             <a:normAutofit/>
           </a:bodyPr>
+          <a:lstStyle/>
           <a:p>
             <a:pPr indent="0">
               <a:lnSpc>
@@ -5054,7 +5312,7 @@
               </a:spcBef>
               <a:buNone/>
             </a:pPr>
-            <a:endParaRPr b="0" lang="en-US" sz="2800" spc="-1" strike="noStrike">
+            <a:endParaRPr lang="en-US" sz="2800" b="0" strike="noStrike" spc="-1">
               <a:solidFill>
                 <a:srgbClr val="000000"/>
               </a:solidFill>
@@ -5087,9 +5345,10 @@
           </a:ln>
         </p:spPr>
         <p:txBody>
-          <a:bodyPr lIns="0" rIns="0" tIns="0" bIns="0" anchor="t">
+          <a:bodyPr lIns="0" tIns="0" rIns="0" bIns="0" anchor="t">
             <a:normAutofit/>
           </a:bodyPr>
+          <a:lstStyle/>
           <a:p>
             <a:pPr indent="0">
               <a:lnSpc>
@@ -5100,7 +5359,7 @@
               </a:spcBef>
               <a:buNone/>
             </a:pPr>
-            <a:endParaRPr b="0" lang="en-US" sz="2800" spc="-1" strike="noStrike">
+            <a:endParaRPr lang="en-US" sz="2800" b="0" strike="noStrike" spc="-1">
               <a:solidFill>
                 <a:srgbClr val="000000"/>
               </a:solidFill>
@@ -5122,6 +5381,7 @@
         <p:spPr/>
         <p:txBody>
           <a:bodyPr/>
+          <a:lstStyle/>
           <a:p>
             <a:r>
               <a:t>Footer</a:t>
@@ -5142,10 +5402,12 @@
         <p:spPr/>
         <p:txBody>
           <a:bodyPr/>
+          <a:lstStyle/>
           <a:p>
             <a:fld id="{B86164F0-443E-4772-B0E8-079CEE46C757}" type="slidenum">
-              <a:t>&lt;#&gt;</a:t>
+              <a:t>‹#›</a:t>
             </a:fld>
+            <a:endParaRPr/>
           </a:p>
         </p:txBody>
       </p:sp>
@@ -5162,27 +5424,29 @@
         <p:spPr/>
         <p:txBody>
           <a:bodyPr/>
-          <a:p>
-            <a:r>
-              <a:rPr lang="en-US"/>
-              <a:t/>
-            </a:r>
+          <a:lstStyle/>
+          <a:p>
+            <a:endParaRPr/>
           </a:p>
         </p:txBody>
       </p:sp>
     </p:spTree>
   </p:cSld>
+  <p:clrMapOvr>
+    <a:masterClrMapping/>
+  </p:clrMapOvr>
 </p:sldLayout>
 </file>
 
 <file path=ppt/slideMasters/slideMaster1.xml><?xml version="1.0" encoding="utf-8"?>
-<p:sldMaster xmlns:a="http://schemas.openxmlformats.org/drawingml/2006/main" xmlns:p="http://schemas.openxmlformats.org/presentationml/2006/main" xmlns:r="http://schemas.openxmlformats.org/officeDocument/2006/relationships" xmlns:p14="http://schemas.microsoft.com/office/powerpoint/2010/main" xmlns:p15="http://schemas.microsoft.com/office/powerpoint/2012/main" xmlns:mc="http://schemas.openxmlformats.org/markup-compatibility/2006">
+<p:sldMaster xmlns:a="http://schemas.openxmlformats.org/drawingml/2006/main" xmlns:r="http://schemas.openxmlformats.org/officeDocument/2006/relationships" xmlns:p="http://schemas.openxmlformats.org/presentationml/2006/main">
   <p:cSld>
     <p:bg>
       <p:bgPr>
         <a:solidFill>
-          <a:srgbClr val="ffffff"/>
+          <a:srgbClr val="FFFFFF"/>
         </a:solidFill>
+        <a:effectLst/>
       </p:bgPr>
     </p:bg>
     <p:spTree>
@@ -5201,7 +5465,7 @@
       </p:grpSpPr>
       <p:sp>
         <p:nvSpPr>
-          <p:cNvPr id="0" name="PlaceHolder 1"/>
+          <p:cNvPr id="5" name="PlaceHolder 1"/>
           <p:cNvSpPr>
             <a:spLocks noGrp="1"/>
           </p:cNvSpPr>
@@ -5226,6 +5490,7 @@
           <a:bodyPr anchor="b">
             <a:noAutofit/>
           </a:bodyPr>
+          <a:lstStyle/>
           <a:p>
             <a:pPr indent="0" algn="ctr">
               <a:lnSpc>
@@ -5234,7 +5499,7 @@
               <a:buNone/>
             </a:pPr>
             <a:r>
-              <a:rPr b="0" lang="en-US" sz="6000" spc="-1" strike="noStrike">
+              <a:rPr lang="en-US" sz="6000" b="0" strike="noStrike" spc="-1">
                 <a:solidFill>
                   <a:srgbClr val="000000"/>
                 </a:solidFill>
@@ -5242,18 +5507,18 @@
               </a:rPr>
               <a:t>Click to edit Master title style</a:t>
             </a:r>
-            <a:endParaRPr b="0" lang="en-US" sz="6000" spc="-1" strike="noStrike">
-              <a:solidFill>
-                <a:srgbClr val="000000"/>
-              </a:solidFill>
-              <a:latin typeface="Calibri"/>
-            </a:endParaRPr>
-          </a:p>
-        </p:txBody>
-      </p:sp>
-      <p:sp>
-        <p:nvSpPr>
-          <p:cNvPr id="1" name="PlaceHolder 2"/>
+            <a:endParaRPr lang="en-US" sz="6000" b="0" strike="noStrike" spc="-1">
+              <a:solidFill>
+                <a:srgbClr val="000000"/>
+              </a:solidFill>
+              <a:latin typeface="Calibri"/>
+            </a:endParaRPr>
+          </a:p>
+        </p:txBody>
+      </p:sp>
+      <p:sp>
+        <p:nvSpPr>
+          <p:cNvPr id="6" name="PlaceHolder 2"/>
           <p:cNvSpPr>
             <a:spLocks noGrp="1"/>
           </p:cNvSpPr>
@@ -5284,9 +5549,9 @@
                 <a:spcPct val="100000"/>
               </a:lnSpc>
               <a:buNone/>
-              <a:defRPr b="0" lang="en-US" sz="1200" spc="-1" strike="noStrike">
+              <a:defRPr lang="en-US" sz="1200" b="0" strike="noStrike" spc="-1">
                 <a:solidFill>
-                  <a:srgbClr val="8b8b8b"/>
+                  <a:srgbClr val="8B8B8B"/>
                 </a:solidFill>
                 <a:latin typeface="Calibri"/>
               </a:defRPr>
@@ -5300,15 +5565,15 @@
               <a:buNone/>
             </a:pPr>
             <a:r>
-              <a:rPr b="0" lang="en-US" sz="1200" spc="-1" strike="noStrike">
+              <a:rPr lang="en-US" sz="1200" b="0" strike="noStrike" spc="-1">
                 <a:solidFill>
-                  <a:srgbClr val="8b8b8b"/>
+                  <a:srgbClr val="8B8B8B"/>
                 </a:solidFill>
                 <a:latin typeface="Calibri"/>
               </a:rPr>
               <a:t> </a:t>
             </a:r>
-            <a:endParaRPr b="0" lang="en-US" sz="1200" spc="-1" strike="noStrike">
+            <a:endParaRPr lang="en-US" sz="1200" b="0" strike="noStrike" spc="-1">
               <a:solidFill>
                 <a:srgbClr val="000000"/>
               </a:solidFill>
@@ -5347,7 +5612,7 @@
           <a:lstStyle>
             <a:lvl1pPr indent="0" algn="ctr">
               <a:buNone/>
-              <a:defRPr b="0" lang="en-US" sz="1400" spc="-1" strike="noStrike">
+              <a:defRPr lang="en-US" sz="1400" b="0" strike="noStrike" spc="-1">
                 <a:solidFill>
                   <a:srgbClr val="000000"/>
                 </a:solidFill>
@@ -5360,7 +5625,7 @@
               <a:buNone/>
             </a:pPr>
             <a:r>
-              <a:rPr b="0" lang="en-US" sz="1400" spc="-1" strike="noStrike">
+              <a:rPr lang="en-US" sz="1400" b="0" strike="noStrike" spc="-1">
                 <a:solidFill>
                   <a:srgbClr val="000000"/>
                 </a:solidFill>
@@ -5368,12 +5633,6 @@
               </a:rPr>
               <a:t> </a:t>
             </a:r>
-            <a:endParaRPr b="0" lang="en-US" sz="1400" spc="-1" strike="noStrike">
-              <a:solidFill>
-                <a:srgbClr val="000000"/>
-              </a:solidFill>
-              <a:latin typeface="Times New Roman"/>
-            </a:endParaRPr>
           </a:p>
         </p:txBody>
       </p:sp>
@@ -5410,9 +5669,9 @@
                 <a:spcPct val="100000"/>
               </a:lnSpc>
               <a:buNone/>
-              <a:defRPr b="0" lang="en-US" sz="1200" spc="-1" strike="noStrike">
+              <a:defRPr lang="en-US" sz="1200" b="0" strike="noStrike" spc="-1">
                 <a:solidFill>
-                  <a:srgbClr val="8b8b8b"/>
+                  <a:srgbClr val="8B8B8B"/>
                 </a:solidFill>
                 <a:latin typeface="Calibri"/>
               </a:defRPr>
@@ -5426,15 +5685,15 @@
               <a:buNone/>
             </a:pPr>
             <a:fld id="{D5293874-638B-4C19-AEEC-C00EC714F51A}" type="slidenum">
-              <a:rPr b="0" lang="en-US" sz="1200" spc="-1" strike="noStrike">
+              <a:rPr lang="en-US" sz="1200" b="0" strike="noStrike" spc="-1">
                 <a:solidFill>
-                  <a:srgbClr val="8b8b8b"/>
+                  <a:srgbClr val="8B8B8B"/>
                 </a:solidFill>
                 <a:latin typeface="Calibri"/>
               </a:rPr>
-              <a:t>2</a:t>
+              <a:t>‹#›</a:t>
             </a:fld>
-            <a:endParaRPr b="0" lang="en-US" sz="1200" spc="-1" strike="noStrike">
+            <a:endParaRPr lang="en-US" sz="1200" b="0" strike="noStrike" spc="-1">
               <a:solidFill>
                 <a:srgbClr val="000000"/>
               </a:solidFill>
@@ -5467,9 +5726,10 @@
           </a:ln>
         </p:spPr>
         <p:txBody>
-          <a:bodyPr lIns="0" rIns="0" tIns="0" bIns="0" anchor="t">
+          <a:bodyPr lIns="0" tIns="0" rIns="0" bIns="0" anchor="t">
             <a:normAutofit/>
           </a:bodyPr>
+          <a:lstStyle/>
           <a:p>
             <a:pPr marL="432000" indent="-324000">
               <a:lnSpc>
@@ -5486,7 +5746,7 @@
               <a:buChar char=""/>
             </a:pPr>
             <a:r>
-              <a:rPr b="0" lang="en-US" sz="2800" spc="-1" strike="noStrike">
+              <a:rPr lang="en-US" sz="2800" b="0" strike="noStrike" spc="-1">
                 <a:solidFill>
                   <a:srgbClr val="000000"/>
                 </a:solidFill>
@@ -5494,15 +5754,9 @@
               </a:rPr>
               <a:t>Click to edit the outline text format</a:t>
             </a:r>
-            <a:endParaRPr b="0" lang="en-US" sz="2800" spc="-1" strike="noStrike">
-              <a:solidFill>
-                <a:srgbClr val="000000"/>
-              </a:solidFill>
-              <a:latin typeface="Calibri"/>
-            </a:endParaRPr>
-          </a:p>
-          <a:p>
-            <a:pPr lvl="1" marL="864000" indent="-324000">
+          </a:p>
+          <a:p>
+            <a:pPr marL="864000" lvl="1" indent="-324000">
               <a:lnSpc>
                 <a:spcPct val="90000"/>
               </a:lnSpc>
@@ -5517,7 +5771,7 @@
               <a:buChar char=""/>
             </a:pPr>
             <a:r>
-              <a:rPr b="0" lang="en-US" sz="2000" spc="-1" strike="noStrike">
+              <a:rPr lang="en-US" sz="2000" b="0" strike="noStrike" spc="-1">
                 <a:solidFill>
                   <a:srgbClr val="000000"/>
                 </a:solidFill>
@@ -5525,15 +5779,9 @@
               </a:rPr>
               <a:t>Second Outline Level</a:t>
             </a:r>
-            <a:endParaRPr b="0" lang="en-US" sz="2000" spc="-1" strike="noStrike">
-              <a:solidFill>
-                <a:srgbClr val="000000"/>
-              </a:solidFill>
-              <a:latin typeface="Calibri"/>
-            </a:endParaRPr>
-          </a:p>
-          <a:p>
-            <a:pPr lvl="2" marL="1296000" indent="-288000">
+          </a:p>
+          <a:p>
+            <a:pPr marL="1296000" lvl="2" indent="-288000">
               <a:lnSpc>
                 <a:spcPct val="90000"/>
               </a:lnSpc>
@@ -5548,7 +5796,7 @@
               <a:buChar char=""/>
             </a:pPr>
             <a:r>
-              <a:rPr b="0" lang="en-US" sz="1800" spc="-1" strike="noStrike">
+              <a:rPr lang="en-US" sz="1800" b="0" strike="noStrike" spc="-1">
                 <a:solidFill>
                   <a:srgbClr val="000000"/>
                 </a:solidFill>
@@ -5556,15 +5804,9 @@
               </a:rPr>
               <a:t>Third Outline Level</a:t>
             </a:r>
-            <a:endParaRPr b="0" lang="en-US" sz="1800" spc="-1" strike="noStrike">
-              <a:solidFill>
-                <a:srgbClr val="000000"/>
-              </a:solidFill>
-              <a:latin typeface="Calibri"/>
-            </a:endParaRPr>
-          </a:p>
-          <a:p>
-            <a:pPr lvl="3" marL="1728000" indent="-216000">
+          </a:p>
+          <a:p>
+            <a:pPr marL="1728000" lvl="3" indent="-216000">
               <a:lnSpc>
                 <a:spcPct val="90000"/>
               </a:lnSpc>
@@ -5579,7 +5821,7 @@
               <a:buChar char=""/>
             </a:pPr>
             <a:r>
-              <a:rPr b="0" lang="en-US" sz="1800" spc="-1" strike="noStrike">
+              <a:rPr lang="en-US" sz="1800" b="0" strike="noStrike" spc="-1">
                 <a:solidFill>
                   <a:srgbClr val="000000"/>
                 </a:solidFill>
@@ -5587,15 +5829,9 @@
               </a:rPr>
               <a:t>Fourth Outline Level</a:t>
             </a:r>
-            <a:endParaRPr b="0" lang="en-US" sz="1800" spc="-1" strike="noStrike">
-              <a:solidFill>
-                <a:srgbClr val="000000"/>
-              </a:solidFill>
-              <a:latin typeface="Calibri"/>
-            </a:endParaRPr>
-          </a:p>
-          <a:p>
-            <a:pPr lvl="4" marL="2160000" indent="-216000">
+          </a:p>
+          <a:p>
+            <a:pPr marL="2160000" lvl="4" indent="-216000">
               <a:lnSpc>
                 <a:spcPct val="90000"/>
               </a:lnSpc>
@@ -5610,7 +5846,7 @@
               <a:buChar char=""/>
             </a:pPr>
             <a:r>
-              <a:rPr b="0" lang="en-US" sz="2000" spc="-1" strike="noStrike">
+              <a:rPr lang="en-US" sz="2000" b="0" strike="noStrike" spc="-1">
                 <a:solidFill>
                   <a:srgbClr val="000000"/>
                 </a:solidFill>
@@ -5618,15 +5854,9 @@
               </a:rPr>
               <a:t>Fifth Outline Level</a:t>
             </a:r>
-            <a:endParaRPr b="0" lang="en-US" sz="2000" spc="-1" strike="noStrike">
-              <a:solidFill>
-                <a:srgbClr val="000000"/>
-              </a:solidFill>
-              <a:latin typeface="Calibri"/>
-            </a:endParaRPr>
-          </a:p>
-          <a:p>
-            <a:pPr lvl="5" marL="2592000" indent="-216000">
+          </a:p>
+          <a:p>
+            <a:pPr marL="2592000" lvl="5" indent="-216000">
               <a:lnSpc>
                 <a:spcPct val="90000"/>
               </a:lnSpc>
@@ -5641,7 +5871,7 @@
               <a:buChar char=""/>
             </a:pPr>
             <a:r>
-              <a:rPr b="0" lang="en-US" sz="2000" spc="-1" strike="noStrike">
+              <a:rPr lang="en-US" sz="2000" b="0" strike="noStrike" spc="-1">
                 <a:solidFill>
                   <a:srgbClr val="000000"/>
                 </a:solidFill>
@@ -5649,15 +5879,9 @@
               </a:rPr>
               <a:t>Sixth Outline Level</a:t>
             </a:r>
-            <a:endParaRPr b="0" lang="en-US" sz="2000" spc="-1" strike="noStrike">
-              <a:solidFill>
-                <a:srgbClr val="000000"/>
-              </a:solidFill>
-              <a:latin typeface="Calibri"/>
-            </a:endParaRPr>
-          </a:p>
-          <a:p>
-            <a:pPr lvl="6" marL="3024000" indent="-216000">
+          </a:p>
+          <a:p>
+            <a:pPr marL="3024000" lvl="6" indent="-216000">
               <a:lnSpc>
                 <a:spcPct val="90000"/>
               </a:lnSpc>
@@ -5672,7 +5896,7 @@
               <a:buChar char=""/>
             </a:pPr>
             <a:r>
-              <a:rPr b="0" lang="en-US" sz="2000" spc="-1" strike="noStrike">
+              <a:rPr lang="en-US" sz="2000" b="0" strike="noStrike" spc="-1">
                 <a:solidFill>
                   <a:srgbClr val="000000"/>
                 </a:solidFill>
@@ -5680,43 +5904,318 @@
               </a:rPr>
               <a:t>Seventh Outline Level</a:t>
             </a:r>
-            <a:endParaRPr b="0" lang="en-US" sz="2000" spc="-1" strike="noStrike">
-              <a:solidFill>
-                <a:srgbClr val="000000"/>
-              </a:solidFill>
-              <a:latin typeface="Calibri"/>
-            </a:endParaRPr>
           </a:p>
         </p:txBody>
       </p:sp>
     </p:spTree>
   </p:cSld>
-  <p:clrMap bg1="lt1" bg2="lt2" tx1="dk1" tx2="dk2" accent1="accent1" accent2="accent2" accent3="accent3" accent4="accent4" accent5="accent5" accent6="accent6" hlink="hlink" folHlink="folHlink"/>
+  <p:clrMap bg1="lt1" tx1="dk1" bg2="lt2" tx2="dk2" accent1="accent1" accent2="accent2" accent3="accent3" accent4="accent4" accent5="accent5" accent6="accent6" hlink="hlink" folHlink="folHlink"/>
   <p:sldLayoutIdLst>
-    <p:sldLayoutId id="2147483649" r:id="rId2"/>
-    <p:sldLayoutId id="2147483650" r:id="rId3"/>
-    <p:sldLayoutId id="2147483651" r:id="rId4"/>
-    <p:sldLayoutId id="2147483652" r:id="rId5"/>
-    <p:sldLayoutId id="2147483653" r:id="rId6"/>
-    <p:sldLayoutId id="2147483654" r:id="rId7"/>
-    <p:sldLayoutId id="2147483655" r:id="rId8"/>
-    <p:sldLayoutId id="2147483656" r:id="rId9"/>
-    <p:sldLayoutId id="2147483657" r:id="rId10"/>
-    <p:sldLayoutId id="2147483658" r:id="rId11"/>
-    <p:sldLayoutId id="2147483659" r:id="rId12"/>
-    <p:sldLayoutId id="2147483660" r:id="rId13"/>
+    <p:sldLayoutId id="2147483649" r:id="rId1"/>
+    <p:sldLayoutId id="2147483650" r:id="rId2"/>
+    <p:sldLayoutId id="2147483651" r:id="rId3"/>
+    <p:sldLayoutId id="2147483652" r:id="rId4"/>
+    <p:sldLayoutId id="2147483653" r:id="rId5"/>
+    <p:sldLayoutId id="2147483654" r:id="rId6"/>
+    <p:sldLayoutId id="2147483655" r:id="rId7"/>
+    <p:sldLayoutId id="2147483656" r:id="rId8"/>
+    <p:sldLayoutId id="2147483657" r:id="rId9"/>
+    <p:sldLayoutId id="2147483658" r:id="rId10"/>
+    <p:sldLayoutId id="2147483659" r:id="rId11"/>
+    <p:sldLayoutId id="2147483660" r:id="rId12"/>
   </p:sldLayoutIdLst>
+  <p:txStyles>
+    <p:titleStyle>
+      <a:lvl1pPr algn="l" defTabSz="914400" rtl="0" eaLnBrk="1" latinLnBrk="0" hangingPunct="1">
+        <a:lnSpc>
+          <a:spcPct val="90000"/>
+        </a:lnSpc>
+        <a:spcBef>
+          <a:spcPct val="0"/>
+        </a:spcBef>
+        <a:buNone/>
+        <a:defRPr sz="4400" kern="1200">
+          <a:solidFill>
+            <a:schemeClr val="tx1"/>
+          </a:solidFill>
+          <a:latin typeface="+mj-lt"/>
+          <a:ea typeface="+mj-ea"/>
+          <a:cs typeface="+mj-cs"/>
+        </a:defRPr>
+      </a:lvl1pPr>
+    </p:titleStyle>
+    <p:bodyStyle>
+      <a:lvl1pPr marL="228600" indent="-228600" algn="l" defTabSz="914400" rtl="0" eaLnBrk="1" latinLnBrk="0" hangingPunct="1">
+        <a:lnSpc>
+          <a:spcPct val="90000"/>
+        </a:lnSpc>
+        <a:spcBef>
+          <a:spcPts val="1000"/>
+        </a:spcBef>
+        <a:buFont typeface="Arial" panose="020B0604020202020204" pitchFamily="34" charset="0"/>
+        <a:buChar char="•"/>
+        <a:defRPr sz="2800" kern="1200">
+          <a:solidFill>
+            <a:schemeClr val="tx1"/>
+          </a:solidFill>
+          <a:latin typeface="+mn-lt"/>
+          <a:ea typeface="+mn-ea"/>
+          <a:cs typeface="+mn-cs"/>
+        </a:defRPr>
+      </a:lvl1pPr>
+      <a:lvl2pPr marL="685800" indent="-228600" algn="l" defTabSz="914400" rtl="0" eaLnBrk="1" latinLnBrk="0" hangingPunct="1">
+        <a:lnSpc>
+          <a:spcPct val="90000"/>
+        </a:lnSpc>
+        <a:spcBef>
+          <a:spcPts val="500"/>
+        </a:spcBef>
+        <a:buFont typeface="Arial" panose="020B0604020202020204" pitchFamily="34" charset="0"/>
+        <a:buChar char="•"/>
+        <a:defRPr sz="2400" kern="1200">
+          <a:solidFill>
+            <a:schemeClr val="tx1"/>
+          </a:solidFill>
+          <a:latin typeface="+mn-lt"/>
+          <a:ea typeface="+mn-ea"/>
+          <a:cs typeface="+mn-cs"/>
+        </a:defRPr>
+      </a:lvl2pPr>
+      <a:lvl3pPr marL="1143000" indent="-228600" algn="l" defTabSz="914400" rtl="0" eaLnBrk="1" latinLnBrk="0" hangingPunct="1">
+        <a:lnSpc>
+          <a:spcPct val="90000"/>
+        </a:lnSpc>
+        <a:spcBef>
+          <a:spcPts val="500"/>
+        </a:spcBef>
+        <a:buFont typeface="Arial" panose="020B0604020202020204" pitchFamily="34" charset="0"/>
+        <a:buChar char="•"/>
+        <a:defRPr sz="2000" kern="1200">
+          <a:solidFill>
+            <a:schemeClr val="tx1"/>
+          </a:solidFill>
+          <a:latin typeface="+mn-lt"/>
+          <a:ea typeface="+mn-ea"/>
+          <a:cs typeface="+mn-cs"/>
+        </a:defRPr>
+      </a:lvl3pPr>
+      <a:lvl4pPr marL="1600200" indent="-228600" algn="l" defTabSz="914400" rtl="0" eaLnBrk="1" latinLnBrk="0" hangingPunct="1">
+        <a:lnSpc>
+          <a:spcPct val="90000"/>
+        </a:lnSpc>
+        <a:spcBef>
+          <a:spcPts val="500"/>
+        </a:spcBef>
+        <a:buFont typeface="Arial" panose="020B0604020202020204" pitchFamily="34" charset="0"/>
+        <a:buChar char="•"/>
+        <a:defRPr sz="1800" kern="1200">
+          <a:solidFill>
+            <a:schemeClr val="tx1"/>
+          </a:solidFill>
+          <a:latin typeface="+mn-lt"/>
+          <a:ea typeface="+mn-ea"/>
+          <a:cs typeface="+mn-cs"/>
+        </a:defRPr>
+      </a:lvl4pPr>
+      <a:lvl5pPr marL="2057400" indent="-228600" algn="l" defTabSz="914400" rtl="0" eaLnBrk="1" latinLnBrk="0" hangingPunct="1">
+        <a:lnSpc>
+          <a:spcPct val="90000"/>
+        </a:lnSpc>
+        <a:spcBef>
+          <a:spcPts val="500"/>
+        </a:spcBef>
+        <a:buFont typeface="Arial" panose="020B0604020202020204" pitchFamily="34" charset="0"/>
+        <a:buChar char="•"/>
+        <a:defRPr sz="1800" kern="1200">
+          <a:solidFill>
+            <a:schemeClr val="tx1"/>
+          </a:solidFill>
+          <a:latin typeface="+mn-lt"/>
+          <a:ea typeface="+mn-ea"/>
+          <a:cs typeface="+mn-cs"/>
+        </a:defRPr>
+      </a:lvl5pPr>
+      <a:lvl6pPr marL="2514600" indent="-228600" algn="l" defTabSz="914400" rtl="0" eaLnBrk="1" latinLnBrk="0" hangingPunct="1">
+        <a:lnSpc>
+          <a:spcPct val="90000"/>
+        </a:lnSpc>
+        <a:spcBef>
+          <a:spcPts val="500"/>
+        </a:spcBef>
+        <a:buFont typeface="Arial" panose="020B0604020202020204" pitchFamily="34" charset="0"/>
+        <a:buChar char="•"/>
+        <a:defRPr sz="1800" kern="1200">
+          <a:solidFill>
+            <a:schemeClr val="tx1"/>
+          </a:solidFill>
+          <a:latin typeface="+mn-lt"/>
+          <a:ea typeface="+mn-ea"/>
+          <a:cs typeface="+mn-cs"/>
+        </a:defRPr>
+      </a:lvl6pPr>
+      <a:lvl7pPr marL="2971800" indent="-228600" algn="l" defTabSz="914400" rtl="0" eaLnBrk="1" latinLnBrk="0" hangingPunct="1">
+        <a:lnSpc>
+          <a:spcPct val="90000"/>
+        </a:lnSpc>
+        <a:spcBef>
+          <a:spcPts val="500"/>
+        </a:spcBef>
+        <a:buFont typeface="Arial" panose="020B0604020202020204" pitchFamily="34" charset="0"/>
+        <a:buChar char="•"/>
+        <a:defRPr sz="1800" kern="1200">
+          <a:solidFill>
+            <a:schemeClr val="tx1"/>
+          </a:solidFill>
+          <a:latin typeface="+mn-lt"/>
+          <a:ea typeface="+mn-ea"/>
+          <a:cs typeface="+mn-cs"/>
+        </a:defRPr>
+      </a:lvl7pPr>
+      <a:lvl8pPr marL="3429000" indent="-228600" algn="l" defTabSz="914400" rtl="0" eaLnBrk="1" latinLnBrk="0" hangingPunct="1">
+        <a:lnSpc>
+          <a:spcPct val="90000"/>
+        </a:lnSpc>
+        <a:spcBef>
+          <a:spcPts val="500"/>
+        </a:spcBef>
+        <a:buFont typeface="Arial" panose="020B0604020202020204" pitchFamily="34" charset="0"/>
+        <a:buChar char="•"/>
+        <a:defRPr sz="1800" kern="1200">
+          <a:solidFill>
+            <a:schemeClr val="tx1"/>
+          </a:solidFill>
+          <a:latin typeface="+mn-lt"/>
+          <a:ea typeface="+mn-ea"/>
+          <a:cs typeface="+mn-cs"/>
+        </a:defRPr>
+      </a:lvl8pPr>
+      <a:lvl9pPr marL="3886200" indent="-228600" algn="l" defTabSz="914400" rtl="0" eaLnBrk="1" latinLnBrk="0" hangingPunct="1">
+        <a:lnSpc>
+          <a:spcPct val="90000"/>
+        </a:lnSpc>
+        <a:spcBef>
+          <a:spcPts val="500"/>
+        </a:spcBef>
+        <a:buFont typeface="Arial" panose="020B0604020202020204" pitchFamily="34" charset="0"/>
+        <a:buChar char="•"/>
+        <a:defRPr sz="1800" kern="1200">
+          <a:solidFill>
+            <a:schemeClr val="tx1"/>
+          </a:solidFill>
+          <a:latin typeface="+mn-lt"/>
+          <a:ea typeface="+mn-ea"/>
+          <a:cs typeface="+mn-cs"/>
+        </a:defRPr>
+      </a:lvl9pPr>
+    </p:bodyStyle>
+    <p:otherStyle>
+      <a:defPPr>
+        <a:defRPr lang="en-US"/>
+      </a:defPPr>
+      <a:lvl1pPr marL="0" algn="l" defTabSz="914400" rtl="0" eaLnBrk="1" latinLnBrk="0" hangingPunct="1">
+        <a:defRPr sz="1800" kern="1200">
+          <a:solidFill>
+            <a:schemeClr val="tx1"/>
+          </a:solidFill>
+          <a:latin typeface="+mn-lt"/>
+          <a:ea typeface="+mn-ea"/>
+          <a:cs typeface="+mn-cs"/>
+        </a:defRPr>
+      </a:lvl1pPr>
+      <a:lvl2pPr marL="457200" algn="l" defTabSz="914400" rtl="0" eaLnBrk="1" latinLnBrk="0" hangingPunct="1">
+        <a:defRPr sz="1800" kern="1200">
+          <a:solidFill>
+            <a:schemeClr val="tx1"/>
+          </a:solidFill>
+          <a:latin typeface="+mn-lt"/>
+          <a:ea typeface="+mn-ea"/>
+          <a:cs typeface="+mn-cs"/>
+        </a:defRPr>
+      </a:lvl2pPr>
+      <a:lvl3pPr marL="914400" algn="l" defTabSz="914400" rtl="0" eaLnBrk="1" latinLnBrk="0" hangingPunct="1">
+        <a:defRPr sz="1800" kern="1200">
+          <a:solidFill>
+            <a:schemeClr val="tx1"/>
+          </a:solidFill>
+          <a:latin typeface="+mn-lt"/>
+          <a:ea typeface="+mn-ea"/>
+          <a:cs typeface="+mn-cs"/>
+        </a:defRPr>
+      </a:lvl3pPr>
+      <a:lvl4pPr marL="1371600" algn="l" defTabSz="914400" rtl="0" eaLnBrk="1" latinLnBrk="0" hangingPunct="1">
+        <a:defRPr sz="1800" kern="1200">
+          <a:solidFill>
+            <a:schemeClr val="tx1"/>
+          </a:solidFill>
+          <a:latin typeface="+mn-lt"/>
+          <a:ea typeface="+mn-ea"/>
+          <a:cs typeface="+mn-cs"/>
+        </a:defRPr>
+      </a:lvl4pPr>
+      <a:lvl5pPr marL="1828800" algn="l" defTabSz="914400" rtl="0" eaLnBrk="1" latinLnBrk="0" hangingPunct="1">
+        <a:defRPr sz="1800" kern="1200">
+          <a:solidFill>
+            <a:schemeClr val="tx1"/>
+          </a:solidFill>
+          <a:latin typeface="+mn-lt"/>
+          <a:ea typeface="+mn-ea"/>
+          <a:cs typeface="+mn-cs"/>
+        </a:defRPr>
+      </a:lvl5pPr>
+      <a:lvl6pPr marL="2286000" algn="l" defTabSz="914400" rtl="0" eaLnBrk="1" latinLnBrk="0" hangingPunct="1">
+        <a:defRPr sz="1800" kern="1200">
+          <a:solidFill>
+            <a:schemeClr val="tx1"/>
+          </a:solidFill>
+          <a:latin typeface="+mn-lt"/>
+          <a:ea typeface="+mn-ea"/>
+          <a:cs typeface="+mn-cs"/>
+        </a:defRPr>
+      </a:lvl6pPr>
+      <a:lvl7pPr marL="2743200" algn="l" defTabSz="914400" rtl="0" eaLnBrk="1" latinLnBrk="0" hangingPunct="1">
+        <a:defRPr sz="1800" kern="1200">
+          <a:solidFill>
+            <a:schemeClr val="tx1"/>
+          </a:solidFill>
+          <a:latin typeface="+mn-lt"/>
+          <a:ea typeface="+mn-ea"/>
+          <a:cs typeface="+mn-cs"/>
+        </a:defRPr>
+      </a:lvl7pPr>
+      <a:lvl8pPr marL="3200400" algn="l" defTabSz="914400" rtl="0" eaLnBrk="1" latinLnBrk="0" hangingPunct="1">
+        <a:defRPr sz="1800" kern="1200">
+          <a:solidFill>
+            <a:schemeClr val="tx1"/>
+          </a:solidFill>
+          <a:latin typeface="+mn-lt"/>
+          <a:ea typeface="+mn-ea"/>
+          <a:cs typeface="+mn-cs"/>
+        </a:defRPr>
+      </a:lvl8pPr>
+      <a:lvl9pPr marL="3657600" algn="l" defTabSz="914400" rtl="0" eaLnBrk="1" latinLnBrk="0" hangingPunct="1">
+        <a:defRPr sz="1800" kern="1200">
+          <a:solidFill>
+            <a:schemeClr val="tx1"/>
+          </a:solidFill>
+          <a:latin typeface="+mn-lt"/>
+          <a:ea typeface="+mn-ea"/>
+          <a:cs typeface="+mn-cs"/>
+        </a:defRPr>
+      </a:lvl9pPr>
+    </p:otherStyle>
+  </p:txStyles>
 </p:sldMaster>
 </file>
 
 <file path=ppt/slideMasters/slideMaster2.xml><?xml version="1.0" encoding="utf-8"?>
-<p:sldMaster xmlns:a="http://schemas.openxmlformats.org/drawingml/2006/main" xmlns:p="http://schemas.openxmlformats.org/presentationml/2006/main" xmlns:r="http://schemas.openxmlformats.org/officeDocument/2006/relationships" xmlns:p14="http://schemas.microsoft.com/office/powerpoint/2010/main" xmlns:p15="http://schemas.microsoft.com/office/powerpoint/2012/main" xmlns:mc="http://schemas.openxmlformats.org/markup-compatibility/2006">
+<p:sldMaster xmlns:a="http://schemas.openxmlformats.org/drawingml/2006/main" xmlns:r="http://schemas.openxmlformats.org/officeDocument/2006/relationships" xmlns:p="http://schemas.openxmlformats.org/presentationml/2006/main">
   <p:cSld>
     <p:bg>
       <p:bgPr>
         <a:solidFill>
-          <a:srgbClr val="ffffff"/>
+          <a:srgbClr val="FFFFFF"/>
         </a:solidFill>
+        <a:effectLst/>
       </p:bgPr>
     </p:bg>
     <p:spTree>
@@ -5760,6 +6259,7 @@
           <a:bodyPr anchor="ctr">
             <a:noAutofit/>
           </a:bodyPr>
+          <a:lstStyle/>
           <a:p>
             <a:pPr indent="0">
               <a:lnSpc>
@@ -5768,7 +6268,7 @@
               <a:buNone/>
             </a:pPr>
             <a:r>
-              <a:rPr b="0" lang="en-US" sz="4400" spc="-1" strike="noStrike">
+              <a:rPr lang="en-US" sz="4400" b="0" strike="noStrike" spc="-1">
                 <a:solidFill>
                   <a:srgbClr val="000000"/>
                 </a:solidFill>
@@ -5776,7 +6276,7 @@
               </a:rPr>
               <a:t>Click to edit Master title style</a:t>
             </a:r>
-            <a:endParaRPr b="0" lang="en-US" sz="4400" spc="-1" strike="noStrike">
+            <a:endParaRPr lang="en-US" sz="4400" b="0" strike="noStrike" spc="-1">
               <a:solidFill>
                 <a:srgbClr val="000000"/>
               </a:solidFill>
@@ -5812,6 +6312,7 @@
           <a:bodyPr anchor="t">
             <a:noAutofit/>
           </a:bodyPr>
+          <a:lstStyle/>
           <a:p>
             <a:pPr marL="228600" indent="-228600">
               <a:lnSpc>
@@ -5827,7 +6328,7 @@
               <a:buChar char="•"/>
             </a:pPr>
             <a:r>
-              <a:rPr b="0" lang="en-US" sz="2800" spc="-1" strike="noStrike">
+              <a:rPr lang="en-US" sz="2800" b="0" strike="noStrike" spc="-1">
                 <a:solidFill>
                   <a:srgbClr val="000000"/>
                 </a:solidFill>
@@ -5835,15 +6336,9 @@
               </a:rPr>
               <a:t>Click to edit Master text styles</a:t>
             </a:r>
-            <a:endParaRPr b="0" lang="en-US" sz="2800" spc="-1" strike="noStrike">
-              <a:solidFill>
-                <a:srgbClr val="000000"/>
-              </a:solidFill>
-              <a:latin typeface="Calibri"/>
-            </a:endParaRPr>
-          </a:p>
-          <a:p>
-            <a:pPr lvl="1" marL="685800" indent="-228600">
+          </a:p>
+          <a:p>
+            <a:pPr marL="685800" lvl="1" indent="-228600">
               <a:lnSpc>
                 <a:spcPct val="90000"/>
               </a:lnSpc>
@@ -5857,7 +6352,7 @@
               <a:buChar char="•"/>
             </a:pPr>
             <a:r>
-              <a:rPr b="0" lang="en-US" sz="2400" spc="-1" strike="noStrike">
+              <a:rPr lang="en-US" sz="2400" b="0" strike="noStrike" spc="-1">
                 <a:solidFill>
                   <a:srgbClr val="000000"/>
                 </a:solidFill>
@@ -5865,15 +6360,9 @@
               </a:rPr>
               <a:t>Second level</a:t>
             </a:r>
-            <a:endParaRPr b="0" lang="en-US" sz="2400" spc="-1" strike="noStrike">
-              <a:solidFill>
-                <a:srgbClr val="000000"/>
-              </a:solidFill>
-              <a:latin typeface="Calibri"/>
-            </a:endParaRPr>
-          </a:p>
-          <a:p>
-            <a:pPr lvl="2" marL="1143000" indent="-228600">
+          </a:p>
+          <a:p>
+            <a:pPr marL="1143000" lvl="2" indent="-228600">
               <a:lnSpc>
                 <a:spcPct val="90000"/>
               </a:lnSpc>
@@ -5887,7 +6376,7 @@
               <a:buChar char="•"/>
             </a:pPr>
             <a:r>
-              <a:rPr b="0" lang="en-US" sz="2000" spc="-1" strike="noStrike">
+              <a:rPr lang="en-US" sz="2000" b="0" strike="noStrike" spc="-1">
                 <a:solidFill>
                   <a:srgbClr val="000000"/>
                 </a:solidFill>
@@ -5895,15 +6384,9 @@
               </a:rPr>
               <a:t>Third level</a:t>
             </a:r>
-            <a:endParaRPr b="0" lang="en-US" sz="2000" spc="-1" strike="noStrike">
-              <a:solidFill>
-                <a:srgbClr val="000000"/>
-              </a:solidFill>
-              <a:latin typeface="Calibri"/>
-            </a:endParaRPr>
-          </a:p>
-          <a:p>
-            <a:pPr lvl="3" marL="1600200" indent="-228600">
+          </a:p>
+          <a:p>
+            <a:pPr marL="1600200" lvl="3" indent="-228600">
               <a:lnSpc>
                 <a:spcPct val="90000"/>
               </a:lnSpc>
@@ -5917,7 +6400,7 @@
               <a:buChar char="•"/>
             </a:pPr>
             <a:r>
-              <a:rPr b="0" lang="en-US" sz="1800" spc="-1" strike="noStrike">
+              <a:rPr lang="en-US" sz="1800" b="0" strike="noStrike" spc="-1">
                 <a:solidFill>
                   <a:srgbClr val="000000"/>
                 </a:solidFill>
@@ -5925,15 +6408,9 @@
               </a:rPr>
               <a:t>Fourth level</a:t>
             </a:r>
-            <a:endParaRPr b="0" lang="en-US" sz="1800" spc="-1" strike="noStrike">
-              <a:solidFill>
-                <a:srgbClr val="000000"/>
-              </a:solidFill>
-              <a:latin typeface="Calibri"/>
-            </a:endParaRPr>
-          </a:p>
-          <a:p>
-            <a:pPr lvl="4" marL="2057400" indent="-228600">
+          </a:p>
+          <a:p>
+            <a:pPr marL="2057400" lvl="4" indent="-228600">
               <a:lnSpc>
                 <a:spcPct val="90000"/>
               </a:lnSpc>
@@ -5947,7 +6424,7 @@
               <a:buChar char="•"/>
             </a:pPr>
             <a:r>
-              <a:rPr b="0" lang="en-US" sz="1800" spc="-1" strike="noStrike">
+              <a:rPr lang="en-US" sz="1800" b="0" strike="noStrike" spc="-1">
                 <a:solidFill>
                   <a:srgbClr val="000000"/>
                 </a:solidFill>
@@ -5955,12 +6432,6 @@
               </a:rPr>
               <a:t>Fifth level</a:t>
             </a:r>
-            <a:endParaRPr b="0" lang="en-US" sz="1800" spc="-1" strike="noStrike">
-              <a:solidFill>
-                <a:srgbClr val="000000"/>
-              </a:solidFill>
-              <a:latin typeface="Calibri"/>
-            </a:endParaRPr>
           </a:p>
         </p:txBody>
       </p:sp>
@@ -5997,9 +6468,9 @@
                 <a:spcPct val="100000"/>
               </a:lnSpc>
               <a:buNone/>
-              <a:defRPr b="0" lang="en-US" sz="1200" spc="-1" strike="noStrike">
+              <a:defRPr lang="en-US" sz="1200" b="0" strike="noStrike" spc="-1">
                 <a:solidFill>
-                  <a:srgbClr val="8b8b8b"/>
+                  <a:srgbClr val="8B8B8B"/>
                 </a:solidFill>
                 <a:latin typeface="Calibri"/>
               </a:defRPr>
@@ -6013,15 +6484,15 @@
               <a:buNone/>
             </a:pPr>
             <a:r>
-              <a:rPr b="0" lang="en-US" sz="1200" spc="-1" strike="noStrike">
+              <a:rPr lang="en-US" sz="1200" b="0" strike="noStrike" spc="-1">
                 <a:solidFill>
-                  <a:srgbClr val="8b8b8b"/>
+                  <a:srgbClr val="8B8B8B"/>
                 </a:solidFill>
                 <a:latin typeface="Calibri"/>
               </a:rPr>
               <a:t>&lt;date/time&gt;</a:t>
             </a:r>
-            <a:endParaRPr b="0" lang="en-US" sz="1200" spc="-1" strike="noStrike">
+            <a:endParaRPr lang="en-US" sz="1200" b="0" strike="noStrike" spc="-1">
               <a:solidFill>
                 <a:srgbClr val="000000"/>
               </a:solidFill>
@@ -6060,7 +6531,7 @@
           <a:lstStyle>
             <a:lvl1pPr indent="0" algn="ctr">
               <a:buNone/>
-              <a:defRPr b="0" lang="en-US" sz="1400" spc="-1" strike="noStrike">
+              <a:defRPr lang="en-US" sz="1400" b="0" strike="noStrike" spc="-1">
                 <a:solidFill>
                   <a:srgbClr val="000000"/>
                 </a:solidFill>
@@ -6073,7 +6544,7 @@
               <a:buNone/>
             </a:pPr>
             <a:r>
-              <a:rPr b="0" lang="en-US" sz="1400" spc="-1" strike="noStrike">
+              <a:rPr lang="en-US" sz="1400" b="0" strike="noStrike" spc="-1">
                 <a:solidFill>
                   <a:srgbClr val="000000"/>
                 </a:solidFill>
@@ -6081,12 +6552,6 @@
               </a:rPr>
               <a:t>&lt;footer&gt;</a:t>
             </a:r>
-            <a:endParaRPr b="0" lang="en-US" sz="1400" spc="-1" strike="noStrike">
-              <a:solidFill>
-                <a:srgbClr val="000000"/>
-              </a:solidFill>
-              <a:latin typeface="Times New Roman"/>
-            </a:endParaRPr>
           </a:p>
         </p:txBody>
       </p:sp>
@@ -6123,9 +6588,9 @@
                 <a:spcPct val="100000"/>
               </a:lnSpc>
               <a:buNone/>
-              <a:defRPr b="0" lang="en-US" sz="1200" spc="-1" strike="noStrike">
+              <a:defRPr lang="en-US" sz="1200" b="0" strike="noStrike" spc="-1">
                 <a:solidFill>
-                  <a:srgbClr val="8b8b8b"/>
+                  <a:srgbClr val="8B8B8B"/>
                 </a:solidFill>
                 <a:latin typeface="Calibri"/>
               </a:defRPr>
@@ -6139,15 +6604,15 @@
               <a:buNone/>
             </a:pPr>
             <a:fld id="{912105A3-A3F4-468F-B81A-B15F38469CC7}" type="slidenum">
-              <a:rPr b="0" lang="en-US" sz="1200" spc="-1" strike="noStrike">
+              <a:rPr lang="en-US" sz="1200" b="0" strike="noStrike" spc="-1">
                 <a:solidFill>
-                  <a:srgbClr val="8b8b8b"/>
+                  <a:srgbClr val="8B8B8B"/>
                 </a:solidFill>
                 <a:latin typeface="Calibri"/>
               </a:rPr>
-              <a:t>&lt;number&gt;</a:t>
+              <a:t>‹#›</a:t>
             </a:fld>
-            <a:endParaRPr b="0" lang="en-US" sz="1200" spc="-1" strike="noStrike">
+            <a:endParaRPr lang="en-US" sz="1200" b="0" strike="noStrike" spc="-1">
               <a:solidFill>
                 <a:srgbClr val="000000"/>
               </a:solidFill>
@@ -6158,32 +6623,313 @@
       </p:sp>
     </p:spTree>
   </p:cSld>
-  <p:clrMap bg1="lt1" bg2="lt2" tx1="dk1" tx2="dk2" accent1="accent1" accent2="accent2" accent3="accent3" accent4="accent4" accent5="accent5" accent6="accent6" hlink="hlink" folHlink="folHlink"/>
+  <p:clrMap bg1="lt1" tx1="dk1" bg2="lt2" tx2="dk2" accent1="accent1" accent2="accent2" accent3="accent3" accent4="accent4" accent5="accent5" accent6="accent6" hlink="hlink" folHlink="folHlink"/>
   <p:sldLayoutIdLst>
-    <p:sldLayoutId id="2147483662" r:id="rId2"/>
-    <p:sldLayoutId id="2147483663" r:id="rId3"/>
-    <p:sldLayoutId id="2147483664" r:id="rId4"/>
-    <p:sldLayoutId id="2147483665" r:id="rId5"/>
-    <p:sldLayoutId id="2147483666" r:id="rId6"/>
-    <p:sldLayoutId id="2147483667" r:id="rId7"/>
-    <p:sldLayoutId id="2147483668" r:id="rId8"/>
-    <p:sldLayoutId id="2147483669" r:id="rId9"/>
-    <p:sldLayoutId id="2147483670" r:id="rId10"/>
-    <p:sldLayoutId id="2147483671" r:id="rId11"/>
-    <p:sldLayoutId id="2147483672" r:id="rId12"/>
-    <p:sldLayoutId id="2147483673" r:id="rId13"/>
+    <p:sldLayoutId id="2147483662" r:id="rId1"/>
+    <p:sldLayoutId id="2147483663" r:id="rId2"/>
+    <p:sldLayoutId id="2147483664" r:id="rId3"/>
+    <p:sldLayoutId id="2147483665" r:id="rId4"/>
+    <p:sldLayoutId id="2147483666" r:id="rId5"/>
+    <p:sldLayoutId id="2147483667" r:id="rId6"/>
+    <p:sldLayoutId id="2147483668" r:id="rId7"/>
+    <p:sldLayoutId id="2147483669" r:id="rId8"/>
+    <p:sldLayoutId id="2147483670" r:id="rId9"/>
+    <p:sldLayoutId id="2147483671" r:id="rId10"/>
+    <p:sldLayoutId id="2147483672" r:id="rId11"/>
+    <p:sldLayoutId id="2147483673" r:id="rId12"/>
   </p:sldLayoutIdLst>
+  <p:txStyles>
+    <p:titleStyle>
+      <a:lvl1pPr algn="l" defTabSz="914400" rtl="0" eaLnBrk="1" latinLnBrk="0" hangingPunct="1">
+        <a:lnSpc>
+          <a:spcPct val="90000"/>
+        </a:lnSpc>
+        <a:spcBef>
+          <a:spcPct val="0"/>
+        </a:spcBef>
+        <a:buNone/>
+        <a:defRPr sz="4400" kern="1200">
+          <a:solidFill>
+            <a:schemeClr val="tx1"/>
+          </a:solidFill>
+          <a:latin typeface="+mj-lt"/>
+          <a:ea typeface="+mj-ea"/>
+          <a:cs typeface="+mj-cs"/>
+        </a:defRPr>
+      </a:lvl1pPr>
+    </p:titleStyle>
+    <p:bodyStyle>
+      <a:lvl1pPr marL="228600" indent="-228600" algn="l" defTabSz="914400" rtl="0" eaLnBrk="1" latinLnBrk="0" hangingPunct="1">
+        <a:lnSpc>
+          <a:spcPct val="90000"/>
+        </a:lnSpc>
+        <a:spcBef>
+          <a:spcPts val="1000"/>
+        </a:spcBef>
+        <a:buFont typeface="Arial" panose="020B0604020202020204" pitchFamily="34" charset="0"/>
+        <a:buChar char="•"/>
+        <a:defRPr sz="2800" kern="1200">
+          <a:solidFill>
+            <a:schemeClr val="tx1"/>
+          </a:solidFill>
+          <a:latin typeface="+mn-lt"/>
+          <a:ea typeface="+mn-ea"/>
+          <a:cs typeface="+mn-cs"/>
+        </a:defRPr>
+      </a:lvl1pPr>
+      <a:lvl2pPr marL="685800" indent="-228600" algn="l" defTabSz="914400" rtl="0" eaLnBrk="1" latinLnBrk="0" hangingPunct="1">
+        <a:lnSpc>
+          <a:spcPct val="90000"/>
+        </a:lnSpc>
+        <a:spcBef>
+          <a:spcPts val="500"/>
+        </a:spcBef>
+        <a:buFont typeface="Arial" panose="020B0604020202020204" pitchFamily="34" charset="0"/>
+        <a:buChar char="•"/>
+        <a:defRPr sz="2400" kern="1200">
+          <a:solidFill>
+            <a:schemeClr val="tx1"/>
+          </a:solidFill>
+          <a:latin typeface="+mn-lt"/>
+          <a:ea typeface="+mn-ea"/>
+          <a:cs typeface="+mn-cs"/>
+        </a:defRPr>
+      </a:lvl2pPr>
+      <a:lvl3pPr marL="1143000" indent="-228600" algn="l" defTabSz="914400" rtl="0" eaLnBrk="1" latinLnBrk="0" hangingPunct="1">
+        <a:lnSpc>
+          <a:spcPct val="90000"/>
+        </a:lnSpc>
+        <a:spcBef>
+          <a:spcPts val="500"/>
+        </a:spcBef>
+        <a:buFont typeface="Arial" panose="020B0604020202020204" pitchFamily="34" charset="0"/>
+        <a:buChar char="•"/>
+        <a:defRPr sz="2000" kern="1200">
+          <a:solidFill>
+            <a:schemeClr val="tx1"/>
+          </a:solidFill>
+          <a:latin typeface="+mn-lt"/>
+          <a:ea typeface="+mn-ea"/>
+          <a:cs typeface="+mn-cs"/>
+        </a:defRPr>
+      </a:lvl3pPr>
+      <a:lvl4pPr marL="1600200" indent="-228600" algn="l" defTabSz="914400" rtl="0" eaLnBrk="1" latinLnBrk="0" hangingPunct="1">
+        <a:lnSpc>
+          <a:spcPct val="90000"/>
+        </a:lnSpc>
+        <a:spcBef>
+          <a:spcPts val="500"/>
+        </a:spcBef>
+        <a:buFont typeface="Arial" panose="020B0604020202020204" pitchFamily="34" charset="0"/>
+        <a:buChar char="•"/>
+        <a:defRPr sz="1800" kern="1200">
+          <a:solidFill>
+            <a:schemeClr val="tx1"/>
+          </a:solidFill>
+          <a:latin typeface="+mn-lt"/>
+          <a:ea typeface="+mn-ea"/>
+          <a:cs typeface="+mn-cs"/>
+        </a:defRPr>
+      </a:lvl4pPr>
+      <a:lvl5pPr marL="2057400" indent="-228600" algn="l" defTabSz="914400" rtl="0" eaLnBrk="1" latinLnBrk="0" hangingPunct="1">
+        <a:lnSpc>
+          <a:spcPct val="90000"/>
+        </a:lnSpc>
+        <a:spcBef>
+          <a:spcPts val="500"/>
+        </a:spcBef>
+        <a:buFont typeface="Arial" panose="020B0604020202020204" pitchFamily="34" charset="0"/>
+        <a:buChar char="•"/>
+        <a:defRPr sz="1800" kern="1200">
+          <a:solidFill>
+            <a:schemeClr val="tx1"/>
+          </a:solidFill>
+          <a:latin typeface="+mn-lt"/>
+          <a:ea typeface="+mn-ea"/>
+          <a:cs typeface="+mn-cs"/>
+        </a:defRPr>
+      </a:lvl5pPr>
+      <a:lvl6pPr marL="2514600" indent="-228600" algn="l" defTabSz="914400" rtl="0" eaLnBrk="1" latinLnBrk="0" hangingPunct="1">
+        <a:lnSpc>
+          <a:spcPct val="90000"/>
+        </a:lnSpc>
+        <a:spcBef>
+          <a:spcPts val="500"/>
+        </a:spcBef>
+        <a:buFont typeface="Arial" panose="020B0604020202020204" pitchFamily="34" charset="0"/>
+        <a:buChar char="•"/>
+        <a:defRPr sz="1800" kern="1200">
+          <a:solidFill>
+            <a:schemeClr val="tx1"/>
+          </a:solidFill>
+          <a:latin typeface="+mn-lt"/>
+          <a:ea typeface="+mn-ea"/>
+          <a:cs typeface="+mn-cs"/>
+        </a:defRPr>
+      </a:lvl6pPr>
+      <a:lvl7pPr marL="2971800" indent="-228600" algn="l" defTabSz="914400" rtl="0" eaLnBrk="1" latinLnBrk="0" hangingPunct="1">
+        <a:lnSpc>
+          <a:spcPct val="90000"/>
+        </a:lnSpc>
+        <a:spcBef>
+          <a:spcPts val="500"/>
+        </a:spcBef>
+        <a:buFont typeface="Arial" panose="020B0604020202020204" pitchFamily="34" charset="0"/>
+        <a:buChar char="•"/>
+        <a:defRPr sz="1800" kern="1200">
+          <a:solidFill>
+            <a:schemeClr val="tx1"/>
+          </a:solidFill>
+          <a:latin typeface="+mn-lt"/>
+          <a:ea typeface="+mn-ea"/>
+          <a:cs typeface="+mn-cs"/>
+        </a:defRPr>
+      </a:lvl7pPr>
+      <a:lvl8pPr marL="3429000" indent="-228600" algn="l" defTabSz="914400" rtl="0" eaLnBrk="1" latinLnBrk="0" hangingPunct="1">
+        <a:lnSpc>
+          <a:spcPct val="90000"/>
+        </a:lnSpc>
+        <a:spcBef>
+          <a:spcPts val="500"/>
+        </a:spcBef>
+        <a:buFont typeface="Arial" panose="020B0604020202020204" pitchFamily="34" charset="0"/>
+        <a:buChar char="•"/>
+        <a:defRPr sz="1800" kern="1200">
+          <a:solidFill>
+            <a:schemeClr val="tx1"/>
+          </a:solidFill>
+          <a:latin typeface="+mn-lt"/>
+          <a:ea typeface="+mn-ea"/>
+          <a:cs typeface="+mn-cs"/>
+        </a:defRPr>
+      </a:lvl8pPr>
+      <a:lvl9pPr marL="3886200" indent="-228600" algn="l" defTabSz="914400" rtl="0" eaLnBrk="1" latinLnBrk="0" hangingPunct="1">
+        <a:lnSpc>
+          <a:spcPct val="90000"/>
+        </a:lnSpc>
+        <a:spcBef>
+          <a:spcPts val="500"/>
+        </a:spcBef>
+        <a:buFont typeface="Arial" panose="020B0604020202020204" pitchFamily="34" charset="0"/>
+        <a:buChar char="•"/>
+        <a:defRPr sz="1800" kern="1200">
+          <a:solidFill>
+            <a:schemeClr val="tx1"/>
+          </a:solidFill>
+          <a:latin typeface="+mn-lt"/>
+          <a:ea typeface="+mn-ea"/>
+          <a:cs typeface="+mn-cs"/>
+        </a:defRPr>
+      </a:lvl9pPr>
+    </p:bodyStyle>
+    <p:otherStyle>
+      <a:defPPr>
+        <a:defRPr lang="en-US"/>
+      </a:defPPr>
+      <a:lvl1pPr marL="0" algn="l" defTabSz="914400" rtl="0" eaLnBrk="1" latinLnBrk="0" hangingPunct="1">
+        <a:defRPr sz="1800" kern="1200">
+          <a:solidFill>
+            <a:schemeClr val="tx1"/>
+          </a:solidFill>
+          <a:latin typeface="+mn-lt"/>
+          <a:ea typeface="+mn-ea"/>
+          <a:cs typeface="+mn-cs"/>
+        </a:defRPr>
+      </a:lvl1pPr>
+      <a:lvl2pPr marL="457200" algn="l" defTabSz="914400" rtl="0" eaLnBrk="1" latinLnBrk="0" hangingPunct="1">
+        <a:defRPr sz="1800" kern="1200">
+          <a:solidFill>
+            <a:schemeClr val="tx1"/>
+          </a:solidFill>
+          <a:latin typeface="+mn-lt"/>
+          <a:ea typeface="+mn-ea"/>
+          <a:cs typeface="+mn-cs"/>
+        </a:defRPr>
+      </a:lvl2pPr>
+      <a:lvl3pPr marL="914400" algn="l" defTabSz="914400" rtl="0" eaLnBrk="1" latinLnBrk="0" hangingPunct="1">
+        <a:defRPr sz="1800" kern="1200">
+          <a:solidFill>
+            <a:schemeClr val="tx1"/>
+          </a:solidFill>
+          <a:latin typeface="+mn-lt"/>
+          <a:ea typeface="+mn-ea"/>
+          <a:cs typeface="+mn-cs"/>
+        </a:defRPr>
+      </a:lvl3pPr>
+      <a:lvl4pPr marL="1371600" algn="l" defTabSz="914400" rtl="0" eaLnBrk="1" latinLnBrk="0" hangingPunct="1">
+        <a:defRPr sz="1800" kern="1200">
+          <a:solidFill>
+            <a:schemeClr val="tx1"/>
+          </a:solidFill>
+          <a:latin typeface="+mn-lt"/>
+          <a:ea typeface="+mn-ea"/>
+          <a:cs typeface="+mn-cs"/>
+        </a:defRPr>
+      </a:lvl4pPr>
+      <a:lvl5pPr marL="1828800" algn="l" defTabSz="914400" rtl="0" eaLnBrk="1" latinLnBrk="0" hangingPunct="1">
+        <a:defRPr sz="1800" kern="1200">
+          <a:solidFill>
+            <a:schemeClr val="tx1"/>
+          </a:solidFill>
+          <a:latin typeface="+mn-lt"/>
+          <a:ea typeface="+mn-ea"/>
+          <a:cs typeface="+mn-cs"/>
+        </a:defRPr>
+      </a:lvl5pPr>
+      <a:lvl6pPr marL="2286000" algn="l" defTabSz="914400" rtl="0" eaLnBrk="1" latinLnBrk="0" hangingPunct="1">
+        <a:defRPr sz="1800" kern="1200">
+          <a:solidFill>
+            <a:schemeClr val="tx1"/>
+          </a:solidFill>
+          <a:latin typeface="+mn-lt"/>
+          <a:ea typeface="+mn-ea"/>
+          <a:cs typeface="+mn-cs"/>
+        </a:defRPr>
+      </a:lvl6pPr>
+      <a:lvl7pPr marL="2743200" algn="l" defTabSz="914400" rtl="0" eaLnBrk="1" latinLnBrk="0" hangingPunct="1">
+        <a:defRPr sz="1800" kern="1200">
+          <a:solidFill>
+            <a:schemeClr val="tx1"/>
+          </a:solidFill>
+          <a:latin typeface="+mn-lt"/>
+          <a:ea typeface="+mn-ea"/>
+          <a:cs typeface="+mn-cs"/>
+        </a:defRPr>
+      </a:lvl7pPr>
+      <a:lvl8pPr marL="3200400" algn="l" defTabSz="914400" rtl="0" eaLnBrk="1" latinLnBrk="0" hangingPunct="1">
+        <a:defRPr sz="1800" kern="1200">
+          <a:solidFill>
+            <a:schemeClr val="tx1"/>
+          </a:solidFill>
+          <a:latin typeface="+mn-lt"/>
+          <a:ea typeface="+mn-ea"/>
+          <a:cs typeface="+mn-cs"/>
+        </a:defRPr>
+      </a:lvl8pPr>
+      <a:lvl9pPr marL="3657600" algn="l" defTabSz="914400" rtl="0" eaLnBrk="1" latinLnBrk="0" hangingPunct="1">
+        <a:defRPr sz="1800" kern="1200">
+          <a:solidFill>
+            <a:schemeClr val="tx1"/>
+          </a:solidFill>
+          <a:latin typeface="+mn-lt"/>
+          <a:ea typeface="+mn-ea"/>
+          <a:cs typeface="+mn-cs"/>
+        </a:defRPr>
+      </a:lvl9pPr>
+    </p:otherStyle>
+  </p:txStyles>
 </p:sldMaster>
 </file>
 
 <file path=ppt/slides/slide1.xml><?xml version="1.0" encoding="utf-8"?>
-<p:sld xmlns:a="http://schemas.openxmlformats.org/drawingml/2006/main" xmlns:p="http://schemas.openxmlformats.org/presentationml/2006/main" xmlns:r="http://schemas.openxmlformats.org/officeDocument/2006/relationships" xmlns:p14="http://schemas.microsoft.com/office/powerpoint/2010/main" xmlns:p15="http://schemas.microsoft.com/office/powerpoint/2012/main" xmlns:mc="http://schemas.openxmlformats.org/markup-compatibility/2006">
+<p:sld xmlns:a="http://schemas.openxmlformats.org/drawingml/2006/main" xmlns:r="http://schemas.openxmlformats.org/officeDocument/2006/relationships" xmlns:p="http://schemas.openxmlformats.org/presentationml/2006/main">
   <p:cSld>
     <p:bg>
       <p:bgPr>
         <a:solidFill>
-          <a:srgbClr val="ffffff"/>
+          <a:srgbClr val="FFFFFF"/>
         </a:solidFill>
+        <a:effectLst/>
       </p:bgPr>
     </p:bg>
     <p:spTree>
@@ -6233,16 +6979,17 @@
           <a:fontRef idx="minor"/>
         </p:style>
         <p:txBody>
-          <a:bodyPr lIns="90000" rIns="90000" tIns="45000" bIns="45000" anchor="ctr">
+          <a:bodyPr lIns="90000" tIns="45000" rIns="90000" bIns="45000" anchor="ctr">
             <a:noAutofit/>
           </a:bodyPr>
+          <a:lstStyle/>
           <a:p>
             <a:pPr algn="ctr">
               <a:lnSpc>
                 <a:spcPct val="100000"/>
               </a:lnSpc>
             </a:pPr>
-            <a:endParaRPr b="0" lang="en-US" sz="1800" spc="-1" strike="noStrike">
+            <a:endParaRPr lang="en-US" sz="1800" b="0" strike="noStrike" spc="-1">
               <a:solidFill>
                 <a:schemeClr val="lt1"/>
               </a:solidFill>
@@ -6287,16 +7034,17 @@
           <a:fontRef idx="minor"/>
         </p:style>
         <p:txBody>
-          <a:bodyPr lIns="90000" rIns="90000" tIns="45000" bIns="45000" anchor="ctr">
+          <a:bodyPr lIns="90000" tIns="45000" rIns="90000" bIns="45000" anchor="ctr">
             <a:noAutofit/>
           </a:bodyPr>
+          <a:lstStyle/>
           <a:p>
             <a:pPr algn="ctr">
               <a:lnSpc>
                 <a:spcPct val="100000"/>
               </a:lnSpc>
             </a:pPr>
-            <a:endParaRPr b="0" lang="en-US" sz="1800" spc="-1" strike="noStrike">
+            <a:endParaRPr lang="en-US" sz="1800" b="0" strike="noStrike" spc="-1">
               <a:solidFill>
                 <a:srgbClr val="000000"/>
               </a:solidFill>
@@ -6325,6 +7073,7 @@
               <a:gd name="textAreaBottom" fmla="*/ 6637680 h 6637320"/>
             </a:gdLst>
             <a:ahLst/>
+            <a:cxnLst/>
             <a:rect l="textAreaLeft" t="textAreaTop" r="textAreaRight" b="textAreaBottom"/>
             <a:pathLst>
               <a:path w="8191500" h="5770597">
@@ -6384,21 +7133,22 @@
           <a:fontRef idx="minor"/>
         </p:style>
         <p:txBody>
-          <a:bodyPr lIns="90000" rIns="90000" tIns="45000" bIns="45000" anchor="ctr">
+          <a:bodyPr lIns="90000" tIns="45000" rIns="90000" bIns="45000" anchor="ctr">
             <a:noAutofit/>
           </a:bodyPr>
+          <a:lstStyle/>
           <a:p>
             <a:pPr algn="ctr">
               <a:lnSpc>
                 <a:spcPct val="100000"/>
               </a:lnSpc>
               <a:tabLst>
-                <a:tab algn="l" pos="0"/>
+                <a:tab pos="0" algn="l"/>
               </a:tabLst>
             </a:pPr>
-            <a:endParaRPr b="0" lang="en-US" sz="1800" spc="-1" strike="noStrike">
-              <a:solidFill>
-                <a:srgbClr val="ffffff"/>
+            <a:endParaRPr lang="en-US" sz="1800" b="0" strike="noStrike" spc="-1">
+              <a:solidFill>
+                <a:srgbClr val="FFFFFF"/>
               </a:solidFill>
               <a:latin typeface="Calibri"/>
             </a:endParaRPr>
@@ -6441,21 +7191,22 @@
           <a:fontRef idx="minor"/>
         </p:style>
         <p:txBody>
-          <a:bodyPr lIns="90000" rIns="90000" tIns="45000" bIns="45000" anchor="ctr">
+          <a:bodyPr lIns="90000" tIns="45000" rIns="90000" bIns="45000" anchor="ctr">
             <a:noAutofit/>
           </a:bodyPr>
+          <a:lstStyle/>
           <a:p>
             <a:pPr algn="ctr">
               <a:lnSpc>
                 <a:spcPct val="100000"/>
               </a:lnSpc>
               <a:tabLst>
-                <a:tab algn="l" pos="0"/>
+                <a:tab pos="0" algn="l"/>
               </a:tabLst>
             </a:pPr>
-            <a:endParaRPr b="0" lang="en-US" sz="1800" spc="-1" strike="noStrike">
-              <a:solidFill>
-                <a:srgbClr val="ffffff"/>
+            <a:endParaRPr lang="en-US" sz="1800" b="0" strike="noStrike" spc="-1">
+              <a:solidFill>
+                <a:srgbClr val="FFFFFF"/>
               </a:solidFill>
               <a:latin typeface="Calibri"/>
             </a:endParaRPr>
@@ -6480,9 +7231,9 @@
             </a:avLst>
           </a:prstGeom>
           <a:noFill/>
-          <a:ln cap="rnd" w="127000">
+          <a:ln w="127000" cap="rnd">
             <a:solidFill>
-              <a:srgbClr val="ffc000"/>
+              <a:srgbClr val="FFC000"/>
             </a:solidFill>
             <a:prstDash val="dash"/>
           </a:ln>
@@ -6500,19 +7251,20 @@
           <a:fontRef idx="minor"/>
         </p:style>
         <p:txBody>
-          <a:bodyPr lIns="90000" rIns="90000" tIns="45000" bIns="45000" anchor="ctr">
+          <a:bodyPr lIns="90000" tIns="45000" rIns="90000" bIns="45000" anchor="ctr">
             <a:noAutofit/>
           </a:bodyPr>
+          <a:lstStyle/>
           <a:p>
             <a:pPr algn="ctr">
               <a:lnSpc>
                 <a:spcPct val="100000"/>
               </a:lnSpc>
               <a:tabLst>
-                <a:tab algn="l" pos="0"/>
+                <a:tab pos="0" algn="l"/>
               </a:tabLst>
             </a:pPr>
-            <a:endParaRPr b="0" lang="en-US" sz="1800" spc="-1" strike="noStrike">
+            <a:endParaRPr lang="en-US" sz="1800" b="0" strike="noStrike" spc="-1">
               <a:solidFill>
                 <a:srgbClr val="000000"/>
               </a:solidFill>
@@ -6548,6 +7300,7 @@
           <a:bodyPr anchor="b">
             <a:normAutofit/>
           </a:bodyPr>
+          <a:lstStyle/>
           <a:p>
             <a:pPr indent="0" algn="r">
               <a:lnSpc>
@@ -6556,7 +7309,7 @@
               <a:buNone/>
             </a:pPr>
             <a:r>
-              <a:rPr b="0" lang="en-US" sz="6000" spc="-1" strike="noStrike">
+              <a:rPr lang="en-US" sz="6000" b="0" strike="noStrike" spc="-1">
                 <a:solidFill>
                   <a:srgbClr val="000000"/>
                 </a:solidFill>
@@ -6564,7 +7317,7 @@
               </a:rPr>
               <a:t>The Store App</a:t>
             </a:r>
-            <a:endParaRPr b="0" lang="en-US" sz="6000" spc="-1" strike="noStrike">
+            <a:endParaRPr lang="en-US" sz="6000" b="0" strike="noStrike" spc="-1">
               <a:solidFill>
                 <a:srgbClr val="000000"/>
               </a:solidFill>
@@ -6600,6 +7353,7 @@
           <a:bodyPr anchor="t">
             <a:normAutofit/>
           </a:bodyPr>
+          <a:lstStyle/>
           <a:p>
             <a:pPr indent="0" algn="r">
               <a:lnSpc>
@@ -6610,11 +7364,11 @@
               </a:spcBef>
               <a:buNone/>
               <a:tabLst>
-                <a:tab algn="l" pos="0"/>
+                <a:tab pos="0" algn="l"/>
               </a:tabLst>
             </a:pPr>
             <a:r>
-              <a:rPr b="0" lang="en-US" sz="2400" spc="-1" strike="noStrike">
+              <a:rPr lang="en-US" sz="2400" b="0" strike="noStrike" spc="-1">
                 <a:solidFill>
                   <a:srgbClr val="000000"/>
                 </a:solidFill>
@@ -6622,7 +7376,7 @@
               </a:rPr>
               <a:t>Team 10</a:t>
             </a:r>
-            <a:endParaRPr b="0" lang="en-US" sz="2400" spc="-1" strike="noStrike">
+            <a:endParaRPr lang="en-US" sz="2400" b="0" strike="noStrike" spc="-1">
               <a:solidFill>
                 <a:srgbClr val="000000"/>
               </a:solidFill>
@@ -6633,25 +7387,21 @@
       </p:sp>
     </p:spTree>
   </p:cSld>
-  <mc:AlternateContent>
-    <mc:Choice Requires="p14">
-      <p:transition spd="slow" p14:dur="2000"/>
-    </mc:Choice>
-    <mc:Fallback>
-      <p:transition spd="slow"/>
-    </mc:Fallback>
-  </mc:AlternateContent>
+  <p:clrMapOvr>
+    <a:masterClrMapping/>
+  </p:clrMapOvr>
 </p:sld>
 </file>
 
 <file path=ppt/slides/slide2.xml><?xml version="1.0" encoding="utf-8"?>
-<p:sld xmlns:a="http://schemas.openxmlformats.org/drawingml/2006/main" xmlns:p="http://schemas.openxmlformats.org/presentationml/2006/main" xmlns:r="http://schemas.openxmlformats.org/officeDocument/2006/relationships" xmlns:p14="http://schemas.microsoft.com/office/powerpoint/2010/main" xmlns:p15="http://schemas.microsoft.com/office/powerpoint/2012/main" xmlns:mc="http://schemas.openxmlformats.org/markup-compatibility/2006">
+<p:sld xmlns:a="http://schemas.openxmlformats.org/drawingml/2006/main" xmlns:r="http://schemas.openxmlformats.org/officeDocument/2006/relationships" xmlns:p="http://schemas.openxmlformats.org/presentationml/2006/main">
   <p:cSld>
     <p:bg>
       <p:bgPr>
         <a:solidFill>
-          <a:srgbClr val="ffffff"/>
+          <a:srgbClr val="FFFFFF"/>
         </a:solidFill>
+        <a:effectLst/>
       </p:bgPr>
     </p:bg>
     <p:spTree>
@@ -6701,16 +7451,17 @@
           <a:fontRef idx="minor"/>
         </p:style>
         <p:txBody>
-          <a:bodyPr lIns="90000" rIns="90000" tIns="45000" bIns="45000" anchor="ctr">
+          <a:bodyPr lIns="90000" tIns="45000" rIns="90000" bIns="45000" anchor="ctr">
             <a:noAutofit/>
           </a:bodyPr>
+          <a:lstStyle/>
           <a:p>
             <a:pPr algn="ctr">
               <a:lnSpc>
                 <a:spcPct val="100000"/>
               </a:lnSpc>
             </a:pPr>
-            <a:endParaRPr b="0" lang="en-US" sz="1800" spc="-1" strike="noStrike">
+            <a:endParaRPr lang="en-US" sz="1800" b="0" strike="noStrike" spc="-1">
               <a:solidFill>
                 <a:schemeClr val="lt1"/>
               </a:solidFill>
@@ -6739,6 +7490,7 @@
               <a:gd name="textAreaBottom" fmla="*/ 2347560 h 2347200"/>
             </a:gdLst>
             <a:ahLst/>
+            <a:cxnLst/>
             <a:rect l="textAreaLeft" t="textAreaTop" r="textAreaRight" b="textAreaBottom"/>
             <a:pathLst>
               <a:path w="12192000" h="2347414">
@@ -7143,22 +7895,29 @@
           </a:ln>
         </p:spPr>
         <p:style>
-          <a:lnRef idx="0"/>
-          <a:fillRef idx="0"/>
-          <a:effectRef idx="0"/>
+          <a:lnRef idx="0">
+            <a:scrgbClr r="0" g="0" b="0"/>
+          </a:lnRef>
+          <a:fillRef idx="0">
+            <a:scrgbClr r="0" g="0" b="0"/>
+          </a:fillRef>
+          <a:effectRef idx="0">
+            <a:scrgbClr r="0" g="0" b="0"/>
+          </a:effectRef>
           <a:fontRef idx="minor"/>
         </p:style>
         <p:txBody>
-          <a:bodyPr lIns="90000" rIns="90000" tIns="45000" bIns="45000" anchor="ctr">
+          <a:bodyPr lIns="90000" tIns="45000" rIns="90000" bIns="45000" anchor="ctr">
             <a:noAutofit/>
           </a:bodyPr>
+          <a:lstStyle/>
           <a:p>
             <a:pPr>
               <a:lnSpc>
                 <a:spcPct val="100000"/>
               </a:lnSpc>
             </a:pPr>
-            <a:endParaRPr b="0" lang="en-US" sz="1800" spc="-1" strike="noStrike">
+            <a:endParaRPr lang="en-US" sz="1800" b="0" strike="noStrike" spc="-1">
               <a:solidFill>
                 <a:srgbClr val="000000"/>
               </a:solidFill>
@@ -7194,6 +7953,7 @@
           <a:bodyPr anchor="ctr">
             <a:normAutofit/>
           </a:bodyPr>
+          <a:lstStyle/>
           <a:p>
             <a:pPr indent="0">
               <a:lnSpc>
@@ -7202,15 +7962,15 @@
               <a:buNone/>
             </a:pPr>
             <a:r>
-              <a:rPr b="0" lang="en-US" sz="5400" spc="-1" strike="noStrike">
+              <a:rPr lang="en-US" sz="5400" b="0" strike="noStrike" spc="-1">
                 <a:solidFill>
-                  <a:srgbClr val="ffffff"/>
+                  <a:srgbClr val="FFFFFF"/>
                 </a:solidFill>
                 <a:latin typeface="Calibri Light"/>
               </a:rPr>
               <a:t>Team Members</a:t>
             </a:r>
-            <a:endParaRPr b="0" lang="en-US" sz="5400" spc="-1" strike="noStrike">
+            <a:endParaRPr lang="en-US" sz="5400" b="0" strike="noStrike" spc="-1">
               <a:solidFill>
                 <a:srgbClr val="000000"/>
               </a:solidFill>
@@ -7246,6 +8006,7 @@
           <a:bodyPr anchor="t">
             <a:normAutofit/>
           </a:bodyPr>
+          <a:lstStyle/>
           <a:p>
             <a:pPr indent="0">
               <a:lnSpc>
@@ -7256,11 +8017,11 @@
               </a:spcBef>
               <a:buNone/>
               <a:tabLst>
-                <a:tab algn="l" pos="0"/>
+                <a:tab pos="0" algn="l"/>
               </a:tabLst>
             </a:pPr>
             <a:r>
-              <a:rPr b="0" lang="en-US" sz="2200" spc="-1" strike="noStrike">
+              <a:rPr lang="en-US" sz="2200" b="0" strike="noStrike" spc="-1" dirty="0">
                 <a:solidFill>
                   <a:srgbClr val="000000"/>
                 </a:solidFill>
@@ -7268,12 +8029,6 @@
               </a:rPr>
               <a:t>Zach Devore, Computer Programming, Team Leader</a:t>
             </a:r>
-            <a:endParaRPr b="0" lang="en-US" sz="2200" spc="-1" strike="noStrike">
-              <a:solidFill>
-                <a:srgbClr val="000000"/>
-              </a:solidFill>
-              <a:latin typeface="Calibri"/>
-            </a:endParaRPr>
           </a:p>
           <a:p>
             <a:pPr indent="0">
@@ -7285,24 +8040,36 @@
               </a:spcBef>
               <a:buNone/>
               <a:tabLst>
-                <a:tab algn="l" pos="0"/>
+                <a:tab pos="0" algn="l"/>
               </a:tabLst>
             </a:pPr>
             <a:r>
-              <a:rPr b="0" lang="en-US" sz="2200" spc="-1" strike="noStrike">
+              <a:rPr lang="en-US" sz="2200" b="0" strike="noStrike" spc="-1" dirty="0">
                 <a:solidFill>
                   <a:srgbClr val="000000"/>
                 </a:solidFill>
                 <a:latin typeface="Calibri"/>
               </a:rPr>
-              <a:t>Mohamed Ibensilalen, (degree), (front/backend?), </a:t>
+              <a:t>Mohamed </a:t>
             </a:r>
-            <a:endParaRPr b="0" lang="en-US" sz="2200" spc="-1" strike="noStrike">
-              <a:solidFill>
-                <a:srgbClr val="000000"/>
-              </a:solidFill>
-              <a:latin typeface="Calibri"/>
-            </a:endParaRPr>
+            <a:r>
+              <a:rPr lang="en-US" sz="2200" b="0" strike="noStrike" spc="-1" dirty="0" err="1">
+                <a:solidFill>
+                  <a:srgbClr val="000000"/>
+                </a:solidFill>
+                <a:latin typeface="Calibri"/>
+              </a:rPr>
+              <a:t>Ibensilalen</a:t>
+            </a:r>
+            <a:r>
+              <a:rPr lang="en-US" sz="2200" b="0" strike="noStrike" spc="-1" dirty="0">
+                <a:solidFill>
+                  <a:srgbClr val="000000"/>
+                </a:solidFill>
+                <a:latin typeface="Calibri"/>
+              </a:rPr>
+              <a:t>, (degree), (front/backend?), </a:t>
+            </a:r>
           </a:p>
           <a:p>
             <a:pPr indent="0">
@@ -7314,19 +8081,28 @@
               </a:spcBef>
               <a:buNone/>
               <a:tabLst>
-                <a:tab algn="l" pos="0"/>
+                <a:tab pos="0" algn="l"/>
               </a:tabLst>
             </a:pPr>
             <a:r>
-              <a:rPr b="0" lang="en-US" sz="2200" spc="-1" strike="noStrike">
+              <a:rPr lang="en-US" sz="2200" b="0" strike="noStrike" spc="-1" dirty="0">
                 <a:solidFill>
                   <a:srgbClr val="000000"/>
                 </a:solidFill>
                 <a:latin typeface="Calibri"/>
               </a:rPr>
-              <a:t>Simon Chaudhary , (degree), (front/backend?), </a:t>
+              <a:t>Simon Chaudhary ,Computer Programming and Development</a:t>
             </a:r>
-            <a:endParaRPr b="0" lang="en-US" sz="2200" spc="-1" strike="noStrike">
+            <a:r>
+              <a:rPr lang="en-US" sz="2200" b="0" strike="noStrike" spc="-1">
+                <a:solidFill>
+                  <a:srgbClr val="000000"/>
+                </a:solidFill>
+                <a:latin typeface="Calibri"/>
+              </a:rPr>
+              <a:t>, Frontend</a:t>
+            </a:r>
+            <a:endParaRPr lang="en-US" sz="2200" b="0" strike="noStrike" spc="-1" dirty="0">
               <a:solidFill>
                 <a:srgbClr val="000000"/>
               </a:solidFill>
@@ -7343,11 +8119,11 @@
               </a:spcBef>
               <a:buNone/>
               <a:tabLst>
-                <a:tab algn="l" pos="0"/>
+                <a:tab pos="0" algn="l"/>
               </a:tabLst>
             </a:pPr>
             <a:r>
-              <a:rPr b="0" lang="en-US" sz="2200" spc="-1" strike="noStrike">
+              <a:rPr lang="en-US" sz="2200" b="0" strike="noStrike" spc="-1" dirty="0">
                 <a:solidFill>
                   <a:srgbClr val="000000"/>
                 </a:solidFill>
@@ -7357,7 +8133,7 @@
               <a:t>Brendon Seaton, </a:t>
             </a:r>
             <a:r>
-              <a:rPr b="0" lang="en-US" sz="2200" spc="-1" strike="noStrike">
+              <a:rPr lang="en-US" sz="2200" b="0" strike="noStrike" spc="-1" dirty="0">
                 <a:solidFill>
                   <a:srgbClr val="000000"/>
                 </a:solidFill>
@@ -7365,12 +8141,6 @@
               </a:rPr>
               <a:t>Computer Programming, (Frontend), </a:t>
             </a:r>
-            <a:endParaRPr b="0" lang="en-US" sz="2200" spc="-1" strike="noStrike">
-              <a:solidFill>
-                <a:srgbClr val="000000"/>
-              </a:solidFill>
-              <a:latin typeface="Calibri"/>
-            </a:endParaRPr>
           </a:p>
           <a:p>
             <a:pPr indent="0">
@@ -7382,24 +8152,36 @@
               </a:spcBef>
               <a:buNone/>
               <a:tabLst>
-                <a:tab algn="l" pos="0"/>
+                <a:tab pos="0" algn="l"/>
               </a:tabLst>
             </a:pPr>
             <a:r>
-              <a:rPr b="0" lang="en-US" sz="2200" spc="-1" strike="noStrike">
+              <a:rPr lang="en-US" sz="2200" b="0" strike="noStrike" spc="-1" dirty="0">
                 <a:solidFill>
                   <a:srgbClr val="000000"/>
                 </a:solidFill>
                 <a:latin typeface="Calibri"/>
               </a:rPr>
-              <a:t>Emma Gostling, Computer Programming, Frontend/Backend</a:t>
+              <a:t>Emma </a:t>
             </a:r>
-            <a:endParaRPr b="0" lang="en-US" sz="2200" spc="-1" strike="noStrike">
-              <a:solidFill>
-                <a:srgbClr val="000000"/>
-              </a:solidFill>
-              <a:latin typeface="Calibri"/>
-            </a:endParaRPr>
+            <a:r>
+              <a:rPr lang="en-US" sz="2200" b="0" strike="noStrike" spc="-1" dirty="0" err="1">
+                <a:solidFill>
+                  <a:srgbClr val="000000"/>
+                </a:solidFill>
+                <a:latin typeface="Calibri"/>
+              </a:rPr>
+              <a:t>Gostling</a:t>
+            </a:r>
+            <a:r>
+              <a:rPr lang="en-US" sz="2200" b="0" strike="noStrike" spc="-1" dirty="0">
+                <a:solidFill>
+                  <a:srgbClr val="000000"/>
+                </a:solidFill>
+                <a:latin typeface="Calibri"/>
+              </a:rPr>
+              <a:t>, Computer Programming, Frontend/Backend</a:t>
+            </a:r>
           </a:p>
           <a:p>
             <a:pPr indent="0">
@@ -7411,11 +8193,11 @@
               </a:spcBef>
               <a:buNone/>
               <a:tabLst>
-                <a:tab algn="l" pos="0"/>
+                <a:tab pos="0" algn="l"/>
               </a:tabLst>
             </a:pPr>
             <a:r>
-              <a:rPr b="1" lang="en-US" sz="2200" spc="-1" strike="noStrike">
+              <a:rPr lang="en-US" sz="2200" b="1" strike="noStrike" spc="-1" dirty="0">
                 <a:solidFill>
                   <a:srgbClr val="000000"/>
                 </a:solidFill>
@@ -7423,7 +8205,7 @@
               </a:rPr>
               <a:t>Mentor:</a:t>
             </a:r>
-            <a:endParaRPr b="0" lang="en-US" sz="2200" spc="-1" strike="noStrike">
+            <a:endParaRPr lang="en-US" sz="2200" b="0" strike="noStrike" spc="-1" dirty="0">
               <a:solidFill>
                 <a:srgbClr val="000000"/>
               </a:solidFill>
@@ -7440,11 +8222,11 @@
               </a:spcBef>
               <a:buNone/>
               <a:tabLst>
-                <a:tab algn="l" pos="0"/>
+                <a:tab pos="0" algn="l"/>
               </a:tabLst>
             </a:pPr>
             <a:r>
-              <a:rPr b="0" lang="en-US" sz="2200" spc="-1" strike="noStrike">
+              <a:rPr lang="en-US" sz="2200" b="0" strike="noStrike" spc="-1" dirty="0">
                 <a:solidFill>
                   <a:srgbClr val="000000"/>
                 </a:solidFill>
@@ -7452,36 +8234,26 @@
               </a:rPr>
               <a:t>Subbu Devarajan, Product Manager at Credit Suisse</a:t>
             </a:r>
-            <a:endParaRPr b="0" lang="en-US" sz="2200" spc="-1" strike="noStrike">
-              <a:solidFill>
-                <a:srgbClr val="000000"/>
-              </a:solidFill>
-              <a:latin typeface="Calibri"/>
-            </a:endParaRPr>
           </a:p>
         </p:txBody>
       </p:sp>
     </p:spTree>
   </p:cSld>
-  <mc:AlternateContent>
-    <mc:Choice Requires="p14">
-      <p:transition spd="slow" p14:dur="2000"/>
-    </mc:Choice>
-    <mc:Fallback>
-      <p:transition spd="slow"/>
-    </mc:Fallback>
-  </mc:AlternateContent>
+  <p:clrMapOvr>
+    <a:masterClrMapping/>
+  </p:clrMapOvr>
 </p:sld>
 </file>
 
 <file path=ppt/slides/slide3.xml><?xml version="1.0" encoding="utf-8"?>
-<p:sld xmlns:a="http://schemas.openxmlformats.org/drawingml/2006/main" xmlns:p="http://schemas.openxmlformats.org/presentationml/2006/main" xmlns:r="http://schemas.openxmlformats.org/officeDocument/2006/relationships" xmlns:p14="http://schemas.microsoft.com/office/powerpoint/2010/main" xmlns:p15="http://schemas.microsoft.com/office/powerpoint/2012/main" xmlns:mc="http://schemas.openxmlformats.org/markup-compatibility/2006">
+<p:sld xmlns:a="http://schemas.openxmlformats.org/drawingml/2006/main" xmlns:r="http://schemas.openxmlformats.org/officeDocument/2006/relationships" xmlns:p="http://schemas.openxmlformats.org/presentationml/2006/main">
   <p:cSld>
     <p:bg>
       <p:bgPr>
         <a:solidFill>
-          <a:srgbClr val="ffffff"/>
+          <a:srgbClr val="FFFFFF"/>
         </a:solidFill>
+        <a:effectLst/>
       </p:bgPr>
     </p:bg>
     <p:spTree>
@@ -7531,16 +8303,17 @@
           <a:fontRef idx="minor"/>
         </p:style>
         <p:txBody>
-          <a:bodyPr lIns="90000" rIns="90000" tIns="45000" bIns="45000" anchor="ctr">
+          <a:bodyPr lIns="90000" tIns="45000" rIns="90000" bIns="45000" anchor="ctr">
             <a:noAutofit/>
           </a:bodyPr>
+          <a:lstStyle/>
           <a:p>
             <a:pPr algn="ctr">
               <a:lnSpc>
                 <a:spcPct val="100000"/>
               </a:lnSpc>
             </a:pPr>
-            <a:endParaRPr b="0" lang="en-US" sz="1800" spc="-1" strike="noStrike">
+            <a:endParaRPr lang="en-US" sz="1800" b="0" strike="noStrike" spc="-1">
               <a:solidFill>
                 <a:schemeClr val="lt1"/>
               </a:solidFill>
@@ -7569,6 +8342,7 @@
               <a:gd name="textAreaBottom" fmla="*/ 6858000 h 6857640"/>
             </a:gdLst>
             <a:ahLst/>
+            <a:cxnLst/>
             <a:rect l="textAreaLeft" t="textAreaTop" r="textAreaRight" b="textAreaBottom"/>
             <a:pathLst>
               <a:path w="4167271" h="6858000">
@@ -7623,16 +8397,17 @@
           <a:fontRef idx="minor"/>
         </p:style>
         <p:txBody>
-          <a:bodyPr lIns="90000" rIns="90000" tIns="45000" bIns="45000" anchor="ctr">
+          <a:bodyPr lIns="90000" tIns="45000" rIns="90000" bIns="45000" anchor="ctr">
             <a:noAutofit/>
           </a:bodyPr>
+          <a:lstStyle/>
           <a:p>
             <a:pPr algn="ctr">
               <a:lnSpc>
                 <a:spcPct val="100000"/>
               </a:lnSpc>
             </a:pPr>
-            <a:endParaRPr b="0" lang="en-US" sz="1800" spc="-1" strike="noStrike">
+            <a:endParaRPr lang="en-US" sz="1800" b="0" strike="noStrike" spc="-1">
               <a:solidFill>
                 <a:schemeClr val="lt1"/>
               </a:solidFill>
@@ -7668,6 +8443,7 @@
           <a:bodyPr anchor="ctr">
             <a:normAutofit/>
           </a:bodyPr>
+          <a:lstStyle/>
           <a:p>
             <a:pPr indent="0">
               <a:lnSpc>
@@ -7676,15 +8452,15 @@
               <a:buNone/>
             </a:pPr>
             <a:r>
-              <a:rPr b="0" lang="en-US" sz="4400" spc="-1" strike="noStrike">
+              <a:rPr lang="en-US" sz="4400" b="0" strike="noStrike" spc="-1">
                 <a:solidFill>
-                  <a:srgbClr val="ffffff"/>
+                  <a:srgbClr val="FFFFFF"/>
                 </a:solidFill>
                 <a:latin typeface="Calibri Light"/>
               </a:rPr>
               <a:t>Project Description</a:t>
             </a:r>
-            <a:endParaRPr b="0" lang="en-US" sz="4400" spc="-1" strike="noStrike">
+            <a:endParaRPr lang="en-US" sz="4400" b="0" strike="noStrike" spc="-1">
               <a:solidFill>
                 <a:srgbClr val="000000"/>
               </a:solidFill>
@@ -7711,9 +8487,9 @@
             </a:avLst>
           </a:prstGeom>
           <a:noFill/>
-          <a:ln cap="rnd" w="127000">
+          <a:ln w="127000" cap="rnd">
             <a:solidFill>
-              <a:srgbClr val="ffc000"/>
+              <a:srgbClr val="FFC000"/>
             </a:solidFill>
             <a:prstDash val="dash"/>
           </a:ln>
@@ -7731,16 +8507,17 @@
           <a:fontRef idx="minor"/>
         </p:style>
         <p:txBody>
-          <a:bodyPr lIns="90000" rIns="90000" tIns="45000" bIns="45000" anchor="ctr">
+          <a:bodyPr lIns="90000" tIns="45000" rIns="90000" bIns="45000" anchor="ctr">
             <a:noAutofit/>
           </a:bodyPr>
+          <a:lstStyle/>
           <a:p>
             <a:pPr algn="ctr">
               <a:lnSpc>
                 <a:spcPct val="100000"/>
               </a:lnSpc>
             </a:pPr>
-            <a:endParaRPr b="0" lang="en-US" sz="1800" spc="-1" strike="noStrike">
+            <a:endParaRPr lang="en-US" sz="1800" b="0" strike="noStrike" spc="-1">
               <a:solidFill>
                 <a:srgbClr val="000000"/>
               </a:solidFill>
@@ -7776,6 +8553,7 @@
           <a:bodyPr anchor="ctr">
             <a:normAutofit/>
           </a:bodyPr>
+          <a:lstStyle/>
           <a:p>
             <a:pPr indent="0">
               <a:lnSpc>
@@ -7786,11 +8564,11 @@
               </a:spcBef>
               <a:buNone/>
               <a:tabLst>
-                <a:tab algn="l" pos="0"/>
+                <a:tab pos="0" algn="l"/>
               </a:tabLst>
             </a:pPr>
             <a:r>
-              <a:rPr b="0" lang="en-US" sz="2800" spc="-1" strike="noStrike">
+              <a:rPr lang="en-US" sz="2800" b="0" strike="noStrike" spc="-1">
                 <a:solidFill>
                   <a:srgbClr val="000000"/>
                 </a:solidFill>
@@ -7798,12 +8576,6 @@
               </a:rPr>
               <a:t>This is an online store app, allowing you to sell products to online customers</a:t>
             </a:r>
-            <a:endParaRPr b="0" lang="en-US" sz="2800" spc="-1" strike="noStrike">
-              <a:solidFill>
-                <a:srgbClr val="000000"/>
-              </a:solidFill>
-              <a:latin typeface="Calibri"/>
-            </a:endParaRPr>
           </a:p>
           <a:p>
             <a:pPr indent="0">
@@ -7815,10 +8587,10 @@
               </a:spcBef>
               <a:buNone/>
               <a:tabLst>
-                <a:tab algn="l" pos="0"/>
+                <a:tab pos="0" algn="l"/>
               </a:tabLst>
             </a:pPr>
-            <a:endParaRPr b="0" lang="en-US" sz="2800" spc="-1" strike="noStrike">
+            <a:endParaRPr lang="en-US" sz="2800" b="0" strike="noStrike" spc="-1">
               <a:solidFill>
                 <a:srgbClr val="000000"/>
               </a:solidFill>
@@ -7835,11 +8607,11 @@
               </a:spcBef>
               <a:buNone/>
               <a:tabLst>
-                <a:tab algn="l" pos="0"/>
+                <a:tab pos="0" algn="l"/>
               </a:tabLst>
             </a:pPr>
             <a:r>
-              <a:rPr b="0" lang="en-US" sz="2800" spc="-1" strike="noStrike">
+              <a:rPr lang="en-US" sz="2800" b="0" strike="noStrike" spc="-1">
                 <a:solidFill>
                   <a:srgbClr val="000000"/>
                 </a:solidFill>
@@ -7847,12 +8619,6 @@
               </a:rPr>
               <a:t>Customers can view items and deals, add items to their shopping cart, and make purchases</a:t>
             </a:r>
-            <a:endParaRPr b="0" lang="en-US" sz="2800" spc="-1" strike="noStrike">
-              <a:solidFill>
-                <a:srgbClr val="000000"/>
-              </a:solidFill>
-              <a:latin typeface="Calibri"/>
-            </a:endParaRPr>
           </a:p>
           <a:p>
             <a:pPr indent="0">
@@ -7864,10 +8630,10 @@
               </a:spcBef>
               <a:buNone/>
               <a:tabLst>
-                <a:tab algn="l" pos="0"/>
+                <a:tab pos="0" algn="l"/>
               </a:tabLst>
             </a:pPr>
-            <a:endParaRPr b="0" lang="en-US" sz="2800" spc="-1" strike="noStrike">
+            <a:endParaRPr lang="en-US" sz="2800" b="0" strike="noStrike" spc="-1">
               <a:solidFill>
                 <a:srgbClr val="000000"/>
               </a:solidFill>
@@ -7884,11 +8650,11 @@
               </a:spcBef>
               <a:buNone/>
               <a:tabLst>
-                <a:tab algn="l" pos="0"/>
+                <a:tab pos="0" algn="l"/>
               </a:tabLst>
             </a:pPr>
             <a:r>
-              <a:rPr b="0" lang="en-US" sz="2800" spc="-1" strike="noStrike">
+              <a:rPr lang="en-US" sz="2800" b="0" strike="noStrike" spc="-1">
                 <a:solidFill>
                   <a:srgbClr val="000000"/>
                 </a:solidFill>
@@ -7896,36 +8662,26 @@
               </a:rPr>
               <a:t>Admin users can add/remove items from the database</a:t>
             </a:r>
-            <a:endParaRPr b="0" lang="en-US" sz="2800" spc="-1" strike="noStrike">
-              <a:solidFill>
-                <a:srgbClr val="000000"/>
-              </a:solidFill>
-              <a:latin typeface="Calibri"/>
-            </a:endParaRPr>
           </a:p>
         </p:txBody>
       </p:sp>
     </p:spTree>
   </p:cSld>
-  <mc:AlternateContent>
-    <mc:Choice Requires="p14">
-      <p:transition spd="slow" p14:dur="2000"/>
-    </mc:Choice>
-    <mc:Fallback>
-      <p:transition spd="slow"/>
-    </mc:Fallback>
-  </mc:AlternateContent>
+  <p:clrMapOvr>
+    <a:masterClrMapping/>
+  </p:clrMapOvr>
 </p:sld>
 </file>
 
 <file path=ppt/slides/slide4.xml><?xml version="1.0" encoding="utf-8"?>
-<p:sld xmlns:a="http://schemas.openxmlformats.org/drawingml/2006/main" xmlns:p="http://schemas.openxmlformats.org/presentationml/2006/main" xmlns:r="http://schemas.openxmlformats.org/officeDocument/2006/relationships" xmlns:p14="http://schemas.microsoft.com/office/powerpoint/2010/main" xmlns:p15="http://schemas.microsoft.com/office/powerpoint/2012/main" xmlns:mc="http://schemas.openxmlformats.org/markup-compatibility/2006">
+<p:sld xmlns:a="http://schemas.openxmlformats.org/drawingml/2006/main" xmlns:r="http://schemas.openxmlformats.org/officeDocument/2006/relationships" xmlns:p="http://schemas.openxmlformats.org/presentationml/2006/main">
   <p:cSld>
     <p:bg>
       <p:bgPr>
         <a:solidFill>
-          <a:srgbClr val="ffffff"/>
+          <a:srgbClr val="FFFFFF"/>
         </a:solidFill>
+        <a:effectLst/>
       </p:bgPr>
     </p:bg>
     <p:spTree>
@@ -7975,16 +8731,17 @@
           <a:fontRef idx="minor"/>
         </p:style>
         <p:txBody>
-          <a:bodyPr lIns="90000" rIns="90000" tIns="45000" bIns="45000" anchor="ctr">
+          <a:bodyPr lIns="90000" tIns="45000" rIns="90000" bIns="45000" anchor="ctr">
             <a:noAutofit/>
           </a:bodyPr>
+          <a:lstStyle/>
           <a:p>
             <a:pPr algn="ctr">
               <a:lnSpc>
                 <a:spcPct val="100000"/>
               </a:lnSpc>
             </a:pPr>
-            <a:endParaRPr b="0" lang="en-US" sz="1800" spc="-1" strike="noStrike">
+            <a:endParaRPr lang="en-US" sz="1800" b="0" strike="noStrike" spc="-1">
               <a:solidFill>
                 <a:schemeClr val="lt1"/>
               </a:solidFill>
@@ -8013,6 +8770,7 @@
               <a:gd name="textAreaBottom" fmla="*/ 6858000 h 6857640"/>
             </a:gdLst>
             <a:ahLst/>
+            <a:cxnLst/>
             <a:rect l="textAreaLeft" t="textAreaTop" r="textAreaRight" b="textAreaBottom"/>
             <a:pathLst>
               <a:path w="4167271" h="6858000">
@@ -8067,16 +8825,17 @@
           <a:fontRef idx="minor"/>
         </p:style>
         <p:txBody>
-          <a:bodyPr lIns="90000" rIns="90000" tIns="45000" bIns="45000" anchor="ctr">
+          <a:bodyPr lIns="90000" tIns="45000" rIns="90000" bIns="45000" anchor="ctr">
             <a:noAutofit/>
           </a:bodyPr>
+          <a:lstStyle/>
           <a:p>
             <a:pPr algn="ctr">
               <a:lnSpc>
                 <a:spcPct val="100000"/>
               </a:lnSpc>
             </a:pPr>
-            <a:endParaRPr b="0" lang="en-US" sz="1800" spc="-1" strike="noStrike">
+            <a:endParaRPr lang="en-US" sz="1800" b="0" strike="noStrike" spc="-1">
               <a:solidFill>
                 <a:schemeClr val="lt1"/>
               </a:solidFill>
@@ -8112,6 +8871,7 @@
           <a:bodyPr anchor="ctr">
             <a:normAutofit/>
           </a:bodyPr>
+          <a:lstStyle/>
           <a:p>
             <a:pPr indent="0">
               <a:lnSpc>
@@ -8120,15 +8880,15 @@
               <a:buNone/>
             </a:pPr>
             <a:r>
-              <a:rPr b="0" lang="en-US" sz="4400" spc="-1" strike="noStrike">
+              <a:rPr lang="en-US" sz="4400" b="0" strike="noStrike" spc="-1">
                 <a:solidFill>
-                  <a:srgbClr val="ffffff"/>
+                  <a:srgbClr val="FFFFFF"/>
                 </a:solidFill>
                 <a:latin typeface="Calibri Light"/>
               </a:rPr>
               <a:t>Project Vision Statement</a:t>
             </a:r>
-            <a:endParaRPr b="0" lang="en-US" sz="4400" spc="-1" strike="noStrike">
+            <a:endParaRPr lang="en-US" sz="4400" b="0" strike="noStrike" spc="-1">
               <a:solidFill>
                 <a:srgbClr val="000000"/>
               </a:solidFill>
@@ -8155,9 +8915,9 @@
             </a:avLst>
           </a:prstGeom>
           <a:noFill/>
-          <a:ln cap="rnd" w="127000">
+          <a:ln w="127000" cap="rnd">
             <a:solidFill>
-              <a:srgbClr val="ffc000"/>
+              <a:srgbClr val="FFC000"/>
             </a:solidFill>
             <a:prstDash val="dash"/>
           </a:ln>
@@ -8175,16 +8935,17 @@
           <a:fontRef idx="minor"/>
         </p:style>
         <p:txBody>
-          <a:bodyPr lIns="90000" rIns="90000" tIns="45000" bIns="45000" anchor="ctr">
+          <a:bodyPr lIns="90000" tIns="45000" rIns="90000" bIns="45000" anchor="ctr">
             <a:noAutofit/>
           </a:bodyPr>
+          <a:lstStyle/>
           <a:p>
             <a:pPr algn="ctr">
               <a:lnSpc>
                 <a:spcPct val="100000"/>
               </a:lnSpc>
             </a:pPr>
-            <a:endParaRPr b="0" lang="en-US" sz="1800" spc="-1" strike="noStrike">
+            <a:endParaRPr lang="en-US" sz="1800" b="0" strike="noStrike" spc="-1">
               <a:solidFill>
                 <a:srgbClr val="000000"/>
               </a:solidFill>
@@ -8220,6 +8981,7 @@
           <a:bodyPr anchor="ctr">
             <a:normAutofit/>
           </a:bodyPr>
+          <a:lstStyle/>
           <a:p>
             <a:pPr indent="0">
               <a:lnSpc>
@@ -8227,13 +8989,13 @@
               </a:lnSpc>
               <a:buNone/>
               <a:tabLst>
-                <a:tab algn="l" pos="0"/>
+                <a:tab pos="0" algn="l"/>
               </a:tabLst>
             </a:pPr>
             <a:r>
-              <a:rPr b="0" i="1" lang="en-US" sz="4000" spc="-1" strike="noStrike">
+              <a:rPr lang="en-US" sz="4000" b="0" i="1" strike="noStrike" spc="-1">
                 <a:solidFill>
-                  <a:srgbClr val="001f2a"/>
+                  <a:srgbClr val="001F2A"/>
                 </a:solidFill>
                 <a:latin typeface="Calibri"/>
                 <a:ea typeface="Times New Roman"/>
@@ -8241,7 +9003,7 @@
               <a:t>For brick and mortar stores</a:t>
             </a:r>
             <a:r>
-              <a:rPr b="0" i="1" lang="en-US" sz="4000" spc="-1" strike="noStrike">
+              <a:rPr lang="en-US" sz="4000" b="0" i="1" strike="noStrike" spc="-1">
                 <a:solidFill>
                   <a:srgbClr val="000000"/>
                 </a:solidFill>
@@ -8251,9 +9013,9 @@
               <a:t> w</a:t>
             </a:r>
             <a:r>
-              <a:rPr b="0" i="1" lang="en-US" sz="4000" spc="-1" strike="noStrike">
+              <a:rPr lang="en-US" sz="4000" b="0" i="1" strike="noStrike" spc="-1">
                 <a:solidFill>
-                  <a:srgbClr val="001f2a"/>
+                  <a:srgbClr val="001F2A"/>
                 </a:solidFill>
                 <a:latin typeface="Calibri"/>
                 <a:ea typeface="Times New Roman"/>
@@ -8261,7 +9023,7 @@
               <a:t>ho want to reach a wider customer base, The Store App is a web application that increases  sales and allows a business to reach out to new customers. Unlike Amazon,</a:t>
             </a:r>
             <a:r>
-              <a:rPr b="0" i="1" lang="en-US" sz="4000" spc="-1" strike="noStrike">
+              <a:rPr lang="en-US" sz="4000" b="0" i="1" strike="noStrike" spc="-1">
                 <a:solidFill>
                   <a:srgbClr val="000000"/>
                 </a:solidFill>
@@ -8271,16 +9033,16 @@
               <a:t> o</a:t>
             </a:r>
             <a:r>
-              <a:rPr b="0" i="1" lang="en-US" sz="4000" spc="-1" strike="noStrike">
+              <a:rPr lang="en-US" sz="4000" b="0" i="1" strike="noStrike" spc="-1">
                 <a:solidFill>
-                  <a:srgbClr val="001f2a"/>
+                  <a:srgbClr val="001F2A"/>
                 </a:solidFill>
                 <a:latin typeface="Calibri"/>
                 <a:ea typeface="Times New Roman"/>
               </a:rPr>
               <a:t>ur product does not take a commission on each product sold.</a:t>
             </a:r>
-            <a:endParaRPr b="0" lang="en-US" sz="4000" spc="-1" strike="noStrike">
+            <a:endParaRPr lang="en-US" sz="4000" b="0" strike="noStrike" spc="-1">
               <a:solidFill>
                 <a:srgbClr val="000000"/>
               </a:solidFill>
@@ -8291,25 +9053,21 @@
       </p:sp>
     </p:spTree>
   </p:cSld>
-  <mc:AlternateContent>
-    <mc:Choice Requires="p14">
-      <p:transition spd="slow" p14:dur="2000"/>
-    </mc:Choice>
-    <mc:Fallback>
-      <p:transition spd="slow"/>
-    </mc:Fallback>
-  </mc:AlternateContent>
+  <p:clrMapOvr>
+    <a:masterClrMapping/>
+  </p:clrMapOvr>
 </p:sld>
 </file>
 
 <file path=ppt/slides/slide5.xml><?xml version="1.0" encoding="utf-8"?>
-<p:sld xmlns:a="http://schemas.openxmlformats.org/drawingml/2006/main" xmlns:p="http://schemas.openxmlformats.org/presentationml/2006/main" xmlns:r="http://schemas.openxmlformats.org/officeDocument/2006/relationships" xmlns:p14="http://schemas.microsoft.com/office/powerpoint/2010/main" xmlns:p15="http://schemas.microsoft.com/office/powerpoint/2012/main" xmlns:mc="http://schemas.openxmlformats.org/markup-compatibility/2006">
+<p:sld xmlns:a="http://schemas.openxmlformats.org/drawingml/2006/main" xmlns:r="http://schemas.openxmlformats.org/officeDocument/2006/relationships" xmlns:p="http://schemas.openxmlformats.org/presentationml/2006/main">
   <p:cSld>
     <p:bg>
       <p:bgPr>
         <a:solidFill>
-          <a:srgbClr val="ffffff"/>
+          <a:srgbClr val="FFFFFF"/>
         </a:solidFill>
+        <a:effectLst/>
       </p:bgPr>
     </p:bg>
     <p:spTree>
@@ -8359,16 +9117,17 @@
           <a:fontRef idx="minor"/>
         </p:style>
         <p:txBody>
-          <a:bodyPr lIns="90000" rIns="90000" tIns="45000" bIns="45000" anchor="ctr">
+          <a:bodyPr lIns="90000" tIns="45000" rIns="90000" bIns="45000" anchor="ctr">
             <a:noAutofit/>
           </a:bodyPr>
+          <a:lstStyle/>
           <a:p>
             <a:pPr algn="ctr">
               <a:lnSpc>
                 <a:spcPct val="100000"/>
               </a:lnSpc>
             </a:pPr>
-            <a:endParaRPr b="0" lang="en-US" sz="1800" spc="-1" strike="noStrike">
+            <a:endParaRPr lang="en-US" sz="1800" b="0" strike="noStrike" spc="-1">
               <a:solidFill>
                 <a:schemeClr val="lt1"/>
               </a:solidFill>
@@ -8397,6 +9156,7 @@
               <a:gd name="textAreaBottom" fmla="*/ 6858000 h 6857640"/>
             </a:gdLst>
             <a:ahLst/>
+            <a:cxnLst/>
             <a:rect l="textAreaLeft" t="textAreaTop" r="textAreaRight" b="textAreaBottom"/>
             <a:pathLst>
               <a:path w="4167271" h="6858000">
@@ -8451,16 +9211,17 @@
           <a:fontRef idx="minor"/>
         </p:style>
         <p:txBody>
-          <a:bodyPr lIns="90000" rIns="90000" tIns="45000" bIns="45000" anchor="ctr">
+          <a:bodyPr lIns="90000" tIns="45000" rIns="90000" bIns="45000" anchor="ctr">
             <a:noAutofit/>
           </a:bodyPr>
+          <a:lstStyle/>
           <a:p>
             <a:pPr algn="ctr">
               <a:lnSpc>
                 <a:spcPct val="100000"/>
               </a:lnSpc>
             </a:pPr>
-            <a:endParaRPr b="0" lang="en-US" sz="1800" spc="-1" strike="noStrike">
+            <a:endParaRPr lang="en-US" sz="1800" b="0" strike="noStrike" spc="-1">
               <a:solidFill>
                 <a:schemeClr val="lt1"/>
               </a:solidFill>
@@ -8496,6 +9257,7 @@
           <a:bodyPr anchor="ctr">
             <a:normAutofit/>
           </a:bodyPr>
+          <a:lstStyle/>
           <a:p>
             <a:pPr indent="0">
               <a:lnSpc>
@@ -8504,15 +9266,15 @@
               <a:buNone/>
             </a:pPr>
             <a:r>
-              <a:rPr b="0" lang="en-US" sz="4400" spc="-1" strike="noStrike">
+              <a:rPr lang="en-US" sz="4400" b="0" strike="noStrike" spc="-1">
                 <a:solidFill>
-                  <a:srgbClr val="ffffff"/>
+                  <a:srgbClr val="FFFFFF"/>
                 </a:solidFill>
                 <a:latin typeface="Calibri Light"/>
               </a:rPr>
               <a:t>Types of Accounts</a:t>
             </a:r>
-            <a:endParaRPr b="0" lang="en-US" sz="4400" spc="-1" strike="noStrike">
+            <a:endParaRPr lang="en-US" sz="4400" b="0" strike="noStrike" spc="-1">
               <a:solidFill>
                 <a:srgbClr val="000000"/>
               </a:solidFill>
@@ -8539,9 +9301,9 @@
             </a:avLst>
           </a:prstGeom>
           <a:noFill/>
-          <a:ln cap="rnd" w="127000">
+          <a:ln w="127000" cap="rnd">
             <a:solidFill>
-              <a:srgbClr val="ffc000"/>
+              <a:srgbClr val="FFC000"/>
             </a:solidFill>
             <a:prstDash val="dash"/>
           </a:ln>
@@ -8559,16 +9321,17 @@
           <a:fontRef idx="minor"/>
         </p:style>
         <p:txBody>
-          <a:bodyPr lIns="90000" rIns="90000" tIns="45000" bIns="45000" anchor="ctr">
+          <a:bodyPr lIns="90000" tIns="45000" rIns="90000" bIns="45000" anchor="ctr">
             <a:noAutofit/>
           </a:bodyPr>
+          <a:lstStyle/>
           <a:p>
             <a:pPr algn="ctr">
               <a:lnSpc>
                 <a:spcPct val="100000"/>
               </a:lnSpc>
             </a:pPr>
-            <a:endParaRPr b="0" lang="en-US" sz="1800" spc="-1" strike="noStrike">
+            <a:endParaRPr lang="en-US" sz="1800" b="0" strike="noStrike" spc="-1">
               <a:solidFill>
                 <a:srgbClr val="000000"/>
               </a:solidFill>
@@ -8604,112 +9367,113 @@
           <a:bodyPr anchor="t">
             <a:normAutofit/>
           </a:bodyPr>
+          <a:lstStyle/>
           <a:p>
             <a:pPr marL="228600" indent="-228600">
               <a:lnSpc>
                 <a:spcPct val="100000"/>
               </a:lnSpc>
               <a:buClr>
-                <a:srgbClr val="001f2a"/>
+                <a:srgbClr val="001F2A"/>
               </a:buClr>
               <a:buFont typeface="Arial"/>
               <a:buChar char="•"/>
             </a:pPr>
             <a:r>
-              <a:rPr b="0" i="1" lang="en-US" sz="4000" spc="-1" strike="noStrike">
+              <a:rPr lang="en-US" sz="4000" b="0" i="1" strike="noStrike" spc="-1">
                 <a:solidFill>
-                  <a:srgbClr val="001f2a"/>
+                  <a:srgbClr val="001F2A"/>
                 </a:solidFill>
                 <a:latin typeface="Calibri"/>
                 <a:ea typeface="Calibri"/>
               </a:rPr>
               <a:t>Admin: </a:t>
             </a:r>
-            <a:endParaRPr b="0" lang="en-US" sz="4000" spc="-1" strike="noStrike">
-              <a:solidFill>
-                <a:srgbClr val="000000"/>
-              </a:solidFill>
-              <a:latin typeface="Calibri"/>
-            </a:endParaRPr>
-          </a:p>
-          <a:p>
-            <a:pPr lvl="1" marL="685800" indent="-228600">
+            <a:endParaRPr lang="en-US" sz="4000" b="0" strike="noStrike" spc="-1">
+              <a:solidFill>
+                <a:srgbClr val="000000"/>
+              </a:solidFill>
+              <a:latin typeface="Calibri"/>
+            </a:endParaRPr>
+          </a:p>
+          <a:p>
+            <a:pPr marL="685800" lvl="1" indent="-228600">
               <a:lnSpc>
                 <a:spcPct val="100000"/>
               </a:lnSpc>
               <a:buClr>
-                <a:srgbClr val="001f2a"/>
+                <a:srgbClr val="001F2A"/>
               </a:buClr>
               <a:buFont typeface="Arial"/>
               <a:buChar char="•"/>
             </a:pPr>
             <a:r>
-              <a:rPr b="0" i="1" lang="en-US" sz="3600" spc="-1" strike="noStrike">
+              <a:rPr lang="en-US" sz="3600" b="0" i="1" strike="noStrike" spc="-1">
                 <a:solidFill>
-                  <a:srgbClr val="001f2a"/>
+                  <a:srgbClr val="001F2A"/>
                 </a:solidFill>
                 <a:latin typeface="Calibri"/>
                 <a:ea typeface="Calibri"/>
               </a:rPr>
               <a:t>Add products</a:t>
             </a:r>
-            <a:endParaRPr b="0" lang="en-US" sz="3600" spc="-1" strike="noStrike">
-              <a:solidFill>
-                <a:srgbClr val="000000"/>
-              </a:solidFill>
-              <a:latin typeface="Calibri"/>
-            </a:endParaRPr>
-          </a:p>
-          <a:p>
-            <a:pPr lvl="1" marL="685800" indent="-228600">
+            <a:endParaRPr lang="en-US" sz="3600" b="0" strike="noStrike" spc="-1">
+              <a:solidFill>
+                <a:srgbClr val="000000"/>
+              </a:solidFill>
+              <a:latin typeface="Calibri"/>
+            </a:endParaRPr>
+          </a:p>
+          <a:p>
+            <a:pPr marL="685800" lvl="1" indent="-228600">
               <a:lnSpc>
                 <a:spcPct val="100000"/>
               </a:lnSpc>
               <a:buClr>
-                <a:srgbClr val="001f2a"/>
+                <a:srgbClr val="001F2A"/>
               </a:buClr>
               <a:buFont typeface="Arial"/>
               <a:buChar char="•"/>
             </a:pPr>
             <a:r>
-              <a:rPr b="0" i="1" lang="en-US" sz="3600" spc="-1" strike="noStrike">
+              <a:rPr lang="en-US" sz="3600" b="0" i="1" strike="noStrike" spc="-1">
                 <a:solidFill>
-                  <a:srgbClr val="001f2a"/>
+                  <a:srgbClr val="001F2A"/>
                 </a:solidFill>
                 <a:latin typeface="Calibri"/>
                 <a:ea typeface="Calibri"/>
               </a:rPr>
               <a:t>Update availability</a:t>
             </a:r>
-            <a:endParaRPr b="0" lang="en-US" sz="3600" spc="-1" strike="noStrike">
-              <a:solidFill>
-                <a:srgbClr val="000000"/>
-              </a:solidFill>
-              <a:latin typeface="Calibri"/>
-            </a:endParaRPr>
-          </a:p>
-          <a:p>
-            <a:pPr lvl="1" marL="685800" indent="-228600">
+            <a:endParaRPr lang="en-US" sz="3600" b="0" strike="noStrike" spc="-1">
+              <a:solidFill>
+                <a:srgbClr val="000000"/>
+              </a:solidFill>
+              <a:latin typeface="Calibri"/>
+            </a:endParaRPr>
+          </a:p>
+          <a:p>
+            <a:pPr marL="685800" lvl="1" indent="-228600">
               <a:lnSpc>
                 <a:spcPct val="100000"/>
               </a:lnSpc>
               <a:buClr>
-                <a:srgbClr val="001f2a"/>
+                <a:srgbClr val="001F2A"/>
               </a:buClr>
               <a:buFont typeface="Arial"/>
               <a:buChar char="•"/>
             </a:pPr>
             <a:r>
-              <a:rPr b="0" i="1" lang="en-US" sz="3600" spc="-1" strike="noStrike">
+              <a:rPr lang="en-US" sz="3600" b="0" i="1" strike="noStrike" spc="-1">
                 <a:solidFill>
-                  <a:srgbClr val="001f2a"/>
+                  <a:srgbClr val="001F2A"/>
                 </a:solidFill>
                 <a:latin typeface="Calibri"/>
                 <a:ea typeface="Calibri"/>
               </a:rPr>
               <a:t>Change price, image, etc</a:t>
             </a:r>
-            <a:endParaRPr b="0" lang="en-US" sz="3600" spc="-1" strike="noStrike">
+            <a:endParaRPr lang="en-US" sz="3600" b="0" strike="noStrike" spc="-1">
               <a:solidFill>
                 <a:srgbClr val="000000"/>
               </a:solidFill>
@@ -8723,10 +9487,10 @@
               </a:lnSpc>
               <a:buNone/>
               <a:tabLst>
-                <a:tab algn="l" pos="0"/>
+                <a:tab pos="0" algn="l"/>
               </a:tabLst>
             </a:pPr>
-            <a:endParaRPr b="0" lang="en-US" sz="3600" spc="-1" strike="noStrike">
+            <a:endParaRPr lang="en-US" sz="3600" b="0" strike="noStrike" spc="-1">
               <a:solidFill>
                 <a:srgbClr val="000000"/>
               </a:solidFill>
@@ -8739,33 +9503,33 @@
                 <a:spcPct val="100000"/>
               </a:lnSpc>
               <a:buClr>
-                <a:srgbClr val="001f2a"/>
+                <a:srgbClr val="001F2A"/>
               </a:buClr>
               <a:buFont typeface="Arial"/>
               <a:buChar char="•"/>
               <a:tabLst>
-                <a:tab algn="l" pos="0"/>
+                <a:tab pos="0" algn="l"/>
               </a:tabLst>
             </a:pPr>
             <a:r>
-              <a:rPr b="0" i="1" lang="en-US" sz="4000" spc="-1" strike="noStrike">
+              <a:rPr lang="en-US" sz="4000" b="0" i="1" strike="noStrike" spc="-1">
                 <a:solidFill>
-                  <a:srgbClr val="001f2a"/>
+                  <a:srgbClr val="001F2A"/>
                 </a:solidFill>
                 <a:latin typeface="Calibri"/>
                 <a:ea typeface="Calibri"/>
               </a:rPr>
               <a:t>Customer:</a:t>
             </a:r>
-            <a:endParaRPr b="0" lang="en-US" sz="4000" spc="-1" strike="noStrike">
-              <a:solidFill>
-                <a:srgbClr val="000000"/>
-              </a:solidFill>
-              <a:latin typeface="Calibri"/>
-            </a:endParaRPr>
-          </a:p>
-          <a:p>
-            <a:pPr lvl="1" marL="685800" indent="-228600">
+            <a:endParaRPr lang="en-US" sz="4000" b="0" strike="noStrike" spc="-1">
+              <a:solidFill>
+                <a:srgbClr val="000000"/>
+              </a:solidFill>
+              <a:latin typeface="Calibri"/>
+            </a:endParaRPr>
+          </a:p>
+          <a:p>
+            <a:pPr marL="685800" lvl="1" indent="-228600">
               <a:lnSpc>
                 <a:spcPct val="100000"/>
               </a:lnSpc>
@@ -8775,11 +9539,11 @@
               <a:buFont typeface="Arial"/>
               <a:buChar char="•"/>
               <a:tabLst>
-                <a:tab algn="l" pos="0"/>
+                <a:tab pos="0" algn="l"/>
               </a:tabLst>
             </a:pPr>
             <a:r>
-              <a:rPr b="0" i="1" lang="en-US" sz="3600" spc="-1" strike="noStrike">
+              <a:rPr lang="en-US" sz="3600" b="0" i="1" strike="noStrike" spc="-1">
                 <a:solidFill>
                   <a:srgbClr val="000000"/>
                 </a:solidFill>
@@ -8788,15 +9552,15 @@
               </a:rPr>
               <a:t>Browse products and deals</a:t>
             </a:r>
-            <a:endParaRPr b="0" lang="en-US" sz="3600" spc="-1" strike="noStrike">
-              <a:solidFill>
-                <a:srgbClr val="000000"/>
-              </a:solidFill>
-              <a:latin typeface="Calibri"/>
-            </a:endParaRPr>
-          </a:p>
-          <a:p>
-            <a:pPr lvl="1" marL="685800" indent="-228600">
+            <a:endParaRPr lang="en-US" sz="3600" b="0" strike="noStrike" spc="-1">
+              <a:solidFill>
+                <a:srgbClr val="000000"/>
+              </a:solidFill>
+              <a:latin typeface="Calibri"/>
+            </a:endParaRPr>
+          </a:p>
+          <a:p>
+            <a:pPr marL="685800" lvl="1" indent="-228600">
               <a:lnSpc>
                 <a:spcPct val="100000"/>
               </a:lnSpc>
@@ -8806,11 +9570,11 @@
               <a:buFont typeface="Arial"/>
               <a:buChar char="•"/>
               <a:tabLst>
-                <a:tab algn="l" pos="0"/>
+                <a:tab pos="0" algn="l"/>
               </a:tabLst>
             </a:pPr>
             <a:r>
-              <a:rPr b="0" i="1" lang="en-US" sz="3600" spc="-1" strike="noStrike">
+              <a:rPr lang="en-US" sz="3600" b="0" i="1" strike="noStrike" spc="-1">
                 <a:solidFill>
                   <a:srgbClr val="000000"/>
                 </a:solidFill>
@@ -8819,15 +9583,15 @@
               </a:rPr>
               <a:t>Add items to cart</a:t>
             </a:r>
-            <a:endParaRPr b="0" lang="en-US" sz="3600" spc="-1" strike="noStrike">
-              <a:solidFill>
-                <a:srgbClr val="000000"/>
-              </a:solidFill>
-              <a:latin typeface="Calibri"/>
-            </a:endParaRPr>
-          </a:p>
-          <a:p>
-            <a:pPr lvl="1" marL="685800" indent="-228600">
+            <a:endParaRPr lang="en-US" sz="3600" b="0" strike="noStrike" spc="-1">
+              <a:solidFill>
+                <a:srgbClr val="000000"/>
+              </a:solidFill>
+              <a:latin typeface="Calibri"/>
+            </a:endParaRPr>
+          </a:p>
+          <a:p>
+            <a:pPr marL="685800" lvl="1" indent="-228600">
               <a:lnSpc>
                 <a:spcPct val="100000"/>
               </a:lnSpc>
@@ -8837,11 +9601,11 @@
               <a:buFont typeface="Arial"/>
               <a:buChar char="•"/>
               <a:tabLst>
-                <a:tab algn="l" pos="0"/>
+                <a:tab pos="0" algn="l"/>
               </a:tabLst>
             </a:pPr>
             <a:r>
-              <a:rPr b="0" i="1" lang="en-US" sz="3600" spc="-1" strike="noStrike">
+              <a:rPr lang="en-US" sz="3600" b="0" i="1" strike="noStrike" spc="-1">
                 <a:solidFill>
                   <a:srgbClr val="000000"/>
                 </a:solidFill>
@@ -8850,7 +9614,7 @@
               </a:rPr>
               <a:t>Checkout/pay</a:t>
             </a:r>
-            <a:endParaRPr b="0" lang="en-US" sz="3600" spc="-1" strike="noStrike">
+            <a:endParaRPr lang="en-US" sz="3600" b="0" strike="noStrike" spc="-1">
               <a:solidFill>
                 <a:srgbClr val="000000"/>
               </a:solidFill>
@@ -8861,25 +9625,21 @@
       </p:sp>
     </p:spTree>
   </p:cSld>
-  <mc:AlternateContent>
-    <mc:Choice Requires="p14">
-      <p:transition spd="slow" p14:dur="2000"/>
-    </mc:Choice>
-    <mc:Fallback>
-      <p:transition spd="slow"/>
-    </mc:Fallback>
-  </mc:AlternateContent>
+  <p:clrMapOvr>
+    <a:masterClrMapping/>
+  </p:clrMapOvr>
 </p:sld>
 </file>
 
 <file path=ppt/slides/slide6.xml><?xml version="1.0" encoding="utf-8"?>
-<p:sld xmlns:a="http://schemas.openxmlformats.org/drawingml/2006/main" xmlns:p="http://schemas.openxmlformats.org/presentationml/2006/main" xmlns:r="http://schemas.openxmlformats.org/officeDocument/2006/relationships" xmlns:p14="http://schemas.microsoft.com/office/powerpoint/2010/main" xmlns:p15="http://schemas.microsoft.com/office/powerpoint/2012/main" xmlns:mc="http://schemas.openxmlformats.org/markup-compatibility/2006">
+<p:sld xmlns:a="http://schemas.openxmlformats.org/drawingml/2006/main" xmlns:r="http://schemas.openxmlformats.org/officeDocument/2006/relationships" xmlns:p="http://schemas.openxmlformats.org/presentationml/2006/main">
   <p:cSld>
     <p:bg>
       <p:bgPr>
         <a:solidFill>
-          <a:srgbClr val="ffffff"/>
+          <a:srgbClr val="FFFFFF"/>
         </a:solidFill>
+        <a:effectLst/>
       </p:bgPr>
     </p:bg>
     <p:spTree>
@@ -8929,16 +9689,17 @@
           <a:fontRef idx="minor"/>
         </p:style>
         <p:txBody>
-          <a:bodyPr lIns="90000" rIns="90000" tIns="45000" bIns="45000" anchor="ctr">
+          <a:bodyPr lIns="90000" tIns="45000" rIns="90000" bIns="45000" anchor="ctr">
             <a:noAutofit/>
           </a:bodyPr>
+          <a:lstStyle/>
           <a:p>
             <a:pPr algn="ctr">
               <a:lnSpc>
                 <a:spcPct val="100000"/>
               </a:lnSpc>
             </a:pPr>
-            <a:endParaRPr b="0" lang="en-US" sz="1800" spc="-1" strike="noStrike">
+            <a:endParaRPr lang="en-US" sz="1800" b="0" strike="noStrike" spc="-1">
               <a:solidFill>
                 <a:schemeClr val="lt1"/>
               </a:solidFill>
@@ -8974,6 +9735,7 @@
           <a:bodyPr anchor="b">
             <a:normAutofit/>
           </a:bodyPr>
+          <a:lstStyle/>
           <a:p>
             <a:pPr indent="0">
               <a:lnSpc>
@@ -8982,7 +9744,7 @@
               <a:buNone/>
             </a:pPr>
             <a:r>
-              <a:rPr b="0" lang="en-US" sz="6600" spc="-1" strike="noStrike">
+              <a:rPr lang="en-US" sz="6600" b="0" strike="noStrike" spc="-1">
                 <a:solidFill>
                   <a:srgbClr val="000000"/>
                 </a:solidFill>
@@ -8990,7 +9752,7 @@
               </a:rPr>
               <a:t>Project Demo</a:t>
             </a:r>
-            <a:endParaRPr b="0" lang="en-US" sz="6600" spc="-1" strike="noStrike">
+            <a:endParaRPr lang="en-US" sz="6600" b="0" strike="noStrike" spc="-1">
               <a:solidFill>
                 <a:srgbClr val="000000"/>
               </a:solidFill>
@@ -9019,6 +9781,7 @@
               <a:gd name="textAreaBottom" fmla="*/ 6858000 h 6857640"/>
             </a:gdLst>
             <a:ahLst/>
+            <a:cxnLst/>
             <a:rect l="textAreaLeft" t="textAreaTop" r="textAreaRight" b="textAreaBottom"/>
             <a:pathLst>
               <a:path w="4884918" h="6858000">
@@ -9140,22 +9903,29 @@
           </a:ln>
         </p:spPr>
         <p:style>
-          <a:lnRef idx="0"/>
-          <a:fillRef idx="0"/>
-          <a:effectRef idx="0"/>
+          <a:lnRef idx="0">
+            <a:scrgbClr r="0" g="0" b="0"/>
+          </a:lnRef>
+          <a:fillRef idx="0">
+            <a:scrgbClr r="0" g="0" b="0"/>
+          </a:fillRef>
+          <a:effectRef idx="0">
+            <a:scrgbClr r="0" g="0" b="0"/>
+          </a:effectRef>
           <a:fontRef idx="minor"/>
         </p:style>
         <p:txBody>
-          <a:bodyPr lIns="90000" rIns="90000" tIns="45000" bIns="45000" anchor="ctr">
+          <a:bodyPr lIns="90000" tIns="45000" rIns="90000" bIns="45000" anchor="ctr">
             <a:noAutofit/>
           </a:bodyPr>
+          <a:lstStyle/>
           <a:p>
             <a:pPr>
               <a:lnSpc>
                 <a:spcPct val="100000"/>
               </a:lnSpc>
             </a:pPr>
-            <a:endParaRPr b="0" lang="en-US" sz="1800" spc="-1" strike="noStrike">
+            <a:endParaRPr lang="en-US" sz="1800" b="0" strike="noStrike" spc="-1">
               <a:solidFill>
                 <a:srgbClr val="000000"/>
               </a:solidFill>
@@ -9184,9 +9954,10 @@
               <a:gd name="textAreaBottom" fmla="*/ 18360 h 18000"/>
             </a:gdLst>
             <a:ahLst/>
+            <a:cxnLst/>
             <a:rect l="textAreaLeft" t="textAreaTop" r="textAreaRight" b="textAreaBottom"/>
             <a:pathLst>
-              <a:path fill="none" w="5897880" h="18288">
+              <a:path w="5897880" h="18288" fill="none">
                 <a:moveTo>
                   <a:pt x="0" y="0"/>
                 </a:moveTo>
@@ -9292,7 +10063,7 @@
                 </a:cubicBezTo>
                 <a:close/>
               </a:path>
-              <a:path stroke="0" w="5897880" h="18288">
+              <a:path w="5897880" h="18288" stroke="0">
                 <a:moveTo>
                   <a:pt x="0" y="0"/>
                 </a:moveTo>
@@ -9398,9 +10169,9 @@
           <a:solidFill>
             <a:schemeClr val="accent2"/>
           </a:solidFill>
-          <a:ln cap="rnd" w="41275">
+          <a:ln w="41275" cap="rnd">
             <a:solidFill>
-              <a:srgbClr val="ed7d31"/>
+              <a:srgbClr val="ED7D31"/>
             </a:solidFill>
             <a:round/>
           </a:ln>
@@ -9420,16 +10191,17 @@
           <a:fontRef idx="minor"/>
         </p:style>
         <p:txBody>
-          <a:bodyPr lIns="90000" rIns="90000" tIns="-26640" bIns="-26640" anchor="ctr">
+          <a:bodyPr lIns="90000" tIns="-26640" rIns="90000" bIns="-26640" anchor="ctr">
             <a:noAutofit/>
           </a:bodyPr>
+          <a:lstStyle/>
           <a:p>
             <a:pPr algn="ctr">
               <a:lnSpc>
                 <a:spcPct val="100000"/>
               </a:lnSpc>
             </a:pPr>
-            <a:endParaRPr b="0" lang="en-US" sz="1800" spc="-1" strike="noStrike">
+            <a:endParaRPr lang="en-US" sz="1800" b="0" strike="noStrike" spc="-1">
               <a:solidFill>
                 <a:schemeClr val="lt1"/>
               </a:solidFill>
@@ -9458,9 +10230,10 @@
               <a:gd name="textAreaBottom" fmla="*/ 18360 h 18000"/>
             </a:gdLst>
             <a:ahLst/>
+            <a:cxnLst/>
             <a:rect l="textAreaLeft" t="textAreaTop" r="textAreaRight" b="textAreaBottom"/>
             <a:pathLst>
-              <a:path fill="none" w="3479619" h="18288">
+              <a:path w="3479619" h="18288" fill="none">
                 <a:moveTo>
                   <a:pt x="0" y="0"/>
                 </a:moveTo>
@@ -9521,7 +10294,7 @@
                 </a:cubicBezTo>
                 <a:close/>
               </a:path>
-              <a:path stroke="0" w="3479619" h="18288">
+              <a:path w="3479619" h="18288" stroke="0">
                 <a:moveTo>
                   <a:pt x="0" y="0"/>
                 </a:moveTo>
@@ -9590,11 +10363,11 @@
             </a:pathLst>
           </a:custGeom>
           <a:solidFill>
-            <a:srgbClr val="ffffff"/>
+            <a:srgbClr val="FFFFFF"/>
           </a:solidFill>
-          <a:ln cap="rnd" w="41275">
+          <a:ln w="41275" cap="rnd">
             <a:solidFill>
-              <a:srgbClr val="ffffff"/>
+              <a:srgbClr val="FFFFFF"/>
             </a:solidFill>
             <a:round/>
           </a:ln>
@@ -9614,16 +10387,17 @@
           <a:fontRef idx="minor"/>
         </p:style>
         <p:txBody>
-          <a:bodyPr lIns="90000" rIns="90000" tIns="-26640" bIns="-26640" anchor="ctr">
+          <a:bodyPr lIns="90000" tIns="-26640" rIns="90000" bIns="-26640" anchor="ctr">
             <a:noAutofit/>
           </a:bodyPr>
+          <a:lstStyle/>
           <a:p>
             <a:pPr algn="ctr">
               <a:lnSpc>
                 <a:spcPct val="100000"/>
               </a:lnSpc>
             </a:pPr>
-            <a:endParaRPr b="0" lang="en-US" sz="1800" spc="-1" strike="noStrike">
+            <a:endParaRPr lang="en-US" sz="1800" b="0" strike="noStrike" spc="-1">
               <a:solidFill>
                 <a:schemeClr val="lt1"/>
               </a:solidFill>
@@ -9634,25 +10408,21 @@
       </p:sp>
     </p:spTree>
   </p:cSld>
-  <mc:AlternateContent>
-    <mc:Choice Requires="p14">
-      <p:transition spd="slow" p14:dur="2000"/>
-    </mc:Choice>
-    <mc:Fallback>
-      <p:transition spd="slow"/>
-    </mc:Fallback>
-  </mc:AlternateContent>
+  <p:clrMapOvr>
+    <a:masterClrMapping/>
+  </p:clrMapOvr>
 </p:sld>
 </file>
 
 <file path=ppt/slides/slide7.xml><?xml version="1.0" encoding="utf-8"?>
-<p:sld xmlns:a="http://schemas.openxmlformats.org/drawingml/2006/main" xmlns:p="http://schemas.openxmlformats.org/presentationml/2006/main" xmlns:r="http://schemas.openxmlformats.org/officeDocument/2006/relationships" xmlns:p14="http://schemas.microsoft.com/office/powerpoint/2010/main" xmlns:p15="http://schemas.microsoft.com/office/powerpoint/2012/main" xmlns:mc="http://schemas.openxmlformats.org/markup-compatibility/2006">
+<p:sld xmlns:a="http://schemas.openxmlformats.org/drawingml/2006/main" xmlns:r="http://schemas.openxmlformats.org/officeDocument/2006/relationships" xmlns:p="http://schemas.openxmlformats.org/presentationml/2006/main">
   <p:cSld>
     <p:bg>
       <p:bgPr>
         <a:solidFill>
-          <a:srgbClr val="ffffff"/>
+          <a:srgbClr val="FFFFFF"/>
         </a:solidFill>
+        <a:effectLst/>
       </p:bgPr>
     </p:bg>
     <p:spTree>
@@ -9702,16 +10472,17 @@
           <a:fontRef idx="minor"/>
         </p:style>
         <p:txBody>
-          <a:bodyPr lIns="90000" rIns="90000" tIns="45000" bIns="45000" anchor="ctr">
+          <a:bodyPr lIns="90000" tIns="45000" rIns="90000" bIns="45000" anchor="ctr">
             <a:noAutofit/>
           </a:bodyPr>
+          <a:lstStyle/>
           <a:p>
             <a:pPr algn="ctr">
               <a:lnSpc>
                 <a:spcPct val="100000"/>
               </a:lnSpc>
             </a:pPr>
-            <a:endParaRPr b="0" lang="en-US" sz="1800" spc="-1" strike="noStrike">
+            <a:endParaRPr lang="en-US" sz="1800" b="0" strike="noStrike" spc="-1">
               <a:solidFill>
                 <a:schemeClr val="lt1"/>
               </a:solidFill>
@@ -9756,16 +10527,17 @@
           <a:fontRef idx="minor"/>
         </p:style>
         <p:txBody>
-          <a:bodyPr lIns="90000" rIns="90000" tIns="45000" bIns="45000" anchor="ctr">
+          <a:bodyPr lIns="90000" tIns="45000" rIns="90000" bIns="45000" anchor="ctr">
             <a:noAutofit/>
           </a:bodyPr>
+          <a:lstStyle/>
           <a:p>
             <a:pPr algn="ctr">
               <a:lnSpc>
                 <a:spcPct val="100000"/>
               </a:lnSpc>
             </a:pPr>
-            <a:endParaRPr b="0" lang="en-US" sz="1800" spc="-1" strike="noStrike">
+            <a:endParaRPr lang="en-US" sz="1800" b="0" strike="noStrike" spc="-1">
               <a:solidFill>
                 <a:srgbClr val="000000"/>
               </a:solidFill>
@@ -9808,16 +10580,17 @@
           <a:fontRef idx="minor"/>
         </p:style>
         <p:txBody>
-          <a:bodyPr lIns="90000" rIns="90000" tIns="45000" bIns="45000" anchor="ctr">
+          <a:bodyPr lIns="90000" tIns="45000" rIns="90000" bIns="45000" anchor="ctr">
             <a:noAutofit/>
           </a:bodyPr>
+          <a:lstStyle/>
           <a:p>
             <a:pPr algn="ctr">
               <a:lnSpc>
                 <a:spcPct val="100000"/>
               </a:lnSpc>
             </a:pPr>
-            <a:endParaRPr b="0" lang="en-US" sz="1800" spc="-1" strike="noStrike">
+            <a:endParaRPr lang="en-US" sz="1800" b="0" strike="noStrike" spc="-1">
               <a:solidFill>
                 <a:schemeClr val="lt1"/>
               </a:solidFill>
@@ -9862,18 +10635,19 @@
           <a:fontRef idx="minor"/>
         </p:style>
         <p:txBody>
-          <a:bodyPr lIns="90000" rIns="90000" tIns="45000" bIns="45000" anchor="ctr">
+          <a:bodyPr lIns="90000" tIns="45000" rIns="90000" bIns="45000" anchor="ctr">
             <a:noAutofit/>
           </a:bodyPr>
+          <a:lstStyle/>
           <a:p>
             <a:pPr algn="ctr">
               <a:lnSpc>
                 <a:spcPct val="100000"/>
               </a:lnSpc>
             </a:pPr>
-            <a:endParaRPr b="0" lang="en-US" sz="1800" spc="-1" strike="noStrike">
-              <a:solidFill>
-                <a:srgbClr val="ffffff"/>
+            <a:endParaRPr lang="en-US" sz="1800" b="0" strike="noStrike" spc="-1">
+              <a:solidFill>
+                <a:srgbClr val="FFFFFF"/>
               </a:solidFill>
               <a:latin typeface="Calibri"/>
             </a:endParaRPr>
@@ -9907,6 +10681,7 @@
           <a:bodyPr anchor="b">
             <a:normAutofit/>
           </a:bodyPr>
+          <a:lstStyle/>
           <a:p>
             <a:pPr indent="0" algn="ctr">
               <a:lnSpc>
@@ -9915,7 +10690,7 @@
               <a:buNone/>
             </a:pPr>
             <a:r>
-              <a:rPr b="1" lang="en-US" sz="7200" spc="-1" strike="noStrike">
+              <a:rPr lang="en-US" sz="7200" b="1" strike="noStrike" spc="-1">
                 <a:solidFill>
                   <a:srgbClr val="000000"/>
                 </a:solidFill>
@@ -9923,7 +10698,7 @@
               </a:rPr>
               <a:t>Questions?</a:t>
             </a:r>
-            <a:endParaRPr b="0" lang="en-US" sz="7200" spc="-1" strike="noStrike">
+            <a:endParaRPr lang="en-US" sz="7200" b="0" strike="noStrike" spc="-1">
               <a:solidFill>
                 <a:srgbClr val="000000"/>
               </a:solidFill>
@@ -9939,7 +10714,7 @@
           <p:nvPr/>
         </p:nvSpPr>
         <p:spPr>
-          <a:xfrm flipV="1" rot="9222600">
+          <a:xfrm rot="9222600" flipV="1">
             <a:off x="2494080" y="6480"/>
             <a:ext cx="6815880" cy="6815880"/>
           </a:xfrm>
@@ -9950,9 +10725,9 @@
             </a:avLst>
           </a:prstGeom>
           <a:noFill/>
-          <a:ln cap="rnd" w="127000">
+          <a:ln w="127000" cap="rnd">
             <a:solidFill>
-              <a:srgbClr val="ffc000">
+              <a:srgbClr val="FFC000">
                 <a:alpha val="95000"/>
               </a:srgbClr>
             </a:solidFill>
@@ -9972,16 +10747,17 @@
           <a:fontRef idx="minor"/>
         </p:style>
         <p:txBody>
-          <a:bodyPr lIns="90000" rIns="90000" tIns="45000" bIns="45000" anchor="ctr">
+          <a:bodyPr lIns="90000" tIns="45000" rIns="90000" bIns="45000" anchor="ctr">
             <a:noAutofit/>
           </a:bodyPr>
+          <a:lstStyle/>
           <a:p>
             <a:pPr algn="ctr">
               <a:lnSpc>
                 <a:spcPct val="100000"/>
               </a:lnSpc>
             </a:pPr>
-            <a:endParaRPr b="0" lang="en-US" sz="1800" spc="-1" strike="noStrike">
+            <a:endParaRPr lang="en-US" sz="1800" b="0" strike="noStrike" spc="-1">
               <a:solidFill>
                 <a:srgbClr val="000000"/>
               </a:solidFill>
@@ -10026,16 +10802,17 @@
           <a:fontRef idx="minor"/>
         </p:style>
         <p:txBody>
-          <a:bodyPr lIns="90000" rIns="90000" tIns="45000" bIns="45000" anchor="ctr">
+          <a:bodyPr lIns="90000" tIns="45000" rIns="90000" bIns="45000" anchor="ctr">
             <a:noAutofit/>
           </a:bodyPr>
+          <a:lstStyle/>
           <a:p>
             <a:pPr algn="ctr">
               <a:lnSpc>
                 <a:spcPct val="100000"/>
               </a:lnSpc>
             </a:pPr>
-            <a:endParaRPr b="0" lang="en-US" sz="1800" spc="-1" strike="noStrike">
+            <a:endParaRPr lang="en-US" sz="1800" b="0" strike="noStrike" spc="-1">
               <a:solidFill>
                 <a:schemeClr val="lt1"/>
               </a:solidFill>
@@ -10046,14 +10823,9 @@
       </p:sp>
     </p:spTree>
   </p:cSld>
-  <mc:AlternateContent>
-    <mc:Choice Requires="p14">
-      <p:transition spd="slow" p14:dur="2000"/>
-    </mc:Choice>
-    <mc:Fallback>
-      <p:transition spd="slow"/>
-    </mc:Fallback>
-  </mc:AlternateContent>
+  <p:clrMapOvr>
+    <a:masterClrMapping/>
+  </p:clrMapOvr>
 </p:sld>
 </file>
 
@@ -10065,37 +10837,37 @@
         <a:srgbClr val="000000"/>
       </a:dk1>
       <a:lt1>
-        <a:srgbClr val="ffffff"/>
+        <a:srgbClr val="FFFFFF"/>
       </a:lt1>
       <a:dk2>
-        <a:srgbClr val="44546a"/>
+        <a:srgbClr val="44546A"/>
       </a:dk2>
       <a:lt2>
-        <a:srgbClr val="e7e6e6"/>
+        <a:srgbClr val="E7E6E6"/>
       </a:lt2>
       <a:accent1>
-        <a:srgbClr val="4472c4"/>
+        <a:srgbClr val="4472C4"/>
       </a:accent1>
       <a:accent2>
-        <a:srgbClr val="ed7d31"/>
+        <a:srgbClr val="ED7D31"/>
       </a:accent2>
       <a:accent3>
-        <a:srgbClr val="a5a5a5"/>
+        <a:srgbClr val="A5A5A5"/>
       </a:accent3>
       <a:accent4>
-        <a:srgbClr val="ffc000"/>
+        <a:srgbClr val="FFC000"/>
       </a:accent4>
       <a:accent5>
-        <a:srgbClr val="5b9bd5"/>
+        <a:srgbClr val="5B9BD5"/>
       </a:accent5>
       <a:accent6>
-        <a:srgbClr val="70ad47"/>
+        <a:srgbClr val="70AD47"/>
       </a:accent6>
       <a:hlink>
-        <a:srgbClr val="0563c1"/>
+        <a:srgbClr val="0563C1"/>
       </a:hlink>
       <a:folHlink>
-        <a:srgbClr val="954f72"/>
+        <a:srgbClr val="954F72"/>
       </a:folHlink>
     </a:clrScheme>
     <a:fontScheme name="Office">
@@ -10257,6 +11029,8 @@
       </a:bgFillStyleLst>
     </a:fmtScheme>
   </a:themeElements>
+  <a:objectDefaults/>
+  <a:extraClrSchemeLst/>
 </a:theme>
 </file>
 
@@ -10268,37 +11042,37 @@
         <a:srgbClr val="000000"/>
       </a:dk1>
       <a:lt1>
-        <a:srgbClr val="ffffff"/>
+        <a:srgbClr val="FFFFFF"/>
       </a:lt1>
       <a:dk2>
-        <a:srgbClr val="44546a"/>
+        <a:srgbClr val="44546A"/>
       </a:dk2>
       <a:lt2>
-        <a:srgbClr val="e7e6e6"/>
+        <a:srgbClr val="E7E6E6"/>
       </a:lt2>
       <a:accent1>
-        <a:srgbClr val="4472c4"/>
+        <a:srgbClr val="4472C4"/>
       </a:accent1>
       <a:accent2>
-        <a:srgbClr val="ed7d31"/>
+        <a:srgbClr val="ED7D31"/>
       </a:accent2>
       <a:accent3>
-        <a:srgbClr val="a5a5a5"/>
+        <a:srgbClr val="A5A5A5"/>
       </a:accent3>
       <a:accent4>
-        <a:srgbClr val="ffc000"/>
+        <a:srgbClr val="FFC000"/>
       </a:accent4>
       <a:accent5>
-        <a:srgbClr val="5b9bd5"/>
+        <a:srgbClr val="5B9BD5"/>
       </a:accent5>
       <a:accent6>
-        <a:srgbClr val="70ad47"/>
+        <a:srgbClr val="70AD47"/>
       </a:accent6>
       <a:hlink>
-        <a:srgbClr val="0563c1"/>
+        <a:srgbClr val="0563C1"/>
       </a:hlink>
       <a:folHlink>
-        <a:srgbClr val="954f72"/>
+        <a:srgbClr val="954F72"/>
       </a:folHlink>
     </a:clrScheme>
     <a:fontScheme name="Office">
@@ -10460,5 +11234,7 @@
       </a:bgFillStyleLst>
     </a:fmtScheme>
   </a:themeElements>
+  <a:objectDefaults/>
+  <a:extraClrSchemeLst/>
 </a:theme>
 </file>
--- a/The Store App.pptx
+++ b/The Store App.pptx
@@ -111,6 +111,11 @@
       </a:defRPr>
     </a:lvl9pPr>
   </p:defaultTextStyle>
+  <p:extLst>
+    <p:ext uri="{EFAFB233-063F-42B5-8137-9DF3F51BA10A}">
+      <p15:sldGuideLst xmlns:p15="http://schemas.microsoft.com/office/powerpoint/2012/main"/>
+    </p:ext>
+  </p:extLst>
 </p:presentation>
 </file>
 
@@ -8050,17 +8055,22 @@
                 </a:solidFill>
                 <a:latin typeface="Calibri"/>
               </a:rPr>
-              <a:t>Mohamed </a:t>
+              <a:t>Mohamed Ibensilalen, Computer Programming and Development, front/backend.</a:t>
             </a:r>
-            <a:r>
-              <a:rPr lang="en-US" sz="2200" b="0" strike="noStrike" spc="-1" dirty="0" err="1">
-                <a:solidFill>
-                  <a:srgbClr val="000000"/>
-                </a:solidFill>
-                <a:latin typeface="Calibri"/>
-              </a:rPr>
-              <a:t>Ibensilalen</a:t>
-            </a:r>
+          </a:p>
+          <a:p>
+            <a:pPr indent="0">
+              <a:lnSpc>
+                <a:spcPct val="90000"/>
+              </a:lnSpc>
+              <a:spcBef>
+                <a:spcPts val="1001"/>
+              </a:spcBef>
+              <a:buNone/>
+              <a:tabLst>
+                <a:tab pos="0" algn="l"/>
+              </a:tabLst>
+            </a:pPr>
             <a:r>
               <a:rPr lang="en-US" sz="2200" b="0" strike="noStrike" spc="-1" dirty="0">
                 <a:solidFill>
@@ -8068,46 +8078,8 @@
                 </a:solidFill>
                 <a:latin typeface="Calibri"/>
               </a:rPr>
-              <a:t>, (degree), (front/backend?), </a:t>
+              <a:t>Simon Chaudhary ,Computer Programming and Development, Frontend</a:t>
             </a:r>
-          </a:p>
-          <a:p>
-            <a:pPr indent="0">
-              <a:lnSpc>
-                <a:spcPct val="90000"/>
-              </a:lnSpc>
-              <a:spcBef>
-                <a:spcPts val="1001"/>
-              </a:spcBef>
-              <a:buNone/>
-              <a:tabLst>
-                <a:tab pos="0" algn="l"/>
-              </a:tabLst>
-            </a:pPr>
-            <a:r>
-              <a:rPr lang="en-US" sz="2200" b="0" strike="noStrike" spc="-1" dirty="0">
-                <a:solidFill>
-                  <a:srgbClr val="000000"/>
-                </a:solidFill>
-                <a:latin typeface="Calibri"/>
-              </a:rPr>
-              <a:t>Simon Chaudhary ,Computer Programming and Development</a:t>
-            </a:r>
-            <a:r>
-              <a:rPr lang="en-US" sz="2200" b="0" strike="noStrike" spc="-1">
-                <a:solidFill>
-                  <a:srgbClr val="000000"/>
-                </a:solidFill>
-                <a:latin typeface="Calibri"/>
-              </a:rPr>
-              <a:t>, Frontend</a:t>
-            </a:r>
-            <a:endParaRPr lang="en-US" sz="2200" b="0" strike="noStrike" spc="-1" dirty="0">
-              <a:solidFill>
-                <a:srgbClr val="000000"/>
-              </a:solidFill>
-              <a:latin typeface="Calibri"/>
-            </a:endParaRPr>
           </a:p>
           <a:p>
             <a:pPr indent="0">

--- a/The Store App.pptx
+++ b/The Store App.pptx
@@ -10,9 +10,12 @@
     <p:sldId id="257" r:id="rId4"/>
     <p:sldId id="258" r:id="rId5"/>
     <p:sldId id="259" r:id="rId6"/>
-    <p:sldId id="260" r:id="rId7"/>
-    <p:sldId id="261" r:id="rId8"/>
-    <p:sldId id="262" r:id="rId9"/>
+    <p:sldId id="264" r:id="rId7"/>
+    <p:sldId id="265" r:id="rId8"/>
+    <p:sldId id="260" r:id="rId9"/>
+    <p:sldId id="261" r:id="rId10"/>
+    <p:sldId id="266" r:id="rId11"/>
+    <p:sldId id="262" r:id="rId12"/>
   </p:sldIdLst>
   <p:sldSz cx="12192000" cy="6858000"/>
   <p:notesSz cx="7772400" cy="10058400"/>
@@ -7398,6 +7401,421 @@
 </p:sld>
 </file>
 
+<file path=ppt/slides/slide10.xml><?xml version="1.0" encoding="utf-8"?>
+<p:sld xmlns:a="http://schemas.openxmlformats.org/drawingml/2006/main" xmlns:r="http://schemas.openxmlformats.org/officeDocument/2006/relationships" xmlns:p="http://schemas.openxmlformats.org/presentationml/2006/main">
+  <p:cSld>
+    <p:bg>
+      <p:bgPr>
+        <a:solidFill>
+          <a:srgbClr val="FFFFFF"/>
+        </a:solidFill>
+        <a:effectLst/>
+      </p:bgPr>
+    </p:bg>
+    <p:spTree>
+      <p:nvGrpSpPr>
+        <p:cNvPr id="1" name=""/>
+        <p:cNvGrpSpPr/>
+        <p:nvPr/>
+      </p:nvGrpSpPr>
+      <p:grpSpPr>
+        <a:xfrm>
+          <a:off x="0" y="0"/>
+          <a:ext cx="0" cy="0"/>
+          <a:chOff x="0" y="0"/>
+          <a:chExt cx="0" cy="0"/>
+        </a:xfrm>
+      </p:grpSpPr>
+      <p:sp useBgFill="1">
+        <p:nvSpPr>
+          <p:cNvPr id="113" name="Rectangle 36"/>
+          <p:cNvSpPr/>
+          <p:nvPr/>
+        </p:nvSpPr>
+        <p:spPr>
+          <a:xfrm>
+            <a:off x="2880" y="0"/>
+            <a:ext cx="12188520" cy="6857640"/>
+          </a:xfrm>
+          <a:prstGeom prst="rect">
+            <a:avLst/>
+          </a:prstGeom>
+          <a:ln>
+            <a:noFill/>
+          </a:ln>
+        </p:spPr>
+        <p:style>
+          <a:lnRef idx="2">
+            <a:schemeClr val="accent1">
+              <a:shade val="50000"/>
+            </a:schemeClr>
+          </a:lnRef>
+          <a:fillRef idx="1">
+            <a:schemeClr val="accent1"/>
+          </a:fillRef>
+          <a:effectRef idx="0">
+            <a:schemeClr val="accent1"/>
+          </a:effectRef>
+          <a:fontRef idx="minor"/>
+        </p:style>
+        <p:txBody>
+          <a:bodyPr lIns="90000" tIns="45000" rIns="90000" bIns="45000" anchor="ctr">
+            <a:noAutofit/>
+          </a:bodyPr>
+          <a:lstStyle/>
+          <a:p>
+            <a:pPr algn="ctr">
+              <a:lnSpc>
+                <a:spcPct val="100000"/>
+              </a:lnSpc>
+            </a:pPr>
+            <a:endParaRPr lang="en-US" sz="1800" b="0" strike="noStrike" spc="-1">
+              <a:solidFill>
+                <a:schemeClr val="lt1"/>
+              </a:solidFill>
+              <a:latin typeface="Calibri"/>
+            </a:endParaRPr>
+          </a:p>
+        </p:txBody>
+      </p:sp>
+      <p:sp>
+        <p:nvSpPr>
+          <p:cNvPr id="114" name="Rectangle 38"/>
+          <p:cNvSpPr/>
+          <p:nvPr/>
+        </p:nvSpPr>
+        <p:spPr>
+          <a:xfrm>
+            <a:off x="0" y="0"/>
+            <a:ext cx="12191760" cy="6857640"/>
+          </a:xfrm>
+          <a:prstGeom prst="rect">
+            <a:avLst/>
+          </a:prstGeom>
+          <a:solidFill>
+            <a:schemeClr val="accent2"/>
+          </a:solidFill>
+          <a:ln>
+            <a:noFill/>
+          </a:ln>
+        </p:spPr>
+        <p:style>
+          <a:lnRef idx="2">
+            <a:schemeClr val="accent1">
+              <a:shade val="50000"/>
+            </a:schemeClr>
+          </a:lnRef>
+          <a:fillRef idx="1">
+            <a:schemeClr val="accent1"/>
+          </a:fillRef>
+          <a:effectRef idx="0">
+            <a:schemeClr val="accent1"/>
+          </a:effectRef>
+          <a:fontRef idx="minor"/>
+        </p:style>
+        <p:txBody>
+          <a:bodyPr lIns="90000" tIns="45000" rIns="90000" bIns="45000" anchor="ctr">
+            <a:noAutofit/>
+          </a:bodyPr>
+          <a:lstStyle/>
+          <a:p>
+            <a:pPr algn="ctr">
+              <a:lnSpc>
+                <a:spcPct val="100000"/>
+              </a:lnSpc>
+            </a:pPr>
+            <a:endParaRPr lang="en-US" sz="1800" b="0" strike="noStrike" spc="-1">
+              <a:solidFill>
+                <a:srgbClr val="000000"/>
+              </a:solidFill>
+              <a:latin typeface="Calibri"/>
+            </a:endParaRPr>
+          </a:p>
+        </p:txBody>
+      </p:sp>
+      <p:sp>
+        <p:nvSpPr>
+          <p:cNvPr id="115" name="Rectangle 40"/>
+          <p:cNvSpPr/>
+          <p:nvPr/>
+        </p:nvSpPr>
+        <p:spPr>
+          <a:xfrm>
+            <a:off x="0" y="0"/>
+            <a:ext cx="12191760" cy="6857640"/>
+          </a:xfrm>
+          <a:prstGeom prst="rect">
+            <a:avLst/>
+          </a:prstGeom>
+          <a:noFill/>
+          <a:ln>
+            <a:noFill/>
+          </a:ln>
+        </p:spPr>
+        <p:style>
+          <a:lnRef idx="2">
+            <a:schemeClr val="accent1">
+              <a:shade val="50000"/>
+            </a:schemeClr>
+          </a:lnRef>
+          <a:fillRef idx="1">
+            <a:schemeClr val="accent1"/>
+          </a:fillRef>
+          <a:effectRef idx="0">
+            <a:schemeClr val="accent1"/>
+          </a:effectRef>
+          <a:fontRef idx="minor"/>
+        </p:style>
+        <p:txBody>
+          <a:bodyPr lIns="90000" tIns="45000" rIns="90000" bIns="45000" anchor="ctr">
+            <a:noAutofit/>
+          </a:bodyPr>
+          <a:lstStyle/>
+          <a:p>
+            <a:pPr algn="ctr">
+              <a:lnSpc>
+                <a:spcPct val="100000"/>
+              </a:lnSpc>
+            </a:pPr>
+            <a:endParaRPr lang="en-US" sz="1800" b="0" strike="noStrike" spc="-1">
+              <a:solidFill>
+                <a:schemeClr val="lt1"/>
+              </a:solidFill>
+              <a:latin typeface="Calibri"/>
+            </a:endParaRPr>
+          </a:p>
+        </p:txBody>
+      </p:sp>
+      <p:sp>
+        <p:nvSpPr>
+          <p:cNvPr id="116" name="Oval 42"/>
+          <p:cNvSpPr/>
+          <p:nvPr/>
+        </p:nvSpPr>
+        <p:spPr>
+          <a:xfrm>
+            <a:off x="2815920" y="149040"/>
+            <a:ext cx="6559920" cy="6559920"/>
+          </a:xfrm>
+          <a:prstGeom prst="ellipse">
+            <a:avLst/>
+          </a:prstGeom>
+          <a:solidFill>
+            <a:schemeClr val="bg1"/>
+          </a:solidFill>
+          <a:ln>
+            <a:noFill/>
+          </a:ln>
+        </p:spPr>
+        <p:style>
+          <a:lnRef idx="2">
+            <a:schemeClr val="accent1">
+              <a:shade val="50000"/>
+            </a:schemeClr>
+          </a:lnRef>
+          <a:fillRef idx="1">
+            <a:schemeClr val="accent1"/>
+          </a:fillRef>
+          <a:effectRef idx="0">
+            <a:schemeClr val="accent1"/>
+          </a:effectRef>
+          <a:fontRef idx="minor"/>
+        </p:style>
+        <p:txBody>
+          <a:bodyPr lIns="90000" tIns="45000" rIns="90000" bIns="45000" anchor="ctr">
+            <a:noAutofit/>
+          </a:bodyPr>
+          <a:lstStyle/>
+          <a:p>
+            <a:pPr algn="ctr">
+              <a:lnSpc>
+                <a:spcPct val="100000"/>
+              </a:lnSpc>
+            </a:pPr>
+            <a:endParaRPr lang="en-US" sz="1800" b="0" strike="noStrike" spc="-1">
+              <a:solidFill>
+                <a:srgbClr val="FFFFFF"/>
+              </a:solidFill>
+              <a:latin typeface="Calibri"/>
+            </a:endParaRPr>
+          </a:p>
+        </p:txBody>
+      </p:sp>
+      <p:sp>
+        <p:nvSpPr>
+          <p:cNvPr id="117" name="PlaceHolder 1"/>
+          <p:cNvSpPr>
+            <a:spLocks noGrp="1"/>
+          </p:cNvSpPr>
+          <p:nvPr>
+            <p:ph type="title"/>
+          </p:nvPr>
+        </p:nvSpPr>
+        <p:spPr>
+          <a:xfrm>
+            <a:off x="3314880" y="1380600"/>
+            <a:ext cx="5561640" cy="2513160"/>
+          </a:xfrm>
+          <a:prstGeom prst="rect">
+            <a:avLst/>
+          </a:prstGeom>
+          <a:noFill/>
+          <a:ln w="0">
+            <a:noFill/>
+          </a:ln>
+        </p:spPr>
+        <p:txBody>
+          <a:bodyPr anchor="b">
+            <a:normAutofit/>
+          </a:bodyPr>
+          <a:lstStyle/>
+          <a:p>
+            <a:pPr indent="0" algn="ctr">
+              <a:lnSpc>
+                <a:spcPct val="90000"/>
+              </a:lnSpc>
+              <a:buNone/>
+            </a:pPr>
+            <a:r>
+              <a:rPr lang="en-US" sz="7200" b="1" strike="noStrike" spc="-1">
+                <a:solidFill>
+                  <a:srgbClr val="000000"/>
+                </a:solidFill>
+                <a:latin typeface="Calibri Light"/>
+              </a:rPr>
+              <a:t>Questions?</a:t>
+            </a:r>
+            <a:endParaRPr lang="en-US" sz="7200" b="0" strike="noStrike" spc="-1">
+              <a:solidFill>
+                <a:srgbClr val="000000"/>
+              </a:solidFill>
+              <a:latin typeface="Calibri"/>
+            </a:endParaRPr>
+          </a:p>
+        </p:txBody>
+      </p:sp>
+      <p:sp>
+        <p:nvSpPr>
+          <p:cNvPr id="118" name="Arc 44"/>
+          <p:cNvSpPr/>
+          <p:nvPr/>
+        </p:nvSpPr>
+        <p:spPr>
+          <a:xfrm rot="9222600" flipV="1">
+            <a:off x="2494080" y="6480"/>
+            <a:ext cx="6815880" cy="6815880"/>
+          </a:xfrm>
+          <a:prstGeom prst="arc">
+            <a:avLst>
+              <a:gd name="adj1" fmla="val 16200000"/>
+              <a:gd name="adj2" fmla="val 20093138"/>
+            </a:avLst>
+          </a:prstGeom>
+          <a:noFill/>
+          <a:ln w="127000" cap="rnd">
+            <a:solidFill>
+              <a:srgbClr val="FFC000">
+                <a:alpha val="95000"/>
+              </a:srgbClr>
+            </a:solidFill>
+            <a:prstDash val="dash"/>
+          </a:ln>
+        </p:spPr>
+        <p:style>
+          <a:lnRef idx="1">
+            <a:schemeClr val="accent1"/>
+          </a:lnRef>
+          <a:fillRef idx="0">
+            <a:schemeClr val="accent1"/>
+          </a:fillRef>
+          <a:effectRef idx="0">
+            <a:schemeClr val="accent1"/>
+          </a:effectRef>
+          <a:fontRef idx="minor"/>
+        </p:style>
+        <p:txBody>
+          <a:bodyPr lIns="90000" tIns="45000" rIns="90000" bIns="45000" anchor="ctr">
+            <a:noAutofit/>
+          </a:bodyPr>
+          <a:lstStyle/>
+          <a:p>
+            <a:pPr algn="ctr">
+              <a:lnSpc>
+                <a:spcPct val="100000"/>
+              </a:lnSpc>
+            </a:pPr>
+            <a:endParaRPr lang="en-US" sz="1800" b="0" strike="noStrike" spc="-1">
+              <a:solidFill>
+                <a:srgbClr val="000000"/>
+              </a:solidFill>
+              <a:latin typeface="Calibri"/>
+            </a:endParaRPr>
+          </a:p>
+        </p:txBody>
+      </p:sp>
+      <p:sp>
+        <p:nvSpPr>
+          <p:cNvPr id="119" name="Oval 46"/>
+          <p:cNvSpPr/>
+          <p:nvPr/>
+        </p:nvSpPr>
+        <p:spPr>
+          <a:xfrm>
+            <a:off x="8201160" y="5311080"/>
+            <a:ext cx="705600" cy="686520"/>
+          </a:xfrm>
+          <a:prstGeom prst="ellipse">
+            <a:avLst/>
+          </a:prstGeom>
+          <a:solidFill>
+            <a:schemeClr val="accent5"/>
+          </a:solidFill>
+          <a:ln>
+            <a:noFill/>
+          </a:ln>
+        </p:spPr>
+        <p:style>
+          <a:lnRef idx="2">
+            <a:schemeClr val="accent1">
+              <a:shade val="50000"/>
+            </a:schemeClr>
+          </a:lnRef>
+          <a:fillRef idx="1">
+            <a:schemeClr val="accent1"/>
+          </a:fillRef>
+          <a:effectRef idx="0">
+            <a:schemeClr val="accent1"/>
+          </a:effectRef>
+          <a:fontRef idx="minor"/>
+        </p:style>
+        <p:txBody>
+          <a:bodyPr lIns="90000" tIns="45000" rIns="90000" bIns="45000" anchor="ctr">
+            <a:noAutofit/>
+          </a:bodyPr>
+          <a:lstStyle/>
+          <a:p>
+            <a:pPr algn="ctr">
+              <a:lnSpc>
+                <a:spcPct val="100000"/>
+              </a:lnSpc>
+            </a:pPr>
+            <a:endParaRPr lang="en-US" sz="1800" b="0" strike="noStrike" spc="-1">
+              <a:solidFill>
+                <a:schemeClr val="lt1"/>
+              </a:solidFill>
+              <a:latin typeface="Calibri"/>
+            </a:endParaRPr>
+          </a:p>
+        </p:txBody>
+      </p:sp>
+    </p:spTree>
+  </p:cSld>
+  <p:clrMapOvr>
+    <a:masterClrMapping/>
+  </p:clrMapOvr>
+</p:sld>
+</file>
+
 <file path=ppt/slides/slide2.xml><?xml version="1.0" encoding="utf-8"?>
 <p:sld xmlns:a="http://schemas.openxmlformats.org/drawingml/2006/main" xmlns:r="http://schemas.openxmlformats.org/officeDocument/2006/relationships" xmlns:p="http://schemas.openxmlformats.org/presentationml/2006/main">
   <p:cSld>
@@ -8540,7 +8958,7 @@
               </a:tabLst>
             </a:pPr>
             <a:r>
-              <a:rPr lang="en-US" sz="2800" b="0" strike="noStrike" spc="-1">
+              <a:rPr lang="en-US" sz="2800" b="0" strike="noStrike" spc="-1" dirty="0">
                 <a:solidFill>
                   <a:srgbClr val="000000"/>
                 </a:solidFill>
@@ -8562,7 +8980,7 @@
                 <a:tab pos="0" algn="l"/>
               </a:tabLst>
             </a:pPr>
-            <a:endParaRPr lang="en-US" sz="2800" b="0" strike="noStrike" spc="-1">
+            <a:endParaRPr lang="en-US" sz="2800" b="0" strike="noStrike" spc="-1" dirty="0">
               <a:solidFill>
                 <a:srgbClr val="000000"/>
               </a:solidFill>
@@ -8583,7 +9001,7 @@
               </a:tabLst>
             </a:pPr>
             <a:r>
-              <a:rPr lang="en-US" sz="2800" b="0" strike="noStrike" spc="-1">
+              <a:rPr lang="en-US" sz="2800" b="0" strike="noStrike" spc="-1" dirty="0">
                 <a:solidFill>
                   <a:srgbClr val="000000"/>
                 </a:solidFill>
@@ -8605,7 +9023,7 @@
                 <a:tab pos="0" algn="l"/>
               </a:tabLst>
             </a:pPr>
-            <a:endParaRPr lang="en-US" sz="2800" b="0" strike="noStrike" spc="-1">
+            <a:endParaRPr lang="en-US" sz="2800" b="0" strike="noStrike" spc="-1" dirty="0">
               <a:solidFill>
                 <a:srgbClr val="000000"/>
               </a:solidFill>
@@ -8626,7 +9044,7 @@
               </a:tabLst>
             </a:pPr>
             <a:r>
-              <a:rPr lang="en-US" sz="2800" b="0" strike="noStrike" spc="-1">
+              <a:rPr lang="en-US" sz="2800" b="0" strike="noStrike" spc="-1" dirty="0">
                 <a:solidFill>
                   <a:srgbClr val="000000"/>
                 </a:solidFill>
@@ -8951,7 +9369,7 @@
         </p:spPr>
         <p:txBody>
           <a:bodyPr anchor="ctr">
-            <a:normAutofit/>
+            <a:normAutofit lnSpcReduction="10000"/>
           </a:bodyPr>
           <a:lstStyle/>
           <a:p>
@@ -9034,14 +9452,6 @@
 <file path=ppt/slides/slide5.xml><?xml version="1.0" encoding="utf-8"?>
 <p:sld xmlns:a="http://schemas.openxmlformats.org/drawingml/2006/main" xmlns:r="http://schemas.openxmlformats.org/officeDocument/2006/relationships" xmlns:p="http://schemas.openxmlformats.org/presentationml/2006/main">
   <p:cSld>
-    <p:bg>
-      <p:bgPr>
-        <a:solidFill>
-          <a:srgbClr val="FFFFFF"/>
-        </a:solidFill>
-        <a:effectLst/>
-      </p:bgPr>
-    </p:bg>
     <p:spTree>
       <p:nvGrpSpPr>
         <p:cNvPr id="1" name=""/>
@@ -9058,7 +9468,7 @@
       </p:grpSpPr>
       <p:sp useBgFill="1">
         <p:nvSpPr>
-          <p:cNvPr id="103" name="Rectangle 7"/>
+          <p:cNvPr id="98" name="Rectangle 7"/>
           <p:cNvSpPr/>
           <p:nvPr/>
         </p:nvSpPr>
@@ -9110,7 +9520,7 @@
       </p:sp>
       <p:sp>
         <p:nvSpPr>
-          <p:cNvPr id="104" name="Freeform: Shape 9"/>
+          <p:cNvPr id="99" name="Freeform: Shape 9"/>
           <p:cNvSpPr/>
           <p:nvPr/>
         </p:nvSpPr>
@@ -9204,7 +9614,7 @@
       </p:sp>
       <p:sp>
         <p:nvSpPr>
-          <p:cNvPr id="105" name="PlaceHolder 1"/>
+          <p:cNvPr id="100" name="PlaceHolder 1"/>
           <p:cNvSpPr>
             <a:spLocks noGrp="1"/>
           </p:cNvSpPr>
@@ -9238,26 +9648,26 @@
               <a:buNone/>
             </a:pPr>
             <a:r>
-              <a:rPr lang="en-US" sz="4400" b="0" strike="noStrike" spc="-1">
+              <a:rPr lang="en-US" spc="-1" dirty="0">
                 <a:solidFill>
                   <a:srgbClr val="FFFFFF"/>
                 </a:solidFill>
                 <a:latin typeface="Calibri Light"/>
               </a:rPr>
-              <a:t>Types of Accounts</a:t>
+              <a:t>AWS Scalability</a:t>
             </a:r>
-            <a:endParaRPr lang="en-US" sz="4400" b="0" strike="noStrike" spc="-1">
-              <a:solidFill>
-                <a:srgbClr val="000000"/>
-              </a:solidFill>
-              <a:latin typeface="Calibri"/>
-            </a:endParaRPr>
-          </a:p>
-        </p:txBody>
-      </p:sp>
-      <p:sp>
-        <p:nvSpPr>
-          <p:cNvPr id="106" name="Arc 11"/>
+            <a:endParaRPr lang="en-US" sz="4400" b="0" strike="noStrike" spc="-1" dirty="0">
+              <a:solidFill>
+                <a:srgbClr val="000000"/>
+              </a:solidFill>
+              <a:latin typeface="Calibri"/>
+            </a:endParaRPr>
+          </a:p>
+        </p:txBody>
+      </p:sp>
+      <p:sp>
+        <p:nvSpPr>
+          <p:cNvPr id="101" name="Arc 11"/>
           <p:cNvSpPr/>
           <p:nvPr/>
         </p:nvSpPr>
@@ -9314,7 +9724,7 @@
       </p:sp>
       <p:sp>
         <p:nvSpPr>
-          <p:cNvPr id="107" name="PlaceHolder 2"/>
+          <p:cNvPr id="102" name="PlaceHolder 2"/>
           <p:cNvSpPr>
             <a:spLocks noGrp="1"/>
           </p:cNvSpPr>
@@ -9336,257 +9746,109 @@
           </a:ln>
         </p:spPr>
         <p:txBody>
-          <a:bodyPr anchor="t">
-            <a:normAutofit/>
-          </a:bodyPr>
-          <a:lstStyle/>
-          <a:p>
-            <a:pPr marL="228600" indent="-228600">
+          <a:bodyPr anchor="ctr">
+            <a:normAutofit fontScale="85000" lnSpcReduction="10000"/>
+          </a:bodyPr>
+          <a:lstStyle/>
+          <a:p>
+            <a:pPr marL="800100" indent="-571500">
               <a:lnSpc>
                 <a:spcPct val="100000"/>
               </a:lnSpc>
-              <a:buClr>
-                <a:srgbClr val="001F2A"/>
-              </a:buClr>
-              <a:buFont typeface="Arial"/>
-              <a:buChar char="•"/>
-            </a:pPr>
-            <a:r>
-              <a:rPr lang="en-US" sz="4000" b="0" i="1" strike="noStrike" spc="-1">
-                <a:solidFill>
-                  <a:srgbClr val="001F2A"/>
-                </a:solidFill>
-                <a:latin typeface="Calibri"/>
-                <a:ea typeface="Calibri"/>
-              </a:rPr>
-              <a:t>Admin: </a:t>
-            </a:r>
-            <a:endParaRPr lang="en-US" sz="4000" b="0" strike="noStrike" spc="-1">
-              <a:solidFill>
-                <a:srgbClr val="000000"/>
-              </a:solidFill>
-              <a:latin typeface="Calibri"/>
-            </a:endParaRPr>
-          </a:p>
-          <a:p>
-            <a:pPr marL="685800" lvl="1" indent="-228600">
-              <a:lnSpc>
-                <a:spcPct val="100000"/>
-              </a:lnSpc>
-              <a:buClr>
-                <a:srgbClr val="001F2A"/>
-              </a:buClr>
-              <a:buFont typeface="Arial"/>
-              <a:buChar char="•"/>
-            </a:pPr>
-            <a:r>
-              <a:rPr lang="en-US" sz="3600" b="0" i="1" strike="noStrike" spc="-1">
-                <a:solidFill>
-                  <a:srgbClr val="001F2A"/>
-                </a:solidFill>
-                <a:latin typeface="Calibri"/>
-                <a:ea typeface="Calibri"/>
-              </a:rPr>
-              <a:t>Add products</a:t>
-            </a:r>
-            <a:endParaRPr lang="en-US" sz="3600" b="0" strike="noStrike" spc="-1">
-              <a:solidFill>
-                <a:srgbClr val="000000"/>
-              </a:solidFill>
-              <a:latin typeface="Calibri"/>
-            </a:endParaRPr>
-          </a:p>
-          <a:p>
-            <a:pPr marL="685800" lvl="1" indent="-228600">
-              <a:lnSpc>
-                <a:spcPct val="100000"/>
-              </a:lnSpc>
-              <a:buClr>
-                <a:srgbClr val="001F2A"/>
-              </a:buClr>
-              <a:buFont typeface="Arial"/>
-              <a:buChar char="•"/>
-            </a:pPr>
-            <a:r>
-              <a:rPr lang="en-US" sz="3600" b="0" i="1" strike="noStrike" spc="-1">
-                <a:solidFill>
-                  <a:srgbClr val="001F2A"/>
-                </a:solidFill>
-                <a:latin typeface="Calibri"/>
-                <a:ea typeface="Calibri"/>
-              </a:rPr>
-              <a:t>Update availability</a:t>
-            </a:r>
-            <a:endParaRPr lang="en-US" sz="3600" b="0" strike="noStrike" spc="-1">
-              <a:solidFill>
-                <a:srgbClr val="000000"/>
-              </a:solidFill>
-              <a:latin typeface="Calibri"/>
-            </a:endParaRPr>
-          </a:p>
-          <a:p>
-            <a:pPr marL="685800" lvl="1" indent="-228600">
-              <a:lnSpc>
-                <a:spcPct val="100000"/>
-              </a:lnSpc>
-              <a:buClr>
-                <a:srgbClr val="001F2A"/>
-              </a:buClr>
-              <a:buFont typeface="Arial"/>
-              <a:buChar char="•"/>
-            </a:pPr>
-            <a:r>
-              <a:rPr lang="en-US" sz="3600" b="0" i="1" strike="noStrike" spc="-1">
-                <a:solidFill>
-                  <a:srgbClr val="001F2A"/>
-                </a:solidFill>
-                <a:latin typeface="Calibri"/>
-                <a:ea typeface="Calibri"/>
-              </a:rPr>
-              <a:t>Change price, image, etc</a:t>
-            </a:r>
-            <a:endParaRPr lang="en-US" sz="3600" b="0" strike="noStrike" spc="-1">
-              <a:solidFill>
-                <a:srgbClr val="000000"/>
-              </a:solidFill>
-              <a:latin typeface="Calibri"/>
-            </a:endParaRPr>
-          </a:p>
-          <a:p>
-            <a:pPr marL="457200" indent="0">
-              <a:lnSpc>
-                <a:spcPct val="100000"/>
-              </a:lnSpc>
-              <a:buNone/>
               <a:tabLst>
                 <a:tab pos="0" algn="l"/>
               </a:tabLst>
             </a:pPr>
-            <a:endParaRPr lang="en-US" sz="3600" b="0" strike="noStrike" spc="-1">
-              <a:solidFill>
-                <a:srgbClr val="000000"/>
-              </a:solidFill>
-              <a:latin typeface="Calibri"/>
-            </a:endParaRPr>
-          </a:p>
-          <a:p>
-            <a:pPr marL="228600" indent="-228600">
+            <a:endParaRPr lang="en-US" sz="4000" spc="-1" dirty="0">
+              <a:solidFill>
+                <a:srgbClr val="000000"/>
+              </a:solidFill>
+              <a:latin typeface="Calibri"/>
+            </a:endParaRPr>
+          </a:p>
+          <a:p>
+            <a:pPr marL="800100" indent="-571500">
               <a:lnSpc>
                 <a:spcPct val="100000"/>
               </a:lnSpc>
-              <a:buClr>
-                <a:srgbClr val="001F2A"/>
-              </a:buClr>
-              <a:buFont typeface="Arial"/>
-              <a:buChar char="•"/>
               <a:tabLst>
                 <a:tab pos="0" algn="l"/>
               </a:tabLst>
             </a:pPr>
             <a:r>
-              <a:rPr lang="en-US" sz="4000" b="0" i="1" strike="noStrike" spc="-1">
-                <a:solidFill>
-                  <a:srgbClr val="001F2A"/>
-                </a:solidFill>
-                <a:latin typeface="Calibri"/>
-                <a:ea typeface="Calibri"/>
-              </a:rPr>
-              <a:t>Customer:</a:t>
-            </a:r>
-            <a:endParaRPr lang="en-US" sz="4000" b="0" strike="noStrike" spc="-1">
-              <a:solidFill>
-                <a:srgbClr val="000000"/>
-              </a:solidFill>
-              <a:latin typeface="Calibri"/>
-            </a:endParaRPr>
-          </a:p>
-          <a:p>
-            <a:pPr marL="685800" lvl="1" indent="-228600">
-              <a:lnSpc>
-                <a:spcPct val="100000"/>
-              </a:lnSpc>
-              <a:buClr>
-                <a:srgbClr val="000000"/>
-              </a:buClr>
-              <a:buFont typeface="Arial"/>
-              <a:buChar char="•"/>
-              <a:tabLst>
-                <a:tab pos="0" algn="l"/>
-              </a:tabLst>
-            </a:pPr>
-            <a:r>
-              <a:rPr lang="en-US" sz="3600" b="0" i="1" strike="noStrike" spc="-1">
+              <a:rPr lang="en-US" sz="4000" b="0" strike="noStrike" spc="-1" dirty="0">
                 <a:solidFill>
                   <a:srgbClr val="000000"/>
                 </a:solidFill>
                 <a:latin typeface="Calibri"/>
-                <a:ea typeface="Calibri"/>
               </a:rPr>
-              <a:t>Browse products and deals</a:t>
+              <a:t>Automatically scale up or down Docker containers depending on network traffic to get the most for your money</a:t>
             </a:r>
-            <a:endParaRPr lang="en-US" sz="3600" b="0" strike="noStrike" spc="-1">
-              <a:solidFill>
-                <a:srgbClr val="000000"/>
-              </a:solidFill>
-              <a:latin typeface="Calibri"/>
-            </a:endParaRPr>
-          </a:p>
-          <a:p>
-            <a:pPr marL="685800" lvl="1" indent="-228600">
+          </a:p>
+          <a:p>
+            <a:pPr marL="800100" indent="-571500">
               <a:lnSpc>
                 <a:spcPct val="100000"/>
               </a:lnSpc>
-              <a:buClr>
-                <a:srgbClr val="000000"/>
-              </a:buClr>
-              <a:buFont typeface="Arial"/>
-              <a:buChar char="•"/>
               <a:tabLst>
                 <a:tab pos="0" algn="l"/>
               </a:tabLst>
             </a:pPr>
             <a:r>
-              <a:rPr lang="en-US" sz="3600" b="0" i="1" strike="noStrike" spc="-1">
+              <a:rPr lang="en-US" sz="4000" spc="-1" dirty="0">
                 <a:solidFill>
                   <a:srgbClr val="000000"/>
                 </a:solidFill>
                 <a:latin typeface="Calibri"/>
-                <a:ea typeface="Calibri"/>
               </a:rPr>
-              <a:t>Add items to cart</a:t>
+              <a:t>Vast ecosystem with prebuilt modules to expand functionality</a:t>
             </a:r>
-            <a:endParaRPr lang="en-US" sz="3600" b="0" strike="noStrike" spc="-1">
-              <a:solidFill>
-                <a:srgbClr val="000000"/>
-              </a:solidFill>
-              <a:latin typeface="Calibri"/>
-            </a:endParaRPr>
-          </a:p>
-          <a:p>
-            <a:pPr marL="685800" lvl="1" indent="-228600">
+          </a:p>
+          <a:p>
+            <a:pPr marL="800100" indent="-571500">
               <a:lnSpc>
                 <a:spcPct val="100000"/>
               </a:lnSpc>
-              <a:buClr>
-                <a:srgbClr val="000000"/>
-              </a:buClr>
-              <a:buFont typeface="Arial"/>
-              <a:buChar char="•"/>
               <a:tabLst>
                 <a:tab pos="0" algn="l"/>
               </a:tabLst>
             </a:pPr>
             <a:r>
-              <a:rPr lang="en-US" sz="3600" b="0" i="1" strike="noStrike" spc="-1">
+              <a:rPr lang="en-US" sz="4000" spc="-1" dirty="0">
                 <a:solidFill>
                   <a:srgbClr val="000000"/>
                 </a:solidFill>
                 <a:latin typeface="Calibri"/>
-                <a:ea typeface="Calibri"/>
               </a:rPr>
-              <a:t>Checkout/pay</a:t>
+              <a:t>Microservices architecture promotes expandability and future proofing</a:t>
             </a:r>
-            <a:endParaRPr lang="en-US" sz="3600" b="0" strike="noStrike" spc="-1">
+          </a:p>
+          <a:p>
+            <a:pPr marL="800100" indent="-571500">
+              <a:lnSpc>
+                <a:spcPct val="100000"/>
+              </a:lnSpc>
+              <a:tabLst>
+                <a:tab pos="0" algn="l"/>
+              </a:tabLst>
+            </a:pPr>
+            <a:endParaRPr lang="en-US" sz="4000" b="0" strike="noStrike" spc="-1" dirty="0">
+              <a:solidFill>
+                <a:srgbClr val="000000"/>
+              </a:solidFill>
+              <a:latin typeface="Calibri"/>
+            </a:endParaRPr>
+          </a:p>
+          <a:p>
+            <a:pPr marL="800100" indent="-571500">
+              <a:lnSpc>
+                <a:spcPct val="100000"/>
+              </a:lnSpc>
+              <a:tabLst>
+                <a:tab pos="0" algn="l"/>
+              </a:tabLst>
+            </a:pPr>
+            <a:endParaRPr lang="en-US" sz="4000" b="0" strike="noStrike" spc="-1" dirty="0">
               <a:solidFill>
                 <a:srgbClr val="000000"/>
               </a:solidFill>
@@ -9596,6 +9858,11 @@
         </p:txBody>
       </p:sp>
     </p:spTree>
+    <p:extLst>
+      <p:ext uri="{BB962C8B-B14F-4D97-AF65-F5344CB8AC3E}">
+        <p14:creationId xmlns:p14="http://schemas.microsoft.com/office/powerpoint/2010/main" val="2405585068"/>
+      </p:ext>
+    </p:extLst>
   </p:cSld>
   <p:clrMapOvr>
     <a:masterClrMapping/>
@@ -9606,14 +9873,6 @@
 <file path=ppt/slides/slide6.xml><?xml version="1.0" encoding="utf-8"?>
 <p:sld xmlns:a="http://schemas.openxmlformats.org/drawingml/2006/main" xmlns:r="http://schemas.openxmlformats.org/officeDocument/2006/relationships" xmlns:p="http://schemas.openxmlformats.org/presentationml/2006/main">
   <p:cSld>
-    <p:bg>
-      <p:bgPr>
-        <a:solidFill>
-          <a:srgbClr val="FFFFFF"/>
-        </a:solidFill>
-        <a:effectLst/>
-      </p:bgPr>
-    </p:bg>
     <p:spTree>
       <p:nvGrpSpPr>
         <p:cNvPr id="1" name=""/>
@@ -9630,13 +9889,13 @@
       </p:grpSpPr>
       <p:sp useBgFill="1">
         <p:nvSpPr>
-          <p:cNvPr id="108" name="Rectangle 16"/>
+          <p:cNvPr id="98" name="Rectangle 7"/>
           <p:cNvSpPr/>
           <p:nvPr/>
         </p:nvSpPr>
         <p:spPr>
           <a:xfrm>
-            <a:off x="0" y="0"/>
+            <a:off x="2880" y="0"/>
             <a:ext cx="12188520" cy="6857640"/>
           </a:xfrm>
           <a:prstGeom prst="rect">
@@ -9682,73 +9941,20 @@
       </p:sp>
       <p:sp>
         <p:nvSpPr>
-          <p:cNvPr id="109" name="PlaceHolder 1"/>
-          <p:cNvSpPr>
-            <a:spLocks noGrp="1"/>
-          </p:cNvSpPr>
-          <p:nvPr>
-            <p:ph type="title"/>
-          </p:nvPr>
-        </p:nvSpPr>
-        <p:spPr>
-          <a:xfrm>
-            <a:off x="647280" y="1295280"/>
-            <a:ext cx="5894640" cy="3807000"/>
-          </a:xfrm>
-          <a:prstGeom prst="rect">
-            <a:avLst/>
-          </a:prstGeom>
-          <a:noFill/>
-          <a:ln w="0">
-            <a:noFill/>
-          </a:ln>
-        </p:spPr>
-        <p:txBody>
-          <a:bodyPr anchor="b">
-            <a:normAutofit/>
-          </a:bodyPr>
-          <a:lstStyle/>
-          <a:p>
-            <a:pPr indent="0">
-              <a:lnSpc>
-                <a:spcPct val="90000"/>
-              </a:lnSpc>
-              <a:buNone/>
-            </a:pPr>
-            <a:r>
-              <a:rPr lang="en-US" sz="6600" b="0" strike="noStrike" spc="-1">
-                <a:solidFill>
-                  <a:srgbClr val="000000"/>
-                </a:solidFill>
-                <a:latin typeface="Calibri Light"/>
-              </a:rPr>
-              <a:t>Project Demo</a:t>
-            </a:r>
-            <a:endParaRPr lang="en-US" sz="6600" b="0" strike="noStrike" spc="-1">
-              <a:solidFill>
-                <a:srgbClr val="000000"/>
-              </a:solidFill>
-              <a:latin typeface="Calibri"/>
-            </a:endParaRPr>
-          </a:p>
-        </p:txBody>
-      </p:sp>
-      <p:sp>
-        <p:nvSpPr>
-          <p:cNvPr id="110" name="Freeform: Shape 18"/>
+          <p:cNvPr id="99" name="Freeform: Shape 9"/>
           <p:cNvSpPr/>
           <p:nvPr/>
         </p:nvSpPr>
         <p:spPr>
           <a:xfrm>
-            <a:off x="7306920" y="0"/>
-            <a:ext cx="4884480" cy="6857640"/>
+            <a:off x="0" y="0"/>
+            <a:ext cx="4167000" cy="6857640"/>
           </a:xfrm>
           <a:custGeom>
             <a:avLst/>
             <a:gdLst>
-              <a:gd name="textAreaLeft" fmla="*/ 0 w 4884480"/>
-              <a:gd name="textAreaRight" fmla="*/ 4884840 w 4884480"/>
+              <a:gd name="textAreaLeft" fmla="*/ 0 w 4167000"/>
+              <a:gd name="textAreaRight" fmla="*/ 4167360 w 4167000"/>
               <a:gd name="textAreaTop" fmla="*/ 0 h 6857640"/>
               <a:gd name="textAreaBottom" fmla="*/ 6858000 h 6857640"/>
             </a:gdLst>
@@ -9756,113 +9962,32 @@
             <a:cxnLst/>
             <a:rect l="textAreaLeft" t="textAreaTop" r="textAreaRight" b="textAreaBottom"/>
             <a:pathLst>
-              <a:path w="4884918" h="6858000">
+              <a:path w="4167271" h="6858000">
                 <a:moveTo>
-                  <a:pt x="1097203" y="0"/>
+                  <a:pt x="0" y="0"/>
                 </a:moveTo>
                 <a:lnTo>
-                  <a:pt x="1154155" y="0"/>
+                  <a:pt x="2259550" y="0"/>
                 </a:lnTo>
                 <a:lnTo>
-                  <a:pt x="972305" y="343212"/>
+                  <a:pt x="2387803" y="82222"/>
                 </a:lnTo>
                 <a:cubicBezTo>
-                  <a:pt x="904739" y="480367"/>
-                  <a:pt x="840941" y="619727"/>
-                  <a:pt x="780524" y="761067"/>
-                </a:cubicBezTo>
-                <a:cubicBezTo>
-                  <a:pt x="765737" y="795681"/>
-                  <a:pt x="751579" y="830550"/>
-                  <a:pt x="737045" y="865164"/>
-                </a:cubicBezTo>
-                <a:cubicBezTo>
-                  <a:pt x="748306" y="856057"/>
-                  <a:pt x="757014" y="844174"/>
-                  <a:pt x="762322" y="830676"/>
-                </a:cubicBezTo>
-                <a:cubicBezTo>
-                  <a:pt x="870201" y="600612"/>
-                  <a:pt x="988539" y="376889"/>
-                  <a:pt x="1118805" y="160440"/>
+                  <a:pt x="3461407" y="807534"/>
+                  <a:pt x="4167271" y="2035835"/>
+                  <a:pt x="4167271" y="3429000"/>
+                </a:cubicBezTo>
+                <a:cubicBezTo>
+                  <a:pt x="4167271" y="4822165"/>
+                  <a:pt x="3461407" y="6050467"/>
+                  <a:pt x="2387803" y="6775779"/>
                 </a:cubicBezTo>
                 <a:lnTo>
-                  <a:pt x="1221640" y="0"/>
+                  <a:pt x="2259550" y="6858000"/>
                 </a:lnTo>
                 <a:lnTo>
-                  <a:pt x="4884918" y="0"/>
+                  <a:pt x="0" y="6858000"/>
                 </a:lnTo>
-                <a:lnTo>
-                  <a:pt x="4884918" y="6857999"/>
-                </a:lnTo>
-                <a:lnTo>
-                  <a:pt x="4884918" y="6858000"/>
-                </a:lnTo>
-                <a:lnTo>
-                  <a:pt x="704817" y="6858000"/>
-                </a:lnTo>
-                <a:lnTo>
-                  <a:pt x="618717" y="6672538"/>
-                </a:lnTo>
-                <a:cubicBezTo>
-                  <a:pt x="501618" y="6400947"/>
-                  <a:pt x="398622" y="6121213"/>
-                  <a:pt x="309324" y="5833618"/>
-                </a:cubicBezTo>
-                <a:cubicBezTo>
-                  <a:pt x="275071" y="5723183"/>
-                  <a:pt x="246125" y="5611225"/>
-                  <a:pt x="209850" y="5484180"/>
-                </a:cubicBezTo>
-                <a:cubicBezTo>
-                  <a:pt x="209859" y="5495363"/>
-                  <a:pt x="210448" y="5506534"/>
-                  <a:pt x="211619" y="5517653"/>
-                </a:cubicBezTo>
-                <a:cubicBezTo>
-                  <a:pt x="261166" y="5727113"/>
-                  <a:pt x="303888" y="5938474"/>
-                  <a:pt x="361778" y="6145524"/>
-                </a:cubicBezTo>
-                <a:cubicBezTo>
-                  <a:pt x="428356" y="6383258"/>
-                  <a:pt x="504422" y="6616111"/>
-                  <a:pt x="591356" y="6843306"/>
-                </a:cubicBezTo>
-                <a:lnTo>
-                  <a:pt x="597415" y="6858000"/>
-                </a:lnTo>
-                <a:lnTo>
-                  <a:pt x="545224" y="6858000"/>
-                </a:lnTo>
-                <a:lnTo>
-                  <a:pt x="533604" y="6830072"/>
-                </a:lnTo>
-                <a:cubicBezTo>
-                  <a:pt x="376384" y="6416985"/>
-                  <a:pt x="257344" y="5991917"/>
-                  <a:pt x="169657" y="5556577"/>
-                </a:cubicBezTo>
-                <a:cubicBezTo>
-                  <a:pt x="90154" y="5162256"/>
-                  <a:pt x="43261" y="4763750"/>
-                  <a:pt x="12169" y="4362835"/>
-                </a:cubicBezTo>
-                <a:cubicBezTo>
-                  <a:pt x="-14122" y="4019865"/>
-                  <a:pt x="4458" y="3679429"/>
-                  <a:pt x="46168" y="3338487"/>
-                </a:cubicBezTo>
-                <a:cubicBezTo>
-                  <a:pt x="125796" y="2672248"/>
-                  <a:pt x="274744" y="2016203"/>
-                  <a:pt x="490574" y="1381078"/>
-                </a:cubicBezTo>
-                <a:cubicBezTo>
-                  <a:pt x="629230" y="976550"/>
-                  <a:pt x="791584" y="584320"/>
-                  <a:pt x="984701" y="208241"/>
-                </a:cubicBezTo>
                 <a:close/>
               </a:path>
             </a:pathLst>
@@ -9870,282 +9995,8 @@
           <a:solidFill>
             <a:schemeClr val="accent2"/>
           </a:solidFill>
-          <a:ln w="6857">
+          <a:ln>
             <a:noFill/>
-          </a:ln>
-        </p:spPr>
-        <p:style>
-          <a:lnRef idx="0">
-            <a:scrgbClr r="0" g="0" b="0"/>
-          </a:lnRef>
-          <a:fillRef idx="0">
-            <a:scrgbClr r="0" g="0" b="0"/>
-          </a:fillRef>
-          <a:effectRef idx="0">
-            <a:scrgbClr r="0" g="0" b="0"/>
-          </a:effectRef>
-          <a:fontRef idx="minor"/>
-        </p:style>
-        <p:txBody>
-          <a:bodyPr lIns="90000" tIns="45000" rIns="90000" bIns="45000" anchor="ctr">
-            <a:noAutofit/>
-          </a:bodyPr>
-          <a:lstStyle/>
-          <a:p>
-            <a:pPr>
-              <a:lnSpc>
-                <a:spcPct val="100000"/>
-              </a:lnSpc>
-            </a:pPr>
-            <a:endParaRPr lang="en-US" sz="1800" b="0" strike="noStrike" spc="-1">
-              <a:solidFill>
-                <a:srgbClr val="000000"/>
-              </a:solidFill>
-              <a:latin typeface="Calibri"/>
-            </a:endParaRPr>
-          </a:p>
-        </p:txBody>
-      </p:sp>
-      <p:sp>
-        <p:nvSpPr>
-          <p:cNvPr id="111" name="sketch line"/>
-          <p:cNvSpPr/>
-          <p:nvPr/>
-        </p:nvSpPr>
-        <p:spPr>
-          <a:xfrm>
-            <a:off x="650160" y="5439960"/>
-            <a:ext cx="5897520" cy="18000"/>
-          </a:xfrm>
-          <a:custGeom>
-            <a:avLst/>
-            <a:gdLst>
-              <a:gd name="textAreaLeft" fmla="*/ 0 w 5897520"/>
-              <a:gd name="textAreaRight" fmla="*/ 5897880 w 5897520"/>
-              <a:gd name="textAreaTop" fmla="*/ 0 h 18000"/>
-              <a:gd name="textAreaBottom" fmla="*/ 18360 h 18000"/>
-            </a:gdLst>
-            <a:ahLst/>
-            <a:cxnLst/>
-            <a:rect l="textAreaLeft" t="textAreaTop" r="textAreaRight" b="textAreaBottom"/>
-            <a:pathLst>
-              <a:path w="5897880" h="18288" fill="none">
-                <a:moveTo>
-                  <a:pt x="0" y="0"/>
-                </a:moveTo>
-                <a:cubicBezTo>
-                  <a:pt x="232564" y="21549"/>
-                  <a:pt x="389747" y="7320"/>
-                  <a:pt x="537362" y="0"/>
-                </a:cubicBezTo>
-                <a:cubicBezTo>
-                  <a:pt x="684977" y="-7320"/>
-                  <a:pt x="894159" y="-7726"/>
-                  <a:pt x="1133704" y="0"/>
-                </a:cubicBezTo>
-                <a:cubicBezTo>
-                  <a:pt x="1373249" y="7726"/>
-                  <a:pt x="1440352" y="-304"/>
-                  <a:pt x="1671066" y="0"/>
-                </a:cubicBezTo>
-                <a:cubicBezTo>
-                  <a:pt x="1901780" y="304"/>
-                  <a:pt x="2091497" y="765"/>
-                  <a:pt x="2385365" y="0"/>
-                </a:cubicBezTo>
-                <a:cubicBezTo>
-                  <a:pt x="2679233" y="-765"/>
-                  <a:pt x="2762926" y="2802"/>
-                  <a:pt x="3040685" y="0"/>
-                </a:cubicBezTo>
-                <a:cubicBezTo>
-                  <a:pt x="3318444" y="-2802"/>
-                  <a:pt x="3409726" y="9093"/>
-                  <a:pt x="3696005" y="0"/>
-                </a:cubicBezTo>
-                <a:cubicBezTo>
-                  <a:pt x="3982284" y="-9093"/>
-                  <a:pt x="4087272" y="27119"/>
-                  <a:pt x="4469282" y="0"/>
-                </a:cubicBezTo>
-                <a:cubicBezTo>
-                  <a:pt x="4851292" y="-27119"/>
-                  <a:pt x="4924835" y="26473"/>
-                  <a:pt x="5183581" y="0"/>
-                </a:cubicBezTo>
-                <a:cubicBezTo>
-                  <a:pt x="5442327" y="-26473"/>
-                  <a:pt x="5598463" y="7328"/>
-                  <a:pt x="5897880" y="0"/>
-                </a:cubicBezTo>
-                <a:cubicBezTo>
-                  <a:pt x="5898259" y="7355"/>
-                  <a:pt x="5898164" y="10249"/>
-                  <a:pt x="5897880" y="18288"/>
-                </a:cubicBezTo>
-                <a:cubicBezTo>
-                  <a:pt x="5682742" y="31268"/>
-                  <a:pt x="5520014" y="14700"/>
-                  <a:pt x="5419496" y="18288"/>
-                </a:cubicBezTo>
-                <a:cubicBezTo>
-                  <a:pt x="5318978" y="21876"/>
-                  <a:pt x="5012864" y="-2446"/>
-                  <a:pt x="4882134" y="18288"/>
-                </a:cubicBezTo>
-                <a:cubicBezTo>
-                  <a:pt x="4751404" y="39022"/>
-                  <a:pt x="4313676" y="-3937"/>
-                  <a:pt x="4167835" y="18288"/>
-                </a:cubicBezTo>
-                <a:cubicBezTo>
-                  <a:pt x="4021994" y="40513"/>
-                  <a:pt x="3715729" y="50049"/>
-                  <a:pt x="3394558" y="18288"/>
-                </a:cubicBezTo>
-                <a:cubicBezTo>
-                  <a:pt x="3073387" y="-13473"/>
-                  <a:pt x="3093227" y="29828"/>
-                  <a:pt x="2798216" y="18288"/>
-                </a:cubicBezTo>
-                <a:cubicBezTo>
-                  <a:pt x="2503205" y="6748"/>
-                  <a:pt x="2297615" y="22459"/>
-                  <a:pt x="2024939" y="18288"/>
-                </a:cubicBezTo>
-                <a:cubicBezTo>
-                  <a:pt x="1752263" y="14117"/>
-                  <a:pt x="1629814" y="-5485"/>
-                  <a:pt x="1487576" y="18288"/>
-                </a:cubicBezTo>
-                <a:cubicBezTo>
-                  <a:pt x="1345338" y="42061"/>
-                  <a:pt x="1238885" y="15810"/>
-                  <a:pt x="1009193" y="18288"/>
-                </a:cubicBezTo>
-                <a:cubicBezTo>
-                  <a:pt x="779501" y="20766"/>
-                  <a:pt x="441829" y="-24679"/>
-                  <a:pt x="0" y="18288"/>
-                </a:cubicBezTo>
-                <a:cubicBezTo>
-                  <a:pt x="-384" y="12702"/>
-                  <a:pt x="-513" y="4636"/>
-                  <a:pt x="0" y="0"/>
-                </a:cubicBezTo>
-                <a:close/>
-              </a:path>
-              <a:path w="5897880" h="18288" stroke="0">
-                <a:moveTo>
-                  <a:pt x="0" y="0"/>
-                </a:moveTo>
-                <a:cubicBezTo>
-                  <a:pt x="196299" y="-26676"/>
-                  <a:pt x="463834" y="6738"/>
-                  <a:pt x="596341" y="0"/>
-                </a:cubicBezTo>
-                <a:cubicBezTo>
-                  <a:pt x="728848" y="-6738"/>
-                  <a:pt x="857267" y="1845"/>
-                  <a:pt x="1074725" y="0"/>
-                </a:cubicBezTo>
-                <a:cubicBezTo>
-                  <a:pt x="1292183" y="-1845"/>
-                  <a:pt x="1545672" y="3744"/>
-                  <a:pt x="1848002" y="0"/>
-                </a:cubicBezTo>
-                <a:cubicBezTo>
-                  <a:pt x="2150332" y="-3744"/>
-                  <a:pt x="2306688" y="-14526"/>
-                  <a:pt x="2444344" y="0"/>
-                </a:cubicBezTo>
-                <a:cubicBezTo>
-                  <a:pt x="2582000" y="14526"/>
-                  <a:pt x="2761095" y="-11862"/>
-                  <a:pt x="3040685" y="0"/>
-                </a:cubicBezTo>
-                <a:cubicBezTo>
-                  <a:pt x="3320275" y="11862"/>
-                  <a:pt x="3622320" y="-32867"/>
-                  <a:pt x="3813962" y="0"/>
-                </a:cubicBezTo>
-                <a:cubicBezTo>
-                  <a:pt x="4005604" y="32867"/>
-                  <a:pt x="4117810" y="-10778"/>
-                  <a:pt x="4351325" y="0"/>
-                </a:cubicBezTo>
-                <a:cubicBezTo>
-                  <a:pt x="4584840" y="10778"/>
-                  <a:pt x="4963783" y="-32384"/>
-                  <a:pt x="5124602" y="0"/>
-                </a:cubicBezTo>
-                <a:cubicBezTo>
-                  <a:pt x="5285421" y="32384"/>
-                  <a:pt x="5705238" y="-29538"/>
-                  <a:pt x="5897880" y="0"/>
-                </a:cubicBezTo>
-                <a:cubicBezTo>
-                  <a:pt x="5898220" y="5688"/>
-                  <a:pt x="5897711" y="13142"/>
-                  <a:pt x="5897880" y="18288"/>
-                </a:cubicBezTo>
-                <a:cubicBezTo>
-                  <a:pt x="5630425" y="-1425"/>
-                  <a:pt x="5532865" y="12244"/>
-                  <a:pt x="5242560" y="18288"/>
-                </a:cubicBezTo>
-                <a:cubicBezTo>
-                  <a:pt x="4952255" y="24332"/>
-                  <a:pt x="4783060" y="5748"/>
-                  <a:pt x="4646219" y="18288"/>
-                </a:cubicBezTo>
-                <a:cubicBezTo>
-                  <a:pt x="4509378" y="30828"/>
-                  <a:pt x="4163771" y="-13995"/>
-                  <a:pt x="3872941" y="18288"/>
-                </a:cubicBezTo>
-                <a:cubicBezTo>
-                  <a:pt x="3582111" y="50571"/>
-                  <a:pt x="3362704" y="-1402"/>
-                  <a:pt x="3099664" y="18288"/>
-                </a:cubicBezTo>
-                <a:cubicBezTo>
-                  <a:pt x="2836624" y="37978"/>
-                  <a:pt x="2747441" y="19657"/>
-                  <a:pt x="2562301" y="18288"/>
-                </a:cubicBezTo>
-                <a:cubicBezTo>
-                  <a:pt x="2377161" y="16919"/>
-                  <a:pt x="2104946" y="21735"/>
-                  <a:pt x="1906981" y="18288"/>
-                </a:cubicBezTo>
-                <a:cubicBezTo>
-                  <a:pt x="1709016" y="14841"/>
-                  <a:pt x="1304654" y="-2323"/>
-                  <a:pt x="1133704" y="18288"/>
-                </a:cubicBezTo>
-                <a:cubicBezTo>
-                  <a:pt x="962754" y="38899"/>
-                  <a:pt x="457048" y="2985"/>
-                  <a:pt x="0" y="18288"/>
-                </a:cubicBezTo>
-                <a:cubicBezTo>
-                  <a:pt x="-478" y="10520"/>
-                  <a:pt x="210" y="5044"/>
-                  <a:pt x="0" y="0"/>
-                </a:cubicBezTo>
-                <a:close/>
-              </a:path>
-            </a:pathLst>
-          </a:custGeom>
-          <a:solidFill>
-            <a:schemeClr val="accent2"/>
-          </a:solidFill>
-          <a:ln w="41275" cap="rnd">
-            <a:solidFill>
-              <a:srgbClr val="ED7D31"/>
-            </a:solidFill>
-            <a:round/>
           </a:ln>
         </p:spPr>
         <p:style>
@@ -10163,7 +10014,7 @@
           <a:fontRef idx="minor"/>
         </p:style>
         <p:txBody>
-          <a:bodyPr lIns="90000" tIns="-26640" rIns="90000" bIns="-26640" anchor="ctr">
+          <a:bodyPr lIns="90000" tIns="45000" rIns="90000" bIns="45000" anchor="ctr">
             <a:noAutofit/>
           </a:bodyPr>
           <a:lstStyle/>
@@ -10184,173 +10035,87 @@
       </p:sp>
       <p:sp>
         <p:nvSpPr>
-          <p:cNvPr id="112" name="sketch line 2"/>
+          <p:cNvPr id="100" name="PlaceHolder 1"/>
+          <p:cNvSpPr>
+            <a:spLocks noGrp="1"/>
+          </p:cNvSpPr>
+          <p:nvPr>
+            <p:ph type="title"/>
+          </p:nvPr>
+        </p:nvSpPr>
+        <p:spPr>
+          <a:xfrm>
+            <a:off x="686880" y="1153440"/>
+            <a:ext cx="3200040" cy="4460760"/>
+          </a:xfrm>
+          <a:prstGeom prst="rect">
+            <a:avLst/>
+          </a:prstGeom>
+          <a:noFill/>
+          <a:ln w="0">
+            <a:noFill/>
+          </a:ln>
+        </p:spPr>
+        <p:txBody>
+          <a:bodyPr anchor="ctr">
+            <a:normAutofit/>
+          </a:bodyPr>
+          <a:lstStyle/>
+          <a:p>
+            <a:pPr indent="0">
+              <a:lnSpc>
+                <a:spcPct val="90000"/>
+              </a:lnSpc>
+              <a:buNone/>
+            </a:pPr>
+            <a:r>
+              <a:rPr lang="en-US" spc="-1" dirty="0">
+                <a:solidFill>
+                  <a:srgbClr val="FFFFFF"/>
+                </a:solidFill>
+                <a:latin typeface="Calibri Light"/>
+              </a:rPr>
+              <a:t>React Stability</a:t>
+            </a:r>
+            <a:endParaRPr lang="en-US" sz="4400" b="0" strike="noStrike" spc="-1" dirty="0">
+              <a:solidFill>
+                <a:srgbClr val="000000"/>
+              </a:solidFill>
+              <a:latin typeface="Calibri"/>
+            </a:endParaRPr>
+          </a:p>
+        </p:txBody>
+      </p:sp>
+      <p:sp>
+        <p:nvSpPr>
+          <p:cNvPr id="101" name="Arc 11"/>
           <p:cNvSpPr/>
           <p:nvPr/>
         </p:nvSpPr>
         <p:spPr>
-          <a:xfrm>
-            <a:off x="7850520" y="5626440"/>
-            <a:ext cx="3479400" cy="18000"/>
-          </a:xfrm>
-          <a:custGeom>
-            <a:avLst/>
-            <a:gdLst>
-              <a:gd name="textAreaLeft" fmla="*/ 0 w 3479400"/>
-              <a:gd name="textAreaRight" fmla="*/ 3479760 w 3479400"/>
-              <a:gd name="textAreaTop" fmla="*/ 0 h 18000"/>
-              <a:gd name="textAreaBottom" fmla="*/ 18360 h 18000"/>
-            </a:gdLst>
-            <a:ahLst/>
-            <a:cxnLst/>
-            <a:rect l="textAreaLeft" t="textAreaTop" r="textAreaRight" b="textAreaBottom"/>
-            <a:pathLst>
-              <a:path w="3479619" h="18288" fill="none">
-                <a:moveTo>
-                  <a:pt x="0" y="0"/>
-                </a:moveTo>
-                <a:cubicBezTo>
-                  <a:pt x="178395" y="-3637"/>
-                  <a:pt x="368619" y="-28254"/>
-                  <a:pt x="661128" y="0"/>
-                </a:cubicBezTo>
-                <a:cubicBezTo>
-                  <a:pt x="953637" y="28254"/>
-                  <a:pt x="1022982" y="-4416"/>
-                  <a:pt x="1357051" y="0"/>
-                </a:cubicBezTo>
-                <a:cubicBezTo>
-                  <a:pt x="1691120" y="4416"/>
-                  <a:pt x="1729558" y="27777"/>
-                  <a:pt x="2087771" y="0"/>
-                </a:cubicBezTo>
-                <a:cubicBezTo>
-                  <a:pt x="2445984" y="-27777"/>
-                  <a:pt x="2592094" y="4429"/>
-                  <a:pt x="2818491" y="0"/>
-                </a:cubicBezTo>
-                <a:cubicBezTo>
-                  <a:pt x="3044888" y="-4429"/>
-                  <a:pt x="3204567" y="26471"/>
-                  <a:pt x="3479619" y="0"/>
-                </a:cubicBezTo>
-                <a:cubicBezTo>
-                  <a:pt x="3478910" y="8157"/>
-                  <a:pt x="3479206" y="12125"/>
-                  <a:pt x="3479619" y="18288"/>
-                </a:cubicBezTo>
-                <a:cubicBezTo>
-                  <a:pt x="3315855" y="-2963"/>
-                  <a:pt x="3094885" y="26965"/>
-                  <a:pt x="2714103" y="18288"/>
-                </a:cubicBezTo>
-                <a:cubicBezTo>
-                  <a:pt x="2333321" y="9611"/>
-                  <a:pt x="2260528" y="-15335"/>
-                  <a:pt x="1948587" y="18288"/>
-                </a:cubicBezTo>
-                <a:cubicBezTo>
-                  <a:pt x="1636646" y="51911"/>
-                  <a:pt x="1489816" y="46369"/>
-                  <a:pt x="1252663" y="18288"/>
-                </a:cubicBezTo>
-                <a:cubicBezTo>
-                  <a:pt x="1015510" y="-9793"/>
-                  <a:pt x="519812" y="-12177"/>
-                  <a:pt x="0" y="18288"/>
-                </a:cubicBezTo>
-                <a:cubicBezTo>
-                  <a:pt x="-46" y="12483"/>
-                  <a:pt x="-203" y="6491"/>
-                  <a:pt x="0" y="0"/>
-                </a:cubicBezTo>
-                <a:close/>
-              </a:path>
-              <a:path w="3479619" h="18288" stroke="0">
-                <a:moveTo>
-                  <a:pt x="0" y="0"/>
-                </a:moveTo>
-                <a:cubicBezTo>
-                  <a:pt x="326045" y="25020"/>
-                  <a:pt x="425411" y="-17676"/>
-                  <a:pt x="661128" y="0"/>
-                </a:cubicBezTo>
-                <a:cubicBezTo>
-                  <a:pt x="896845" y="17676"/>
-                  <a:pt x="1124825" y="1478"/>
-                  <a:pt x="1252663" y="0"/>
-                </a:cubicBezTo>
-                <a:cubicBezTo>
-                  <a:pt x="1380502" y="-1478"/>
-                  <a:pt x="1694914" y="11788"/>
-                  <a:pt x="2018179" y="0"/>
-                </a:cubicBezTo>
-                <a:cubicBezTo>
-                  <a:pt x="2341444" y="-11788"/>
-                  <a:pt x="2451167" y="12596"/>
-                  <a:pt x="2679307" y="0"/>
-                </a:cubicBezTo>
-                <a:cubicBezTo>
-                  <a:pt x="2907447" y="-12596"/>
-                  <a:pt x="3094555" y="23821"/>
-                  <a:pt x="3479619" y="0"/>
-                </a:cubicBezTo>
-                <a:cubicBezTo>
-                  <a:pt x="3479355" y="4493"/>
-                  <a:pt x="3480003" y="9472"/>
-                  <a:pt x="3479619" y="18288"/>
-                </a:cubicBezTo>
-                <a:cubicBezTo>
-                  <a:pt x="3311729" y="36782"/>
-                  <a:pt x="3015946" y="7938"/>
-                  <a:pt x="2783695" y="18288"/>
-                </a:cubicBezTo>
-                <a:cubicBezTo>
-                  <a:pt x="2551444" y="28638"/>
-                  <a:pt x="2398767" y="-13940"/>
-                  <a:pt x="2018179" y="18288"/>
-                </a:cubicBezTo>
-                <a:cubicBezTo>
-                  <a:pt x="1637591" y="50516"/>
-                  <a:pt x="1634873" y="-6356"/>
-                  <a:pt x="1426644" y="18288"/>
-                </a:cubicBezTo>
-                <a:cubicBezTo>
-                  <a:pt x="1218415" y="42932"/>
-                  <a:pt x="1006973" y="4094"/>
-                  <a:pt x="730720" y="18288"/>
-                </a:cubicBezTo>
-                <a:cubicBezTo>
-                  <a:pt x="454467" y="32482"/>
-                  <a:pt x="291313" y="3910"/>
-                  <a:pt x="0" y="18288"/>
-                </a:cubicBezTo>
-                <a:cubicBezTo>
-                  <a:pt x="843" y="9577"/>
-                  <a:pt x="371" y="6900"/>
-                  <a:pt x="0" y="0"/>
-                </a:cubicBezTo>
-                <a:close/>
-              </a:path>
-            </a:pathLst>
-          </a:custGeom>
-          <a:solidFill>
-            <a:srgbClr val="FFFFFF"/>
-          </a:solidFill>
-          <a:ln w="41275" cap="rnd">
+          <a:xfrm flipV="1">
+            <a:off x="7550280" y="2455200"/>
+            <a:ext cx="4083120" cy="4083120"/>
+          </a:xfrm>
+          <a:prstGeom prst="arc">
+            <a:avLst>
+              <a:gd name="adj1" fmla="val 16200000"/>
+              <a:gd name="adj2" fmla="val 0"/>
+            </a:avLst>
+          </a:prstGeom>
+          <a:noFill/>
+          <a:ln w="127000" cap="rnd">
             <a:solidFill>
-              <a:srgbClr val="FFFFFF"/>
+              <a:srgbClr val="FFC000"/>
             </a:solidFill>
-            <a:round/>
+            <a:prstDash val="dash"/>
           </a:ln>
         </p:spPr>
         <p:style>
-          <a:lnRef idx="2">
-            <a:schemeClr val="accent1">
-              <a:shade val="50000"/>
-            </a:schemeClr>
+          <a:lnRef idx="1">
+            <a:schemeClr val="accent1"/>
           </a:lnRef>
-          <a:fillRef idx="1">
+          <a:fillRef idx="0">
             <a:schemeClr val="accent1"/>
           </a:fillRef>
           <a:effectRef idx="0">
@@ -10359,7 +10124,7 @@
           <a:fontRef idx="minor"/>
         </p:style>
         <p:txBody>
-          <a:bodyPr lIns="90000" tIns="-26640" rIns="90000" bIns="-26640" anchor="ctr">
+          <a:bodyPr lIns="90000" tIns="45000" rIns="90000" bIns="45000" anchor="ctr">
             <a:noAutofit/>
           </a:bodyPr>
           <a:lstStyle/>
@@ -10371,7 +10136,132 @@
             </a:pPr>
             <a:endParaRPr lang="en-US" sz="1800" b="0" strike="noStrike" spc="-1">
               <a:solidFill>
-                <a:schemeClr val="lt1"/>
+                <a:srgbClr val="000000"/>
+              </a:solidFill>
+              <a:latin typeface="Calibri"/>
+            </a:endParaRPr>
+          </a:p>
+        </p:txBody>
+      </p:sp>
+      <p:sp>
+        <p:nvSpPr>
+          <p:cNvPr id="102" name="PlaceHolder 2"/>
+          <p:cNvSpPr>
+            <a:spLocks noGrp="1"/>
+          </p:cNvSpPr>
+          <p:nvPr>
+            <p:ph/>
+          </p:nvPr>
+        </p:nvSpPr>
+        <p:spPr>
+          <a:xfrm>
+            <a:off x="4447440" y="591480"/>
+            <a:ext cx="6906240" cy="5585400"/>
+          </a:xfrm>
+          <a:prstGeom prst="rect">
+            <a:avLst/>
+          </a:prstGeom>
+          <a:noFill/>
+          <a:ln w="0">
+            <a:noFill/>
+          </a:ln>
+        </p:spPr>
+        <p:txBody>
+          <a:bodyPr anchor="ctr">
+            <a:normAutofit fontScale="77500" lnSpcReduction="20000"/>
+          </a:bodyPr>
+          <a:lstStyle/>
+          <a:p>
+            <a:pPr marL="800100" indent="-571500">
+              <a:lnSpc>
+                <a:spcPct val="100000"/>
+              </a:lnSpc>
+              <a:tabLst>
+                <a:tab pos="0" algn="l"/>
+              </a:tabLst>
+            </a:pPr>
+            <a:endParaRPr lang="en-US" sz="4000" spc="-1" dirty="0">
+              <a:solidFill>
+                <a:srgbClr val="000000"/>
+              </a:solidFill>
+              <a:latin typeface="Calibri"/>
+            </a:endParaRPr>
+          </a:p>
+          <a:p>
+            <a:pPr marL="800100" indent="-571500">
+              <a:lnSpc>
+                <a:spcPct val="100000"/>
+              </a:lnSpc>
+              <a:tabLst>
+                <a:tab pos="0" algn="l"/>
+              </a:tabLst>
+            </a:pPr>
+            <a:r>
+              <a:rPr lang="en-US" sz="4000" spc="-1" dirty="0">
+                <a:solidFill>
+                  <a:srgbClr val="000000"/>
+                </a:solidFill>
+                <a:latin typeface="Calibri"/>
+              </a:rPr>
+              <a:t>React was developed and is maintained by Facebook so no need to worry about deprecated frameworks and libraries with The Store App</a:t>
+            </a:r>
+          </a:p>
+          <a:p>
+            <a:pPr marL="800100" indent="-571500">
+              <a:lnSpc>
+                <a:spcPct val="100000"/>
+              </a:lnSpc>
+              <a:tabLst>
+                <a:tab pos="0" algn="l"/>
+              </a:tabLst>
+            </a:pPr>
+            <a:r>
+              <a:rPr lang="en-US" sz="4000" b="0" strike="noStrike" spc="-1" dirty="0">
+                <a:solidFill>
+                  <a:srgbClr val="000000"/>
+                </a:solidFill>
+                <a:latin typeface="Calibri"/>
+              </a:rPr>
+              <a:t>Rich ecosystem with integration into many of today’s most popular tools</a:t>
+            </a:r>
+          </a:p>
+          <a:p>
+            <a:pPr marL="800100" indent="-571500">
+              <a:lnSpc>
+                <a:spcPct val="100000"/>
+              </a:lnSpc>
+              <a:tabLst>
+                <a:tab pos="0" algn="l"/>
+              </a:tabLst>
+            </a:pPr>
+            <a:r>
+              <a:rPr lang="en-US" sz="4000" spc="-1" dirty="0">
+                <a:solidFill>
+                  <a:srgbClr val="000000"/>
+                </a:solidFill>
+                <a:latin typeface="Calibri"/>
+              </a:rPr>
+              <a:t>More modules being added every day increasing the functionality and expanding what is possible with a front-end framework</a:t>
+            </a:r>
+            <a:endParaRPr lang="en-US" sz="4000" b="0" strike="noStrike" spc="-1" dirty="0">
+              <a:solidFill>
+                <a:srgbClr val="000000"/>
+              </a:solidFill>
+              <a:latin typeface="Calibri"/>
+            </a:endParaRPr>
+          </a:p>
+          <a:p>
+            <a:pPr marL="800100" indent="-571500">
+              <a:lnSpc>
+                <a:spcPct val="100000"/>
+              </a:lnSpc>
+              <a:tabLst>
+                <a:tab pos="0" algn="l"/>
+              </a:tabLst>
+            </a:pPr>
+            <a:endParaRPr lang="en-US" sz="4000" b="0" strike="noStrike" spc="-1" dirty="0">
+              <a:solidFill>
+                <a:srgbClr val="000000"/>
               </a:solidFill>
               <a:latin typeface="Calibri"/>
             </a:endParaRPr>
@@ -10379,6 +10269,11 @@
         </p:txBody>
       </p:sp>
     </p:spTree>
+    <p:extLst>
+      <p:ext uri="{BB962C8B-B14F-4D97-AF65-F5344CB8AC3E}">
+        <p14:creationId xmlns:p14="http://schemas.microsoft.com/office/powerpoint/2010/main" val="3849678714"/>
+      </p:ext>
+    </p:extLst>
   </p:cSld>
   <p:clrMapOvr>
     <a:masterClrMapping/>
@@ -10413,7 +10308,7 @@
       </p:grpSpPr>
       <p:sp useBgFill="1">
         <p:nvSpPr>
-          <p:cNvPr id="113" name="Rectangle 36"/>
+          <p:cNvPr id="103" name="Rectangle 7"/>
           <p:cNvSpPr/>
           <p:nvPr/>
         </p:nvSpPr>
@@ -10465,18 +10360,57 @@
       </p:sp>
       <p:sp>
         <p:nvSpPr>
-          <p:cNvPr id="114" name="Rectangle 38"/>
+          <p:cNvPr id="104" name="Freeform: Shape 9"/>
           <p:cNvSpPr/>
           <p:nvPr/>
         </p:nvSpPr>
         <p:spPr>
           <a:xfrm>
             <a:off x="0" y="0"/>
-            <a:ext cx="12191760" cy="6857640"/>
-          </a:xfrm>
-          <a:prstGeom prst="rect">
-            <a:avLst/>
-          </a:prstGeom>
+            <a:ext cx="4167000" cy="6857640"/>
+          </a:xfrm>
+          <a:custGeom>
+            <a:avLst/>
+            <a:gdLst>
+              <a:gd name="textAreaLeft" fmla="*/ 0 w 4167000"/>
+              <a:gd name="textAreaRight" fmla="*/ 4167360 w 4167000"/>
+              <a:gd name="textAreaTop" fmla="*/ 0 h 6857640"/>
+              <a:gd name="textAreaBottom" fmla="*/ 6858000 h 6857640"/>
+            </a:gdLst>
+            <a:ahLst/>
+            <a:cxnLst/>
+            <a:rect l="textAreaLeft" t="textAreaTop" r="textAreaRight" b="textAreaBottom"/>
+            <a:pathLst>
+              <a:path w="4167271" h="6858000">
+                <a:moveTo>
+                  <a:pt x="0" y="0"/>
+                </a:moveTo>
+                <a:lnTo>
+                  <a:pt x="2259550" y="0"/>
+                </a:lnTo>
+                <a:lnTo>
+                  <a:pt x="2387803" y="82222"/>
+                </a:lnTo>
+                <a:cubicBezTo>
+                  <a:pt x="3461407" y="807534"/>
+                  <a:pt x="4167271" y="2035835"/>
+                  <a:pt x="4167271" y="3429000"/>
+                </a:cubicBezTo>
+                <a:cubicBezTo>
+                  <a:pt x="4167271" y="4822165"/>
+                  <a:pt x="3461407" y="6050467"/>
+                  <a:pt x="2387803" y="6775779"/>
+                </a:cubicBezTo>
+                <a:lnTo>
+                  <a:pt x="2259550" y="6858000"/>
+                </a:lnTo>
+                <a:lnTo>
+                  <a:pt x="0" y="6858000"/>
+                </a:lnTo>
+                <a:close/>
+              </a:path>
+            </a:pathLst>
+          </a:custGeom>
           <a:solidFill>
             <a:schemeClr val="accent2"/>
           </a:solidFill>
@@ -10511,28 +10445,453 @@
             </a:pPr>
             <a:endParaRPr lang="en-US" sz="1800" b="0" strike="noStrike" spc="-1">
               <a:solidFill>
-                <a:srgbClr val="000000"/>
-              </a:solidFill>
-              <a:latin typeface="Calibri"/>
-            </a:endParaRPr>
-          </a:p>
-        </p:txBody>
-      </p:sp>
-      <p:sp>
-        <p:nvSpPr>
-          <p:cNvPr id="115" name="Rectangle 40"/>
+                <a:schemeClr val="lt1"/>
+              </a:solidFill>
+              <a:latin typeface="Calibri"/>
+            </a:endParaRPr>
+          </a:p>
+        </p:txBody>
+      </p:sp>
+      <p:sp>
+        <p:nvSpPr>
+          <p:cNvPr id="105" name="PlaceHolder 1"/>
+          <p:cNvSpPr>
+            <a:spLocks noGrp="1"/>
+          </p:cNvSpPr>
+          <p:nvPr>
+            <p:ph type="title"/>
+          </p:nvPr>
+        </p:nvSpPr>
+        <p:spPr>
+          <a:xfrm>
+            <a:off x="686880" y="1153440"/>
+            <a:ext cx="3200040" cy="4460760"/>
+          </a:xfrm>
+          <a:prstGeom prst="rect">
+            <a:avLst/>
+          </a:prstGeom>
+          <a:noFill/>
+          <a:ln w="0">
+            <a:noFill/>
+          </a:ln>
+        </p:spPr>
+        <p:txBody>
+          <a:bodyPr anchor="ctr">
+            <a:normAutofit/>
+          </a:bodyPr>
+          <a:lstStyle/>
+          <a:p>
+            <a:pPr indent="0">
+              <a:lnSpc>
+                <a:spcPct val="90000"/>
+              </a:lnSpc>
+              <a:buNone/>
+            </a:pPr>
+            <a:r>
+              <a:rPr lang="en-US" sz="4400" b="0" strike="noStrike" spc="-1">
+                <a:solidFill>
+                  <a:srgbClr val="FFFFFF"/>
+                </a:solidFill>
+                <a:latin typeface="Calibri Light"/>
+              </a:rPr>
+              <a:t>Types of Accounts</a:t>
+            </a:r>
+            <a:endParaRPr lang="en-US" sz="4400" b="0" strike="noStrike" spc="-1">
+              <a:solidFill>
+                <a:srgbClr val="000000"/>
+              </a:solidFill>
+              <a:latin typeface="Calibri"/>
+            </a:endParaRPr>
+          </a:p>
+        </p:txBody>
+      </p:sp>
+      <p:sp>
+        <p:nvSpPr>
+          <p:cNvPr id="106" name="Arc 11"/>
           <p:cNvSpPr/>
           <p:nvPr/>
         </p:nvSpPr>
         <p:spPr>
-          <a:xfrm>
-            <a:off x="0" y="0"/>
-            <a:ext cx="12191760" cy="6857640"/>
-          </a:xfrm>
-          <a:prstGeom prst="rect">
-            <a:avLst/>
+          <a:xfrm flipV="1">
+            <a:off x="7550280" y="2455200"/>
+            <a:ext cx="4083120" cy="4083120"/>
+          </a:xfrm>
+          <a:prstGeom prst="arc">
+            <a:avLst>
+              <a:gd name="adj1" fmla="val 16200000"/>
+              <a:gd name="adj2" fmla="val 0"/>
+            </a:avLst>
           </a:prstGeom>
           <a:noFill/>
+          <a:ln w="127000" cap="rnd">
+            <a:solidFill>
+              <a:srgbClr val="FFC000"/>
+            </a:solidFill>
+            <a:prstDash val="dash"/>
+          </a:ln>
+        </p:spPr>
+        <p:style>
+          <a:lnRef idx="1">
+            <a:schemeClr val="accent1"/>
+          </a:lnRef>
+          <a:fillRef idx="0">
+            <a:schemeClr val="accent1"/>
+          </a:fillRef>
+          <a:effectRef idx="0">
+            <a:schemeClr val="accent1"/>
+          </a:effectRef>
+          <a:fontRef idx="minor"/>
+        </p:style>
+        <p:txBody>
+          <a:bodyPr lIns="90000" tIns="45000" rIns="90000" bIns="45000" anchor="ctr">
+            <a:noAutofit/>
+          </a:bodyPr>
+          <a:lstStyle/>
+          <a:p>
+            <a:pPr algn="ctr">
+              <a:lnSpc>
+                <a:spcPct val="100000"/>
+              </a:lnSpc>
+            </a:pPr>
+            <a:endParaRPr lang="en-US" sz="1800" b="0" strike="noStrike" spc="-1">
+              <a:solidFill>
+                <a:srgbClr val="000000"/>
+              </a:solidFill>
+              <a:latin typeface="Calibri"/>
+            </a:endParaRPr>
+          </a:p>
+        </p:txBody>
+      </p:sp>
+      <p:sp>
+        <p:nvSpPr>
+          <p:cNvPr id="107" name="PlaceHolder 2"/>
+          <p:cNvSpPr>
+            <a:spLocks noGrp="1"/>
+          </p:cNvSpPr>
+          <p:nvPr>
+            <p:ph/>
+          </p:nvPr>
+        </p:nvSpPr>
+        <p:spPr>
+          <a:xfrm>
+            <a:off x="4447440" y="591480"/>
+            <a:ext cx="6906240" cy="5585400"/>
+          </a:xfrm>
+          <a:prstGeom prst="rect">
+            <a:avLst/>
+          </a:prstGeom>
+          <a:noFill/>
+          <a:ln w="0">
+            <a:noFill/>
+          </a:ln>
+        </p:spPr>
+        <p:txBody>
+          <a:bodyPr anchor="t">
+            <a:normAutofit lnSpcReduction="10000"/>
+          </a:bodyPr>
+          <a:lstStyle/>
+          <a:p>
+            <a:pPr marL="228600" indent="-228600">
+              <a:lnSpc>
+                <a:spcPct val="100000"/>
+              </a:lnSpc>
+              <a:buClr>
+                <a:srgbClr val="001F2A"/>
+              </a:buClr>
+              <a:buFont typeface="Arial"/>
+              <a:buChar char="•"/>
+            </a:pPr>
+            <a:r>
+              <a:rPr lang="en-US" sz="4000" b="0" i="1" strike="noStrike" spc="-1">
+                <a:solidFill>
+                  <a:srgbClr val="001F2A"/>
+                </a:solidFill>
+                <a:latin typeface="Calibri"/>
+                <a:ea typeface="Calibri"/>
+              </a:rPr>
+              <a:t>Admin: </a:t>
+            </a:r>
+            <a:endParaRPr lang="en-US" sz="4000" b="0" strike="noStrike" spc="-1">
+              <a:solidFill>
+                <a:srgbClr val="000000"/>
+              </a:solidFill>
+              <a:latin typeface="Calibri"/>
+            </a:endParaRPr>
+          </a:p>
+          <a:p>
+            <a:pPr marL="685800" lvl="1" indent="-228600">
+              <a:lnSpc>
+                <a:spcPct val="100000"/>
+              </a:lnSpc>
+              <a:buClr>
+                <a:srgbClr val="001F2A"/>
+              </a:buClr>
+              <a:buFont typeface="Arial"/>
+              <a:buChar char="•"/>
+            </a:pPr>
+            <a:r>
+              <a:rPr lang="en-US" sz="3600" b="0" i="1" strike="noStrike" spc="-1">
+                <a:solidFill>
+                  <a:srgbClr val="001F2A"/>
+                </a:solidFill>
+                <a:latin typeface="Calibri"/>
+                <a:ea typeface="Calibri"/>
+              </a:rPr>
+              <a:t>Add products</a:t>
+            </a:r>
+            <a:endParaRPr lang="en-US" sz="3600" b="0" strike="noStrike" spc="-1">
+              <a:solidFill>
+                <a:srgbClr val="000000"/>
+              </a:solidFill>
+              <a:latin typeface="Calibri"/>
+            </a:endParaRPr>
+          </a:p>
+          <a:p>
+            <a:pPr marL="685800" lvl="1" indent="-228600">
+              <a:lnSpc>
+                <a:spcPct val="100000"/>
+              </a:lnSpc>
+              <a:buClr>
+                <a:srgbClr val="001F2A"/>
+              </a:buClr>
+              <a:buFont typeface="Arial"/>
+              <a:buChar char="•"/>
+            </a:pPr>
+            <a:r>
+              <a:rPr lang="en-US" sz="3600" b="0" i="1" strike="noStrike" spc="-1">
+                <a:solidFill>
+                  <a:srgbClr val="001F2A"/>
+                </a:solidFill>
+                <a:latin typeface="Calibri"/>
+                <a:ea typeface="Calibri"/>
+              </a:rPr>
+              <a:t>Update availability</a:t>
+            </a:r>
+            <a:endParaRPr lang="en-US" sz="3600" b="0" strike="noStrike" spc="-1">
+              <a:solidFill>
+                <a:srgbClr val="000000"/>
+              </a:solidFill>
+              <a:latin typeface="Calibri"/>
+            </a:endParaRPr>
+          </a:p>
+          <a:p>
+            <a:pPr marL="685800" lvl="1" indent="-228600">
+              <a:lnSpc>
+                <a:spcPct val="100000"/>
+              </a:lnSpc>
+              <a:buClr>
+                <a:srgbClr val="001F2A"/>
+              </a:buClr>
+              <a:buFont typeface="Arial"/>
+              <a:buChar char="•"/>
+            </a:pPr>
+            <a:r>
+              <a:rPr lang="en-US" sz="3600" b="0" i="1" strike="noStrike" spc="-1">
+                <a:solidFill>
+                  <a:srgbClr val="001F2A"/>
+                </a:solidFill>
+                <a:latin typeface="Calibri"/>
+                <a:ea typeface="Calibri"/>
+              </a:rPr>
+              <a:t>Change price, image, etc</a:t>
+            </a:r>
+            <a:endParaRPr lang="en-US" sz="3600" b="0" strike="noStrike" spc="-1">
+              <a:solidFill>
+                <a:srgbClr val="000000"/>
+              </a:solidFill>
+              <a:latin typeface="Calibri"/>
+            </a:endParaRPr>
+          </a:p>
+          <a:p>
+            <a:pPr marL="457200" indent="0">
+              <a:lnSpc>
+                <a:spcPct val="100000"/>
+              </a:lnSpc>
+              <a:buNone/>
+              <a:tabLst>
+                <a:tab pos="0" algn="l"/>
+              </a:tabLst>
+            </a:pPr>
+            <a:endParaRPr lang="en-US" sz="3600" b="0" strike="noStrike" spc="-1">
+              <a:solidFill>
+                <a:srgbClr val="000000"/>
+              </a:solidFill>
+              <a:latin typeface="Calibri"/>
+            </a:endParaRPr>
+          </a:p>
+          <a:p>
+            <a:pPr marL="228600" indent="-228600">
+              <a:lnSpc>
+                <a:spcPct val="100000"/>
+              </a:lnSpc>
+              <a:buClr>
+                <a:srgbClr val="001F2A"/>
+              </a:buClr>
+              <a:buFont typeface="Arial"/>
+              <a:buChar char="•"/>
+              <a:tabLst>
+                <a:tab pos="0" algn="l"/>
+              </a:tabLst>
+            </a:pPr>
+            <a:r>
+              <a:rPr lang="en-US" sz="4000" b="0" i="1" strike="noStrike" spc="-1">
+                <a:solidFill>
+                  <a:srgbClr val="001F2A"/>
+                </a:solidFill>
+                <a:latin typeface="Calibri"/>
+                <a:ea typeface="Calibri"/>
+              </a:rPr>
+              <a:t>Customer:</a:t>
+            </a:r>
+            <a:endParaRPr lang="en-US" sz="4000" b="0" strike="noStrike" spc="-1">
+              <a:solidFill>
+                <a:srgbClr val="000000"/>
+              </a:solidFill>
+              <a:latin typeface="Calibri"/>
+            </a:endParaRPr>
+          </a:p>
+          <a:p>
+            <a:pPr marL="685800" lvl="1" indent="-228600">
+              <a:lnSpc>
+                <a:spcPct val="100000"/>
+              </a:lnSpc>
+              <a:buClr>
+                <a:srgbClr val="000000"/>
+              </a:buClr>
+              <a:buFont typeface="Arial"/>
+              <a:buChar char="•"/>
+              <a:tabLst>
+                <a:tab pos="0" algn="l"/>
+              </a:tabLst>
+            </a:pPr>
+            <a:r>
+              <a:rPr lang="en-US" sz="3600" b="0" i="1" strike="noStrike" spc="-1">
+                <a:solidFill>
+                  <a:srgbClr val="000000"/>
+                </a:solidFill>
+                <a:latin typeface="Calibri"/>
+                <a:ea typeface="Calibri"/>
+              </a:rPr>
+              <a:t>Browse products and deals</a:t>
+            </a:r>
+            <a:endParaRPr lang="en-US" sz="3600" b="0" strike="noStrike" spc="-1">
+              <a:solidFill>
+                <a:srgbClr val="000000"/>
+              </a:solidFill>
+              <a:latin typeface="Calibri"/>
+            </a:endParaRPr>
+          </a:p>
+          <a:p>
+            <a:pPr marL="685800" lvl="1" indent="-228600">
+              <a:lnSpc>
+                <a:spcPct val="100000"/>
+              </a:lnSpc>
+              <a:buClr>
+                <a:srgbClr val="000000"/>
+              </a:buClr>
+              <a:buFont typeface="Arial"/>
+              <a:buChar char="•"/>
+              <a:tabLst>
+                <a:tab pos="0" algn="l"/>
+              </a:tabLst>
+            </a:pPr>
+            <a:r>
+              <a:rPr lang="en-US" sz="3600" b="0" i="1" strike="noStrike" spc="-1">
+                <a:solidFill>
+                  <a:srgbClr val="000000"/>
+                </a:solidFill>
+                <a:latin typeface="Calibri"/>
+                <a:ea typeface="Calibri"/>
+              </a:rPr>
+              <a:t>Add items to cart</a:t>
+            </a:r>
+            <a:endParaRPr lang="en-US" sz="3600" b="0" strike="noStrike" spc="-1">
+              <a:solidFill>
+                <a:srgbClr val="000000"/>
+              </a:solidFill>
+              <a:latin typeface="Calibri"/>
+            </a:endParaRPr>
+          </a:p>
+          <a:p>
+            <a:pPr marL="685800" lvl="1" indent="-228600">
+              <a:lnSpc>
+                <a:spcPct val="100000"/>
+              </a:lnSpc>
+              <a:buClr>
+                <a:srgbClr val="000000"/>
+              </a:buClr>
+              <a:buFont typeface="Arial"/>
+              <a:buChar char="•"/>
+              <a:tabLst>
+                <a:tab pos="0" algn="l"/>
+              </a:tabLst>
+            </a:pPr>
+            <a:r>
+              <a:rPr lang="en-US" sz="3600" b="0" i="1" strike="noStrike" spc="-1">
+                <a:solidFill>
+                  <a:srgbClr val="000000"/>
+                </a:solidFill>
+                <a:latin typeface="Calibri"/>
+                <a:ea typeface="Calibri"/>
+              </a:rPr>
+              <a:t>Checkout/pay</a:t>
+            </a:r>
+            <a:endParaRPr lang="en-US" sz="3600" b="0" strike="noStrike" spc="-1">
+              <a:solidFill>
+                <a:srgbClr val="000000"/>
+              </a:solidFill>
+              <a:latin typeface="Calibri"/>
+            </a:endParaRPr>
+          </a:p>
+        </p:txBody>
+      </p:sp>
+    </p:spTree>
+  </p:cSld>
+  <p:clrMapOvr>
+    <a:masterClrMapping/>
+  </p:clrMapOvr>
+</p:sld>
+</file>
+
+<file path=ppt/slides/slide8.xml><?xml version="1.0" encoding="utf-8"?>
+<p:sld xmlns:a="http://schemas.openxmlformats.org/drawingml/2006/main" xmlns:r="http://schemas.openxmlformats.org/officeDocument/2006/relationships" xmlns:p="http://schemas.openxmlformats.org/presentationml/2006/main">
+  <p:cSld>
+    <p:bg>
+      <p:bgPr>
+        <a:solidFill>
+          <a:srgbClr val="FFFFFF"/>
+        </a:solidFill>
+        <a:effectLst/>
+      </p:bgPr>
+    </p:bg>
+    <p:spTree>
+      <p:nvGrpSpPr>
+        <p:cNvPr id="1" name=""/>
+        <p:cNvGrpSpPr/>
+        <p:nvPr/>
+      </p:nvGrpSpPr>
+      <p:grpSpPr>
+        <a:xfrm>
+          <a:off x="0" y="0"/>
+          <a:ext cx="0" cy="0"/>
+          <a:chOff x="0" y="0"/>
+          <a:chExt cx="0" cy="0"/>
+        </a:xfrm>
+      </p:grpSpPr>
+      <p:sp useBgFill="1">
+        <p:nvSpPr>
+          <p:cNvPr id="108" name="Rectangle 16"/>
+          <p:cNvSpPr/>
+          <p:nvPr/>
+        </p:nvSpPr>
+        <p:spPr>
+          <a:xfrm>
+            <a:off x="0" y="0"/>
+            <a:ext cx="12188520" cy="6857640"/>
+          </a:xfrm>
+          <a:prstGeom prst="rect">
+            <a:avLst/>
+          </a:prstGeom>
           <a:ln>
             <a:noFill/>
           </a:ln>
@@ -10573,23 +10932,470 @@
       </p:sp>
       <p:sp>
         <p:nvSpPr>
-          <p:cNvPr id="116" name="Oval 42"/>
+          <p:cNvPr id="109" name="PlaceHolder 1"/>
+          <p:cNvSpPr>
+            <a:spLocks noGrp="1"/>
+          </p:cNvSpPr>
+          <p:nvPr>
+            <p:ph type="title"/>
+          </p:nvPr>
+        </p:nvSpPr>
+        <p:spPr>
+          <a:xfrm>
+            <a:off x="647280" y="1295280"/>
+            <a:ext cx="5894640" cy="3807000"/>
+          </a:xfrm>
+          <a:prstGeom prst="rect">
+            <a:avLst/>
+          </a:prstGeom>
+          <a:noFill/>
+          <a:ln w="0">
+            <a:noFill/>
+          </a:ln>
+        </p:spPr>
+        <p:txBody>
+          <a:bodyPr anchor="b">
+            <a:normAutofit/>
+          </a:bodyPr>
+          <a:lstStyle/>
+          <a:p>
+            <a:pPr indent="0">
+              <a:lnSpc>
+                <a:spcPct val="90000"/>
+              </a:lnSpc>
+              <a:buNone/>
+            </a:pPr>
+            <a:r>
+              <a:rPr lang="en-US" sz="6600" b="0" strike="noStrike" spc="-1">
+                <a:solidFill>
+                  <a:srgbClr val="000000"/>
+                </a:solidFill>
+                <a:latin typeface="Calibri Light"/>
+              </a:rPr>
+              <a:t>Project Demo</a:t>
+            </a:r>
+            <a:endParaRPr lang="en-US" sz="6600" b="0" strike="noStrike" spc="-1">
+              <a:solidFill>
+                <a:srgbClr val="000000"/>
+              </a:solidFill>
+              <a:latin typeface="Calibri"/>
+            </a:endParaRPr>
+          </a:p>
+        </p:txBody>
+      </p:sp>
+      <p:sp>
+        <p:nvSpPr>
+          <p:cNvPr id="110" name="Freeform: Shape 18"/>
           <p:cNvSpPr/>
           <p:nvPr/>
         </p:nvSpPr>
         <p:spPr>
           <a:xfrm>
-            <a:off x="2815920" y="149040"/>
-            <a:ext cx="6559920" cy="6559920"/>
-          </a:xfrm>
-          <a:prstGeom prst="ellipse">
-            <a:avLst/>
-          </a:prstGeom>
+            <a:off x="7306920" y="0"/>
+            <a:ext cx="4884480" cy="6857640"/>
+          </a:xfrm>
+          <a:custGeom>
+            <a:avLst/>
+            <a:gdLst>
+              <a:gd name="textAreaLeft" fmla="*/ 0 w 4884480"/>
+              <a:gd name="textAreaRight" fmla="*/ 4884840 w 4884480"/>
+              <a:gd name="textAreaTop" fmla="*/ 0 h 6857640"/>
+              <a:gd name="textAreaBottom" fmla="*/ 6858000 h 6857640"/>
+            </a:gdLst>
+            <a:ahLst/>
+            <a:cxnLst/>
+            <a:rect l="textAreaLeft" t="textAreaTop" r="textAreaRight" b="textAreaBottom"/>
+            <a:pathLst>
+              <a:path w="4884918" h="6858000">
+                <a:moveTo>
+                  <a:pt x="1097203" y="0"/>
+                </a:moveTo>
+                <a:lnTo>
+                  <a:pt x="1154155" y="0"/>
+                </a:lnTo>
+                <a:lnTo>
+                  <a:pt x="972305" y="343212"/>
+                </a:lnTo>
+                <a:cubicBezTo>
+                  <a:pt x="904739" y="480367"/>
+                  <a:pt x="840941" y="619727"/>
+                  <a:pt x="780524" y="761067"/>
+                </a:cubicBezTo>
+                <a:cubicBezTo>
+                  <a:pt x="765737" y="795681"/>
+                  <a:pt x="751579" y="830550"/>
+                  <a:pt x="737045" y="865164"/>
+                </a:cubicBezTo>
+                <a:cubicBezTo>
+                  <a:pt x="748306" y="856057"/>
+                  <a:pt x="757014" y="844174"/>
+                  <a:pt x="762322" y="830676"/>
+                </a:cubicBezTo>
+                <a:cubicBezTo>
+                  <a:pt x="870201" y="600612"/>
+                  <a:pt x="988539" y="376889"/>
+                  <a:pt x="1118805" y="160440"/>
+                </a:cubicBezTo>
+                <a:lnTo>
+                  <a:pt x="1221640" y="0"/>
+                </a:lnTo>
+                <a:lnTo>
+                  <a:pt x="4884918" y="0"/>
+                </a:lnTo>
+                <a:lnTo>
+                  <a:pt x="4884918" y="6857999"/>
+                </a:lnTo>
+                <a:lnTo>
+                  <a:pt x="4884918" y="6858000"/>
+                </a:lnTo>
+                <a:lnTo>
+                  <a:pt x="704817" y="6858000"/>
+                </a:lnTo>
+                <a:lnTo>
+                  <a:pt x="618717" y="6672538"/>
+                </a:lnTo>
+                <a:cubicBezTo>
+                  <a:pt x="501618" y="6400947"/>
+                  <a:pt x="398622" y="6121213"/>
+                  <a:pt x="309324" y="5833618"/>
+                </a:cubicBezTo>
+                <a:cubicBezTo>
+                  <a:pt x="275071" y="5723183"/>
+                  <a:pt x="246125" y="5611225"/>
+                  <a:pt x="209850" y="5484180"/>
+                </a:cubicBezTo>
+                <a:cubicBezTo>
+                  <a:pt x="209859" y="5495363"/>
+                  <a:pt x="210448" y="5506534"/>
+                  <a:pt x="211619" y="5517653"/>
+                </a:cubicBezTo>
+                <a:cubicBezTo>
+                  <a:pt x="261166" y="5727113"/>
+                  <a:pt x="303888" y="5938474"/>
+                  <a:pt x="361778" y="6145524"/>
+                </a:cubicBezTo>
+                <a:cubicBezTo>
+                  <a:pt x="428356" y="6383258"/>
+                  <a:pt x="504422" y="6616111"/>
+                  <a:pt x="591356" y="6843306"/>
+                </a:cubicBezTo>
+                <a:lnTo>
+                  <a:pt x="597415" y="6858000"/>
+                </a:lnTo>
+                <a:lnTo>
+                  <a:pt x="545224" y="6858000"/>
+                </a:lnTo>
+                <a:lnTo>
+                  <a:pt x="533604" y="6830072"/>
+                </a:lnTo>
+                <a:cubicBezTo>
+                  <a:pt x="376384" y="6416985"/>
+                  <a:pt x="257344" y="5991917"/>
+                  <a:pt x="169657" y="5556577"/>
+                </a:cubicBezTo>
+                <a:cubicBezTo>
+                  <a:pt x="90154" y="5162256"/>
+                  <a:pt x="43261" y="4763750"/>
+                  <a:pt x="12169" y="4362835"/>
+                </a:cubicBezTo>
+                <a:cubicBezTo>
+                  <a:pt x="-14122" y="4019865"/>
+                  <a:pt x="4458" y="3679429"/>
+                  <a:pt x="46168" y="3338487"/>
+                </a:cubicBezTo>
+                <a:cubicBezTo>
+                  <a:pt x="125796" y="2672248"/>
+                  <a:pt x="274744" y="2016203"/>
+                  <a:pt x="490574" y="1381078"/>
+                </a:cubicBezTo>
+                <a:cubicBezTo>
+                  <a:pt x="629230" y="976550"/>
+                  <a:pt x="791584" y="584320"/>
+                  <a:pt x="984701" y="208241"/>
+                </a:cubicBezTo>
+                <a:close/>
+              </a:path>
+            </a:pathLst>
+          </a:custGeom>
           <a:solidFill>
-            <a:schemeClr val="bg1"/>
+            <a:schemeClr val="accent2"/>
           </a:solidFill>
-          <a:ln>
+          <a:ln w="6857">
             <a:noFill/>
+          </a:ln>
+        </p:spPr>
+        <p:style>
+          <a:lnRef idx="0">
+            <a:scrgbClr r="0" g="0" b="0"/>
+          </a:lnRef>
+          <a:fillRef idx="0">
+            <a:scrgbClr r="0" g="0" b="0"/>
+          </a:fillRef>
+          <a:effectRef idx="0">
+            <a:scrgbClr r="0" g="0" b="0"/>
+          </a:effectRef>
+          <a:fontRef idx="minor"/>
+        </p:style>
+        <p:txBody>
+          <a:bodyPr lIns="90000" tIns="45000" rIns="90000" bIns="45000" anchor="ctr">
+            <a:noAutofit/>
+          </a:bodyPr>
+          <a:lstStyle/>
+          <a:p>
+            <a:pPr>
+              <a:lnSpc>
+                <a:spcPct val="100000"/>
+              </a:lnSpc>
+            </a:pPr>
+            <a:endParaRPr lang="en-US" sz="1800" b="0" strike="noStrike" spc="-1">
+              <a:solidFill>
+                <a:srgbClr val="000000"/>
+              </a:solidFill>
+              <a:latin typeface="Calibri"/>
+            </a:endParaRPr>
+          </a:p>
+        </p:txBody>
+      </p:sp>
+      <p:sp>
+        <p:nvSpPr>
+          <p:cNvPr id="111" name="sketch line"/>
+          <p:cNvSpPr/>
+          <p:nvPr/>
+        </p:nvSpPr>
+        <p:spPr>
+          <a:xfrm>
+            <a:off x="650160" y="5439960"/>
+            <a:ext cx="5897520" cy="18000"/>
+          </a:xfrm>
+          <a:custGeom>
+            <a:avLst/>
+            <a:gdLst>
+              <a:gd name="textAreaLeft" fmla="*/ 0 w 5897520"/>
+              <a:gd name="textAreaRight" fmla="*/ 5897880 w 5897520"/>
+              <a:gd name="textAreaTop" fmla="*/ 0 h 18000"/>
+              <a:gd name="textAreaBottom" fmla="*/ 18360 h 18000"/>
+            </a:gdLst>
+            <a:ahLst/>
+            <a:cxnLst/>
+            <a:rect l="textAreaLeft" t="textAreaTop" r="textAreaRight" b="textAreaBottom"/>
+            <a:pathLst>
+              <a:path w="5897880" h="18288" fill="none">
+                <a:moveTo>
+                  <a:pt x="0" y="0"/>
+                </a:moveTo>
+                <a:cubicBezTo>
+                  <a:pt x="232564" y="21549"/>
+                  <a:pt x="389747" y="7320"/>
+                  <a:pt x="537362" y="0"/>
+                </a:cubicBezTo>
+                <a:cubicBezTo>
+                  <a:pt x="684977" y="-7320"/>
+                  <a:pt x="894159" y="-7726"/>
+                  <a:pt x="1133704" y="0"/>
+                </a:cubicBezTo>
+                <a:cubicBezTo>
+                  <a:pt x="1373249" y="7726"/>
+                  <a:pt x="1440352" y="-304"/>
+                  <a:pt x="1671066" y="0"/>
+                </a:cubicBezTo>
+                <a:cubicBezTo>
+                  <a:pt x="1901780" y="304"/>
+                  <a:pt x="2091497" y="765"/>
+                  <a:pt x="2385365" y="0"/>
+                </a:cubicBezTo>
+                <a:cubicBezTo>
+                  <a:pt x="2679233" y="-765"/>
+                  <a:pt x="2762926" y="2802"/>
+                  <a:pt x="3040685" y="0"/>
+                </a:cubicBezTo>
+                <a:cubicBezTo>
+                  <a:pt x="3318444" y="-2802"/>
+                  <a:pt x="3409726" y="9093"/>
+                  <a:pt x="3696005" y="0"/>
+                </a:cubicBezTo>
+                <a:cubicBezTo>
+                  <a:pt x="3982284" y="-9093"/>
+                  <a:pt x="4087272" y="27119"/>
+                  <a:pt x="4469282" y="0"/>
+                </a:cubicBezTo>
+                <a:cubicBezTo>
+                  <a:pt x="4851292" y="-27119"/>
+                  <a:pt x="4924835" y="26473"/>
+                  <a:pt x="5183581" y="0"/>
+                </a:cubicBezTo>
+                <a:cubicBezTo>
+                  <a:pt x="5442327" y="-26473"/>
+                  <a:pt x="5598463" y="7328"/>
+                  <a:pt x="5897880" y="0"/>
+                </a:cubicBezTo>
+                <a:cubicBezTo>
+                  <a:pt x="5898259" y="7355"/>
+                  <a:pt x="5898164" y="10249"/>
+                  <a:pt x="5897880" y="18288"/>
+                </a:cubicBezTo>
+                <a:cubicBezTo>
+                  <a:pt x="5682742" y="31268"/>
+                  <a:pt x="5520014" y="14700"/>
+                  <a:pt x="5419496" y="18288"/>
+                </a:cubicBezTo>
+                <a:cubicBezTo>
+                  <a:pt x="5318978" y="21876"/>
+                  <a:pt x="5012864" y="-2446"/>
+                  <a:pt x="4882134" y="18288"/>
+                </a:cubicBezTo>
+                <a:cubicBezTo>
+                  <a:pt x="4751404" y="39022"/>
+                  <a:pt x="4313676" y="-3937"/>
+                  <a:pt x="4167835" y="18288"/>
+                </a:cubicBezTo>
+                <a:cubicBezTo>
+                  <a:pt x="4021994" y="40513"/>
+                  <a:pt x="3715729" y="50049"/>
+                  <a:pt x="3394558" y="18288"/>
+                </a:cubicBezTo>
+                <a:cubicBezTo>
+                  <a:pt x="3073387" y="-13473"/>
+                  <a:pt x="3093227" y="29828"/>
+                  <a:pt x="2798216" y="18288"/>
+                </a:cubicBezTo>
+                <a:cubicBezTo>
+                  <a:pt x="2503205" y="6748"/>
+                  <a:pt x="2297615" y="22459"/>
+                  <a:pt x="2024939" y="18288"/>
+                </a:cubicBezTo>
+                <a:cubicBezTo>
+                  <a:pt x="1752263" y="14117"/>
+                  <a:pt x="1629814" y="-5485"/>
+                  <a:pt x="1487576" y="18288"/>
+                </a:cubicBezTo>
+                <a:cubicBezTo>
+                  <a:pt x="1345338" y="42061"/>
+                  <a:pt x="1238885" y="15810"/>
+                  <a:pt x="1009193" y="18288"/>
+                </a:cubicBezTo>
+                <a:cubicBezTo>
+                  <a:pt x="779501" y="20766"/>
+                  <a:pt x="441829" y="-24679"/>
+                  <a:pt x="0" y="18288"/>
+                </a:cubicBezTo>
+                <a:cubicBezTo>
+                  <a:pt x="-384" y="12702"/>
+                  <a:pt x="-513" y="4636"/>
+                  <a:pt x="0" y="0"/>
+                </a:cubicBezTo>
+                <a:close/>
+              </a:path>
+              <a:path w="5897880" h="18288" stroke="0">
+                <a:moveTo>
+                  <a:pt x="0" y="0"/>
+                </a:moveTo>
+                <a:cubicBezTo>
+                  <a:pt x="196299" y="-26676"/>
+                  <a:pt x="463834" y="6738"/>
+                  <a:pt x="596341" y="0"/>
+                </a:cubicBezTo>
+                <a:cubicBezTo>
+                  <a:pt x="728848" y="-6738"/>
+                  <a:pt x="857267" y="1845"/>
+                  <a:pt x="1074725" y="0"/>
+                </a:cubicBezTo>
+                <a:cubicBezTo>
+                  <a:pt x="1292183" y="-1845"/>
+                  <a:pt x="1545672" y="3744"/>
+                  <a:pt x="1848002" y="0"/>
+                </a:cubicBezTo>
+                <a:cubicBezTo>
+                  <a:pt x="2150332" y="-3744"/>
+                  <a:pt x="2306688" y="-14526"/>
+                  <a:pt x="2444344" y="0"/>
+                </a:cubicBezTo>
+                <a:cubicBezTo>
+                  <a:pt x="2582000" y="14526"/>
+                  <a:pt x="2761095" y="-11862"/>
+                  <a:pt x="3040685" y="0"/>
+                </a:cubicBezTo>
+                <a:cubicBezTo>
+                  <a:pt x="3320275" y="11862"/>
+                  <a:pt x="3622320" y="-32867"/>
+                  <a:pt x="3813962" y="0"/>
+                </a:cubicBezTo>
+                <a:cubicBezTo>
+                  <a:pt x="4005604" y="32867"/>
+                  <a:pt x="4117810" y="-10778"/>
+                  <a:pt x="4351325" y="0"/>
+                </a:cubicBezTo>
+                <a:cubicBezTo>
+                  <a:pt x="4584840" y="10778"/>
+                  <a:pt x="4963783" y="-32384"/>
+                  <a:pt x="5124602" y="0"/>
+                </a:cubicBezTo>
+                <a:cubicBezTo>
+                  <a:pt x="5285421" y="32384"/>
+                  <a:pt x="5705238" y="-29538"/>
+                  <a:pt x="5897880" y="0"/>
+                </a:cubicBezTo>
+                <a:cubicBezTo>
+                  <a:pt x="5898220" y="5688"/>
+                  <a:pt x="5897711" y="13142"/>
+                  <a:pt x="5897880" y="18288"/>
+                </a:cubicBezTo>
+                <a:cubicBezTo>
+                  <a:pt x="5630425" y="-1425"/>
+                  <a:pt x="5532865" y="12244"/>
+                  <a:pt x="5242560" y="18288"/>
+                </a:cubicBezTo>
+                <a:cubicBezTo>
+                  <a:pt x="4952255" y="24332"/>
+                  <a:pt x="4783060" y="5748"/>
+                  <a:pt x="4646219" y="18288"/>
+                </a:cubicBezTo>
+                <a:cubicBezTo>
+                  <a:pt x="4509378" y="30828"/>
+                  <a:pt x="4163771" y="-13995"/>
+                  <a:pt x="3872941" y="18288"/>
+                </a:cubicBezTo>
+                <a:cubicBezTo>
+                  <a:pt x="3582111" y="50571"/>
+                  <a:pt x="3362704" y="-1402"/>
+                  <a:pt x="3099664" y="18288"/>
+                </a:cubicBezTo>
+                <a:cubicBezTo>
+                  <a:pt x="2836624" y="37978"/>
+                  <a:pt x="2747441" y="19657"/>
+                  <a:pt x="2562301" y="18288"/>
+                </a:cubicBezTo>
+                <a:cubicBezTo>
+                  <a:pt x="2377161" y="16919"/>
+                  <a:pt x="2104946" y="21735"/>
+                  <a:pt x="1906981" y="18288"/>
+                </a:cubicBezTo>
+                <a:cubicBezTo>
+                  <a:pt x="1709016" y="14841"/>
+                  <a:pt x="1304654" y="-2323"/>
+                  <a:pt x="1133704" y="18288"/>
+                </a:cubicBezTo>
+                <a:cubicBezTo>
+                  <a:pt x="962754" y="38899"/>
+                  <a:pt x="457048" y="2985"/>
+                  <a:pt x="0" y="18288"/>
+                </a:cubicBezTo>
+                <a:cubicBezTo>
+                  <a:pt x="-478" y="10520"/>
+                  <a:pt x="210" y="5044"/>
+                  <a:pt x="0" y="0"/>
+                </a:cubicBezTo>
+                <a:close/>
+              </a:path>
+            </a:pathLst>
+          </a:custGeom>
+          <a:solidFill>
+            <a:schemeClr val="accent2"/>
+          </a:solidFill>
+          <a:ln w="41275" cap="rnd">
+            <a:solidFill>
+              <a:srgbClr val="ED7D31"/>
+            </a:solidFill>
+            <a:round/>
           </a:ln>
         </p:spPr>
         <p:style>
@@ -10607,7 +11413,7 @@
           <a:fontRef idx="minor"/>
         </p:style>
         <p:txBody>
-          <a:bodyPr lIns="90000" tIns="45000" rIns="90000" bIns="45000" anchor="ctr">
+          <a:bodyPr lIns="90000" tIns="-26640" rIns="90000" bIns="-26640" anchor="ctr">
             <a:noAutofit/>
           </a:bodyPr>
           <a:lstStyle/>
@@ -10619,144 +11425,173 @@
             </a:pPr>
             <a:endParaRPr lang="en-US" sz="1800" b="0" strike="noStrike" spc="-1">
               <a:solidFill>
-                <a:srgbClr val="FFFFFF"/>
-              </a:solidFill>
-              <a:latin typeface="Calibri"/>
-            </a:endParaRPr>
-          </a:p>
-        </p:txBody>
-      </p:sp>
-      <p:sp>
-        <p:nvSpPr>
-          <p:cNvPr id="117" name="PlaceHolder 1"/>
-          <p:cNvSpPr>
-            <a:spLocks noGrp="1"/>
-          </p:cNvSpPr>
-          <p:nvPr>
-            <p:ph type="title"/>
-          </p:nvPr>
-        </p:nvSpPr>
-        <p:spPr>
-          <a:xfrm>
-            <a:off x="3314880" y="1380600"/>
-            <a:ext cx="5561640" cy="2513160"/>
-          </a:xfrm>
-          <a:prstGeom prst="rect">
-            <a:avLst/>
-          </a:prstGeom>
-          <a:noFill/>
-          <a:ln w="0">
-            <a:noFill/>
-          </a:ln>
-        </p:spPr>
-        <p:txBody>
-          <a:bodyPr anchor="b">
-            <a:normAutofit/>
-          </a:bodyPr>
-          <a:lstStyle/>
-          <a:p>
-            <a:pPr indent="0" algn="ctr">
-              <a:lnSpc>
-                <a:spcPct val="90000"/>
-              </a:lnSpc>
-              <a:buNone/>
-            </a:pPr>
-            <a:r>
-              <a:rPr lang="en-US" sz="7200" b="1" strike="noStrike" spc="-1">
-                <a:solidFill>
-                  <a:srgbClr val="000000"/>
-                </a:solidFill>
-                <a:latin typeface="Calibri Light"/>
-              </a:rPr>
-              <a:t>Questions?</a:t>
-            </a:r>
-            <a:endParaRPr lang="en-US" sz="7200" b="0" strike="noStrike" spc="-1">
-              <a:solidFill>
-                <a:srgbClr val="000000"/>
-              </a:solidFill>
-              <a:latin typeface="Calibri"/>
-            </a:endParaRPr>
-          </a:p>
-        </p:txBody>
-      </p:sp>
-      <p:sp>
-        <p:nvSpPr>
-          <p:cNvPr id="118" name="Arc 44"/>
+                <a:schemeClr val="lt1"/>
+              </a:solidFill>
+              <a:latin typeface="Calibri"/>
+            </a:endParaRPr>
+          </a:p>
+        </p:txBody>
+      </p:sp>
+      <p:sp>
+        <p:nvSpPr>
+          <p:cNvPr id="112" name="sketch line 2"/>
           <p:cNvSpPr/>
           <p:nvPr/>
         </p:nvSpPr>
         <p:spPr>
-          <a:xfrm rot="9222600" flipV="1">
-            <a:off x="2494080" y="6480"/>
-            <a:ext cx="6815880" cy="6815880"/>
-          </a:xfrm>
-          <a:prstGeom prst="arc">
-            <a:avLst>
-              <a:gd name="adj1" fmla="val 16200000"/>
-              <a:gd name="adj2" fmla="val 20093138"/>
-            </a:avLst>
-          </a:prstGeom>
-          <a:noFill/>
-          <a:ln w="127000" cap="rnd">
+          <a:xfrm>
+            <a:off x="7850520" y="5626440"/>
+            <a:ext cx="3479400" cy="18000"/>
+          </a:xfrm>
+          <a:custGeom>
+            <a:avLst/>
+            <a:gdLst>
+              <a:gd name="textAreaLeft" fmla="*/ 0 w 3479400"/>
+              <a:gd name="textAreaRight" fmla="*/ 3479760 w 3479400"/>
+              <a:gd name="textAreaTop" fmla="*/ 0 h 18000"/>
+              <a:gd name="textAreaBottom" fmla="*/ 18360 h 18000"/>
+            </a:gdLst>
+            <a:ahLst/>
+            <a:cxnLst/>
+            <a:rect l="textAreaLeft" t="textAreaTop" r="textAreaRight" b="textAreaBottom"/>
+            <a:pathLst>
+              <a:path w="3479619" h="18288" fill="none">
+                <a:moveTo>
+                  <a:pt x="0" y="0"/>
+                </a:moveTo>
+                <a:cubicBezTo>
+                  <a:pt x="178395" y="-3637"/>
+                  <a:pt x="368619" y="-28254"/>
+                  <a:pt x="661128" y="0"/>
+                </a:cubicBezTo>
+                <a:cubicBezTo>
+                  <a:pt x="953637" y="28254"/>
+                  <a:pt x="1022982" y="-4416"/>
+                  <a:pt x="1357051" y="0"/>
+                </a:cubicBezTo>
+                <a:cubicBezTo>
+                  <a:pt x="1691120" y="4416"/>
+                  <a:pt x="1729558" y="27777"/>
+                  <a:pt x="2087771" y="0"/>
+                </a:cubicBezTo>
+                <a:cubicBezTo>
+                  <a:pt x="2445984" y="-27777"/>
+                  <a:pt x="2592094" y="4429"/>
+                  <a:pt x="2818491" y="0"/>
+                </a:cubicBezTo>
+                <a:cubicBezTo>
+                  <a:pt x="3044888" y="-4429"/>
+                  <a:pt x="3204567" y="26471"/>
+                  <a:pt x="3479619" y="0"/>
+                </a:cubicBezTo>
+                <a:cubicBezTo>
+                  <a:pt x="3478910" y="8157"/>
+                  <a:pt x="3479206" y="12125"/>
+                  <a:pt x="3479619" y="18288"/>
+                </a:cubicBezTo>
+                <a:cubicBezTo>
+                  <a:pt x="3315855" y="-2963"/>
+                  <a:pt x="3094885" y="26965"/>
+                  <a:pt x="2714103" y="18288"/>
+                </a:cubicBezTo>
+                <a:cubicBezTo>
+                  <a:pt x="2333321" y="9611"/>
+                  <a:pt x="2260528" y="-15335"/>
+                  <a:pt x="1948587" y="18288"/>
+                </a:cubicBezTo>
+                <a:cubicBezTo>
+                  <a:pt x="1636646" y="51911"/>
+                  <a:pt x="1489816" y="46369"/>
+                  <a:pt x="1252663" y="18288"/>
+                </a:cubicBezTo>
+                <a:cubicBezTo>
+                  <a:pt x="1015510" y="-9793"/>
+                  <a:pt x="519812" y="-12177"/>
+                  <a:pt x="0" y="18288"/>
+                </a:cubicBezTo>
+                <a:cubicBezTo>
+                  <a:pt x="-46" y="12483"/>
+                  <a:pt x="-203" y="6491"/>
+                  <a:pt x="0" y="0"/>
+                </a:cubicBezTo>
+                <a:close/>
+              </a:path>
+              <a:path w="3479619" h="18288" stroke="0">
+                <a:moveTo>
+                  <a:pt x="0" y="0"/>
+                </a:moveTo>
+                <a:cubicBezTo>
+                  <a:pt x="326045" y="25020"/>
+                  <a:pt x="425411" y="-17676"/>
+                  <a:pt x="661128" y="0"/>
+                </a:cubicBezTo>
+                <a:cubicBezTo>
+                  <a:pt x="896845" y="17676"/>
+                  <a:pt x="1124825" y="1478"/>
+                  <a:pt x="1252663" y="0"/>
+                </a:cubicBezTo>
+                <a:cubicBezTo>
+                  <a:pt x="1380502" y="-1478"/>
+                  <a:pt x="1694914" y="11788"/>
+                  <a:pt x="2018179" y="0"/>
+                </a:cubicBezTo>
+                <a:cubicBezTo>
+                  <a:pt x="2341444" y="-11788"/>
+                  <a:pt x="2451167" y="12596"/>
+                  <a:pt x="2679307" y="0"/>
+                </a:cubicBezTo>
+                <a:cubicBezTo>
+                  <a:pt x="2907447" y="-12596"/>
+                  <a:pt x="3094555" y="23821"/>
+                  <a:pt x="3479619" y="0"/>
+                </a:cubicBezTo>
+                <a:cubicBezTo>
+                  <a:pt x="3479355" y="4493"/>
+                  <a:pt x="3480003" y="9472"/>
+                  <a:pt x="3479619" y="18288"/>
+                </a:cubicBezTo>
+                <a:cubicBezTo>
+                  <a:pt x="3311729" y="36782"/>
+                  <a:pt x="3015946" y="7938"/>
+                  <a:pt x="2783695" y="18288"/>
+                </a:cubicBezTo>
+                <a:cubicBezTo>
+                  <a:pt x="2551444" y="28638"/>
+                  <a:pt x="2398767" y="-13940"/>
+                  <a:pt x="2018179" y="18288"/>
+                </a:cubicBezTo>
+                <a:cubicBezTo>
+                  <a:pt x="1637591" y="50516"/>
+                  <a:pt x="1634873" y="-6356"/>
+                  <a:pt x="1426644" y="18288"/>
+                </a:cubicBezTo>
+                <a:cubicBezTo>
+                  <a:pt x="1218415" y="42932"/>
+                  <a:pt x="1006973" y="4094"/>
+                  <a:pt x="730720" y="18288"/>
+                </a:cubicBezTo>
+                <a:cubicBezTo>
+                  <a:pt x="454467" y="32482"/>
+                  <a:pt x="291313" y="3910"/>
+                  <a:pt x="0" y="18288"/>
+                </a:cubicBezTo>
+                <a:cubicBezTo>
+                  <a:pt x="843" y="9577"/>
+                  <a:pt x="371" y="6900"/>
+                  <a:pt x="0" y="0"/>
+                </a:cubicBezTo>
+                <a:close/>
+              </a:path>
+            </a:pathLst>
+          </a:custGeom>
+          <a:solidFill>
+            <a:srgbClr val="FFFFFF"/>
+          </a:solidFill>
+          <a:ln w="41275" cap="rnd">
             <a:solidFill>
-              <a:srgbClr val="FFC000">
-                <a:alpha val="95000"/>
-              </a:srgbClr>
+              <a:srgbClr val="FFFFFF"/>
             </a:solidFill>
-            <a:prstDash val="dash"/>
-          </a:ln>
-        </p:spPr>
-        <p:style>
-          <a:lnRef idx="1">
-            <a:schemeClr val="accent1"/>
-          </a:lnRef>
-          <a:fillRef idx="0">
-            <a:schemeClr val="accent1"/>
-          </a:fillRef>
-          <a:effectRef idx="0">
-            <a:schemeClr val="accent1"/>
-          </a:effectRef>
-          <a:fontRef idx="minor"/>
-        </p:style>
-        <p:txBody>
-          <a:bodyPr lIns="90000" tIns="45000" rIns="90000" bIns="45000" anchor="ctr">
-            <a:noAutofit/>
-          </a:bodyPr>
-          <a:lstStyle/>
-          <a:p>
-            <a:pPr algn="ctr">
-              <a:lnSpc>
-                <a:spcPct val="100000"/>
-              </a:lnSpc>
-            </a:pPr>
-            <a:endParaRPr lang="en-US" sz="1800" b="0" strike="noStrike" spc="-1">
-              <a:solidFill>
-                <a:srgbClr val="000000"/>
-              </a:solidFill>
-              <a:latin typeface="Calibri"/>
-            </a:endParaRPr>
-          </a:p>
-        </p:txBody>
-      </p:sp>
-      <p:sp>
-        <p:nvSpPr>
-          <p:cNvPr id="119" name="Oval 46"/>
-          <p:cNvSpPr/>
-          <p:nvPr/>
-        </p:nvSpPr>
-        <p:spPr>
-          <a:xfrm>
-            <a:off x="8201160" y="5311080"/>
-            <a:ext cx="705600" cy="686520"/>
-          </a:xfrm>
-          <a:prstGeom prst="ellipse">
-            <a:avLst/>
-          </a:prstGeom>
-          <a:solidFill>
-            <a:schemeClr val="accent5"/>
-          </a:solidFill>
-          <a:ln>
-            <a:noFill/>
+            <a:round/>
           </a:ln>
         </p:spPr>
         <p:style>
@@ -10774,6 +11609,83 @@
           <a:fontRef idx="minor"/>
         </p:style>
         <p:txBody>
+          <a:bodyPr lIns="90000" tIns="-26640" rIns="90000" bIns="-26640" anchor="ctr">
+            <a:noAutofit/>
+          </a:bodyPr>
+          <a:lstStyle/>
+          <a:p>
+            <a:pPr algn="ctr">
+              <a:lnSpc>
+                <a:spcPct val="100000"/>
+              </a:lnSpc>
+            </a:pPr>
+            <a:endParaRPr lang="en-US" sz="1800" b="0" strike="noStrike" spc="-1">
+              <a:solidFill>
+                <a:schemeClr val="lt1"/>
+              </a:solidFill>
+              <a:latin typeface="Calibri"/>
+            </a:endParaRPr>
+          </a:p>
+        </p:txBody>
+      </p:sp>
+    </p:spTree>
+  </p:cSld>
+  <p:clrMapOvr>
+    <a:masterClrMapping/>
+  </p:clrMapOvr>
+</p:sld>
+</file>
+
+<file path=ppt/slides/slide9.xml><?xml version="1.0" encoding="utf-8"?>
+<p:sld xmlns:a="http://schemas.openxmlformats.org/drawingml/2006/main" xmlns:r="http://schemas.openxmlformats.org/officeDocument/2006/relationships" xmlns:p="http://schemas.openxmlformats.org/presentationml/2006/main">
+  <p:cSld>
+    <p:spTree>
+      <p:nvGrpSpPr>
+        <p:cNvPr id="1" name=""/>
+        <p:cNvGrpSpPr/>
+        <p:nvPr/>
+      </p:nvGrpSpPr>
+      <p:grpSpPr>
+        <a:xfrm>
+          <a:off x="0" y="0"/>
+          <a:ext cx="0" cy="0"/>
+          <a:chOff x="0" y="0"/>
+          <a:chExt cx="0" cy="0"/>
+        </a:xfrm>
+      </p:grpSpPr>
+      <p:sp useBgFill="1">
+        <p:nvSpPr>
+          <p:cNvPr id="98" name="Rectangle 7"/>
+          <p:cNvSpPr/>
+          <p:nvPr/>
+        </p:nvSpPr>
+        <p:spPr>
+          <a:xfrm>
+            <a:off x="2880" y="0"/>
+            <a:ext cx="12188520" cy="6857640"/>
+          </a:xfrm>
+          <a:prstGeom prst="rect">
+            <a:avLst/>
+          </a:prstGeom>
+          <a:ln>
+            <a:noFill/>
+          </a:ln>
+        </p:spPr>
+        <p:style>
+          <a:lnRef idx="2">
+            <a:schemeClr val="accent1">
+              <a:shade val="50000"/>
+            </a:schemeClr>
+          </a:lnRef>
+          <a:fillRef idx="1">
+            <a:schemeClr val="accent1"/>
+          </a:fillRef>
+          <a:effectRef idx="0">
+            <a:schemeClr val="accent1"/>
+          </a:effectRef>
+          <a:fontRef idx="minor"/>
+        </p:style>
+        <p:txBody>
           <a:bodyPr lIns="90000" tIns="45000" rIns="90000" bIns="45000" anchor="ctr">
             <a:noAutofit/>
           </a:bodyPr>
@@ -10793,7 +11705,325 @@
           </a:p>
         </p:txBody>
       </p:sp>
+      <p:sp>
+        <p:nvSpPr>
+          <p:cNvPr id="99" name="Freeform: Shape 9"/>
+          <p:cNvSpPr/>
+          <p:nvPr/>
+        </p:nvSpPr>
+        <p:spPr>
+          <a:xfrm>
+            <a:off x="0" y="360"/>
+            <a:ext cx="4167000" cy="6857640"/>
+          </a:xfrm>
+          <a:custGeom>
+            <a:avLst/>
+            <a:gdLst>
+              <a:gd name="textAreaLeft" fmla="*/ 0 w 4167000"/>
+              <a:gd name="textAreaRight" fmla="*/ 4167360 w 4167000"/>
+              <a:gd name="textAreaTop" fmla="*/ 0 h 6857640"/>
+              <a:gd name="textAreaBottom" fmla="*/ 6858000 h 6857640"/>
+            </a:gdLst>
+            <a:ahLst/>
+            <a:cxnLst/>
+            <a:rect l="textAreaLeft" t="textAreaTop" r="textAreaRight" b="textAreaBottom"/>
+            <a:pathLst>
+              <a:path w="4167271" h="6858000">
+                <a:moveTo>
+                  <a:pt x="0" y="0"/>
+                </a:moveTo>
+                <a:lnTo>
+                  <a:pt x="2259550" y="0"/>
+                </a:lnTo>
+                <a:lnTo>
+                  <a:pt x="2387803" y="82222"/>
+                </a:lnTo>
+                <a:cubicBezTo>
+                  <a:pt x="3461407" y="807534"/>
+                  <a:pt x="4167271" y="2035835"/>
+                  <a:pt x="4167271" y="3429000"/>
+                </a:cubicBezTo>
+                <a:cubicBezTo>
+                  <a:pt x="4167271" y="4822165"/>
+                  <a:pt x="3461407" y="6050467"/>
+                  <a:pt x="2387803" y="6775779"/>
+                </a:cubicBezTo>
+                <a:lnTo>
+                  <a:pt x="2259550" y="6858000"/>
+                </a:lnTo>
+                <a:lnTo>
+                  <a:pt x="0" y="6858000"/>
+                </a:lnTo>
+                <a:close/>
+              </a:path>
+            </a:pathLst>
+          </a:custGeom>
+          <a:solidFill>
+            <a:schemeClr val="accent2"/>
+          </a:solidFill>
+          <a:ln>
+            <a:noFill/>
+          </a:ln>
+        </p:spPr>
+        <p:style>
+          <a:lnRef idx="2">
+            <a:schemeClr val="accent1">
+              <a:shade val="50000"/>
+            </a:schemeClr>
+          </a:lnRef>
+          <a:fillRef idx="1">
+            <a:schemeClr val="accent1"/>
+          </a:fillRef>
+          <a:effectRef idx="0">
+            <a:schemeClr val="accent1"/>
+          </a:effectRef>
+          <a:fontRef idx="minor"/>
+        </p:style>
+        <p:txBody>
+          <a:bodyPr lIns="90000" tIns="45000" rIns="90000" bIns="45000" anchor="ctr">
+            <a:noAutofit/>
+          </a:bodyPr>
+          <a:lstStyle/>
+          <a:p>
+            <a:pPr algn="ctr">
+              <a:lnSpc>
+                <a:spcPct val="100000"/>
+              </a:lnSpc>
+            </a:pPr>
+            <a:endParaRPr lang="en-US" sz="1800" b="0" strike="noStrike" spc="-1">
+              <a:solidFill>
+                <a:schemeClr val="lt1"/>
+              </a:solidFill>
+              <a:latin typeface="Calibri"/>
+            </a:endParaRPr>
+          </a:p>
+        </p:txBody>
+      </p:sp>
+      <p:sp>
+        <p:nvSpPr>
+          <p:cNvPr id="100" name="PlaceHolder 1"/>
+          <p:cNvSpPr>
+            <a:spLocks noGrp="1"/>
+          </p:cNvSpPr>
+          <p:nvPr>
+            <p:ph type="title"/>
+          </p:nvPr>
+        </p:nvSpPr>
+        <p:spPr>
+          <a:xfrm>
+            <a:off x="686880" y="1153440"/>
+            <a:ext cx="3200040" cy="4460760"/>
+          </a:xfrm>
+          <a:prstGeom prst="rect">
+            <a:avLst/>
+          </a:prstGeom>
+          <a:noFill/>
+          <a:ln w="0">
+            <a:noFill/>
+          </a:ln>
+        </p:spPr>
+        <p:txBody>
+          <a:bodyPr anchor="ctr">
+            <a:normAutofit/>
+          </a:bodyPr>
+          <a:lstStyle/>
+          <a:p>
+            <a:pPr indent="0">
+              <a:lnSpc>
+                <a:spcPct val="90000"/>
+              </a:lnSpc>
+              <a:buNone/>
+            </a:pPr>
+            <a:r>
+              <a:rPr lang="en-US" spc="-1" dirty="0">
+                <a:solidFill>
+                  <a:srgbClr val="FFFFFF"/>
+                </a:solidFill>
+                <a:latin typeface="Calibri Light"/>
+              </a:rPr>
+              <a:t>Conclusion</a:t>
+            </a:r>
+            <a:endParaRPr lang="en-US" sz="4400" b="0" strike="noStrike" spc="-1" dirty="0">
+              <a:solidFill>
+                <a:srgbClr val="000000"/>
+              </a:solidFill>
+              <a:latin typeface="Calibri"/>
+            </a:endParaRPr>
+          </a:p>
+        </p:txBody>
+      </p:sp>
+      <p:sp>
+        <p:nvSpPr>
+          <p:cNvPr id="101" name="Arc 11"/>
+          <p:cNvSpPr/>
+          <p:nvPr/>
+        </p:nvSpPr>
+        <p:spPr>
+          <a:xfrm flipV="1">
+            <a:off x="7550280" y="2455200"/>
+            <a:ext cx="4083120" cy="4083120"/>
+          </a:xfrm>
+          <a:prstGeom prst="arc">
+            <a:avLst>
+              <a:gd name="adj1" fmla="val 16200000"/>
+              <a:gd name="adj2" fmla="val 0"/>
+            </a:avLst>
+          </a:prstGeom>
+          <a:noFill/>
+          <a:ln w="127000" cap="rnd">
+            <a:solidFill>
+              <a:srgbClr val="FFC000"/>
+            </a:solidFill>
+            <a:prstDash val="dash"/>
+          </a:ln>
+        </p:spPr>
+        <p:style>
+          <a:lnRef idx="1">
+            <a:schemeClr val="accent1"/>
+          </a:lnRef>
+          <a:fillRef idx="0">
+            <a:schemeClr val="accent1"/>
+          </a:fillRef>
+          <a:effectRef idx="0">
+            <a:schemeClr val="accent1"/>
+          </a:effectRef>
+          <a:fontRef idx="minor"/>
+        </p:style>
+        <p:txBody>
+          <a:bodyPr lIns="90000" tIns="45000" rIns="90000" bIns="45000" anchor="ctr">
+            <a:noAutofit/>
+          </a:bodyPr>
+          <a:lstStyle/>
+          <a:p>
+            <a:pPr algn="ctr">
+              <a:lnSpc>
+                <a:spcPct val="100000"/>
+              </a:lnSpc>
+            </a:pPr>
+            <a:endParaRPr lang="en-US" sz="1800" b="0" strike="noStrike" spc="-1">
+              <a:solidFill>
+                <a:srgbClr val="000000"/>
+              </a:solidFill>
+              <a:latin typeface="Calibri"/>
+            </a:endParaRPr>
+          </a:p>
+        </p:txBody>
+      </p:sp>
+      <p:sp>
+        <p:nvSpPr>
+          <p:cNvPr id="102" name="PlaceHolder 2"/>
+          <p:cNvSpPr>
+            <a:spLocks noGrp="1"/>
+          </p:cNvSpPr>
+          <p:nvPr>
+            <p:ph/>
+          </p:nvPr>
+        </p:nvSpPr>
+        <p:spPr>
+          <a:xfrm>
+            <a:off x="4447440" y="591480"/>
+            <a:ext cx="6906240" cy="5585400"/>
+          </a:xfrm>
+          <a:prstGeom prst="rect">
+            <a:avLst/>
+          </a:prstGeom>
+          <a:noFill/>
+          <a:ln w="0">
+            <a:noFill/>
+          </a:ln>
+        </p:spPr>
+        <p:txBody>
+          <a:bodyPr anchor="ctr">
+            <a:normAutofit/>
+          </a:bodyPr>
+          <a:lstStyle/>
+          <a:p>
+            <a:pPr marL="800100" indent="-571500">
+              <a:lnSpc>
+                <a:spcPct val="100000"/>
+              </a:lnSpc>
+              <a:tabLst>
+                <a:tab pos="0" algn="l"/>
+              </a:tabLst>
+            </a:pPr>
+            <a:endParaRPr lang="en-US" sz="4000" spc="-1" dirty="0">
+              <a:solidFill>
+                <a:srgbClr val="000000"/>
+              </a:solidFill>
+              <a:latin typeface="Calibri"/>
+            </a:endParaRPr>
+          </a:p>
+          <a:p>
+            <a:pPr marL="800100" indent="-571500">
+              <a:lnSpc>
+                <a:spcPct val="100000"/>
+              </a:lnSpc>
+              <a:tabLst>
+                <a:tab pos="0" algn="l"/>
+              </a:tabLst>
+            </a:pPr>
+            <a:r>
+              <a:rPr lang="en-US" sz="4000" b="0" strike="noStrike" spc="-1" dirty="0">
+                <a:solidFill>
+                  <a:srgbClr val="000000"/>
+                </a:solidFill>
+                <a:latin typeface="Calibri"/>
+              </a:rPr>
+              <a:t>Harness the power of Amazon without the commission on each product sold</a:t>
+            </a:r>
+          </a:p>
+          <a:p>
+            <a:pPr marL="800100" indent="-571500">
+              <a:lnSpc>
+                <a:spcPct val="100000"/>
+              </a:lnSpc>
+              <a:tabLst>
+                <a:tab pos="0" algn="l"/>
+              </a:tabLst>
+            </a:pPr>
+            <a:r>
+              <a:rPr lang="en-US" sz="4000" spc="-1" dirty="0">
+                <a:solidFill>
+                  <a:srgbClr val="000000"/>
+                </a:solidFill>
+                <a:latin typeface="Calibri"/>
+              </a:rPr>
+              <a:t>Enjoy unrivaled scalability to meet modern business demands</a:t>
+            </a:r>
+            <a:r>
+              <a:rPr lang="en-US" sz="4000" b="0" strike="noStrike" spc="-1" dirty="0">
+                <a:solidFill>
+                  <a:srgbClr val="000000"/>
+                </a:solidFill>
+                <a:latin typeface="Calibri"/>
+              </a:rPr>
+              <a:t> </a:t>
+            </a:r>
+          </a:p>
+          <a:p>
+            <a:pPr marL="800100" indent="-571500">
+              <a:lnSpc>
+                <a:spcPct val="100000"/>
+              </a:lnSpc>
+              <a:tabLst>
+                <a:tab pos="0" algn="l"/>
+              </a:tabLst>
+            </a:pPr>
+            <a:endParaRPr lang="en-US" sz="4000" b="0" strike="noStrike" spc="-1" dirty="0">
+              <a:solidFill>
+                <a:srgbClr val="000000"/>
+              </a:solidFill>
+              <a:latin typeface="Calibri"/>
+            </a:endParaRPr>
+          </a:p>
+        </p:txBody>
+      </p:sp>
     </p:spTree>
+    <p:extLst>
+      <p:ext uri="{BB962C8B-B14F-4D97-AF65-F5344CB8AC3E}">
+        <p14:creationId xmlns:p14="http://schemas.microsoft.com/office/powerpoint/2010/main" val="180922120"/>
+      </p:ext>
+    </p:extLst>
   </p:cSld>
   <p:clrMapOvr>
     <a:masterClrMapping/>
